--- a/Use case Description.pptx
+++ b/Use case Description.pptx
@@ -264,7 +264,7 @@
           <a:p>
             <a:fld id="{6E115D2A-B720-DA4C-BD7C-758C4A1989AB}" type="datetimeFigureOut">
               <a:rPr kumimoji="1" lang="ko-Kore-KR" altLang="en-US" smtClean="0"/>
-              <a:t>2022. 4. 30.</a:t>
+              <a:t>05/01/2022</a:t>
             </a:fld>
             <a:endParaRPr kumimoji="1" lang="ko-Kore-KR" altLang="en-US"/>
           </a:p>
@@ -464,7 +464,7 @@
           <a:p>
             <a:fld id="{6E115D2A-B720-DA4C-BD7C-758C4A1989AB}" type="datetimeFigureOut">
               <a:rPr kumimoji="1" lang="ko-Kore-KR" altLang="en-US" smtClean="0"/>
-              <a:t>2022. 4. 30.</a:t>
+              <a:t>05/01/2022</a:t>
             </a:fld>
             <a:endParaRPr kumimoji="1" lang="ko-Kore-KR" altLang="en-US"/>
           </a:p>
@@ -674,7 +674,7 @@
           <a:p>
             <a:fld id="{6E115D2A-B720-DA4C-BD7C-758C4A1989AB}" type="datetimeFigureOut">
               <a:rPr kumimoji="1" lang="ko-Kore-KR" altLang="en-US" smtClean="0"/>
-              <a:t>2022. 4. 30.</a:t>
+              <a:t>05/01/2022</a:t>
             </a:fld>
             <a:endParaRPr kumimoji="1" lang="ko-Kore-KR" altLang="en-US"/>
           </a:p>
@@ -874,7 +874,7 @@
           <a:p>
             <a:fld id="{6E115D2A-B720-DA4C-BD7C-758C4A1989AB}" type="datetimeFigureOut">
               <a:rPr kumimoji="1" lang="ko-Kore-KR" altLang="en-US" smtClean="0"/>
-              <a:t>2022. 4. 30.</a:t>
+              <a:t>05/01/2022</a:t>
             </a:fld>
             <a:endParaRPr kumimoji="1" lang="ko-Kore-KR" altLang="en-US"/>
           </a:p>
@@ -1150,7 +1150,7 @@
           <a:p>
             <a:fld id="{6E115D2A-B720-DA4C-BD7C-758C4A1989AB}" type="datetimeFigureOut">
               <a:rPr kumimoji="1" lang="ko-Kore-KR" altLang="en-US" smtClean="0"/>
-              <a:t>2022. 4. 30.</a:t>
+              <a:t>05/01/2022</a:t>
             </a:fld>
             <a:endParaRPr kumimoji="1" lang="ko-Kore-KR" altLang="en-US"/>
           </a:p>
@@ -1418,7 +1418,7 @@
           <a:p>
             <a:fld id="{6E115D2A-B720-DA4C-BD7C-758C4A1989AB}" type="datetimeFigureOut">
               <a:rPr kumimoji="1" lang="ko-Kore-KR" altLang="en-US" smtClean="0"/>
-              <a:t>2022. 4. 30.</a:t>
+              <a:t>05/01/2022</a:t>
             </a:fld>
             <a:endParaRPr kumimoji="1" lang="ko-Kore-KR" altLang="en-US"/>
           </a:p>
@@ -1833,7 +1833,7 @@
           <a:p>
             <a:fld id="{6E115D2A-B720-DA4C-BD7C-758C4A1989AB}" type="datetimeFigureOut">
               <a:rPr kumimoji="1" lang="ko-Kore-KR" altLang="en-US" smtClean="0"/>
-              <a:t>2022. 4. 30.</a:t>
+              <a:t>05/01/2022</a:t>
             </a:fld>
             <a:endParaRPr kumimoji="1" lang="ko-Kore-KR" altLang="en-US"/>
           </a:p>
@@ -1975,7 +1975,7 @@
           <a:p>
             <a:fld id="{6E115D2A-B720-DA4C-BD7C-758C4A1989AB}" type="datetimeFigureOut">
               <a:rPr kumimoji="1" lang="ko-Kore-KR" altLang="en-US" smtClean="0"/>
-              <a:t>2022. 4. 30.</a:t>
+              <a:t>05/01/2022</a:t>
             </a:fld>
             <a:endParaRPr kumimoji="1" lang="ko-Kore-KR" altLang="en-US"/>
           </a:p>
@@ -2088,7 +2088,7 @@
           <a:p>
             <a:fld id="{6E115D2A-B720-DA4C-BD7C-758C4A1989AB}" type="datetimeFigureOut">
               <a:rPr kumimoji="1" lang="ko-Kore-KR" altLang="en-US" smtClean="0"/>
-              <a:t>2022. 4. 30.</a:t>
+              <a:t>05/01/2022</a:t>
             </a:fld>
             <a:endParaRPr kumimoji="1" lang="ko-Kore-KR" altLang="en-US"/>
           </a:p>
@@ -2401,7 +2401,7 @@
           <a:p>
             <a:fld id="{6E115D2A-B720-DA4C-BD7C-758C4A1989AB}" type="datetimeFigureOut">
               <a:rPr kumimoji="1" lang="ko-Kore-KR" altLang="en-US" smtClean="0"/>
-              <a:t>2022. 4. 30.</a:t>
+              <a:t>05/01/2022</a:t>
             </a:fld>
             <a:endParaRPr kumimoji="1" lang="ko-Kore-KR" altLang="en-US"/>
           </a:p>
@@ -2690,7 +2690,7 @@
           <a:p>
             <a:fld id="{6E115D2A-B720-DA4C-BD7C-758C4A1989AB}" type="datetimeFigureOut">
               <a:rPr kumimoji="1" lang="ko-Kore-KR" altLang="en-US" smtClean="0"/>
-              <a:t>2022. 4. 30.</a:t>
+              <a:t>05/01/2022</a:t>
             </a:fld>
             <a:endParaRPr kumimoji="1" lang="ko-Kore-KR" altLang="en-US"/>
           </a:p>
@@ -2933,7 +2933,7 @@
           <a:p>
             <a:fld id="{6E115D2A-B720-DA4C-BD7C-758C4A1989AB}" type="datetimeFigureOut">
               <a:rPr kumimoji="1" lang="ko-Kore-KR" altLang="en-US" smtClean="0"/>
-              <a:t>2022. 4. 30.</a:t>
+              <a:t>05/01/2022</a:t>
             </a:fld>
             <a:endParaRPr kumimoji="1" lang="ko-Kore-KR" altLang="en-US"/>
           </a:p>
@@ -3747,7 +3747,7 @@
           <p:nvPr>
             <p:extLst>
               <p:ext uri="{D42A27DB-BD31-4B8C-83A1-F6EECF244321}">
-                <p14:modId xmlns:p14="http://schemas.microsoft.com/office/powerpoint/2010/main" val="3454570935"/>
+                <p14:modId xmlns:p14="http://schemas.microsoft.com/office/powerpoint/2010/main" val="3127761994"/>
               </p:ext>
             </p:extLst>
           </p:nvPr>
@@ -4040,7 +4040,19 @@
                       </a:r>
                       <a:r>
                         <a:rPr lang="ko-Kore-KR" altLang="en-US" dirty="0"/>
-                        <a:t>번 이후에 사용자는 각 칸의 정보들을 수정할 수 있다</a:t>
+                        <a:t>번 이후에 사용자는 각 칸의 정보들을 수정</a:t>
+                      </a:r>
+                      <a:r>
+                        <a:rPr lang="en-US" altLang="en-US" dirty="0"/>
+                        <a:t>,</a:t>
+                      </a:r>
+                      <a:r>
+                        <a:rPr lang="ko-KR" altLang="en-US" dirty="0"/>
+                        <a:t>삭제</a:t>
+                      </a:r>
+                      <a:r>
+                        <a:rPr lang="ko-Kore-KR" altLang="en-US" dirty="0"/>
+                        <a:t>할 수 있다</a:t>
                       </a:r>
                     </a:p>
                   </a:txBody>

--- a/Use case Description.pptx
+++ b/Use case Description.pptx
@@ -9,6 +9,7 @@
     <p:sldId id="263" r:id="rId3"/>
     <p:sldId id="264" r:id="rId4"/>
     <p:sldId id="265" r:id="rId5"/>
+    <p:sldId id="266" r:id="rId6"/>
   </p:sldIdLst>
   <p:sldSz cx="12192000" cy="6858000"/>
   <p:notesSz cx="6858000" cy="9144000"/>
@@ -264,7 +265,7 @@
           <a:p>
             <a:fld id="{6E115D2A-B720-DA4C-BD7C-758C4A1989AB}" type="datetimeFigureOut">
               <a:rPr kumimoji="1" lang="ko-Kore-KR" altLang="en-US" smtClean="0"/>
-              <a:t>05/01/2022</a:t>
+              <a:t>2022. 5. 1.</a:t>
             </a:fld>
             <a:endParaRPr kumimoji="1" lang="ko-Kore-KR" altLang="en-US"/>
           </a:p>
@@ -464,7 +465,7 @@
           <a:p>
             <a:fld id="{6E115D2A-B720-DA4C-BD7C-758C4A1989AB}" type="datetimeFigureOut">
               <a:rPr kumimoji="1" lang="ko-Kore-KR" altLang="en-US" smtClean="0"/>
-              <a:t>05/01/2022</a:t>
+              <a:t>2022. 5. 1.</a:t>
             </a:fld>
             <a:endParaRPr kumimoji="1" lang="ko-Kore-KR" altLang="en-US"/>
           </a:p>
@@ -674,7 +675,7 @@
           <a:p>
             <a:fld id="{6E115D2A-B720-DA4C-BD7C-758C4A1989AB}" type="datetimeFigureOut">
               <a:rPr kumimoji="1" lang="ko-Kore-KR" altLang="en-US" smtClean="0"/>
-              <a:t>05/01/2022</a:t>
+              <a:t>2022. 5. 1.</a:t>
             </a:fld>
             <a:endParaRPr kumimoji="1" lang="ko-Kore-KR" altLang="en-US"/>
           </a:p>
@@ -874,7 +875,7 @@
           <a:p>
             <a:fld id="{6E115D2A-B720-DA4C-BD7C-758C4A1989AB}" type="datetimeFigureOut">
               <a:rPr kumimoji="1" lang="ko-Kore-KR" altLang="en-US" smtClean="0"/>
-              <a:t>05/01/2022</a:t>
+              <a:t>2022. 5. 1.</a:t>
             </a:fld>
             <a:endParaRPr kumimoji="1" lang="ko-Kore-KR" altLang="en-US"/>
           </a:p>
@@ -1150,7 +1151,7 @@
           <a:p>
             <a:fld id="{6E115D2A-B720-DA4C-BD7C-758C4A1989AB}" type="datetimeFigureOut">
               <a:rPr kumimoji="1" lang="ko-Kore-KR" altLang="en-US" smtClean="0"/>
-              <a:t>05/01/2022</a:t>
+              <a:t>2022. 5. 1.</a:t>
             </a:fld>
             <a:endParaRPr kumimoji="1" lang="ko-Kore-KR" altLang="en-US"/>
           </a:p>
@@ -1418,7 +1419,7 @@
           <a:p>
             <a:fld id="{6E115D2A-B720-DA4C-BD7C-758C4A1989AB}" type="datetimeFigureOut">
               <a:rPr kumimoji="1" lang="ko-Kore-KR" altLang="en-US" smtClean="0"/>
-              <a:t>05/01/2022</a:t>
+              <a:t>2022. 5. 1.</a:t>
             </a:fld>
             <a:endParaRPr kumimoji="1" lang="ko-Kore-KR" altLang="en-US"/>
           </a:p>
@@ -1833,7 +1834,7 @@
           <a:p>
             <a:fld id="{6E115D2A-B720-DA4C-BD7C-758C4A1989AB}" type="datetimeFigureOut">
               <a:rPr kumimoji="1" lang="ko-Kore-KR" altLang="en-US" smtClean="0"/>
-              <a:t>05/01/2022</a:t>
+              <a:t>2022. 5. 1.</a:t>
             </a:fld>
             <a:endParaRPr kumimoji="1" lang="ko-Kore-KR" altLang="en-US"/>
           </a:p>
@@ -1975,7 +1976,7 @@
           <a:p>
             <a:fld id="{6E115D2A-B720-DA4C-BD7C-758C4A1989AB}" type="datetimeFigureOut">
               <a:rPr kumimoji="1" lang="ko-Kore-KR" altLang="en-US" smtClean="0"/>
-              <a:t>05/01/2022</a:t>
+              <a:t>2022. 5. 1.</a:t>
             </a:fld>
             <a:endParaRPr kumimoji="1" lang="ko-Kore-KR" altLang="en-US"/>
           </a:p>
@@ -2088,7 +2089,7 @@
           <a:p>
             <a:fld id="{6E115D2A-B720-DA4C-BD7C-758C4A1989AB}" type="datetimeFigureOut">
               <a:rPr kumimoji="1" lang="ko-Kore-KR" altLang="en-US" smtClean="0"/>
-              <a:t>05/01/2022</a:t>
+              <a:t>2022. 5. 1.</a:t>
             </a:fld>
             <a:endParaRPr kumimoji="1" lang="ko-Kore-KR" altLang="en-US"/>
           </a:p>
@@ -2401,7 +2402,7 @@
           <a:p>
             <a:fld id="{6E115D2A-B720-DA4C-BD7C-758C4A1989AB}" type="datetimeFigureOut">
               <a:rPr kumimoji="1" lang="ko-Kore-KR" altLang="en-US" smtClean="0"/>
-              <a:t>05/01/2022</a:t>
+              <a:t>2022. 5. 1.</a:t>
             </a:fld>
             <a:endParaRPr kumimoji="1" lang="ko-Kore-KR" altLang="en-US"/>
           </a:p>
@@ -2690,7 +2691,7 @@
           <a:p>
             <a:fld id="{6E115D2A-B720-DA4C-BD7C-758C4A1989AB}" type="datetimeFigureOut">
               <a:rPr kumimoji="1" lang="ko-Kore-KR" altLang="en-US" smtClean="0"/>
-              <a:t>05/01/2022</a:t>
+              <a:t>2022. 5. 1.</a:t>
             </a:fld>
             <a:endParaRPr kumimoji="1" lang="ko-Kore-KR" altLang="en-US"/>
           </a:p>
@@ -2933,7 +2934,7 @@
           <a:p>
             <a:fld id="{6E115D2A-B720-DA4C-BD7C-758C4A1989AB}" type="datetimeFigureOut">
               <a:rPr kumimoji="1" lang="ko-Kore-KR" altLang="en-US" smtClean="0"/>
-              <a:t>05/01/2022</a:t>
+              <a:t>2022. 5. 1.</a:t>
             </a:fld>
             <a:endParaRPr kumimoji="1" lang="ko-Kore-KR" altLang="en-US"/>
           </a:p>
@@ -4503,7 +4504,7 @@
           <p:nvPr>
             <p:extLst>
               <p:ext uri="{D42A27DB-BD31-4B8C-83A1-F6EECF244321}">
-                <p14:modId xmlns:p14="http://schemas.microsoft.com/office/powerpoint/2010/main" val="3484260561"/>
+                <p14:modId xmlns:p14="http://schemas.microsoft.com/office/powerpoint/2010/main" val="2782894512"/>
               </p:ext>
             </p:extLst>
           </p:nvPr>
@@ -4654,7 +4655,7 @@
                       </a:r>
                       <a:r>
                         <a:rPr lang="ko-KR" altLang="en-US" dirty="0"/>
-                        <a:t>행당 상품의 상태를 판매완료로 바꾼다</a:t>
+                        <a:t>해당 상품의 상태를 판매완료로 바꾼다</a:t>
                       </a:r>
                       <a:endParaRPr lang="ko-Kore-KR" altLang="en-US" dirty="0"/>
                     </a:p>
@@ -5531,14 +5532,14 @@
           <p:nvPr>
             <p:extLst>
               <p:ext uri="{D42A27DB-BD31-4B8C-83A1-F6EECF244321}">
-                <p14:modId xmlns:p14="http://schemas.microsoft.com/office/powerpoint/2010/main" val="3224897689"/>
+                <p14:modId xmlns:p14="http://schemas.microsoft.com/office/powerpoint/2010/main" val="2136005338"/>
               </p:ext>
             </p:extLst>
           </p:nvPr>
         </p:nvGraphicFramePr>
         <p:xfrm>
           <a:off x="881063" y="871537"/>
-          <a:ext cx="10429873" cy="1672326"/>
+          <a:ext cx="10429873" cy="1499603"/>
         </p:xfrm>
         <a:graphic>
           <a:graphicData uri="http://schemas.openxmlformats.org/drawingml/2006/table">
@@ -5635,15 +5636,15 @@
                         <a:defRPr/>
                       </a:pPr>
                       <a:r>
-                        <a:rPr lang="en-US" altLang="ko-Kore-KR" dirty="0"/>
+                        <a:rPr lang="en-US" altLang="ko-Kore-KR" sz="1600" dirty="0"/>
                         <a:t>1</a:t>
                       </a:r>
                       <a:r>
-                        <a:rPr lang="en-US" altLang="ko-KR" dirty="0"/>
+                        <a:rPr lang="en-US" altLang="ko-KR" sz="1600" dirty="0"/>
                         <a:t>.</a:t>
                       </a:r>
                       <a:r>
-                        <a:rPr lang="ko-KR" altLang="en-US" sz="1800" kern="1200" dirty="0">
+                        <a:rPr lang="ko-KR" altLang="en-US" sz="1600" kern="1200" dirty="0">
                           <a:solidFill>
                             <a:schemeClr val="tx1"/>
                           </a:solidFill>
@@ -5654,7 +5655,7 @@
                         </a:rPr>
                         <a:t> 매월 말일이 되면 구매 통계 정보 공지 이벤트가 공지를 보낼 것을 요청한다</a:t>
                       </a:r>
-                      <a:endParaRPr lang="ko-Kore-KR" altLang="en-US" dirty="0"/>
+                      <a:endParaRPr lang="ko-Kore-KR" altLang="en-US" sz="1600" dirty="0"/>
                     </a:p>
                   </a:txBody>
                   <a:tcPr anchor="ctr">
@@ -5673,18 +5674,18 @@
                     <a:lstStyle/>
                     <a:p>
                       <a:r>
-                        <a:rPr lang="en-US" altLang="ko-Kore-KR" dirty="0"/>
+                        <a:rPr lang="en-US" altLang="ko-Kore-KR" sz="1600" dirty="0"/>
                         <a:t>2</a:t>
                       </a:r>
                       <a:r>
-                        <a:rPr lang="en-US" altLang="ko-KR" dirty="0"/>
+                        <a:rPr lang="en-US" altLang="ko-KR" sz="1600" dirty="0"/>
                         <a:t>.</a:t>
                       </a:r>
                       <a:r>
-                        <a:rPr lang="ko-KR" altLang="en-US" dirty="0"/>
+                        <a:rPr lang="ko-KR" altLang="en-US" sz="1600" dirty="0"/>
                         <a:t>이메일 시스템에 공지 내용 송신을 요청한다</a:t>
                       </a:r>
-                      <a:endParaRPr lang="en-US" altLang="ko-KR" dirty="0"/>
+                      <a:endParaRPr lang="en-US" altLang="ko-KR" sz="1600" dirty="0"/>
                     </a:p>
                   </a:txBody>
                   <a:tcPr anchor="ctr">
@@ -5727,18 +5728,18 @@
                         <a:defRPr/>
                       </a:pPr>
                       <a:r>
-                        <a:rPr lang="en-US" altLang="ko-Kore-KR" dirty="0"/>
+                        <a:rPr lang="en-US" altLang="ko-Kore-KR" sz="1600" dirty="0"/>
                         <a:t>3</a:t>
                       </a:r>
                       <a:r>
-                        <a:rPr lang="en-US" altLang="ko-KR" dirty="0"/>
+                        <a:rPr lang="en-US" altLang="ko-KR" sz="1600" dirty="0"/>
                         <a:t>.</a:t>
                       </a:r>
                       <a:r>
-                        <a:rPr lang="ko-KR" altLang="en-US" dirty="0"/>
+                        <a:rPr lang="ko-KR" altLang="en-US" sz="1600" dirty="0"/>
                         <a:t>이메일 시스템이 공지내용을 사용자 이메일에 보낸다</a:t>
                       </a:r>
-                      <a:endParaRPr lang="ko-Kore-KR" altLang="en-US" dirty="0"/>
+                      <a:endParaRPr lang="ko-Kore-KR" altLang="en-US" sz="1600" dirty="0"/>
                     </a:p>
                   </a:txBody>
                   <a:tcPr anchor="ctr">
@@ -5756,7 +5757,7 @@
                     <a:bodyPr/>
                     <a:lstStyle/>
                     <a:p>
-                      <a:endParaRPr lang="en-US" altLang="ko-KR" dirty="0"/>
+                      <a:endParaRPr lang="en-US" altLang="ko-KR" sz="1600" dirty="0"/>
                     </a:p>
                   </a:txBody>
                   <a:tcPr anchor="ctr">
@@ -5818,10 +5819,971 @@
           </a:p>
         </p:txBody>
       </p:sp>
+      <p:graphicFrame>
+        <p:nvGraphicFramePr>
+          <p:cNvPr id="3" name="표 2">
+            <a:extLst>
+              <a:ext uri="{FF2B5EF4-FFF2-40B4-BE49-F238E27FC236}">
+                <a16:creationId xmlns:a16="http://schemas.microsoft.com/office/drawing/2014/main" id="{CB5AD592-DD4C-3C36-96DE-DD6E8B523E01}"/>
+              </a:ext>
+            </a:extLst>
+          </p:cNvPr>
+          <p:cNvGraphicFramePr>
+            <a:graphicFrameLocks noGrp="1"/>
+          </p:cNvGraphicFramePr>
+          <p:nvPr>
+            <p:extLst>
+              <p:ext uri="{D42A27DB-BD31-4B8C-83A1-F6EECF244321}">
+                <p14:modId xmlns:p14="http://schemas.microsoft.com/office/powerpoint/2010/main" val="320122419"/>
+              </p:ext>
+            </p:extLst>
+          </p:nvPr>
+        </p:nvGraphicFramePr>
+        <p:xfrm>
+          <a:off x="881061" y="3489459"/>
+          <a:ext cx="5214937" cy="2848837"/>
+        </p:xfrm>
+        <a:graphic>
+          <a:graphicData uri="http://schemas.openxmlformats.org/drawingml/2006/table">
+            <a:tbl>
+              <a:tblPr firstRow="1" bandRow="1">
+                <a:tableStyleId>{69012ECD-51FC-41F1-AA8D-1B2483CD663E}</a:tableStyleId>
+              </a:tblPr>
+              <a:tblGrid>
+                <a:gridCol w="2539216">
+                  <a:extLst>
+                    <a:ext uri="{9D8B030D-6E8A-4147-A177-3AD203B41FA5}">
+                      <a16:colId xmlns:a16="http://schemas.microsoft.com/office/drawing/2014/main" val="3503872160"/>
+                    </a:ext>
+                  </a:extLst>
+                </a:gridCol>
+                <a:gridCol w="2675721">
+                  <a:extLst>
+                    <a:ext uri="{9D8B030D-6E8A-4147-A177-3AD203B41FA5}">
+                      <a16:colId xmlns:a16="http://schemas.microsoft.com/office/drawing/2014/main" val="2654836194"/>
+                    </a:ext>
+                  </a:extLst>
+                </a:gridCol>
+              </a:tblGrid>
+              <a:tr h="484144">
+                <a:tc>
+                  <a:txBody>
+                    <a:bodyPr/>
+                    <a:lstStyle/>
+                    <a:p>
+                      <a:r>
+                        <a:rPr lang="en-US" altLang="ko-Kore-KR" sz="1600" dirty="0"/>
+                        <a:t>Actor Action</a:t>
+                      </a:r>
+                      <a:endParaRPr lang="ko-Kore-KR" altLang="en-US" sz="1600" dirty="0"/>
+                    </a:p>
+                  </a:txBody>
+                  <a:tcPr>
+                    <a:solidFill>
+                      <a:schemeClr val="accent1">
+                        <a:lumMod val="60000"/>
+                        <a:lumOff val="40000"/>
+                      </a:schemeClr>
+                    </a:solidFill>
+                  </a:tcPr>
+                </a:tc>
+                <a:tc>
+                  <a:txBody>
+                    <a:bodyPr/>
+                    <a:lstStyle/>
+                    <a:p>
+                      <a:r>
+                        <a:rPr lang="en-US" altLang="ko-Kore-KR" sz="1600" dirty="0"/>
+                        <a:t>System Response</a:t>
+                      </a:r>
+                      <a:endParaRPr lang="ko-Kore-KR" altLang="en-US" sz="1600" dirty="0"/>
+                    </a:p>
+                  </a:txBody>
+                  <a:tcPr>
+                    <a:solidFill>
+                      <a:schemeClr val="accent1">
+                        <a:lumMod val="60000"/>
+                        <a:lumOff val="40000"/>
+                      </a:schemeClr>
+                    </a:solidFill>
+                  </a:tcPr>
+                </a:tc>
+                <a:extLst>
+                  <a:ext uri="{0D108BD9-81ED-4DB2-BD59-A6C34878D82A}">
+                    <a16:rowId xmlns:a16="http://schemas.microsoft.com/office/drawing/2014/main" val="2551893293"/>
+                  </a:ext>
+                </a:extLst>
+              </a:tr>
+              <a:tr h="1297893">
+                <a:tc>
+                  <a:txBody>
+                    <a:bodyPr/>
+                    <a:lstStyle/>
+                    <a:p>
+                      <a:pPr marL="0" marR="0" lvl="0" indent="0" algn="l" defTabSz="914400" rtl="0" eaLnBrk="1" fontAlgn="auto" latinLnBrk="0" hangingPunct="1">
+                        <a:lnSpc>
+                          <a:spcPct val="100000"/>
+                        </a:lnSpc>
+                        <a:spcBef>
+                          <a:spcPts val="0"/>
+                        </a:spcBef>
+                        <a:spcAft>
+                          <a:spcPts val="0"/>
+                        </a:spcAft>
+                        <a:buClrTx/>
+                        <a:buSzTx/>
+                        <a:buFontTx/>
+                        <a:buNone/>
+                        <a:tabLst/>
+                        <a:defRPr/>
+                      </a:pPr>
+                      <a:r>
+                        <a:rPr lang="en-US" altLang="ko-Kore-KR" sz="1600" dirty="0"/>
+                        <a:t>1.</a:t>
+                      </a:r>
+                      <a:r>
+                        <a:rPr lang="ko-KR" altLang="en-US" sz="1600" dirty="0"/>
+                        <a:t>  구매자가 검색 조건</a:t>
+                      </a:r>
+                      <a:r>
+                        <a:rPr lang="en-US" altLang="ko-KR" sz="1600" dirty="0"/>
+                        <a:t>(</a:t>
+                      </a:r>
+                      <a:r>
+                        <a:rPr lang="ko-KR" altLang="en-US" sz="1600" dirty="0"/>
+                        <a:t>상품명</a:t>
+                      </a:r>
+                      <a:r>
+                        <a:rPr lang="en-US" altLang="ko-KR" sz="1600" dirty="0"/>
+                        <a:t>, </a:t>
+                      </a:r>
+                      <a:r>
+                        <a:rPr lang="ko-KR" altLang="en-US" sz="1600" dirty="0"/>
+                        <a:t>평균 구매만족도 중에 하나</a:t>
+                      </a:r>
+                      <a:r>
+                        <a:rPr lang="en-US" altLang="ko-KR" sz="1600" dirty="0"/>
+                        <a:t>)</a:t>
+                      </a:r>
+                      <a:r>
+                        <a:rPr lang="ko-KR" altLang="en-US" sz="1600" dirty="0"/>
+                        <a:t>을 선택하여 입력한다</a:t>
+                      </a:r>
+                      <a:r>
+                        <a:rPr lang="en-US" altLang="ko-KR" sz="1600" dirty="0"/>
+                        <a:t>.</a:t>
+                      </a:r>
+                      <a:endParaRPr lang="ko-Kore-KR" altLang="en-US" sz="1600" dirty="0"/>
+                    </a:p>
+                  </a:txBody>
+                  <a:tcPr anchor="ctr">
+                    <a:lnR w="12700" cap="flat" cmpd="sng" algn="ctr">
+                      <a:noFill/>
+                      <a:prstDash val="solid"/>
+                      <a:round/>
+                      <a:headEnd type="none" w="med" len="med"/>
+                      <a:tailEnd type="none" w="med" len="med"/>
+                    </a:lnR>
+                  </a:tcPr>
+                </a:tc>
+                <a:tc>
+                  <a:txBody>
+                    <a:bodyPr/>
+                    <a:lstStyle/>
+                    <a:p>
+                      <a:r>
+                        <a:rPr lang="en-US" altLang="ko-Kore-KR" sz="1600" dirty="0"/>
+                        <a:t>2</a:t>
+                      </a:r>
+                      <a:r>
+                        <a:rPr lang="en-US" altLang="ko-KR" sz="1600" dirty="0"/>
+                        <a:t>.</a:t>
+                      </a:r>
+                      <a:r>
+                        <a:rPr lang="ko-KR" altLang="en-US" sz="1600" dirty="0"/>
+                        <a:t> 상품 리스트를 상품명의 오름차순으로 출력한다</a:t>
+                      </a:r>
+                      <a:r>
+                        <a:rPr lang="en-US" altLang="ko-KR" sz="1600" dirty="0"/>
+                        <a:t>.</a:t>
+                      </a:r>
+                    </a:p>
+                  </a:txBody>
+                  <a:tcPr anchor="ctr">
+                    <a:lnL w="12700" cap="flat" cmpd="sng" algn="ctr">
+                      <a:noFill/>
+                      <a:prstDash val="solid"/>
+                      <a:round/>
+                      <a:headEnd type="none" w="med" len="med"/>
+                      <a:tailEnd type="none" w="med" len="med"/>
+                    </a:lnL>
+                  </a:tcPr>
+                </a:tc>
+                <a:extLst>
+                  <a:ext uri="{0D108BD9-81ED-4DB2-BD59-A6C34878D82A}">
+                    <a16:rowId xmlns:a16="http://schemas.microsoft.com/office/drawing/2014/main" val="1854291626"/>
+                  </a:ext>
+                </a:extLst>
+              </a:tr>
+              <a:tr h="998379">
+                <a:tc>
+                  <a:txBody>
+                    <a:bodyPr/>
+                    <a:lstStyle/>
+                    <a:p>
+                      <a:r>
+                        <a:rPr lang="en-US" altLang="ko-Kore-KR" sz="1600" dirty="0"/>
+                        <a:t>Extensions</a:t>
+                      </a:r>
+                    </a:p>
+                    <a:p>
+                      <a:r>
+                        <a:rPr lang="en-US" altLang="ko-KR" sz="1600" dirty="0"/>
+                        <a:t>2</a:t>
+                      </a:r>
+                      <a:r>
+                        <a:rPr lang="ko-Kore-KR" altLang="en-US" sz="1600" dirty="0"/>
+                        <a:t>번 이후에 </a:t>
+                      </a:r>
+                      <a:r>
+                        <a:rPr lang="ko-KR" altLang="en-US" sz="1600" dirty="0"/>
+                        <a:t>사용자가 정렬 기준을 평균 구매만족도로 변경할 수 있다</a:t>
+                      </a:r>
+                      <a:r>
+                        <a:rPr lang="en-US" altLang="ko-KR" sz="1600" dirty="0"/>
+                        <a:t>.</a:t>
+                      </a:r>
+                      <a:endParaRPr lang="ko-Kore-KR" altLang="en-US" sz="1600" dirty="0"/>
+                    </a:p>
+                  </a:txBody>
+                  <a:tcPr anchor="ctr">
+                    <a:lnR w="12700" cap="flat" cmpd="sng" algn="ctr">
+                      <a:noFill/>
+                      <a:prstDash val="solid"/>
+                      <a:round/>
+                      <a:headEnd type="none" w="med" len="med"/>
+                      <a:tailEnd type="none" w="med" len="med"/>
+                    </a:lnR>
+                  </a:tcPr>
+                </a:tc>
+                <a:tc>
+                  <a:txBody>
+                    <a:bodyPr/>
+                    <a:lstStyle/>
+                    <a:p>
+                      <a:endParaRPr lang="en-US" altLang="ko-KR" sz="1600" dirty="0"/>
+                    </a:p>
+                  </a:txBody>
+                  <a:tcPr anchor="ctr">
+                    <a:lnL w="12700" cap="flat" cmpd="sng" algn="ctr">
+                      <a:noFill/>
+                      <a:prstDash val="solid"/>
+                      <a:round/>
+                      <a:headEnd type="none" w="med" len="med"/>
+                      <a:tailEnd type="none" w="med" len="med"/>
+                    </a:lnL>
+                  </a:tcPr>
+                </a:tc>
+                <a:extLst>
+                  <a:ext uri="{0D108BD9-81ED-4DB2-BD59-A6C34878D82A}">
+                    <a16:rowId xmlns:a16="http://schemas.microsoft.com/office/drawing/2014/main" val="4152771464"/>
+                  </a:ext>
+                </a:extLst>
+              </a:tr>
+            </a:tbl>
+          </a:graphicData>
+        </a:graphic>
+      </p:graphicFrame>
+      <p:sp>
+        <p:nvSpPr>
+          <p:cNvPr id="7" name="TextBox 6">
+            <a:extLst>
+              <a:ext uri="{FF2B5EF4-FFF2-40B4-BE49-F238E27FC236}">
+                <a16:creationId xmlns:a16="http://schemas.microsoft.com/office/drawing/2014/main" id="{562F9C20-BC26-DC3B-ABDA-CA7CFE60C72B}"/>
+              </a:ext>
+            </a:extLst>
+          </p:cNvPr>
+          <p:cNvSpPr txBox="1"/>
+          <p:nvPr/>
+        </p:nvSpPr>
+        <p:spPr>
+          <a:xfrm>
+            <a:off x="881062" y="2814544"/>
+            <a:ext cx="7631566" cy="553998"/>
+          </a:xfrm>
+          <a:prstGeom prst="rect">
+            <a:avLst/>
+          </a:prstGeom>
+          <a:noFill/>
+        </p:spPr>
+        <p:txBody>
+          <a:bodyPr wrap="square">
+            <a:spAutoFit/>
+          </a:bodyPr>
+          <a:lstStyle/>
+          <a:p>
+            <a:r>
+              <a:rPr kumimoji="1" lang="en-US" altLang="ko-Kore-KR" sz="3000" dirty="0"/>
+              <a:t>Use case Description : </a:t>
+            </a:r>
+            <a:r>
+              <a:rPr kumimoji="1" lang="ko-KR" altLang="en-US" sz="2500" dirty="0"/>
+              <a:t>상품리스트 검색</a:t>
+            </a:r>
+            <a:endParaRPr kumimoji="1" lang="ko-Kore-KR" altLang="en-US" sz="2500" dirty="0"/>
+          </a:p>
+        </p:txBody>
+      </p:sp>
+      <p:pic>
+        <p:nvPicPr>
+          <p:cNvPr id="9" name="그림 8">
+            <a:extLst>
+              <a:ext uri="{FF2B5EF4-FFF2-40B4-BE49-F238E27FC236}">
+                <a16:creationId xmlns:a16="http://schemas.microsoft.com/office/drawing/2014/main" id="{E58E1FB5-0971-CE81-B333-1DBA79E8EC31}"/>
+              </a:ext>
+            </a:extLst>
+          </p:cNvPr>
+          <p:cNvPicPr>
+            <a:picLocks noChangeAspect="1"/>
+          </p:cNvPicPr>
+          <p:nvPr/>
+        </p:nvPicPr>
+        <p:blipFill>
+          <a:blip r:embed="rId2"/>
+          <a:stretch>
+            <a:fillRect/>
+          </a:stretch>
+        </p:blipFill>
+        <p:spPr>
+          <a:xfrm>
+            <a:off x="6563831" y="3368542"/>
+            <a:ext cx="4127502" cy="3308352"/>
+          </a:xfrm>
+          <a:prstGeom prst="rect">
+            <a:avLst/>
+          </a:prstGeom>
+        </p:spPr>
+      </p:pic>
     </p:spTree>
     <p:extLst>
       <p:ext uri="{BB962C8B-B14F-4D97-AF65-F5344CB8AC3E}">
         <p14:creationId xmlns:p14="http://schemas.microsoft.com/office/powerpoint/2010/main" val="1515800389"/>
+      </p:ext>
+    </p:extLst>
+  </p:cSld>
+  <p:clrMapOvr>
+    <a:masterClrMapping/>
+  </p:clrMapOvr>
+</p:sld>
+</file>
+
+<file path=ppt/slides/slide5.xml><?xml version="1.0" encoding="utf-8"?>
+<p:sld xmlns:a="http://schemas.openxmlformats.org/drawingml/2006/main" xmlns:r="http://schemas.openxmlformats.org/officeDocument/2006/relationships" xmlns:p="http://schemas.openxmlformats.org/presentationml/2006/main">
+  <p:cSld>
+    <p:spTree>
+      <p:nvGrpSpPr>
+        <p:cNvPr id="1" name=""/>
+        <p:cNvGrpSpPr/>
+        <p:nvPr/>
+      </p:nvGrpSpPr>
+      <p:grpSpPr>
+        <a:xfrm>
+          <a:off x="0" y="0"/>
+          <a:ext cx="0" cy="0"/>
+          <a:chOff x="0" y="0"/>
+          <a:chExt cx="0" cy="0"/>
+        </a:xfrm>
+      </p:grpSpPr>
+      <p:graphicFrame>
+        <p:nvGraphicFramePr>
+          <p:cNvPr id="5" name="표 5">
+            <a:extLst>
+              <a:ext uri="{FF2B5EF4-FFF2-40B4-BE49-F238E27FC236}">
+                <a16:creationId xmlns:a16="http://schemas.microsoft.com/office/drawing/2014/main" id="{25EF1930-9264-A2D1-463E-735FB4F1D13A}"/>
+              </a:ext>
+            </a:extLst>
+          </p:cNvPr>
+          <p:cNvGraphicFramePr>
+            <a:graphicFrameLocks noGrp="1"/>
+          </p:cNvGraphicFramePr>
+          <p:nvPr>
+            <p:extLst>
+              <p:ext uri="{D42A27DB-BD31-4B8C-83A1-F6EECF244321}">
+                <p14:modId xmlns:p14="http://schemas.microsoft.com/office/powerpoint/2010/main" val="1364830694"/>
+              </p:ext>
+            </p:extLst>
+          </p:nvPr>
+        </p:nvGraphicFramePr>
+        <p:xfrm>
+          <a:off x="712912" y="920726"/>
+          <a:ext cx="5214935" cy="1946646"/>
+        </p:xfrm>
+        <a:graphic>
+          <a:graphicData uri="http://schemas.openxmlformats.org/drawingml/2006/table">
+            <a:tbl>
+              <a:tblPr firstRow="1" bandRow="1">
+                <a:tableStyleId>{69012ECD-51FC-41F1-AA8D-1B2483CD663E}</a:tableStyleId>
+              </a:tblPr>
+              <a:tblGrid>
+                <a:gridCol w="2537446">
+                  <a:extLst>
+                    <a:ext uri="{9D8B030D-6E8A-4147-A177-3AD203B41FA5}">
+                      <a16:colId xmlns:a16="http://schemas.microsoft.com/office/drawing/2014/main" val="600303152"/>
+                    </a:ext>
+                  </a:extLst>
+                </a:gridCol>
+                <a:gridCol w="2677489">
+                  <a:extLst>
+                    <a:ext uri="{9D8B030D-6E8A-4147-A177-3AD203B41FA5}">
+                      <a16:colId xmlns:a16="http://schemas.microsoft.com/office/drawing/2014/main" val="1510390368"/>
+                    </a:ext>
+                  </a:extLst>
+                </a:gridCol>
+              </a:tblGrid>
+              <a:tr h="392166">
+                <a:tc>
+                  <a:txBody>
+                    <a:bodyPr/>
+                    <a:lstStyle/>
+                    <a:p>
+                      <a:r>
+                        <a:rPr lang="en-US" altLang="ko-Kore-KR" dirty="0"/>
+                        <a:t>Actor Action</a:t>
+                      </a:r>
+                      <a:endParaRPr lang="ko-Kore-KR" altLang="en-US" dirty="0"/>
+                    </a:p>
+                  </a:txBody>
+                  <a:tcPr>
+                    <a:solidFill>
+                      <a:schemeClr val="accent1">
+                        <a:lumMod val="60000"/>
+                        <a:lumOff val="40000"/>
+                      </a:schemeClr>
+                    </a:solidFill>
+                  </a:tcPr>
+                </a:tc>
+                <a:tc>
+                  <a:txBody>
+                    <a:bodyPr/>
+                    <a:lstStyle/>
+                    <a:p>
+                      <a:r>
+                        <a:rPr lang="en-US" altLang="ko-Kore-KR" dirty="0"/>
+                        <a:t>System Response</a:t>
+                      </a:r>
+                      <a:endParaRPr lang="ko-Kore-KR" altLang="en-US" dirty="0"/>
+                    </a:p>
+                  </a:txBody>
+                  <a:tcPr>
+                    <a:solidFill>
+                      <a:schemeClr val="accent1">
+                        <a:lumMod val="60000"/>
+                        <a:lumOff val="40000"/>
+                      </a:schemeClr>
+                    </a:solidFill>
+                  </a:tcPr>
+                </a:tc>
+                <a:extLst>
+                  <a:ext uri="{0D108BD9-81ED-4DB2-BD59-A6C34878D82A}">
+                    <a16:rowId xmlns:a16="http://schemas.microsoft.com/office/drawing/2014/main" val="3057188334"/>
+                  </a:ext>
+                </a:extLst>
+              </a:tr>
+              <a:tr h="528317">
+                <a:tc>
+                  <a:txBody>
+                    <a:bodyPr/>
+                    <a:lstStyle/>
+                    <a:p>
+                      <a:pPr marL="0" marR="0" lvl="0" indent="0" algn="l" defTabSz="914400" rtl="0" eaLnBrk="1" fontAlgn="auto" latinLnBrk="0" hangingPunct="1">
+                        <a:lnSpc>
+                          <a:spcPct val="100000"/>
+                        </a:lnSpc>
+                        <a:spcBef>
+                          <a:spcPts val="0"/>
+                        </a:spcBef>
+                        <a:spcAft>
+                          <a:spcPts val="0"/>
+                        </a:spcAft>
+                        <a:buClrTx/>
+                        <a:buSzTx/>
+                        <a:buFontTx/>
+                        <a:buNone/>
+                        <a:tabLst/>
+                        <a:defRPr/>
+                      </a:pPr>
+                      <a:r>
+                        <a:rPr lang="en-US" altLang="ko-Kore-KR" sz="1600" dirty="0"/>
+                        <a:t>1</a:t>
+                      </a:r>
+                      <a:r>
+                        <a:rPr lang="en-US" altLang="ko-KR" sz="1600" dirty="0"/>
+                        <a:t>.</a:t>
+                      </a:r>
+                      <a:r>
+                        <a:rPr lang="ko-KR" altLang="en-US" sz="1600" kern="1200" dirty="0">
+                          <a:solidFill>
+                            <a:schemeClr val="tx1"/>
+                          </a:solidFill>
+                          <a:effectLst/>
+                          <a:latin typeface="+mn-lt"/>
+                          <a:ea typeface="+mn-ea"/>
+                          <a:cs typeface="+mn-cs"/>
+                        </a:rPr>
+                        <a:t> 출력된 상품 중 구매를 원하는 상품을 선택한다</a:t>
+                      </a:r>
+                      <a:r>
+                        <a:rPr lang="en-US" altLang="ko-KR" sz="1600" kern="1200" dirty="0">
+                          <a:solidFill>
+                            <a:schemeClr val="tx1"/>
+                          </a:solidFill>
+                          <a:effectLst/>
+                          <a:latin typeface="+mn-lt"/>
+                          <a:ea typeface="+mn-ea"/>
+                          <a:cs typeface="+mn-cs"/>
+                        </a:rPr>
+                        <a:t>.</a:t>
+                      </a:r>
+                      <a:endParaRPr lang="ko-Kore-KR" altLang="en-US" sz="1600" dirty="0"/>
+                    </a:p>
+                  </a:txBody>
+                  <a:tcPr anchor="ctr">
+                    <a:lnR w="12700" cap="flat" cmpd="sng" algn="ctr">
+                      <a:noFill/>
+                      <a:prstDash val="solid"/>
+                      <a:round/>
+                      <a:headEnd type="none" w="med" len="med"/>
+                      <a:tailEnd type="none" w="med" len="med"/>
+                    </a:lnR>
+                  </a:tcPr>
+                </a:tc>
+                <a:tc>
+                  <a:txBody>
+                    <a:bodyPr/>
+                    <a:lstStyle/>
+                    <a:p>
+                      <a:r>
+                        <a:rPr lang="en-US" altLang="ko-Kore-KR" sz="1600" dirty="0"/>
+                        <a:t>2</a:t>
+                      </a:r>
+                      <a:r>
+                        <a:rPr lang="en-US" altLang="ko-KR" sz="1600" dirty="0"/>
+                        <a:t>.</a:t>
+                      </a:r>
+                      <a:r>
+                        <a:rPr lang="ko-KR" altLang="en-US" sz="1600" dirty="0"/>
+                        <a:t> 해당 상품의 상세한 정보</a:t>
+                      </a:r>
+                      <a:r>
+                        <a:rPr lang="en-US" altLang="ko-KR" sz="1600" dirty="0"/>
+                        <a:t>(</a:t>
+                      </a:r>
+                      <a:r>
+                        <a:rPr lang="ko-KR" altLang="en-US" sz="1600" dirty="0"/>
+                        <a:t>판매자</a:t>
+                      </a:r>
+                      <a:r>
+                        <a:rPr lang="en-US" altLang="ko-KR" sz="1600" dirty="0"/>
+                        <a:t>, </a:t>
+                      </a:r>
+                      <a:r>
+                        <a:rPr lang="ko-KR" altLang="en-US" sz="1600" dirty="0"/>
+                        <a:t>상품명</a:t>
+                      </a:r>
+                      <a:r>
+                        <a:rPr lang="en-US" altLang="ko-KR" sz="1600" dirty="0"/>
+                        <a:t>, </a:t>
+                      </a:r>
+                      <a:r>
+                        <a:rPr lang="ko-KR" altLang="en-US" sz="1600" dirty="0"/>
+                        <a:t>제작회사명</a:t>
+                      </a:r>
+                      <a:r>
+                        <a:rPr lang="en-US" altLang="ko-KR" sz="1600" dirty="0"/>
+                        <a:t>, </a:t>
+                      </a:r>
+                      <a:r>
+                        <a:rPr lang="ko-KR" altLang="en-US" sz="1600" dirty="0"/>
+                        <a:t>가격</a:t>
+                      </a:r>
+                      <a:r>
+                        <a:rPr lang="en-US" altLang="ko-KR" sz="1600" dirty="0"/>
+                        <a:t>, </a:t>
+                      </a:r>
+                      <a:r>
+                        <a:rPr lang="ko-KR" altLang="en-US" sz="1600" dirty="0"/>
+                        <a:t>남은 수량</a:t>
+                      </a:r>
+                      <a:r>
+                        <a:rPr lang="en-US" altLang="ko-KR" sz="1600" dirty="0"/>
+                        <a:t>, </a:t>
+                      </a:r>
+                      <a:r>
+                        <a:rPr lang="ko-KR" altLang="en-US" sz="1600" dirty="0"/>
+                        <a:t>추가상품</a:t>
+                      </a:r>
+                      <a:r>
+                        <a:rPr lang="en-US" altLang="ko-KR" sz="1600" dirty="0"/>
+                        <a:t>, </a:t>
+                      </a:r>
+                      <a:r>
+                        <a:rPr lang="ko-KR" altLang="en-US" sz="1600" dirty="0"/>
+                        <a:t>추가상품 가격</a:t>
+                      </a:r>
+                      <a:r>
+                        <a:rPr lang="en-US" altLang="ko-KR" sz="1600" dirty="0"/>
+                        <a:t>, </a:t>
+                      </a:r>
+                      <a:r>
+                        <a:rPr lang="ko-KR" altLang="en-US" sz="1600" dirty="0"/>
+                        <a:t>판매 종료일</a:t>
+                      </a:r>
+                      <a:r>
+                        <a:rPr lang="en-US" altLang="ko-KR" sz="1600" dirty="0"/>
+                        <a:t>, </a:t>
+                      </a:r>
+                      <a:r>
+                        <a:rPr lang="ko-KR" altLang="en-US" sz="1600" dirty="0"/>
+                        <a:t>평균 구매만족도</a:t>
+                      </a:r>
+                      <a:r>
+                        <a:rPr lang="en-US" altLang="ko-KR" sz="1600" dirty="0"/>
+                        <a:t>)</a:t>
+                      </a:r>
+                      <a:r>
+                        <a:rPr lang="ko-KR" altLang="en-US" sz="1600" dirty="0"/>
+                        <a:t>가 출력된다</a:t>
+                      </a:r>
+                      <a:r>
+                        <a:rPr lang="en-US" altLang="ko-KR" sz="1600" dirty="0"/>
+                        <a:t>.</a:t>
+                      </a:r>
+                    </a:p>
+                  </a:txBody>
+                  <a:tcPr anchor="ctr">
+                    <a:lnL w="12700" cap="flat" cmpd="sng" algn="ctr">
+                      <a:noFill/>
+                      <a:prstDash val="solid"/>
+                      <a:round/>
+                      <a:headEnd type="none" w="med" len="med"/>
+                      <a:tailEnd type="none" w="med" len="med"/>
+                    </a:lnL>
+                  </a:tcPr>
+                </a:tc>
+                <a:extLst>
+                  <a:ext uri="{0D108BD9-81ED-4DB2-BD59-A6C34878D82A}">
+                    <a16:rowId xmlns:a16="http://schemas.microsoft.com/office/drawing/2014/main" val="3061492118"/>
+                  </a:ext>
+                </a:extLst>
+              </a:tr>
+            </a:tbl>
+          </a:graphicData>
+        </a:graphic>
+      </p:graphicFrame>
+      <p:sp>
+        <p:nvSpPr>
+          <p:cNvPr id="6" name="TextBox 5">
+            <a:extLst>
+              <a:ext uri="{FF2B5EF4-FFF2-40B4-BE49-F238E27FC236}">
+                <a16:creationId xmlns:a16="http://schemas.microsoft.com/office/drawing/2014/main" id="{9843118E-704A-0294-ED7F-31B364AF3FED}"/>
+              </a:ext>
+            </a:extLst>
+          </p:cNvPr>
+          <p:cNvSpPr txBox="1"/>
+          <p:nvPr/>
+        </p:nvSpPr>
+        <p:spPr>
+          <a:xfrm>
+            <a:off x="693084" y="325938"/>
+            <a:ext cx="5590889" cy="461665"/>
+          </a:xfrm>
+          <a:prstGeom prst="rect">
+            <a:avLst/>
+          </a:prstGeom>
+          <a:noFill/>
+        </p:spPr>
+        <p:txBody>
+          <a:bodyPr wrap="none" rtlCol="0">
+            <a:spAutoFit/>
+          </a:bodyPr>
+          <a:lstStyle/>
+          <a:p>
+            <a:r>
+              <a:rPr kumimoji="1" lang="en-US" altLang="ko-Kore-KR" sz="2400" dirty="0"/>
+              <a:t>Use case Description : </a:t>
+            </a:r>
+            <a:r>
+              <a:rPr kumimoji="1" lang="ko-Kore-KR" altLang="en-US" sz="2400" dirty="0"/>
+              <a:t>상품</a:t>
+            </a:r>
+            <a:r>
+              <a:rPr kumimoji="1" lang="ko-KR" altLang="en-US" sz="2400" dirty="0"/>
+              <a:t> 상세정보 출력</a:t>
+            </a:r>
+            <a:endParaRPr kumimoji="1" lang="ko-Kore-KR" altLang="en-US" sz="2400" dirty="0"/>
+          </a:p>
+        </p:txBody>
+      </p:sp>
+      <p:graphicFrame>
+        <p:nvGraphicFramePr>
+          <p:cNvPr id="3" name="표 2">
+            <a:extLst>
+              <a:ext uri="{FF2B5EF4-FFF2-40B4-BE49-F238E27FC236}">
+                <a16:creationId xmlns:a16="http://schemas.microsoft.com/office/drawing/2014/main" id="{CB5AD592-DD4C-3C36-96DE-DD6E8B523E01}"/>
+              </a:ext>
+            </a:extLst>
+          </p:cNvPr>
+          <p:cNvGraphicFramePr>
+            <a:graphicFrameLocks noGrp="1"/>
+          </p:cNvGraphicFramePr>
+          <p:nvPr>
+            <p:extLst>
+              <p:ext uri="{D42A27DB-BD31-4B8C-83A1-F6EECF244321}">
+                <p14:modId xmlns:p14="http://schemas.microsoft.com/office/powerpoint/2010/main" val="3054803825"/>
+              </p:ext>
+            </p:extLst>
+          </p:nvPr>
+        </p:nvGraphicFramePr>
+        <p:xfrm>
+          <a:off x="712910" y="3910289"/>
+          <a:ext cx="5214937" cy="1318458"/>
+        </p:xfrm>
+        <a:graphic>
+          <a:graphicData uri="http://schemas.openxmlformats.org/drawingml/2006/table">
+            <a:tbl>
+              <a:tblPr firstRow="1" bandRow="1">
+                <a:tableStyleId>{69012ECD-51FC-41F1-AA8D-1B2483CD663E}</a:tableStyleId>
+              </a:tblPr>
+              <a:tblGrid>
+                <a:gridCol w="2539216">
+                  <a:extLst>
+                    <a:ext uri="{9D8B030D-6E8A-4147-A177-3AD203B41FA5}">
+                      <a16:colId xmlns:a16="http://schemas.microsoft.com/office/drawing/2014/main" val="3503872160"/>
+                    </a:ext>
+                  </a:extLst>
+                </a:gridCol>
+                <a:gridCol w="2675721">
+                  <a:extLst>
+                    <a:ext uri="{9D8B030D-6E8A-4147-A177-3AD203B41FA5}">
+                      <a16:colId xmlns:a16="http://schemas.microsoft.com/office/drawing/2014/main" val="2654836194"/>
+                    </a:ext>
+                  </a:extLst>
+                </a:gridCol>
+              </a:tblGrid>
+              <a:tr h="358199">
+                <a:tc>
+                  <a:txBody>
+                    <a:bodyPr/>
+                    <a:lstStyle/>
+                    <a:p>
+                      <a:r>
+                        <a:rPr lang="en-US" altLang="ko-Kore-KR" sz="1600" dirty="0"/>
+                        <a:t>Actor Action</a:t>
+                      </a:r>
+                      <a:endParaRPr lang="ko-Kore-KR" altLang="en-US" sz="1600" dirty="0"/>
+                    </a:p>
+                  </a:txBody>
+                  <a:tcPr>
+                    <a:solidFill>
+                      <a:schemeClr val="accent1">
+                        <a:lumMod val="60000"/>
+                        <a:lumOff val="40000"/>
+                      </a:schemeClr>
+                    </a:solidFill>
+                  </a:tcPr>
+                </a:tc>
+                <a:tc>
+                  <a:txBody>
+                    <a:bodyPr/>
+                    <a:lstStyle/>
+                    <a:p>
+                      <a:r>
+                        <a:rPr lang="en-US" altLang="ko-Kore-KR" sz="1600" dirty="0"/>
+                        <a:t>System Response</a:t>
+                      </a:r>
+                      <a:endParaRPr lang="ko-Kore-KR" altLang="en-US" sz="1600" dirty="0"/>
+                    </a:p>
+                  </a:txBody>
+                  <a:tcPr>
+                    <a:solidFill>
+                      <a:schemeClr val="accent1">
+                        <a:lumMod val="60000"/>
+                        <a:lumOff val="40000"/>
+                      </a:schemeClr>
+                    </a:solidFill>
+                  </a:tcPr>
+                </a:tc>
+                <a:extLst>
+                  <a:ext uri="{0D108BD9-81ED-4DB2-BD59-A6C34878D82A}">
+                    <a16:rowId xmlns:a16="http://schemas.microsoft.com/office/drawing/2014/main" val="2551893293"/>
+                  </a:ext>
+                </a:extLst>
+              </a:tr>
+              <a:tr h="960259">
+                <a:tc>
+                  <a:txBody>
+                    <a:bodyPr/>
+                    <a:lstStyle/>
+                    <a:p>
+                      <a:pPr marL="0" marR="0" lvl="0" indent="0" algn="l" defTabSz="914400" rtl="0" eaLnBrk="1" fontAlgn="auto" latinLnBrk="0" hangingPunct="1">
+                        <a:lnSpc>
+                          <a:spcPct val="100000"/>
+                        </a:lnSpc>
+                        <a:spcBef>
+                          <a:spcPts val="0"/>
+                        </a:spcBef>
+                        <a:spcAft>
+                          <a:spcPts val="0"/>
+                        </a:spcAft>
+                        <a:buClrTx/>
+                        <a:buSzTx/>
+                        <a:buFontTx/>
+                        <a:buNone/>
+                        <a:tabLst/>
+                        <a:defRPr/>
+                      </a:pPr>
+                      <a:r>
+                        <a:rPr lang="en-US" altLang="ko-Kore-KR" sz="1600" dirty="0"/>
+                        <a:t>1.</a:t>
+                      </a:r>
+                      <a:r>
+                        <a:rPr lang="ko-KR" altLang="en-US" sz="1600" dirty="0"/>
+                        <a:t>  상품을 선택하면 추가 상품도 같이 선택한다</a:t>
+                      </a:r>
+                      <a:r>
+                        <a:rPr lang="en-US" altLang="ko-KR" sz="1600" dirty="0"/>
+                        <a:t>.</a:t>
+                      </a:r>
+                      <a:endParaRPr lang="ko-Kore-KR" altLang="en-US" sz="1600" dirty="0"/>
+                    </a:p>
+                  </a:txBody>
+                  <a:tcPr anchor="ctr">
+                    <a:lnR w="12700" cap="flat" cmpd="sng" algn="ctr">
+                      <a:noFill/>
+                      <a:prstDash val="solid"/>
+                      <a:round/>
+                      <a:headEnd type="none" w="med" len="med"/>
+                      <a:tailEnd type="none" w="med" len="med"/>
+                    </a:lnR>
+                  </a:tcPr>
+                </a:tc>
+                <a:tc>
+                  <a:txBody>
+                    <a:bodyPr/>
+                    <a:lstStyle/>
+                    <a:p>
+                      <a:r>
+                        <a:rPr lang="en-US" altLang="ko-Kore-KR" sz="1600" dirty="0"/>
+                        <a:t>2</a:t>
+                      </a:r>
+                      <a:r>
+                        <a:rPr lang="en-US" altLang="ko-KR" sz="1600" dirty="0"/>
+                        <a:t>.</a:t>
+                      </a:r>
+                      <a:r>
+                        <a:rPr lang="ko-KR" altLang="en-US" sz="1600" dirty="0"/>
+                        <a:t> 추가 상품의 금액만큼 증가한 가격으로 총 구매금액을 결정한다</a:t>
+                      </a:r>
+                      <a:r>
+                        <a:rPr lang="en-US" altLang="ko-KR" sz="1600" dirty="0"/>
+                        <a:t>.</a:t>
+                      </a:r>
+                    </a:p>
+                  </a:txBody>
+                  <a:tcPr anchor="ctr">
+                    <a:lnL w="12700" cap="flat" cmpd="sng" algn="ctr">
+                      <a:noFill/>
+                      <a:prstDash val="solid"/>
+                      <a:round/>
+                      <a:headEnd type="none" w="med" len="med"/>
+                      <a:tailEnd type="none" w="med" len="med"/>
+                    </a:lnL>
+                  </a:tcPr>
+                </a:tc>
+                <a:extLst>
+                  <a:ext uri="{0D108BD9-81ED-4DB2-BD59-A6C34878D82A}">
+                    <a16:rowId xmlns:a16="http://schemas.microsoft.com/office/drawing/2014/main" val="1854291626"/>
+                  </a:ext>
+                </a:extLst>
+              </a:tr>
+            </a:tbl>
+          </a:graphicData>
+        </a:graphic>
+      </p:graphicFrame>
+      <p:sp>
+        <p:nvSpPr>
+          <p:cNvPr id="7" name="TextBox 6">
+            <a:extLst>
+              <a:ext uri="{FF2B5EF4-FFF2-40B4-BE49-F238E27FC236}">
+                <a16:creationId xmlns:a16="http://schemas.microsoft.com/office/drawing/2014/main" id="{562F9C20-BC26-DC3B-ABDA-CA7CFE60C72B}"/>
+              </a:ext>
+            </a:extLst>
+          </p:cNvPr>
+          <p:cNvSpPr txBox="1"/>
+          <p:nvPr/>
+        </p:nvSpPr>
+        <p:spPr>
+          <a:xfrm>
+            <a:off x="693084" y="3198167"/>
+            <a:ext cx="7631566" cy="461665"/>
+          </a:xfrm>
+          <a:prstGeom prst="rect">
+            <a:avLst/>
+          </a:prstGeom>
+          <a:noFill/>
+        </p:spPr>
+        <p:txBody>
+          <a:bodyPr wrap="square">
+            <a:spAutoFit/>
+          </a:bodyPr>
+          <a:lstStyle/>
+          <a:p>
+            <a:r>
+              <a:rPr kumimoji="1" lang="en-US" altLang="ko-Kore-KR" sz="2400" dirty="0"/>
+              <a:t>Use case Description : </a:t>
+            </a:r>
+            <a:r>
+              <a:rPr kumimoji="1" lang="ko-KR" altLang="en-US" sz="2400" dirty="0"/>
+              <a:t>추가 상품 구매</a:t>
+            </a:r>
+            <a:endParaRPr kumimoji="1" lang="ko-Kore-KR" altLang="en-US" sz="2400" dirty="0"/>
+          </a:p>
+        </p:txBody>
+      </p:sp>
+      <p:pic>
+        <p:nvPicPr>
+          <p:cNvPr id="10" name="그림 9">
+            <a:extLst>
+              <a:ext uri="{FF2B5EF4-FFF2-40B4-BE49-F238E27FC236}">
+                <a16:creationId xmlns:a16="http://schemas.microsoft.com/office/drawing/2014/main" id="{C4629454-E331-23D7-BD52-A759DCBDC5B9}"/>
+              </a:ext>
+            </a:extLst>
+          </p:cNvPr>
+          <p:cNvPicPr>
+            <a:picLocks noChangeAspect="1"/>
+          </p:cNvPicPr>
+          <p:nvPr/>
+        </p:nvPicPr>
+        <p:blipFill>
+          <a:blip r:embed="rId2"/>
+          <a:stretch>
+            <a:fillRect/>
+          </a:stretch>
+        </p:blipFill>
+        <p:spPr>
+          <a:xfrm>
+            <a:off x="6096000" y="787603"/>
+            <a:ext cx="5939530" cy="5228747"/>
+          </a:xfrm>
+          <a:prstGeom prst="rect">
+            <a:avLst/>
+          </a:prstGeom>
+        </p:spPr>
+      </p:pic>
+    </p:spTree>
+    <p:extLst>
+      <p:ext uri="{BB962C8B-B14F-4D97-AF65-F5344CB8AC3E}">
+        <p14:creationId xmlns:p14="http://schemas.microsoft.com/office/powerpoint/2010/main" val="3467287652"/>
       </p:ext>
     </p:extLst>
   </p:cSld>

--- a/Use case Description.pptx
+++ b/Use case Description.pptx
@@ -4,12 +4,17 @@
   <p:sldMasterIdLst>
     <p:sldMasterId id="2147483648" r:id="rId1"/>
   </p:sldMasterIdLst>
+  <p:notesMasterIdLst>
+    <p:notesMasterId r:id="rId9"/>
+  </p:notesMasterIdLst>
   <p:sldIdLst>
     <p:sldId id="262" r:id="rId2"/>
     <p:sldId id="263" r:id="rId3"/>
     <p:sldId id="264" r:id="rId4"/>
     <p:sldId id="265" r:id="rId5"/>
     <p:sldId id="266" r:id="rId6"/>
+    <p:sldId id="267" r:id="rId7"/>
+    <p:sldId id="268" r:id="rId8"/>
   </p:sldIdLst>
   <p:sldSz cx="12192000" cy="6858000"/>
   <p:notesSz cx="6858000" cy="9144000"/>
@@ -114,6 +119,720 @@
     </p:ext>
   </p:extLst>
 </p:presentation>
+</file>
+
+<file path=ppt/ink/ink1.xml><?xml version="1.0" encoding="utf-8"?>
+<inkml:ink xmlns:inkml="http://www.w3.org/2003/InkML">
+  <inkml:definitions>
+    <inkml:context xml:id="ctx0">
+      <inkml:inkSource xml:id="inkSrc0">
+        <inkml:traceFormat>
+          <inkml:channel name="X" type="integer" min="-2.14748E9" max="2.14748E9" units="cm"/>
+          <inkml:channel name="Y" type="integer" min="-2.14748E9" max="2.14748E9" units="cm"/>
+          <inkml:channel name="F" type="integer" max="32767" units="dev"/>
+        </inkml:traceFormat>
+        <inkml:channelProperties>
+          <inkml:channelProperty channel="X" name="resolution" value="1000" units="1/cm"/>
+          <inkml:channelProperty channel="Y" name="resolution" value="1000" units="1/cm"/>
+          <inkml:channelProperty channel="F" name="resolution" value="0" units="1/dev"/>
+        </inkml:channelProperties>
+      </inkml:inkSource>
+      <inkml:timestamp xml:id="ts0" timeString="2022-05-01T13:29:52.242"/>
+    </inkml:context>
+    <inkml:brush xml:id="br0">
+      <inkml:brushProperty name="width" value="0.05" units="cm"/>
+      <inkml:brushProperty name="height" value="0.05" units="cm"/>
+      <inkml:brushProperty name="color" value="#FFFFFF"/>
+    </inkml:brush>
+  </inkml:definitions>
+  <inkml:trace contextRef="#ctx0" brushRef="#br0">119 43 24575,'-11'0'0,"-7"0"0,-7 0 0,-1 0 0,5 1 0,9 1 0,7 0 0,4 0 0,5-2 0,4 0 0,0 0 0,7 0 0,8-2 0,8 0 0,5-3 0,-2 1 0,-8 2 0,-5 0 0,-2-1 0,-8 2 0,1-3 0,-7 2 0,1 0 0,0 1 0,-1 1 0,-5 0 0,-8 0 0,-18 0 0,-10 0 0,-5 0 0,7 0 0,12 0 0,8 0 0,5 0 0,3 0 0,5 0 0,7 0 0,6 0 0,12 2 0,6 3 0,10 5 0,11 7 0,13 3 0,16 8 0,14 3 0,-44-14 0,1 0 0,-2-1 0,-1-1 0,37 7 0,-18-9 0,-15-10 0,-11-3 0,-6 0 0,-8 0 0,-3 0 0,-3 0 0,-3 0 0,0 0 0,-1 0 0,-7 0 0,0-1 0,-19 0 0,-17-3 0,-23-1 0,-17-1 0,-2-2 0,1 0 0,14-1 0,12 2 0,10 2 0,7 0 0,1-1 0,2-1 0,-2-4 0,11 4 0,4-3 0,8 6 0,0-1 0,-2 2 0,-6 1 0,-11-3 0,-10-5 0,-8-3 0,3 0 0,4 1 0,14 5 0,6 1 0,10 3 0,0 0 0,0 0 0,0-2 0,1 1 0,2 0 0,4 0 0,7 0 0,7 2 0,3 0 0,8 2 0,6 4 0,5 2 0,10 4 0,4 2 0,1 1 0,1-4 0,-7-1 0,-6-3 0,-4-2 0,-6-1 0,-1-2 0,-3 0 0,-2 0 0,0 0 0,-3 0 0,1 0 0,-2 0 0,-3 0 0,-4 0 0,-5 0 0,-5 0 0,-4 0 0,-2 0 0,0 0 0,0 0 0,-33 0 0,-28-2 0,7 0 0,-7 0 0,-6-2 0,-1 0 0,0-1 0,1 0 0,7 1 0,4 0 0,-20-4 0,31 3 0,24 2 0,15 0 0,3 0 0,4-1 0,4-1 0,4 0 0,9-1 0,8 0 0,14 0 0,9 1 0,8 3 0,10 2 0,12 0 0,10 0 0,-1 0 0,-14 0 0,-16 0 0,-3 2 0,-1 0 0,0 1 0,-10-1 0,-13-2 0,-9 0 0,-1 0 0,-4 0 0,0 0 0,1 0 0,-3 0 0,-1 0 0,-1 0 0,-3 0 0,-3 0 0,-3 0 0,-9 0 0,-16 0 0,-24 3 0,-21 4 0,-16 4 0,1 3 0,8-2 0,10-1 0,15-1 0,1 0 0,5 1 0,-1-3 0,1-1 0,9-3 0,7 0 0,6 2 0,2-1 0,2 1 0,5-1 0,4-2 0,6-2 0,7 0 0,10-1 0,10-2 0,6-3 0,4 0 0,3 0 0,2 3 0,3 2 0,5 0 0,4 0 0,10 0 0,13 1 0,10 5 0,-39-2 0,0 1 0,49 7 0,-14 1 0,-22-3 0,-24-3 0,-17-2 0,-10-1 0,-7 0 0,-3-1 0,-3 0 0,-10 1 0,-23 1 0,-29 4 0,-29 1 0,37-5 0,-3-1 0,-4 2 0,0-1 0,-3-1 0,-1-1 0,0-1 0,1 0 0,4 1 0,2 0 0,7-1 0,1-1 0,-28 2 0,21 0 0,30-4 0,13-3 0,23-4 0,15-9 0,16-3 0,23 2 0,25 7 0,-33 8 0,4 2 0,8 1 0,2 0 0,1 0 0,0 0 0,-3 0 0,-1 0 0,-8 0 0,-3 0 0,32 0 0,-25 2 0,-23 1 0,-17 1 0,-14 0 0,-22-2 0,-37 1 0,-39 2 0,36-1 0,-1 1 0,-3 0 0,1 0 0,-38 3 0,23-4 0,19-3 0,19-1 0,14 0 0,11-1 0,8-4 0,10-5 0,12-4 0,15-1 0,11 4 0,14 4 0,16 5 0,20 2 0,-38 0 0,4 0 0,4 0 0,1 0 0,0 0 0,-1 0 0,-4 1 0,-3 1 0,39 2 0,-28 2 0,-24-1 0,-18 0 0,-12-1 0,-7-2 0,-4 2 0,-2-3 0,-2 0 0,-20 0 0,-22-1 0,-33 0 0,-19 0 0,41 0 0,-1 0 0,1 0 0,0 0 0,1 0 0,0 0 0,-44 0 0,12 0 0,15 0 0,19 0 0,18 0 0,17-2 0,5 0 0,9-2 0,0 1 0,0 0 0,2 1 0,1 0 0,1 1 0,4-1 0,-3 0 0,1-1 0,-5 1 0,0-4 0,-1-2 0,0 3 0,0 0 0</inkml:trace>
+</inkml:ink>
+</file>
+
+<file path=ppt/ink/ink10.xml><?xml version="1.0" encoding="utf-8"?>
+<inkml:ink xmlns:inkml="http://www.w3.org/2003/InkML">
+  <inkml:definitions>
+    <inkml:context xml:id="ctx0">
+      <inkml:inkSource xml:id="inkSrc0">
+        <inkml:traceFormat>
+          <inkml:channel name="X" type="integer" min="-2.14748E9" max="2.14748E9" units="cm"/>
+          <inkml:channel name="Y" type="integer" min="-2.14748E9" max="2.14748E9" units="cm"/>
+          <inkml:channel name="F" type="integer" max="32767" units="dev"/>
+        </inkml:traceFormat>
+        <inkml:channelProperties>
+          <inkml:channelProperty channel="X" name="resolution" value="1000" units="1/cm"/>
+          <inkml:channelProperty channel="Y" name="resolution" value="1000" units="1/cm"/>
+          <inkml:channelProperty channel="F" name="resolution" value="0" units="1/dev"/>
+        </inkml:channelProperties>
+      </inkml:inkSource>
+      <inkml:timestamp xml:id="ts0" timeString="2022-05-01T13:30:31.459"/>
+    </inkml:context>
+    <inkml:brush xml:id="br0">
+      <inkml:brushProperty name="width" value="0.1" units="cm"/>
+      <inkml:brushProperty name="height" value="0.1" units="cm"/>
+      <inkml:brushProperty name="color" value="#FFFFFF"/>
+    </inkml:brush>
+  </inkml:definitions>
+  <inkml:trace contextRef="#ctx0" brushRef="#br0">2737 485 24575,'-39'0'0,"2"0"0,-5 0 0,-3 0 0,-8 0 0,-3 0 0,0 0 0,7 0 0,8 0 0,-1 0 0,1 0 0,-2 0 0,1-2 0,3-1 0,1-3 0,0-1 0,2-1 0,-1-2 0,-2-2 0,-2-2 0,0-1 0,3 0 0,2 1 0,3 0 0,-2 0 0,0 2 0,1 1 0,-1 1 0,2 2 0,1 1 0,-4 2 0,0 3 0,-3 1 0,1-1 0,-1-1 0,-2-1 0,-2 0 0,-3 1 0,-4-2 0,-1-1 0,-3 0 0,0-1 0,-2 2 0,1 1 0,1 0 0,2 1 0,2 1 0,5 0 0,4 2 0,6 0 0,4 0 0,1 0 0,1 0 0,-1 0 0,3 0 0,3 0 0,3 0 0,2 0 0,-2 0 0,-4 0 0,-3 0 0,-2 0 0,1 0 0,2 0 0,3 0 0,1 0 0,2 0 0,1 0 0,0 0 0,2 0 0,0 0 0,4 0 0,2-1 0,3 0 0,2-1 0,3-1 0,2-1 0,1 0 0,1 0 0,0-1 0,0-3 0,0-3 0,2-3 0,5-1 0,6 0 0,8 0 0,4 4 0,1 4 0,0 5 0,-2 1 0,3 1 0,-4 0 0,-2 0 0,-1 0 0,-10 0 0,2 0 0,-7 0 0,-1 0 0,-22 0 0,-1 0 0,-17 0 0,7 0 0,13 0 0,1 0 0,9 0 0,-4 0 0,-6 0 0,6 0 0,-3 0 0,10 0 0,-1 0 0,1 0 0,0 0 0,1 0 0,-1 0 0,0 0 0,-1 1 0,-1 1 0,2 0 0,6-7 0,2-4 0,7-5 0,-2 1 0,0 1 0,0 2 0,2 1 0,0 1 0,1 3 0,1 1 0,4 0 0,-8 2 0,2 0 0,-7 2 0,-1 0 0,0 0 0,0 0 0,1 1 0,3 0 0,3 5 0,2 2 0,5 1 0,7 3 0,6-1 0,6-2 0,1 0 0,1-3 0,-1-2 0,1 2 0,-1-2 0,1 0 0,-1 0 0,1-1 0,0 0 0,3 1 0,1-1 0,7 1 0,6-2 0,4-2 0,5 0 0,-1 0 0,3 0 0,-3 0 0,1 0 0,2 0 0,-3 0 0,2 0 0,-6 0 0,-9 0 0,-5 0 0,-10 0 0,-4 0 0,-2 0 0,-1 0 0,1 0 0,0-2 0,1 0 0,-1 0 0,-1 0 0,4 2 0,1 0 0,4 0 0,0 0 0,5 0 0,-1 0 0,2 0 0,1 0 0,-1 0 0,2 0 0,2 0 0,-4 0 0,-5-1 0,-6-1 0,-7 0 0,-14 0 0,-9 2 0,-22 0 0,-20 0 0,-17 0 0,-11 0 0,-1 0 0,7 0 0,4 0 0,2 0 0,0 0 0,-3-4 0,-1-3 0,7-3 0,4-2 0,11 4 0,7 1 0,6 2 0,6 1 0,1 0 0,-1-1 0,8 2 0,-4-3 0,12 5 0,2-2 0,9 2 0,3-3 0,3-2 0,0-2 0,3 0 0,3 2 0,1 2 0,1 3 0,-3 1 0,-2 0 0,-1 0 0,-3 0 0,1 0 0,-2 0 0,-2 0 0,-2 0 0,-1 0 0,-3 0 0,2 0 0,-2 0 0,1 0 0,0 0 0,0 0 0,0 0 0,1 0 0,0 0 0,1 0 0,1 0 0,3 0 0,1 0 0,1 1 0,1 1 0,0 0 0,-2 2 0,0-1 0,0 1 0,1 0 0,1 0 0,0-2 0,-1-1 0,1 0 0,-3-1 0,1 1 0,0 1 0,1 0 0,0 0 0,1-2 0,-1 0 0,-1 0 0,0 0 0,-2 0 0,1 0 0,1 0 0,-2 0 0,1 0 0,1 0 0,-3 0 0,3 0 0,-1 0 0,2 2 0,0 0 0,-1 0 0,-1 1 0,1 1 0,4 3 0,-6-1 0,4 2 0,-6-2 0,4 2 0,-1 1 0,-2 1 0,-1 1 0,-2 2 0,1-1 0,1 1 0,0 0 0,-2 0 0,-1 4 0,-1 1 0,1 0 0,0-1 0,-3 1 0,-1 0 0,-2 1 0,0 1 0,0-2 0,-2 0 0,-2-1 0,-3-2 0,-2 0 0,1-2 0,0-3 0,1-5 0,0-3 0,1 0 0,-6 0 0,5 1 0,-4 1 0,5-1 0,-2 1 0,0-2 0,-2-1 0,4-1 0,-4 0 0,2 0 0,-1 0 0,1 0 0,-1 0 0,1-1 0,1-3 0,0-1 0,1-1 0,1 0 0,-1 1 0,0 0 0,-1 1 0,1-1 0,2-5 0,1 5 0,1-6 0,2 4 0,0 0 0,0 1 0,0 0 0,0 0 0,1-3 0,5-3 0,5-2 0,8-1 0,3 3 0,1 1 0,0 2 0,-2 3 0,0 1 0,-6 3 0,-5 2 0,-4 1 0,-4 3 0,-5 3 0,-4 4 0,-12 11 0,-6 4 0,1 1 0,1-5 0,9-11 0,5-3 0,-1-4 0,4-2 0,1 0 0,2-2 0,0 0 0,0 0 0,-1 0 0,0 0 0,-2 0 0,-1 0 0,1 0 0,-1 0 0,0 0 0,0 0 0,-2 0 0,-3 0 0,-2 0 0,-1 0 0,-2 0 0,-2 0 0,-1 0 0,-2 0 0,0 0 0,-1 0 0,-1 0 0,0 0 0,1 0 0,3 0 0,2 0 0,2 0 0,1 0 0,0 0 0,1 0 0,1 0 0,-3 0 0,7 0 0,-5 0 0,5 0 0,-5 0 0,-1 0 0,2 0 0,0 0 0,0 0 0,0 0 0,-1 0 0,-1 0 0,0 0 0,0 0 0,-2 0 0,-2 0 0,1 0 0,1-2 0,1 0 0,1 0 0,0 0 0,0 0 0,0 0 0,2-2 0,0 1 0,0 1 0,2 1 0,-2 1 0,2 0 0,0 0 0,-2 0 0,0 0 0,-2 0 0,0 0 0,0 0 0,0 0 0,0 0 0,0 0 0,0 0 0,1 0 0,-1 0 0,0 0 0,0-2 0,0 0 0,0 0 0,2 0 0,1 2 0,-1 0 0,-1 0 0,-1 0 0,0 0 0,0 0 0,0 0 0,0 0 0,0 0 0,0 0 0,-3 0 0,0 0 0,-2 0 0,0 0 0,-1 0 0,-2 0 0,1 0 0,-1 0 0,-1 0 0,2 0 0,-2 0 0,0 0 0,0 0 0,-4 0 0,1 0 0,0 0 0,0 0 0,0 0 0,2 0 0,0 0 0,3 0 0,3-1 0,-1-1 0,2 0 0,-1-2 0,2 2 0,-1 0 0,7 0 0,-4 2 0,6 0 0,-5 0 0,-1 0 0,-2 0 0,-2 0 0,1 0 0,1 0 0,-1-2 0,-2 0 0,-1-1 0,-3 1 0,4 2 0,-1 0 0,0 0 0,4 0 0,2 0 0,3 0 0,1 0 0,-3 0 0,5 0 0,-5 0 0,6 0 0,-5 0 0,5 0 0,1 0 0,5 0 0,-1 0 0,0 0 0,0 0 0,0 0 0,-1 0 0,-5 0 0,-7 0 0,-5-4 0,1-1 0,1-1 0,10 2 0,-2 4 0,7 0 0,-3-2 0,-2 0 0,-3-1 0,-1 0 0,0 1 0,1 0 0,-1 1 0,0 1 0,0 0 0,3 0 0,2 0 0,3-1 0,6-1 0,7 0 0,2-1 0,4 0 0,-1-1 0,-1 0 0,2-2 0,2 2 0,-2 0 0,0 0 0,-1 2 0,0 0 0,-2 1 0,1 1 0,-1 0 0,-1 0 0,-2 0 0,-1 0 0,-1 0 0,1 0 0,-1 0 0,0 1 0,0 1 0,0 0 0,-1 1 0,0-1 0,2 0 0,2 2 0,-2-2 0,7 3 0,-8-3 0,6 2 0,-4-2 0,4 0 0,1 0 0,-1 1 0,0 1 0,0 0 0,-1-1 0,1-1 0,0 1 0,0 0 0,-1 1 0,-1 0 0,0-1 0,0 2 0,3-1 0,-5 0 0,5 0 0,-3-1 0,4 2 0,0 1 0,1-1 0,0 1 0,0-1 0,3 3 0,-7-4 0,3 3 0,-7-5 0,3 3 0,-4-2 0,2 0 0,-4-1 0,0 0 0,2-1 0,-1 1 0,1 1 0,2 1 0,-3 0 0,2-1 0,-3 1 0,1 2 0,-1-2 0,-1 2 0,-1-3 0,0 1 0,0 1 0,-2-1 0,-2-1 0,-6-1 0,-5-2 0,-6 0 0,-2 0 0,0 0 0,0 0 0,2 0 0,-1 0 0,2 0 0,0 0 0,3 0 0,4 0 0,1 0 0,1 0 0,2 0 0,1 0 0,1 0 0,0 0 0,1-2 0,0 0 0,1-1 0,0 0 0,0 0 0,-2 0 0,1 1 0,-4-3 0,5 3 0,-5-6 0,6 4 0,-6-3 0,4 5 0,-4-3 0,4 2 0,-2-2 0,-2 0 0,0 0 0,1 0 0,0 1 0,1-1 0,0 2 0,0-1 0,0 1 0,0 0 0,1 0 0,0 1 0,0 1 0,0 0 0,0 1 0,-1 0 0,0 0 0,1 0 0,0 0 0,0 0 0,1 0 0,-1 0 0,-1 0 0,1 0 0,-4 0 0,3 0 0,-3 0 0,6 0 0,0-1 0,2-1 0,0-4 0,1-4 0,0-3 0,0-2 0,0 1 0,0 1 0,2 2 0,3 2 0,5-1 0,3 0 0,0 0 0,0 2 0,-2 0 0,0 2 0,0 1 0,-1 1 0,0 0 0,-1 1 0,-1 0 0,-1 1 0,0 0 0,-1-1 0,1 2 0,-1-1 0,0 1 0,0 1 0,-1 0 0,0 0 0,0-1 0,1 0 0,-1-1 0,1 1 0,0-1 0,2 0 0,0-1 0,0 0 0,1 1 0,-2 0 0,2 2 0,-3 0 0,1 0 0,-2 0 0,0 0 0,1-2 0,-1 0 0,0-1 0,1-1 0,0 3 0,-1-1 0,1 0 0,0 0 0,0-1 0,1-1 0,-1 3 0,2-4 0,-3 4 0,2-1 0,-3 2 0,0 0 0,1 0 0,-1 0 0,1 0 0,-1 0 0,0 0 0,0 0 0,1 0 0,0-2 0,0 0 0,2 0 0,1-1 0,1-1 0,-1-2 0,-1 0 0,2 0 0,-6 2 0,3-1 0,-4 0 0,-1 0 0,1 0 0,0 0 0,0 0 0,0-1 0,-1 2 0,-1 0 0,0 1 0,-3 12 0,-2-6 0,-2 11 0,-6-10 0,-6-2 0,6 0 0,-2-2 0,10 0 0,0 0 0,1 0 0,1 0 0,0 0 0,0 0 0,0 0 0,-1 0 0,0 0 0,-1 0 0,3 1 0,11 11 0,4 6 0,12 10 0,6 0 0,3-2 0,7-1 0,3-3 0,3 1 0,3-3 0,1-5 0,-2-4 0,-2-4 0,-5-2 0,-1-1 0,1-1 0,5 1 0,-1-1 0,-2 3 0,-2 1 0,-3-2 0,-1 0 0,0-3 0,-2 0 0,-6 0 0,-4 0 0,-1-1 0,1-1 0,2 0 0,0 0 0,-1 0 0,-3 0 0,-1 0 0,-3 0 0,-1 1 0,1 1 0,-1 0 0,2 0 0,2-2 0,-2 0 0,0 0 0,0 0 0,1 0 0,3 0 0,3 0 0,-3 0 0,-1 0 0,0-2 0,-2-1 0,1-3 0,2-2 0,-3 0 0,-2 0 0,0 0 0,-2 0 0,0 0 0,1 1 0,-2 2 0,2-1 0,-2 1 0,0 0 0,-2 2 0,0-1 0,-1 1 0,-2-1 0,-2 0 0,-4 2 0,-1 0 0,-5 2 0,-11 0 0,-12 0 0,-16 3 0,-12 2 0,1 2 0,2 1 0,5-3 0,9-2 0,5-2 0,8-1 0,5 0 0,1 0 0,-3 0 0,7 0 0,-3-1 0,8 0 0,-5-4 0,4 2 0,-6-4 0,7 4 0,-4-2 0,7 1 0,-1 0 0,3 0 0,1 1 0,0-1 0,1 0 0,2-2 0,7-3 0,7-2 0,9-2 0,6 0 0,4 4 0,1 3 0,0 2 0,1 2 0,2-2 0,7-2 0,6-3 0,6-3 0,3-2 0,0-3 0,-6 1 0,-9 1 0,-11 1 0,-9 4 0,-7 1 0,-3 2 0,-3 1 0,-6 3 0,0-1 0,-5 2 0,1-1 0,0 1 0,0 0 0,-1-2 0,1-2 0,1 1 0,0 0 0,-1 0 0,-3 4 0,-12 3 0,-3 1 0,-6 4 0,2-1 0,3 1 0,-2-1 0,-1-1 0,0-2 0,0 1 0,3 0 0,-3-2 0,7 0 0,-3 1 0,10-2 0,-3 2 0,3-3 0,0 0 0,0 0 0,1 1 0,-1 1 0,0 0 0,-1 0 0,-1-2 0,-1 0 0,-2 2 0,-3 0 0,-3 0 0,-4-1 0,-5-1 0,-3 0 0,-4 0 0,-7 0 0,-6 0 0,-7 0 0,-3 0 0,-2 0 0,2 0 0,3 0 0,1 0 0,0 0 0,4 0 0,3 0 0,7 0 0,7-2 0,0-1 0,4-1 0,2-1 0,2 1 0,3 1 0,2-1 0,1 1 0,2-1 0,1 1 0,-1 0 0,0 0 0,-2 1 0,6-1 0,-3 1 0,6 0 0,-1 0 0,-1 2 0,3 0 0,0 0 0,0 0 0,0 0 0,1 0 0,0 0 0,0 0 0,1 0 0,0 0 0,0 0 0,-1 0 0,1 0 0,-1 0 0,-1 0 0,0 0 0,-2 0 0,0 0 0,-4 0 0,3 0 0,-4 0 0,3 0 0,-2 0 0,-2 0 0,2 0 0,-1 0 0,1 0 0,2 0 0,-4 0 0,5 0 0,-3 0 0,7 0 0,-3 0 0,0 0 0,0 0 0,-1 0 0,0 0 0,0 0 0,0 0 0,1 0 0,-1 0 0,0 0 0,-1 0 0,-2 0 0,3 0 0,-3 0 0,4 0 0,-4 0 0,-2-1 0,-1-1 0,-1-2 0,-2 0 0,-1 2 0,0 1 0,0 1 0,2 0 0,1 0 0,0 0 0,0 0 0,-2-2 0,-2 0 0,1 0 0,1-1 0,2 0 0,2 0 0,-2-1 0,6 2 0,-3 0 0,5 2 0,0 0 0,0 0 0,0 0 0,1 0 0,1 0 0,0 0 0,0 0 0,0 0 0,0 0 0,-1 0 0,0 0 0,1 0 0,-1 0 0,-3 0 0,3 0 0,-3 0 0,2 0 0,-1 0 0,0 0 0,1 0 0,1 0 0,0 0 0,0 0 0,2 0 0,-1 0 0,0 0 0,0 0 0,1 0 0,0 0 0,1 1 0,-2 1 0,1 0 0,-1 0 0,4-4 0,-1 1 0</inkml:trace>
+</inkml:ink>
+</file>
+
+<file path=ppt/ink/ink2.xml><?xml version="1.0" encoding="utf-8"?>
+<inkml:ink xmlns:inkml="http://www.w3.org/2003/InkML">
+  <inkml:definitions>
+    <inkml:context xml:id="ctx0">
+      <inkml:inkSource xml:id="inkSrc0">
+        <inkml:traceFormat>
+          <inkml:channel name="X" type="integer" min="-2.14748E9" max="2.14748E9" units="cm"/>
+          <inkml:channel name="Y" type="integer" min="-2.14748E9" max="2.14748E9" units="cm"/>
+          <inkml:channel name="F" type="integer" max="32767" units="dev"/>
+        </inkml:traceFormat>
+        <inkml:channelProperties>
+          <inkml:channelProperty channel="X" name="resolution" value="1000" units="1/cm"/>
+          <inkml:channelProperty channel="Y" name="resolution" value="1000" units="1/cm"/>
+          <inkml:channelProperty channel="F" name="resolution" value="0" units="1/dev"/>
+        </inkml:channelProperties>
+      </inkml:inkSource>
+      <inkml:timestamp xml:id="ts0" timeString="2022-05-01T13:29:57.873"/>
+    </inkml:context>
+    <inkml:brush xml:id="br0">
+      <inkml:brushProperty name="width" value="0.05" units="cm"/>
+      <inkml:brushProperty name="height" value="0.05" units="cm"/>
+      <inkml:brushProperty name="color" value="#FFFFFF"/>
+    </inkml:brush>
+  </inkml:definitions>
+  <inkml:trace contextRef="#ctx0" brushRef="#br0">685 1 24575,'15'0'0,"10"6"0,7 5 0,0 3 0,-4-2 0,-8-6 0,-2-2 0,0-1 0,-2 1 0,-5-2 0,-3 0 0,-3-2 0,-1 0 0,0 0 0,-2 0 0,1 0 0,0 0 0,-1 1 0,-1 2 0,-1 3 0,0 5 0,-4 2 0,-8 3 0,-7 0 0,-10 2 0,-4-2 0,-4-2 0,0-6 0,3-4 0,3-2 0,3 0 0,2 1 0,0 3 0,2 1 0,4 2 0,-1-1 0,-1 0 0,-2 2 0,-3 1 0,0-1 0,1-1 0,0-3 0,0 1 0,0-3 0,2-1 0,1 0 0,2-1 0,3 0 0,1 1 0,5 0 0,3 0 0,4 1 0,4-2 0,6 0 0,5-2 0,6-3 0,4-5 0,5-4 0,2-5 0,0 2 0,-4 3 0,-4 2 0,-1 4 0,-4-1 0,-5 5 0,-2-1 0,-5 4 0,-4 2 0,-5 2 0,-4 0 0,-7 1 0,-5-2 0,-4 0 0,-1 1 0,2-1 0,1 2 0,-2-1 0,-4 2 0,1-1 0,2 1 0,7-2 0,5-1 0,4 0 0,3 0 0,1-1 0,1-1 0,1 2 0,4-4 0,0 1 0,6-8 0,8-5 0,10-7 0,7-4 0,4 0 0,2 4 0,-2 4 0,-1 5 0,-5 6 0,-7 1 0,-4 3 0,-11 0 0,-26 2 0,-4 2 0,-23 5 0,6 3 0,-1 4 0,3-2 0,9-3 0,7-3 0,6-3 0,1 0 0,6-3 0,-1 2 0,8-2 0,1-1 0,2 0 0</inkml:trace>
+</inkml:ink>
+</file>
+
+<file path=ppt/ink/ink3.xml><?xml version="1.0" encoding="utf-8"?>
+<inkml:ink xmlns:inkml="http://www.w3.org/2003/InkML">
+  <inkml:definitions>
+    <inkml:context xml:id="ctx0">
+      <inkml:inkSource xml:id="inkSrc0">
+        <inkml:traceFormat>
+          <inkml:channel name="X" type="integer" min="-2.14748E9" max="2.14748E9" units="cm"/>
+          <inkml:channel name="Y" type="integer" min="-2.14748E9" max="2.14748E9" units="cm"/>
+          <inkml:channel name="F" type="integer" max="32767" units="dev"/>
+        </inkml:traceFormat>
+        <inkml:channelProperties>
+          <inkml:channelProperty channel="X" name="resolution" value="1000" units="1/cm"/>
+          <inkml:channelProperty channel="Y" name="resolution" value="1000" units="1/cm"/>
+          <inkml:channelProperty channel="F" name="resolution" value="0" units="1/dev"/>
+        </inkml:channelProperties>
+      </inkml:inkSource>
+      <inkml:timestamp xml:id="ts0" timeString="2022-05-01T13:29:42.857"/>
+    </inkml:context>
+    <inkml:brush xml:id="br0">
+      <inkml:brushProperty name="width" value="0.05" units="cm"/>
+      <inkml:brushProperty name="height" value="0.05" units="cm"/>
+      <inkml:brushProperty name="color" value="#FFFFFF"/>
+    </inkml:brush>
+  </inkml:definitions>
+  <inkml:trace contextRef="#ctx0" brushRef="#br0">1116 200 24575,'-12'0'0,"-12"0"0,-13-3 0,-13-2 0,-10-5 0,0-2 0,2 0 0,3-1 0,8 3 0,5 0 0,6 3 0,1 0 0,4 2 0,3 1 0,2 0 0,4 1 0,-1-3 0,-1 1 0,-4-2 0,-3 0 0,-1 1 0,-1-1 0,2 1 0,2 1 0,2-1 0,3-1 0,3 3 0,3-1 0,3 2 0,0-1 0,1 0 0,2 1 0,-1 1 0,1 0 0,-1 0 0,0 0 0,1 1 0,-2 1 0,1 0 0,0 0 0,7 0 0,0 0 0,5 0 0,9 0 0,-1 0 0,6 0 0,-7 0 0,-2 0 0,-1 2 0,0-1 0,-2 1 0,0-2 0</inkml:trace>
+</inkml:ink>
+</file>
+
+<file path=ppt/ink/ink4.xml><?xml version="1.0" encoding="utf-8"?>
+<inkml:ink xmlns:inkml="http://www.w3.org/2003/InkML">
+  <inkml:definitions>
+    <inkml:context xml:id="ctx0">
+      <inkml:inkSource xml:id="inkSrc0">
+        <inkml:traceFormat>
+          <inkml:channel name="X" type="integer" min="-2.14748E9" max="2.14748E9" units="cm"/>
+          <inkml:channel name="Y" type="integer" min="-2.14748E9" max="2.14748E9" units="cm"/>
+          <inkml:channel name="F" type="integer" max="32767" units="dev"/>
+        </inkml:traceFormat>
+        <inkml:channelProperties>
+          <inkml:channelProperty channel="X" name="resolution" value="1000" units="1/cm"/>
+          <inkml:channelProperty channel="Y" name="resolution" value="1000" units="1/cm"/>
+          <inkml:channelProperty channel="F" name="resolution" value="0" units="1/dev"/>
+        </inkml:channelProperties>
+      </inkml:inkSource>
+      <inkml:timestamp xml:id="ts0" timeString="2022-05-01T13:29:45.157"/>
+    </inkml:context>
+    <inkml:brush xml:id="br0">
+      <inkml:brushProperty name="width" value="0.05" units="cm"/>
+      <inkml:brushProperty name="height" value="0.05" units="cm"/>
+      <inkml:brushProperty name="color" value="#FFFFFF"/>
+    </inkml:brush>
+  </inkml:definitions>
+  <inkml:trace contextRef="#ctx0" brushRef="#br0">2380 122 24575,'-14'4'0,"-11"-1"0,-15-3 0,-12 0 0,-6 0 0,-8 0 0,-11 0 0,-9 0 0,-1 0 0,4 0 0,11 0 0,8 0 0,1 0 0,4 0 0,-1-1 0,3-1 0,5 0 0,1-1 0,-1 1 0,0 0 0,-2-1 0,1-2 0,1-2 0,1-1 0,-2-2 0,3 3 0,-2 1 0,6 1 0,7 2 0,9 0 0,5 1 0,12 2 0,-1 0 0,5 0 0,0 0 0,-7-2 0,0 0 0,-13-1 0,-9-1 0,-8 2 0,-5-1 0,4 0 0,4 0 0,3-1 0,3-1 0,7 1 0,4 0 0,5 0 0,3 0 0,0 0 0,0 0 0,-4 2 0,-5 1 0,-2 1 0,2 0 0,5 0 0,7 0 0,5 0 0,3 0 0,3 0 0,2 0 0,1 0 0</inkml:trace>
+</inkml:ink>
+</file>
+
+<file path=ppt/ink/ink5.xml><?xml version="1.0" encoding="utf-8"?>
+<inkml:ink xmlns:inkml="http://www.w3.org/2003/InkML">
+  <inkml:definitions>
+    <inkml:context xml:id="ctx0">
+      <inkml:inkSource xml:id="inkSrc0">
+        <inkml:traceFormat>
+          <inkml:channel name="X" type="integer" min="-2.14748E9" max="2.14748E9" units="cm"/>
+          <inkml:channel name="Y" type="integer" min="-2.14748E9" max="2.14748E9" units="cm"/>
+          <inkml:channel name="F" type="integer" max="32767" units="dev"/>
+        </inkml:traceFormat>
+        <inkml:channelProperties>
+          <inkml:channelProperty channel="X" name="resolution" value="1000" units="1/cm"/>
+          <inkml:channelProperty channel="Y" name="resolution" value="1000" units="1/cm"/>
+          <inkml:channelProperty channel="F" name="resolution" value="0" units="1/dev"/>
+        </inkml:channelProperties>
+      </inkml:inkSource>
+      <inkml:timestamp xml:id="ts0" timeString="2022-05-01T13:30:31.459"/>
+    </inkml:context>
+    <inkml:brush xml:id="br0">
+      <inkml:brushProperty name="width" value="0.1" units="cm"/>
+      <inkml:brushProperty name="height" value="0.1" units="cm"/>
+      <inkml:brushProperty name="color" value="#FFFFFF"/>
+    </inkml:brush>
+  </inkml:definitions>
+  <inkml:trace contextRef="#ctx0" brushRef="#br0">2737 485 24575,'-39'0'0,"2"0"0,-5 0 0,-3 0 0,-8 0 0,-3 0 0,0 0 0,7 0 0,8 0 0,-1 0 0,1 0 0,-2 0 0,1-2 0,3-1 0,1-3 0,0-1 0,2-1 0,-1-2 0,-2-2 0,-2-2 0,0-1 0,3 0 0,2 1 0,3 0 0,-2 0 0,0 2 0,1 1 0,-1 1 0,2 2 0,1 1 0,-4 2 0,0 3 0,-3 1 0,1-1 0,-1-1 0,-2-1 0,-2 0 0,-3 1 0,-4-2 0,-1-1 0,-3 0 0,0-1 0,-2 2 0,1 1 0,1 0 0,2 1 0,2 1 0,5 0 0,4 2 0,6 0 0,4 0 0,1 0 0,1 0 0,-1 0 0,3 0 0,3 0 0,3 0 0,2 0 0,-2 0 0,-4 0 0,-3 0 0,-2 0 0,1 0 0,2 0 0,3 0 0,1 0 0,2 0 0,1 0 0,0 0 0,2 0 0,0 0 0,4 0 0,2-1 0,3 0 0,2-1 0,3-1 0,2-1 0,1 0 0,1 0 0,0-1 0,0-3 0,0-3 0,2-3 0,5-1 0,6 0 0,8 0 0,4 4 0,1 4 0,0 5 0,-2 1 0,3 1 0,-4 0 0,-2 0 0,-1 0 0,-10 0 0,2 0 0,-7 0 0,-1 0 0,-22 0 0,-1 0 0,-17 0 0,7 0 0,13 0 0,1 0 0,9 0 0,-4 0 0,-6 0 0,6 0 0,-3 0 0,10 0 0,-1 0 0,1 0 0,0 0 0,1 0 0,-1 0 0,0 0 0,-1 1 0,-1 1 0,2 0 0,6-7 0,2-4 0,7-5 0,-2 1 0,0 1 0,0 2 0,2 1 0,0 1 0,1 3 0,1 1 0,4 0 0,-8 2 0,2 0 0,-7 2 0,-1 0 0,0 0 0,0 0 0,1 1 0,3 0 0,3 5 0,2 2 0,5 1 0,7 3 0,6-1 0,6-2 0,1 0 0,1-3 0,-1-2 0,1 2 0,-1-2 0,1 0 0,-1 0 0,1-1 0,0 0 0,3 1 0,1-1 0,7 1 0,6-2 0,4-2 0,5 0 0,-1 0 0,3 0 0,-3 0 0,1 0 0,2 0 0,-3 0 0,2 0 0,-6 0 0,-9 0 0,-5 0 0,-10 0 0,-4 0 0,-2 0 0,-1 0 0,1 0 0,0-2 0,1 0 0,-1 0 0,-1 0 0,4 2 0,1 0 0,4 0 0,0 0 0,5 0 0,-1 0 0,2 0 0,1 0 0,-1 0 0,2 0 0,2 0 0,-4 0 0,-5-1 0,-6-1 0,-7 0 0,-14 0 0,-9 2 0,-22 0 0,-20 0 0,-17 0 0,-11 0 0,-1 0 0,7 0 0,4 0 0,2 0 0,0 0 0,-3-4 0,-1-3 0,7-3 0,4-2 0,11 4 0,7 1 0,6 2 0,6 1 0,1 0 0,-1-1 0,8 2 0,-4-3 0,12 5 0,2-2 0,9 2 0,3-3 0,3-2 0,0-2 0,3 0 0,3 2 0,1 2 0,1 3 0,-3 1 0,-2 0 0,-1 0 0,-3 0 0,1 0 0,-2 0 0,-2 0 0,-2 0 0,-1 0 0,-3 0 0,2 0 0,-2 0 0,1 0 0,0 0 0,0 0 0,0 0 0,1 0 0,0 0 0,1 0 0,1 0 0,3 0 0,1 0 0,1 1 0,1 1 0,0 0 0,-2 2 0,0-1 0,0 1 0,1 0 0,1 0 0,0-2 0,-1-1 0,1 0 0,-3-1 0,1 1 0,0 1 0,1 0 0,0 0 0,1-2 0,-1 0 0,-1 0 0,0 0 0,-2 0 0,1 0 0,1 0 0,-2 0 0,1 0 0,1 0 0,-3 0 0,3 0 0,-1 0 0,2 2 0,0 0 0,-1 0 0,-1 1 0,1 1 0,4 3 0,-6-1 0,4 2 0,-6-2 0,4 2 0,-1 1 0,-2 1 0,-1 1 0,-2 2 0,1-1 0,1 1 0,0 0 0,-2 0 0,-1 4 0,-1 1 0,1 0 0,0-1 0,-3 1 0,-1 0 0,-2 1 0,0 1 0,0-2 0,-2 0 0,-2-1 0,-3-2 0,-2 0 0,1-2 0,0-3 0,1-5 0,0-3 0,1 0 0,-6 0 0,5 1 0,-4 1 0,5-1 0,-2 1 0,0-2 0,-2-1 0,4-1 0,-4 0 0,2 0 0,-1 0 0,1 0 0,-1 0 0,1-1 0,1-3 0,0-1 0,1-1 0,1 0 0,-1 1 0,0 0 0,-1 1 0,1-1 0,2-5 0,1 5 0,1-6 0,2 4 0,0 0 0,0 1 0,0 0 0,0 0 0,1-3 0,5-3 0,5-2 0,8-1 0,3 3 0,1 1 0,0 2 0,-2 3 0,0 1 0,-6 3 0,-5 2 0,-4 1 0,-4 3 0,-5 3 0,-4 4 0,-12 11 0,-6 4 0,1 1 0,1-5 0,9-11 0,5-3 0,-1-4 0,4-2 0,1 0 0,2-2 0,0 0 0,0 0 0,-1 0 0,0 0 0,-2 0 0,-1 0 0,1 0 0,-1 0 0,0 0 0,0 0 0,-2 0 0,-3 0 0,-2 0 0,-1 0 0,-2 0 0,-2 0 0,-1 0 0,-2 0 0,0 0 0,-1 0 0,-1 0 0,0 0 0,1 0 0,3 0 0,2 0 0,2 0 0,1 0 0,0 0 0,1 0 0,1 0 0,-3 0 0,7 0 0,-5 0 0,5 0 0,-5 0 0,-1 0 0,2 0 0,0 0 0,0 0 0,0 0 0,-1 0 0,-1 0 0,0 0 0,0 0 0,-2 0 0,-2 0 0,1 0 0,1-2 0,1 0 0,1 0 0,0 0 0,0 0 0,0 0 0,2-2 0,0 1 0,0 1 0,2 1 0,-2 1 0,2 0 0,0 0 0,-2 0 0,0 0 0,-2 0 0,0 0 0,0 0 0,0 0 0,0 0 0,0 0 0,0 0 0,1 0 0,-1 0 0,0 0 0,0-2 0,0 0 0,0 0 0,2 0 0,1 2 0,-1 0 0,-1 0 0,-1 0 0,0 0 0,0 0 0,0 0 0,0 0 0,0 0 0,0 0 0,-3 0 0,0 0 0,-2 0 0,0 0 0,-1 0 0,-2 0 0,1 0 0,-1 0 0,-1 0 0,2 0 0,-2 0 0,0 0 0,0 0 0,-4 0 0,1 0 0,0 0 0,0 0 0,0 0 0,2 0 0,0 0 0,3 0 0,3-1 0,-1-1 0,2 0 0,-1-2 0,2 2 0,-1 0 0,7 0 0,-4 2 0,6 0 0,-5 0 0,-1 0 0,-2 0 0,-2 0 0,1 0 0,1 0 0,-1-2 0,-2 0 0,-1-1 0,-3 1 0,4 2 0,-1 0 0,0 0 0,4 0 0,2 0 0,3 0 0,1 0 0,-3 0 0,5 0 0,-5 0 0,6 0 0,-5 0 0,5 0 0,1 0 0,5 0 0,-1 0 0,0 0 0,0 0 0,0 0 0,-1 0 0,-5 0 0,-7 0 0,-5-4 0,1-1 0,1-1 0,10 2 0,-2 4 0,7 0 0,-3-2 0,-2 0 0,-3-1 0,-1 0 0,0 1 0,1 0 0,-1 1 0,0 1 0,0 0 0,3 0 0,2 0 0,3-1 0,6-1 0,7 0 0,2-1 0,4 0 0,-1-1 0,-1 0 0,2-2 0,2 2 0,-2 0 0,0 0 0,-1 2 0,0 0 0,-2 1 0,1 1 0,-1 0 0,-1 0 0,-2 0 0,-1 0 0,-1 0 0,1 0 0,-1 0 0,0 1 0,0 1 0,0 0 0,-1 1 0,0-1 0,2 0 0,2 2 0,-2-2 0,7 3 0,-8-3 0,6 2 0,-4-2 0,4 0 0,1 0 0,-1 1 0,0 1 0,0 0 0,-1-1 0,1-1 0,0 1 0,0 0 0,-1 1 0,-1 0 0,0-1 0,0 2 0,3-1 0,-5 0 0,5 0 0,-3-1 0,4 2 0,0 1 0,1-1 0,0 1 0,0-1 0,3 3 0,-7-4 0,3 3 0,-7-5 0,3 3 0,-4-2 0,2 0 0,-4-1 0,0 0 0,2-1 0,-1 1 0,1 1 0,2 1 0,-3 0 0,2-1 0,-3 1 0,1 2 0,-1-2 0,-1 2 0,-1-3 0,0 1 0,0 1 0,-2-1 0,-2-1 0,-6-1 0,-5-2 0,-6 0 0,-2 0 0,0 0 0,0 0 0,2 0 0,-1 0 0,2 0 0,0 0 0,3 0 0,4 0 0,1 0 0,1 0 0,2 0 0,1 0 0,1 0 0,0 0 0,1-2 0,0 0 0,1-1 0,0 0 0,0 0 0,-2 0 0,1 1 0,-4-3 0,5 3 0,-5-6 0,6 4 0,-6-3 0,4 5 0,-4-3 0,4 2 0,-2-2 0,-2 0 0,0 0 0,1 0 0,0 1 0,1-1 0,0 2 0,0-1 0,0 1 0,0 0 0,1 0 0,0 1 0,0 1 0,0 0 0,0 1 0,-1 0 0,0 0 0,1 0 0,0 0 0,0 0 0,1 0 0,-1 0 0,-1 0 0,1 0 0,-4 0 0,3 0 0,-3 0 0,6 0 0,0-1 0,2-1 0,0-4 0,1-4 0,0-3 0,0-2 0,0 1 0,0 1 0,2 2 0,3 2 0,5-1 0,3 0 0,0 0 0,0 2 0,-2 0 0,0 2 0,0 1 0,-1 1 0,0 0 0,-1 1 0,-1 0 0,-1 1 0,0 0 0,-1-1 0,1 2 0,-1-1 0,0 1 0,0 1 0,-1 0 0,0 0 0,0-1 0,1 0 0,-1-1 0,1 1 0,0-1 0,2 0 0,0-1 0,0 0 0,1 1 0,-2 0 0,2 2 0,-3 0 0,1 0 0,-2 0 0,0 0 0,1-2 0,-1 0 0,0-1 0,1-1 0,0 3 0,-1-1 0,1 0 0,0 0 0,0-1 0,1-1 0,-1 3 0,2-4 0,-3 4 0,2-1 0,-3 2 0,0 0 0,1 0 0,-1 0 0,1 0 0,-1 0 0,0 0 0,0 0 0,1 0 0,0-2 0,0 0 0,2 0 0,1-1 0,1-1 0,-1-2 0,-1 0 0,2 0 0,-6 2 0,3-1 0,-4 0 0,-1 0 0,1 0 0,0 0 0,0 0 0,0-1 0,-1 2 0,-1 0 0,0 1 0,-3 12 0,-2-6 0,-2 11 0,-6-10 0,-6-2 0,6 0 0,-2-2 0,10 0 0,0 0 0,1 0 0,1 0 0,0 0 0,0 0 0,0 0 0,-1 0 0,0 0 0,-1 0 0,3 1 0,11 11 0,4 6 0,12 10 0,6 0 0,3-2 0,7-1 0,3-3 0,3 1 0,3-3 0,1-5 0,-2-4 0,-2-4 0,-5-2 0,-1-1 0,1-1 0,5 1 0,-1-1 0,-2 3 0,-2 1 0,-3-2 0,-1 0 0,0-3 0,-2 0 0,-6 0 0,-4 0 0,-1-1 0,1-1 0,2 0 0,0 0 0,-1 0 0,-3 0 0,-1 0 0,-3 0 0,-1 1 0,1 1 0,-1 0 0,2 0 0,2-2 0,-2 0 0,0 0 0,0 0 0,1 0 0,3 0 0,3 0 0,-3 0 0,-1 0 0,0-2 0,-2-1 0,1-3 0,2-2 0,-3 0 0,-2 0 0,0 0 0,-2 0 0,0 0 0,1 1 0,-2 2 0,2-1 0,-2 1 0,0 0 0,-2 2 0,0-1 0,-1 1 0,-2-1 0,-2 0 0,-4 2 0,-1 0 0,-5 2 0,-11 0 0,-12 0 0,-16 3 0,-12 2 0,1 2 0,2 1 0,5-3 0,9-2 0,5-2 0,8-1 0,5 0 0,1 0 0,-3 0 0,7 0 0,-3-1 0,8 0 0,-5-4 0,4 2 0,-6-4 0,7 4 0,-4-2 0,7 1 0,-1 0 0,3 0 0,1 1 0,0-1 0,1 0 0,2-2 0,7-3 0,7-2 0,9-2 0,6 0 0,4 4 0,1 3 0,0 2 0,1 2 0,2-2 0,7-2 0,6-3 0,6-3 0,3-2 0,0-3 0,-6 1 0,-9 1 0,-11 1 0,-9 4 0,-7 1 0,-3 2 0,-3 1 0,-6 3 0,0-1 0,-5 2 0,1-1 0,0 1 0,0 0 0,-1-2 0,1-2 0,1 1 0,0 0 0,-1 0 0,-3 4 0,-12 3 0,-3 1 0,-6 4 0,2-1 0,3 1 0,-2-1 0,-1-1 0,0-2 0,0 1 0,3 0 0,-3-2 0,7 0 0,-3 1 0,10-2 0,-3 2 0,3-3 0,0 0 0,0 0 0,1 1 0,-1 1 0,0 0 0,-1 0 0,-1-2 0,-1 0 0,-2 2 0,-3 0 0,-3 0 0,-4-1 0,-5-1 0,-3 0 0,-4 0 0,-7 0 0,-6 0 0,-7 0 0,-3 0 0,-2 0 0,2 0 0,3 0 0,1 0 0,0 0 0,4 0 0,3 0 0,7 0 0,7-2 0,0-1 0,4-1 0,2-1 0,2 1 0,3 1 0,2-1 0,1 1 0,2-1 0,1 1 0,-1 0 0,0 0 0,-2 1 0,6-1 0,-3 1 0,6 0 0,-1 0 0,-1 2 0,3 0 0,0 0 0,0 0 0,0 0 0,1 0 0,0 0 0,0 0 0,1 0 0,0 0 0,0 0 0,-1 0 0,1 0 0,-1 0 0,-1 0 0,0 0 0,-2 0 0,0 0 0,-4 0 0,3 0 0,-4 0 0,3 0 0,-2 0 0,-2 0 0,2 0 0,-1 0 0,1 0 0,2 0 0,-4 0 0,5 0 0,-3 0 0,7 0 0,-3 0 0,0 0 0,0 0 0,-1 0 0,0 0 0,0 0 0,0 0 0,1 0 0,-1 0 0,0 0 0,-1 0 0,-2 0 0,3 0 0,-3 0 0,4 0 0,-4 0 0,-2-1 0,-1-1 0,-1-2 0,-2 0 0,-1 2 0,0 1 0,0 1 0,2 0 0,1 0 0,0 0 0,0 0 0,-2-2 0,-2 0 0,1 0 0,1-1 0,2 0 0,2 0 0,-2-1 0,6 2 0,-3 0 0,5 2 0,0 0 0,0 0 0,0 0 0,1 0 0,1 0 0,0 0 0,0 0 0,0 0 0,0 0 0,-1 0 0,0 0 0,1 0 0,-1 0 0,-3 0 0,3 0 0,-3 0 0,2 0 0,-1 0 0,0 0 0,1 0 0,1 0 0,0 0 0,0 0 0,2 0 0,-1 0 0,0 0 0,0 0 0,1 0 0,0 0 0,1 1 0,-2 1 0,1 0 0,-1 0 0,4-4 0,-1 1 0</inkml:trace>
+</inkml:ink>
+</file>
+
+<file path=ppt/ink/ink6.xml><?xml version="1.0" encoding="utf-8"?>
+<inkml:ink xmlns:inkml="http://www.w3.org/2003/InkML">
+  <inkml:definitions>
+    <inkml:context xml:id="ctx0">
+      <inkml:inkSource xml:id="inkSrc0">
+        <inkml:traceFormat>
+          <inkml:channel name="X" type="integer" min="-2.14748E9" max="2.14748E9" units="cm"/>
+          <inkml:channel name="Y" type="integer" min="-2.14748E9" max="2.14748E9" units="cm"/>
+          <inkml:channel name="F" type="integer" max="32767" units="dev"/>
+        </inkml:traceFormat>
+        <inkml:channelProperties>
+          <inkml:channelProperty channel="X" name="resolution" value="1000" units="1/cm"/>
+          <inkml:channelProperty channel="Y" name="resolution" value="1000" units="1/cm"/>
+          <inkml:channelProperty channel="F" name="resolution" value="0" units="1/dev"/>
+        </inkml:channelProperties>
+      </inkml:inkSource>
+      <inkml:timestamp xml:id="ts0" timeString="2022-05-01T13:29:52.242"/>
+    </inkml:context>
+    <inkml:brush xml:id="br0">
+      <inkml:brushProperty name="width" value="0.05" units="cm"/>
+      <inkml:brushProperty name="height" value="0.05" units="cm"/>
+      <inkml:brushProperty name="color" value="#FFFFFF"/>
+    </inkml:brush>
+  </inkml:definitions>
+  <inkml:trace contextRef="#ctx0" brushRef="#br0">119 43 24575,'-11'0'0,"-7"0"0,-7 0 0,-1 0 0,5 1 0,9 1 0,7 0 0,4 0 0,5-2 0,4 0 0,0 0 0,7 0 0,8-2 0,8 0 0,5-3 0,-2 1 0,-8 2 0,-5 0 0,-2-1 0,-8 2 0,1-3 0,-7 2 0,1 0 0,0 1 0,-1 1 0,-5 0 0,-8 0 0,-18 0 0,-10 0 0,-5 0 0,7 0 0,12 0 0,8 0 0,5 0 0,3 0 0,5 0 0,7 0 0,6 0 0,12 2 0,6 3 0,10 5 0,11 7 0,13 3 0,16 8 0,14 3 0,-44-14 0,1 0 0,-2-1 0,-1-1 0,37 7 0,-18-9 0,-15-10 0,-11-3 0,-6 0 0,-8 0 0,-3 0 0,-3 0 0,-3 0 0,0 0 0,-1 0 0,-7 0 0,0-1 0,-19 0 0,-17-3 0,-23-1 0,-17-1 0,-2-2 0,1 0 0,14-1 0,12 2 0,10 2 0,7 0 0,1-1 0,2-1 0,-2-4 0,11 4 0,4-3 0,8 6 0,0-1 0,-2 2 0,-6 1 0,-11-3 0,-10-5 0,-8-3 0,3 0 0,4 1 0,14 5 0,6 1 0,10 3 0,0 0 0,0 0 0,0-2 0,1 1 0,2 0 0,4 0 0,7 0 0,7 2 0,3 0 0,8 2 0,6 4 0,5 2 0,10 4 0,4 2 0,1 1 0,1-4 0,-7-1 0,-6-3 0,-4-2 0,-6-1 0,-1-2 0,-3 0 0,-2 0 0,0 0 0,-3 0 0,1 0 0,-2 0 0,-3 0 0,-4 0 0,-5 0 0,-5 0 0,-4 0 0,-2 0 0,0 0 0,0 0 0,-33 0 0,-28-2 0,7 0 0,-7 0 0,-6-2 0,-1 0 0,0-1 0,1 0 0,7 1 0,4 0 0,-20-4 0,31 3 0,24 2 0,15 0 0,3 0 0,4-1 0,4-1 0,4 0 0,9-1 0,8 0 0,14 0 0,9 1 0,8 3 0,10 2 0,12 0 0,10 0 0,-1 0 0,-14 0 0,-16 0 0,-3 2 0,-1 0 0,0 1 0,-10-1 0,-13-2 0,-9 0 0,-1 0 0,-4 0 0,0 0 0,1 0 0,-3 0 0,-1 0 0,-1 0 0,-3 0 0,-3 0 0,-3 0 0,-9 0 0,-16 0 0,-24 3 0,-21 4 0,-16 4 0,1 3 0,8-2 0,10-1 0,15-1 0,1 0 0,5 1 0,-1-3 0,1-1 0,9-3 0,7 0 0,6 2 0,2-1 0,2 1 0,5-1 0,4-2 0,6-2 0,7 0 0,10-1 0,10-2 0,6-3 0,4 0 0,3 0 0,2 3 0,3 2 0,5 0 0,4 0 0,10 0 0,13 1 0,10 5 0,-39-2 0,0 1 0,49 7 0,-14 1 0,-22-3 0,-24-3 0,-17-2 0,-10-1 0,-7 0 0,-3-1 0,-3 0 0,-10 1 0,-23 1 0,-29 4 0,-29 1 0,37-5 0,-3-1 0,-4 2 0,0-1 0,-3-1 0,-1-1 0,0-1 0,1 0 0,4 1 0,2 0 0,7-1 0,1-1 0,-28 2 0,21 0 0,30-4 0,13-3 0,23-4 0,15-9 0,16-3 0,23 2 0,25 7 0,-33 8 0,4 2 0,8 1 0,2 0 0,1 0 0,0 0 0,-3 0 0,-1 0 0,-8 0 0,-3 0 0,32 0 0,-25 2 0,-23 1 0,-17 1 0,-14 0 0,-22-2 0,-37 1 0,-39 2 0,36-1 0,-1 1 0,-3 0 0,1 0 0,-38 3 0,23-4 0,19-3 0,19-1 0,14 0 0,11-1 0,8-4 0,10-5 0,12-4 0,15-1 0,11 4 0,14 4 0,16 5 0,20 2 0,-38 0 0,4 0 0,4 0 0,1 0 0,0 0 0,-1 0 0,-4 1 0,-3 1 0,39 2 0,-28 2 0,-24-1 0,-18 0 0,-12-1 0,-7-2 0,-4 2 0,-2-3 0,-2 0 0,-20 0 0,-22-1 0,-33 0 0,-19 0 0,41 0 0,-1 0 0,1 0 0,0 0 0,1 0 0,0 0 0,-44 0 0,12 0 0,15 0 0,19 0 0,18 0 0,17-2 0,5 0 0,9-2 0,0 1 0,0 0 0,2 1 0,1 0 0,1 1 0,4-1 0,-3 0 0,1-1 0,-5 1 0,0-4 0,-1-2 0,0 3 0,0 0 0</inkml:trace>
+</inkml:ink>
+</file>
+
+<file path=ppt/ink/ink7.xml><?xml version="1.0" encoding="utf-8"?>
+<inkml:ink xmlns:inkml="http://www.w3.org/2003/InkML">
+  <inkml:definitions>
+    <inkml:context xml:id="ctx0">
+      <inkml:inkSource xml:id="inkSrc0">
+        <inkml:traceFormat>
+          <inkml:channel name="X" type="integer" min="-2.14748E9" max="2.14748E9" units="cm"/>
+          <inkml:channel name="Y" type="integer" min="-2.14748E9" max="2.14748E9" units="cm"/>
+          <inkml:channel name="F" type="integer" max="32767" units="dev"/>
+        </inkml:traceFormat>
+        <inkml:channelProperties>
+          <inkml:channelProperty channel="X" name="resolution" value="1000" units="1/cm"/>
+          <inkml:channelProperty channel="Y" name="resolution" value="1000" units="1/cm"/>
+          <inkml:channelProperty channel="F" name="resolution" value="0" units="1/dev"/>
+        </inkml:channelProperties>
+      </inkml:inkSource>
+      <inkml:timestamp xml:id="ts0" timeString="2022-05-01T13:29:57.873"/>
+    </inkml:context>
+    <inkml:brush xml:id="br0">
+      <inkml:brushProperty name="width" value="0.05" units="cm"/>
+      <inkml:brushProperty name="height" value="0.05" units="cm"/>
+      <inkml:brushProperty name="color" value="#FFFFFF"/>
+    </inkml:brush>
+  </inkml:definitions>
+  <inkml:trace contextRef="#ctx0" brushRef="#br0">685 1 24575,'15'0'0,"10"6"0,7 5 0,0 3 0,-4-2 0,-8-6 0,-2-2 0,0-1 0,-2 1 0,-5-2 0,-3 0 0,-3-2 0,-1 0 0,0 0 0,-2 0 0,1 0 0,0 0 0,-1 1 0,-1 2 0,-1 3 0,0 5 0,-4 2 0,-8 3 0,-7 0 0,-10 2 0,-4-2 0,-4-2 0,0-6 0,3-4 0,3-2 0,3 0 0,2 1 0,0 3 0,2 1 0,4 2 0,-1-1 0,-1 0 0,-2 2 0,-3 1 0,0-1 0,1-1 0,0-3 0,0 1 0,0-3 0,2-1 0,1 0 0,2-1 0,3 0 0,1 1 0,5 0 0,3 0 0,4 1 0,4-2 0,6 0 0,5-2 0,6-3 0,4-5 0,5-4 0,2-5 0,0 2 0,-4 3 0,-4 2 0,-1 4 0,-4-1 0,-5 5 0,-2-1 0,-5 4 0,-4 2 0,-5 2 0,-4 0 0,-7 1 0,-5-2 0,-4 0 0,-1 1 0,2-1 0,1 2 0,-2-1 0,-4 2 0,1-1 0,2 1 0,7-2 0,5-1 0,4 0 0,3 0 0,1-1 0,1-1 0,1 2 0,4-4 0,0 1 0,6-8 0,8-5 0,10-7 0,7-4 0,4 0 0,2 4 0,-2 4 0,-1 5 0,-5 6 0,-7 1 0,-4 3 0,-11 0 0,-26 2 0,-4 2 0,-23 5 0,6 3 0,-1 4 0,3-2 0,9-3 0,7-3 0,6-3 0,1 0 0,6-3 0,-1 2 0,8-2 0,1-1 0,2 0 0</inkml:trace>
+</inkml:ink>
+</file>
+
+<file path=ppt/ink/ink8.xml><?xml version="1.0" encoding="utf-8"?>
+<inkml:ink xmlns:inkml="http://www.w3.org/2003/InkML">
+  <inkml:definitions>
+    <inkml:context xml:id="ctx0">
+      <inkml:inkSource xml:id="inkSrc0">
+        <inkml:traceFormat>
+          <inkml:channel name="X" type="integer" min="-2.14748E9" max="2.14748E9" units="cm"/>
+          <inkml:channel name="Y" type="integer" min="-2.14748E9" max="2.14748E9" units="cm"/>
+          <inkml:channel name="F" type="integer" max="32767" units="dev"/>
+        </inkml:traceFormat>
+        <inkml:channelProperties>
+          <inkml:channelProperty channel="X" name="resolution" value="1000" units="1/cm"/>
+          <inkml:channelProperty channel="Y" name="resolution" value="1000" units="1/cm"/>
+          <inkml:channelProperty channel="F" name="resolution" value="0" units="1/dev"/>
+        </inkml:channelProperties>
+      </inkml:inkSource>
+      <inkml:timestamp xml:id="ts0" timeString="2022-05-01T13:29:42.857"/>
+    </inkml:context>
+    <inkml:brush xml:id="br0">
+      <inkml:brushProperty name="width" value="0.05" units="cm"/>
+      <inkml:brushProperty name="height" value="0.05" units="cm"/>
+      <inkml:brushProperty name="color" value="#FFFFFF"/>
+    </inkml:brush>
+  </inkml:definitions>
+  <inkml:trace contextRef="#ctx0" brushRef="#br0">1116 200 24575,'-12'0'0,"-12"0"0,-13-3 0,-13-2 0,-10-5 0,0-2 0,2 0 0,3-1 0,8 3 0,5 0 0,6 3 0,1 0 0,4 2 0,3 1 0,2 0 0,4 1 0,-1-3 0,-1 1 0,-4-2 0,-3 0 0,-1 1 0,-1-1 0,2 1 0,2 1 0,2-1 0,3-1 0,3 3 0,3-1 0,3 2 0,0-1 0,1 0 0,2 1 0,-1 1 0,1 0 0,-1 0 0,0 0 0,1 1 0,-2 1 0,1 0 0,0 0 0,7 0 0,0 0 0,5 0 0,9 0 0,-1 0 0,6 0 0,-7 0 0,-2 0 0,-1 2 0,0-1 0,-2 1 0,0-2 0</inkml:trace>
+</inkml:ink>
+</file>
+
+<file path=ppt/ink/ink9.xml><?xml version="1.0" encoding="utf-8"?>
+<inkml:ink xmlns:inkml="http://www.w3.org/2003/InkML">
+  <inkml:definitions>
+    <inkml:context xml:id="ctx0">
+      <inkml:inkSource xml:id="inkSrc0">
+        <inkml:traceFormat>
+          <inkml:channel name="X" type="integer" min="-2.14748E9" max="2.14748E9" units="cm"/>
+          <inkml:channel name="Y" type="integer" min="-2.14748E9" max="2.14748E9" units="cm"/>
+          <inkml:channel name="F" type="integer" max="32767" units="dev"/>
+        </inkml:traceFormat>
+        <inkml:channelProperties>
+          <inkml:channelProperty channel="X" name="resolution" value="1000" units="1/cm"/>
+          <inkml:channelProperty channel="Y" name="resolution" value="1000" units="1/cm"/>
+          <inkml:channelProperty channel="F" name="resolution" value="0" units="1/dev"/>
+        </inkml:channelProperties>
+      </inkml:inkSource>
+      <inkml:timestamp xml:id="ts0" timeString="2022-05-01T13:29:45.157"/>
+    </inkml:context>
+    <inkml:brush xml:id="br0">
+      <inkml:brushProperty name="width" value="0.05" units="cm"/>
+      <inkml:brushProperty name="height" value="0.05" units="cm"/>
+      <inkml:brushProperty name="color" value="#FFFFFF"/>
+    </inkml:brush>
+  </inkml:definitions>
+  <inkml:trace contextRef="#ctx0" brushRef="#br0">2380 122 24575,'-14'4'0,"-11"-1"0,-15-3 0,-12 0 0,-6 0 0,-8 0 0,-11 0 0,-9 0 0,-1 0 0,4 0 0,11 0 0,8 0 0,1 0 0,4 0 0,-1-1 0,3-1 0,5 0 0,1-1 0,-1 1 0,0 0 0,-2-1 0,1-2 0,1-2 0,1-1 0,-2-2 0,3 3 0,-2 1 0,6 1 0,7 2 0,9 0 0,5 1 0,12 2 0,-1 0 0,5 0 0,0 0 0,-7-2 0,0 0 0,-13-1 0,-9-1 0,-8 2 0,-5-1 0,4 0 0,4 0 0,3-1 0,3-1 0,7 1 0,4 0 0,5 0 0,3 0 0,0 0 0,0 0 0,-4 2 0,-5 1 0,-2 1 0,2 0 0,5 0 0,7 0 0,5 0 0,3 0 0,3 0 0,2 0 0,1 0 0</inkml:trace>
+</inkml:ink>
+</file>
+
+<file path=ppt/notesMasters/notesMaster1.xml><?xml version="1.0" encoding="utf-8"?>
+<p:notesMaster xmlns:a="http://schemas.openxmlformats.org/drawingml/2006/main" xmlns:r="http://schemas.openxmlformats.org/officeDocument/2006/relationships" xmlns:p="http://schemas.openxmlformats.org/presentationml/2006/main">
+  <p:cSld>
+    <p:bg>
+      <p:bgRef idx="1001">
+        <a:schemeClr val="bg1"/>
+      </p:bgRef>
+    </p:bg>
+    <p:spTree>
+      <p:nvGrpSpPr>
+        <p:cNvPr id="1" name=""/>
+        <p:cNvGrpSpPr/>
+        <p:nvPr/>
+      </p:nvGrpSpPr>
+      <p:grpSpPr>
+        <a:xfrm>
+          <a:off x="0" y="0"/>
+          <a:ext cx="0" cy="0"/>
+          <a:chOff x="0" y="0"/>
+          <a:chExt cx="0" cy="0"/>
+        </a:xfrm>
+      </p:grpSpPr>
+      <p:sp>
+        <p:nvSpPr>
+          <p:cNvPr id="2" name="머리글 개체 틀 1"/>
+          <p:cNvSpPr>
+            <a:spLocks noGrp="1"/>
+          </p:cNvSpPr>
+          <p:nvPr>
+            <p:ph type="hdr" sz="quarter"/>
+          </p:nvPr>
+        </p:nvSpPr>
+        <p:spPr>
+          <a:xfrm>
+            <a:off x="0" y="0"/>
+            <a:ext cx="2971800" cy="458788"/>
+          </a:xfrm>
+          <a:prstGeom prst="rect">
+            <a:avLst/>
+          </a:prstGeom>
+        </p:spPr>
+        <p:txBody>
+          <a:bodyPr vert="horz" lIns="91440" tIns="45720" rIns="91440" bIns="45720" rtlCol="0"/>
+          <a:lstStyle>
+            <a:lvl1pPr algn="l">
+              <a:defRPr sz="1200"/>
+            </a:lvl1pPr>
+          </a:lstStyle>
+          <a:p>
+            <a:endParaRPr kumimoji="1" lang="ko-Kore-KR" altLang="en-US"/>
+          </a:p>
+        </p:txBody>
+      </p:sp>
+      <p:sp>
+        <p:nvSpPr>
+          <p:cNvPr id="3" name="날짜 개체 틀 2"/>
+          <p:cNvSpPr>
+            <a:spLocks noGrp="1"/>
+          </p:cNvSpPr>
+          <p:nvPr>
+            <p:ph type="dt" idx="1"/>
+          </p:nvPr>
+        </p:nvSpPr>
+        <p:spPr>
+          <a:xfrm>
+            <a:off x="3884613" y="0"/>
+            <a:ext cx="2971800" cy="458788"/>
+          </a:xfrm>
+          <a:prstGeom prst="rect">
+            <a:avLst/>
+          </a:prstGeom>
+        </p:spPr>
+        <p:txBody>
+          <a:bodyPr vert="horz" lIns="91440" tIns="45720" rIns="91440" bIns="45720" rtlCol="0"/>
+          <a:lstStyle>
+            <a:lvl1pPr algn="r">
+              <a:defRPr sz="1200"/>
+            </a:lvl1pPr>
+          </a:lstStyle>
+          <a:p>
+            <a:fld id="{7EDDA4F1-B720-9C4D-A217-48F1C0F06947}" type="datetimeFigureOut">
+              <a:rPr kumimoji="1" lang="ko-Kore-KR" altLang="en-US" smtClean="0"/>
+              <a:t>2022. 5. 1.</a:t>
+            </a:fld>
+            <a:endParaRPr kumimoji="1" lang="ko-Kore-KR" altLang="en-US"/>
+          </a:p>
+        </p:txBody>
+      </p:sp>
+      <p:sp>
+        <p:nvSpPr>
+          <p:cNvPr id="4" name="슬라이드 이미지 개체 틀 3"/>
+          <p:cNvSpPr>
+            <a:spLocks noGrp="1" noRot="1" noChangeAspect="1"/>
+          </p:cNvSpPr>
+          <p:nvPr>
+            <p:ph type="sldImg" idx="2"/>
+          </p:nvPr>
+        </p:nvSpPr>
+        <p:spPr>
+          <a:xfrm>
+            <a:off x="685800" y="1143000"/>
+            <a:ext cx="5486400" cy="3086100"/>
+          </a:xfrm>
+          <a:prstGeom prst="rect">
+            <a:avLst/>
+          </a:prstGeom>
+          <a:noFill/>
+          <a:ln w="12700">
+            <a:solidFill>
+              <a:prstClr val="black"/>
+            </a:solidFill>
+          </a:ln>
+        </p:spPr>
+        <p:txBody>
+          <a:bodyPr vert="horz" lIns="91440" tIns="45720" rIns="91440" bIns="45720" rtlCol="0" anchor="ctr"/>
+          <a:lstStyle/>
+          <a:p>
+            <a:endParaRPr lang="ko-Kore-KR" altLang="en-US"/>
+          </a:p>
+        </p:txBody>
+      </p:sp>
+      <p:sp>
+        <p:nvSpPr>
+          <p:cNvPr id="5" name="슬라이드 노트 개체 틀 4"/>
+          <p:cNvSpPr>
+            <a:spLocks noGrp="1"/>
+          </p:cNvSpPr>
+          <p:nvPr>
+            <p:ph type="body" sz="quarter" idx="3"/>
+          </p:nvPr>
+        </p:nvSpPr>
+        <p:spPr>
+          <a:xfrm>
+            <a:off x="685800" y="4400550"/>
+            <a:ext cx="5486400" cy="3600450"/>
+          </a:xfrm>
+          <a:prstGeom prst="rect">
+            <a:avLst/>
+          </a:prstGeom>
+        </p:spPr>
+        <p:txBody>
+          <a:bodyPr vert="horz" lIns="91440" tIns="45720" rIns="91440" bIns="45720" rtlCol="0"/>
+          <a:lstStyle/>
+          <a:p>
+            <a:pPr lvl="0"/>
+            <a:r>
+              <a:rPr kumimoji="1" lang="ko-KR" altLang="en-US"/>
+              <a:t>마스터 텍스트 스타일을 편집하려면 클릭</a:t>
+            </a:r>
+          </a:p>
+          <a:p>
+            <a:pPr lvl="1"/>
+            <a:r>
+              <a:rPr kumimoji="1" lang="ko-KR" altLang="en-US"/>
+              <a:t>두 번째 수준</a:t>
+            </a:r>
+          </a:p>
+          <a:p>
+            <a:pPr lvl="2"/>
+            <a:r>
+              <a:rPr kumimoji="1" lang="ko-KR" altLang="en-US"/>
+              <a:t>세 번째 수준</a:t>
+            </a:r>
+          </a:p>
+          <a:p>
+            <a:pPr lvl="3"/>
+            <a:r>
+              <a:rPr kumimoji="1" lang="ko-KR" altLang="en-US"/>
+              <a:t>네 번째 수준</a:t>
+            </a:r>
+          </a:p>
+          <a:p>
+            <a:pPr lvl="4"/>
+            <a:r>
+              <a:rPr kumimoji="1" lang="ko-KR" altLang="en-US"/>
+              <a:t>다섯 번째 수준</a:t>
+            </a:r>
+            <a:endParaRPr kumimoji="1" lang="ko-Kore-KR" altLang="en-US"/>
+          </a:p>
+        </p:txBody>
+      </p:sp>
+      <p:sp>
+        <p:nvSpPr>
+          <p:cNvPr id="6" name="바닥글 개체 틀 5"/>
+          <p:cNvSpPr>
+            <a:spLocks noGrp="1"/>
+          </p:cNvSpPr>
+          <p:nvPr>
+            <p:ph type="ftr" sz="quarter" idx="4"/>
+          </p:nvPr>
+        </p:nvSpPr>
+        <p:spPr>
+          <a:xfrm>
+            <a:off x="0" y="8685213"/>
+            <a:ext cx="2971800" cy="458787"/>
+          </a:xfrm>
+          <a:prstGeom prst="rect">
+            <a:avLst/>
+          </a:prstGeom>
+        </p:spPr>
+        <p:txBody>
+          <a:bodyPr vert="horz" lIns="91440" tIns="45720" rIns="91440" bIns="45720" rtlCol="0" anchor="b"/>
+          <a:lstStyle>
+            <a:lvl1pPr algn="l">
+              <a:defRPr sz="1200"/>
+            </a:lvl1pPr>
+          </a:lstStyle>
+          <a:p>
+            <a:endParaRPr kumimoji="1" lang="ko-Kore-KR" altLang="en-US"/>
+          </a:p>
+        </p:txBody>
+      </p:sp>
+      <p:sp>
+        <p:nvSpPr>
+          <p:cNvPr id="7" name="슬라이드 번호 개체 틀 6"/>
+          <p:cNvSpPr>
+            <a:spLocks noGrp="1"/>
+          </p:cNvSpPr>
+          <p:nvPr>
+            <p:ph type="sldNum" sz="quarter" idx="5"/>
+          </p:nvPr>
+        </p:nvSpPr>
+        <p:spPr>
+          <a:xfrm>
+            <a:off x="3884613" y="8685213"/>
+            <a:ext cx="2971800" cy="458787"/>
+          </a:xfrm>
+          <a:prstGeom prst="rect">
+            <a:avLst/>
+          </a:prstGeom>
+        </p:spPr>
+        <p:txBody>
+          <a:bodyPr vert="horz" lIns="91440" tIns="45720" rIns="91440" bIns="45720" rtlCol="0" anchor="b"/>
+          <a:lstStyle>
+            <a:lvl1pPr algn="r">
+              <a:defRPr sz="1200"/>
+            </a:lvl1pPr>
+          </a:lstStyle>
+          <a:p>
+            <a:fld id="{944829B7-0337-C248-87B7-9406B628A178}" type="slidenum">
+              <a:rPr kumimoji="1" lang="ko-Kore-KR" altLang="en-US" smtClean="0"/>
+              <a:t>‹#›</a:t>
+            </a:fld>
+            <a:endParaRPr kumimoji="1" lang="ko-Kore-KR" altLang="en-US"/>
+          </a:p>
+        </p:txBody>
+      </p:sp>
+    </p:spTree>
+    <p:extLst>
+      <p:ext uri="{BB962C8B-B14F-4D97-AF65-F5344CB8AC3E}">
+        <p14:creationId xmlns:p14="http://schemas.microsoft.com/office/powerpoint/2010/main" val="4163499755"/>
+      </p:ext>
+    </p:extLst>
+  </p:cSld>
+  <p:clrMap bg1="lt1" tx1="dk1" bg2="lt2" tx2="dk2" accent1="accent1" accent2="accent2" accent3="accent3" accent4="accent4" accent5="accent5" accent6="accent6" hlink="hlink" folHlink="folHlink"/>
+  <p:notesStyle>
+    <a:lvl1pPr marL="0" algn="l" defTabSz="914400" rtl="0" eaLnBrk="1" latinLnBrk="0" hangingPunct="1">
+      <a:defRPr sz="1200" kern="1200">
+        <a:solidFill>
+          <a:schemeClr val="tx1"/>
+        </a:solidFill>
+        <a:latin typeface="+mn-lt"/>
+        <a:ea typeface="+mn-ea"/>
+        <a:cs typeface="+mn-cs"/>
+      </a:defRPr>
+    </a:lvl1pPr>
+    <a:lvl2pPr marL="457200" algn="l" defTabSz="914400" rtl="0" eaLnBrk="1" latinLnBrk="0" hangingPunct="1">
+      <a:defRPr sz="1200" kern="1200">
+        <a:solidFill>
+          <a:schemeClr val="tx1"/>
+        </a:solidFill>
+        <a:latin typeface="+mn-lt"/>
+        <a:ea typeface="+mn-ea"/>
+        <a:cs typeface="+mn-cs"/>
+      </a:defRPr>
+    </a:lvl2pPr>
+    <a:lvl3pPr marL="914400" algn="l" defTabSz="914400" rtl="0" eaLnBrk="1" latinLnBrk="0" hangingPunct="1">
+      <a:defRPr sz="1200" kern="1200">
+        <a:solidFill>
+          <a:schemeClr val="tx1"/>
+        </a:solidFill>
+        <a:latin typeface="+mn-lt"/>
+        <a:ea typeface="+mn-ea"/>
+        <a:cs typeface="+mn-cs"/>
+      </a:defRPr>
+    </a:lvl3pPr>
+    <a:lvl4pPr marL="1371600" algn="l" defTabSz="914400" rtl="0" eaLnBrk="1" latinLnBrk="0" hangingPunct="1">
+      <a:defRPr sz="1200" kern="1200">
+        <a:solidFill>
+          <a:schemeClr val="tx1"/>
+        </a:solidFill>
+        <a:latin typeface="+mn-lt"/>
+        <a:ea typeface="+mn-ea"/>
+        <a:cs typeface="+mn-cs"/>
+      </a:defRPr>
+    </a:lvl4pPr>
+    <a:lvl5pPr marL="1828800" algn="l" defTabSz="914400" rtl="0" eaLnBrk="1" latinLnBrk="0" hangingPunct="1">
+      <a:defRPr sz="1200" kern="1200">
+        <a:solidFill>
+          <a:schemeClr val="tx1"/>
+        </a:solidFill>
+        <a:latin typeface="+mn-lt"/>
+        <a:ea typeface="+mn-ea"/>
+        <a:cs typeface="+mn-cs"/>
+      </a:defRPr>
+    </a:lvl5pPr>
+    <a:lvl6pPr marL="2286000" algn="l" defTabSz="914400" rtl="0" eaLnBrk="1" latinLnBrk="0" hangingPunct="1">
+      <a:defRPr sz="1200" kern="1200">
+        <a:solidFill>
+          <a:schemeClr val="tx1"/>
+        </a:solidFill>
+        <a:latin typeface="+mn-lt"/>
+        <a:ea typeface="+mn-ea"/>
+        <a:cs typeface="+mn-cs"/>
+      </a:defRPr>
+    </a:lvl6pPr>
+    <a:lvl7pPr marL="2743200" algn="l" defTabSz="914400" rtl="0" eaLnBrk="1" latinLnBrk="0" hangingPunct="1">
+      <a:defRPr sz="1200" kern="1200">
+        <a:solidFill>
+          <a:schemeClr val="tx1"/>
+        </a:solidFill>
+        <a:latin typeface="+mn-lt"/>
+        <a:ea typeface="+mn-ea"/>
+        <a:cs typeface="+mn-cs"/>
+      </a:defRPr>
+    </a:lvl7pPr>
+    <a:lvl8pPr marL="3200400" algn="l" defTabSz="914400" rtl="0" eaLnBrk="1" latinLnBrk="0" hangingPunct="1">
+      <a:defRPr sz="1200" kern="1200">
+        <a:solidFill>
+          <a:schemeClr val="tx1"/>
+        </a:solidFill>
+        <a:latin typeface="+mn-lt"/>
+        <a:ea typeface="+mn-ea"/>
+        <a:cs typeface="+mn-cs"/>
+      </a:defRPr>
+    </a:lvl8pPr>
+    <a:lvl9pPr marL="3657600" algn="l" defTabSz="914400" rtl="0" eaLnBrk="1" latinLnBrk="0" hangingPunct="1">
+      <a:defRPr sz="1200" kern="1200">
+        <a:solidFill>
+          <a:schemeClr val="tx1"/>
+        </a:solidFill>
+        <a:latin typeface="+mn-lt"/>
+        <a:ea typeface="+mn-ea"/>
+        <a:cs typeface="+mn-cs"/>
+      </a:defRPr>
+    </a:lvl9pPr>
+  </p:notesStyle>
+</p:notesMaster>
+</file>
+
+<file path=ppt/notesSlides/notesSlide1.xml><?xml version="1.0" encoding="utf-8"?>
+<p:notes xmlns:a="http://schemas.openxmlformats.org/drawingml/2006/main" xmlns:r="http://schemas.openxmlformats.org/officeDocument/2006/relationships" xmlns:p="http://schemas.openxmlformats.org/presentationml/2006/main">
+  <p:cSld>
+    <p:spTree>
+      <p:nvGrpSpPr>
+        <p:cNvPr id="1" name=""/>
+        <p:cNvGrpSpPr/>
+        <p:nvPr/>
+      </p:nvGrpSpPr>
+      <p:grpSpPr>
+        <a:xfrm>
+          <a:off x="0" y="0"/>
+          <a:ext cx="0" cy="0"/>
+          <a:chOff x="0" y="0"/>
+          <a:chExt cx="0" cy="0"/>
+        </a:xfrm>
+      </p:grpSpPr>
+      <p:sp>
+        <p:nvSpPr>
+          <p:cNvPr id="2" name="슬라이드 이미지 개체 틀 1"/>
+          <p:cNvSpPr>
+            <a:spLocks noGrp="1" noRot="1" noChangeAspect="1"/>
+          </p:cNvSpPr>
+          <p:nvPr>
+            <p:ph type="sldImg"/>
+          </p:nvPr>
+        </p:nvSpPr>
+        <p:spPr/>
+      </p:sp>
+      <p:sp>
+        <p:nvSpPr>
+          <p:cNvPr id="3" name="슬라이드 노트 개체 틀 2"/>
+          <p:cNvSpPr>
+            <a:spLocks noGrp="1"/>
+          </p:cNvSpPr>
+          <p:nvPr>
+            <p:ph type="body" idx="1"/>
+          </p:nvPr>
+        </p:nvSpPr>
+        <p:spPr/>
+        <p:txBody>
+          <a:bodyPr/>
+          <a:lstStyle/>
+          <a:p>
+            <a:endParaRPr kumimoji="1" lang="ko-Kore-KR" altLang="en-US" dirty="0"/>
+          </a:p>
+        </p:txBody>
+      </p:sp>
+      <p:sp>
+        <p:nvSpPr>
+          <p:cNvPr id="4" name="슬라이드 번호 개체 틀 3"/>
+          <p:cNvSpPr>
+            <a:spLocks noGrp="1"/>
+          </p:cNvSpPr>
+          <p:nvPr>
+            <p:ph type="sldNum" sz="quarter" idx="5"/>
+          </p:nvPr>
+        </p:nvSpPr>
+        <p:spPr/>
+        <p:txBody>
+          <a:bodyPr/>
+          <a:lstStyle/>
+          <a:p>
+            <a:fld id="{944829B7-0337-C248-87B7-9406B628A178}" type="slidenum">
+              <a:rPr kumimoji="1" lang="ko-Kore-KR" altLang="en-US" smtClean="0"/>
+              <a:t>6</a:t>
+            </a:fld>
+            <a:endParaRPr kumimoji="1" lang="ko-Kore-KR" altLang="en-US"/>
+          </a:p>
+        </p:txBody>
+      </p:sp>
+    </p:spTree>
+    <p:extLst>
+      <p:ext uri="{BB962C8B-B14F-4D97-AF65-F5344CB8AC3E}">
+        <p14:creationId xmlns:p14="http://schemas.microsoft.com/office/powerpoint/2010/main" val="1160696045"/>
+      </p:ext>
+    </p:extLst>
+  </p:cSld>
+  <p:clrMapOvr>
+    <a:masterClrMapping/>
+  </p:clrMapOvr>
+</p:notes>
 </file>
 
 <file path=ppt/slideLayouts/slideLayout1.xml><?xml version="1.0" encoding="utf-8"?>
@@ -3366,7 +4085,7 @@
           <p:nvPr>
             <p:extLst>
               <p:ext uri="{D42A27DB-BD31-4B8C-83A1-F6EECF244321}">
-                <p14:modId xmlns:p14="http://schemas.microsoft.com/office/powerpoint/2010/main" val="1699588065"/>
+                <p14:modId xmlns:p14="http://schemas.microsoft.com/office/powerpoint/2010/main" val="1884842773"/>
               </p:ext>
             </p:extLst>
           </p:nvPr>
@@ -3670,6 +4389,10 @@
                       <a:r>
                         <a:rPr lang="ko-KR" altLang="en-US" dirty="0"/>
                         <a:t>상품 등록이 완료된 상태를 보여준다</a:t>
+                      </a:r>
+                      <a:r>
+                        <a:rPr lang="en-US" altLang="ko-KR" dirty="0"/>
+                        <a:t>.</a:t>
                       </a:r>
                       <a:endParaRPr lang="ko-Kore-KR" altLang="en-US" dirty="0"/>
                     </a:p>
@@ -3748,7 +4471,7 @@
           <p:nvPr>
             <p:extLst>
               <p:ext uri="{D42A27DB-BD31-4B8C-83A1-F6EECF244321}">
-                <p14:modId xmlns:p14="http://schemas.microsoft.com/office/powerpoint/2010/main" val="3127761994"/>
+                <p14:modId xmlns:p14="http://schemas.microsoft.com/office/powerpoint/2010/main" val="2591408888"/>
               </p:ext>
             </p:extLst>
           </p:nvPr>
@@ -3913,6 +4636,10 @@
                         <a:rPr lang="ko-KR" altLang="en-US" dirty="0"/>
                         <a:t>사용자의 모든 판매 중인 상품 리스트를 보여준다</a:t>
                       </a:r>
+                      <a:r>
+                        <a:rPr lang="en-US" altLang="ko-KR" dirty="0"/>
+                        <a:t>.</a:t>
+                      </a:r>
                       <a:endParaRPr lang="ko-Kore-KR" altLang="en-US" dirty="0"/>
                     </a:p>
                   </a:txBody>
@@ -3950,6 +4677,10 @@
                         <a:rPr lang="ko-KR" altLang="en-US" dirty="0"/>
                         <a:t>사용자는 상품 리스트에서 하나를 선택한다</a:t>
                       </a:r>
+                      <a:r>
+                        <a:rPr lang="en-US" altLang="ko-KR" dirty="0"/>
+                        <a:t>.</a:t>
+                      </a:r>
                       <a:endParaRPr lang="ko-Kore-KR" altLang="en-US" dirty="0"/>
                     </a:p>
                   </a:txBody>
@@ -4003,6 +4734,10 @@
                       <a:r>
                         <a:rPr lang="ko-KR" altLang="en-US" dirty="0"/>
                         <a:t>수량 등의 정보를 보여준다</a:t>
+                      </a:r>
+                      <a:r>
+                        <a:rPr lang="en-US" altLang="ko-KR" dirty="0"/>
+                        <a:t>.</a:t>
                       </a:r>
                       <a:endParaRPr lang="ko-Kore-KR" altLang="en-US" dirty="0"/>
                     </a:p>
@@ -4055,6 +4790,11 @@
                         <a:rPr lang="ko-Kore-KR" altLang="en-US" dirty="0"/>
                         <a:t>할 수 있다</a:t>
                       </a:r>
+                      <a:r>
+                        <a:rPr lang="en-US" altLang="ko-Kore-KR" dirty="0"/>
+                        <a:t>.</a:t>
+                      </a:r>
+                      <a:endParaRPr lang="ko-Kore-KR" altLang="en-US" dirty="0"/>
                     </a:p>
                   </a:txBody>
                   <a:tcPr anchor="ctr"/>
@@ -6136,10 +6876,10 @@
       </p:sp>
       <p:pic>
         <p:nvPicPr>
-          <p:cNvPr id="9" name="그림 8">
+          <p:cNvPr id="4" name="그림 3">
             <a:extLst>
               <a:ext uri="{FF2B5EF4-FFF2-40B4-BE49-F238E27FC236}">
-                <a16:creationId xmlns:a16="http://schemas.microsoft.com/office/drawing/2014/main" id="{E58E1FB5-0971-CE81-B333-1DBA79E8EC31}"/>
+                <a16:creationId xmlns:a16="http://schemas.microsoft.com/office/drawing/2014/main" id="{ADC07B32-84DB-09DB-E5F8-2D9B6F4C0965}"/>
               </a:ext>
             </a:extLst>
           </p:cNvPr>
@@ -6156,14 +6896,54 @@
         </p:blipFill>
         <p:spPr>
           <a:xfrm>
-            <a:off x="6563831" y="3368542"/>
-            <a:ext cx="4127502" cy="3308352"/>
+            <a:off x="7137989" y="3199376"/>
+            <a:ext cx="4070760" cy="3429002"/>
           </a:xfrm>
           <a:prstGeom prst="rect">
             <a:avLst/>
           </a:prstGeom>
         </p:spPr>
       </p:pic>
+      <p:sp>
+        <p:nvSpPr>
+          <p:cNvPr id="8" name="TextBox 7">
+            <a:extLst>
+              <a:ext uri="{FF2B5EF4-FFF2-40B4-BE49-F238E27FC236}">
+                <a16:creationId xmlns:a16="http://schemas.microsoft.com/office/drawing/2014/main" id="{2DBEC1BF-3896-658B-3B50-C9FCED3407F1}"/>
+              </a:ext>
+            </a:extLst>
+          </p:cNvPr>
+          <p:cNvSpPr txBox="1"/>
+          <p:nvPr/>
+        </p:nvSpPr>
+        <p:spPr>
+          <a:xfrm>
+            <a:off x="7209183" y="3253126"/>
+            <a:ext cx="1417983" cy="230832"/>
+          </a:xfrm>
+          <a:prstGeom prst="rect">
+            <a:avLst/>
+          </a:prstGeom>
+          <a:noFill/>
+        </p:spPr>
+        <p:txBody>
+          <a:bodyPr wrap="square" rtlCol="0">
+            <a:spAutoFit/>
+          </a:bodyPr>
+          <a:lstStyle/>
+          <a:p>
+            <a:r>
+              <a:rPr kumimoji="1" lang="ko-Kore-KR" altLang="en-US" sz="900" dirty="0"/>
+              <a:t>상품리스트</a:t>
+            </a:r>
+            <a:r>
+              <a:rPr kumimoji="1" lang="ko-KR" altLang="en-US" sz="900" dirty="0"/>
+              <a:t> 검색</a:t>
+            </a:r>
+            <a:endParaRPr kumimoji="1" lang="ko-Kore-KR" altLang="en-US" sz="900" dirty="0"/>
+          </a:p>
+        </p:txBody>
+      </p:sp>
     </p:spTree>
     <p:extLst>
       <p:ext uri="{BB962C8B-B14F-4D97-AF65-F5344CB8AC3E}">
@@ -6209,14 +6989,14 @@
           <p:nvPr>
             <p:extLst>
               <p:ext uri="{D42A27DB-BD31-4B8C-83A1-F6EECF244321}">
-                <p14:modId xmlns:p14="http://schemas.microsoft.com/office/powerpoint/2010/main" val="1364830694"/>
+                <p14:modId xmlns:p14="http://schemas.microsoft.com/office/powerpoint/2010/main" val="2801392232"/>
               </p:ext>
             </p:extLst>
           </p:nvPr>
         </p:nvGraphicFramePr>
         <p:xfrm>
           <a:off x="712912" y="920726"/>
-          <a:ext cx="5214935" cy="1946646"/>
+          <a:ext cx="5214935" cy="3013446"/>
         </p:xfrm>
         <a:graphic>
           <a:graphicData uri="http://schemas.openxmlformats.org/drawingml/2006/table">
@@ -6330,7 +7110,7 @@
                           <a:ea typeface="+mn-ea"/>
                           <a:cs typeface="+mn-cs"/>
                         </a:rPr>
-                        <a:t> 출력된 상품 중 구매를 원하는 상품을 선택한다</a:t>
+                        <a:t> 리스트에 출력된 상품 중 하나를 선택한다</a:t>
                       </a:r>
                       <a:r>
                         <a:rPr lang="en-US" altLang="ko-KR" sz="1600" kern="1200" dirty="0">
@@ -6473,6 +7253,71 @@
                 <a:extLst>
                   <a:ext uri="{0D108BD9-81ED-4DB2-BD59-A6C34878D82A}">
                     <a16:rowId xmlns:a16="http://schemas.microsoft.com/office/drawing/2014/main" val="3061492118"/>
+                  </a:ext>
+                </a:extLst>
+              </a:tr>
+              <a:tr h="528317">
+                <a:tc gridSpan="2">
+                  <a:txBody>
+                    <a:bodyPr/>
+                    <a:lstStyle/>
+                    <a:p>
+                      <a:r>
+                        <a:rPr lang="en-US" altLang="ko-Kore-KR" sz="1600" dirty="0"/>
+                        <a:t>Extensions</a:t>
+                      </a:r>
+                    </a:p>
+                    <a:p>
+                      <a:r>
+                        <a:rPr lang="ko-KR" altLang="en-US" sz="1600" dirty="0"/>
+                        <a:t>상품을 구매할 수 있으며</a:t>
+                      </a:r>
+                      <a:r>
+                        <a:rPr lang="en-US" altLang="ko-KR" sz="1600" dirty="0"/>
+                        <a:t>,</a:t>
+                      </a:r>
+                      <a:r>
+                        <a:rPr lang="ko-KR" altLang="en-US" sz="1600" dirty="0"/>
+                        <a:t> 추가 상품을 선택할 수 있다</a:t>
+                      </a:r>
+                      <a:r>
+                        <a:rPr lang="en-US" altLang="ko-KR" sz="1600" dirty="0"/>
+                        <a:t>.</a:t>
+                      </a:r>
+                      <a:r>
+                        <a:rPr lang="ko-KR" altLang="en-US" sz="1600" dirty="0"/>
+                        <a:t> 추가 상품을 선택하면 추가 상품의 금액만큼 증가한 가격으로 총 구매금액을 결정한다</a:t>
+                      </a:r>
+                      <a:r>
+                        <a:rPr lang="en-US" altLang="ko-KR" sz="1600" dirty="0"/>
+                        <a:t>.</a:t>
+                      </a:r>
+                      <a:endParaRPr lang="en-US" altLang="ko-Kore-KR" sz="1600" dirty="0"/>
+                    </a:p>
+                  </a:txBody>
+                  <a:tcPr anchor="ctr"/>
+                </a:tc>
+                <a:tc hMerge="1">
+                  <a:txBody>
+                    <a:bodyPr/>
+                    <a:lstStyle/>
+                    <a:p>
+                      <a:endParaRPr lang="en-US" altLang="ko-KR" sz="1600" dirty="0"/>
+                    </a:p>
+                  </a:txBody>
+                  <a:tcPr anchor="ctr">
+                    <a:lnL w="12700" cap="flat" cmpd="sng" algn="ctr">
+                      <a:noFill/>
+                      <a:prstDash val="solid"/>
+                      <a:round/>
+                      <a:headEnd type="none" w="med" len="med"/>
+                      <a:tailEnd type="none" w="med" len="med"/>
+                    </a:lnL>
+                  </a:tcPr>
+                </a:tc>
+                <a:extLst>
+                  <a:ext uri="{0D108BD9-81ED-4DB2-BD59-A6C34878D82A}">
+                    <a16:rowId xmlns:a16="http://schemas.microsoft.com/office/drawing/2014/main" val="4257474444"/>
                   </a:ext>
                 </a:extLst>
               </a:tr>
@@ -6494,7 +7339,7 @@
         </p:nvSpPr>
         <p:spPr>
           <a:xfrm>
-            <a:off x="693084" y="325938"/>
+            <a:off x="524934" y="325938"/>
             <a:ext cx="5590889" cy="461665"/>
           </a:xfrm>
           <a:prstGeom prst="rect">
@@ -6519,232 +7364,6 @@
             <a:r>
               <a:rPr kumimoji="1" lang="ko-KR" altLang="en-US" sz="2400" dirty="0"/>
               <a:t> 상세정보 출력</a:t>
-            </a:r>
-            <a:endParaRPr kumimoji="1" lang="ko-Kore-KR" altLang="en-US" sz="2400" dirty="0"/>
-          </a:p>
-        </p:txBody>
-      </p:sp>
-      <p:graphicFrame>
-        <p:nvGraphicFramePr>
-          <p:cNvPr id="3" name="표 2">
-            <a:extLst>
-              <a:ext uri="{FF2B5EF4-FFF2-40B4-BE49-F238E27FC236}">
-                <a16:creationId xmlns:a16="http://schemas.microsoft.com/office/drawing/2014/main" id="{CB5AD592-DD4C-3C36-96DE-DD6E8B523E01}"/>
-              </a:ext>
-            </a:extLst>
-          </p:cNvPr>
-          <p:cNvGraphicFramePr>
-            <a:graphicFrameLocks noGrp="1"/>
-          </p:cNvGraphicFramePr>
-          <p:nvPr>
-            <p:extLst>
-              <p:ext uri="{D42A27DB-BD31-4B8C-83A1-F6EECF244321}">
-                <p14:modId xmlns:p14="http://schemas.microsoft.com/office/powerpoint/2010/main" val="3054803825"/>
-              </p:ext>
-            </p:extLst>
-          </p:nvPr>
-        </p:nvGraphicFramePr>
-        <p:xfrm>
-          <a:off x="712910" y="3910289"/>
-          <a:ext cx="5214937" cy="1318458"/>
-        </p:xfrm>
-        <a:graphic>
-          <a:graphicData uri="http://schemas.openxmlformats.org/drawingml/2006/table">
-            <a:tbl>
-              <a:tblPr firstRow="1" bandRow="1">
-                <a:tableStyleId>{69012ECD-51FC-41F1-AA8D-1B2483CD663E}</a:tableStyleId>
-              </a:tblPr>
-              <a:tblGrid>
-                <a:gridCol w="2539216">
-                  <a:extLst>
-                    <a:ext uri="{9D8B030D-6E8A-4147-A177-3AD203B41FA5}">
-                      <a16:colId xmlns:a16="http://schemas.microsoft.com/office/drawing/2014/main" val="3503872160"/>
-                    </a:ext>
-                  </a:extLst>
-                </a:gridCol>
-                <a:gridCol w="2675721">
-                  <a:extLst>
-                    <a:ext uri="{9D8B030D-6E8A-4147-A177-3AD203B41FA5}">
-                      <a16:colId xmlns:a16="http://schemas.microsoft.com/office/drawing/2014/main" val="2654836194"/>
-                    </a:ext>
-                  </a:extLst>
-                </a:gridCol>
-              </a:tblGrid>
-              <a:tr h="358199">
-                <a:tc>
-                  <a:txBody>
-                    <a:bodyPr/>
-                    <a:lstStyle/>
-                    <a:p>
-                      <a:r>
-                        <a:rPr lang="en-US" altLang="ko-Kore-KR" sz="1600" dirty="0"/>
-                        <a:t>Actor Action</a:t>
-                      </a:r>
-                      <a:endParaRPr lang="ko-Kore-KR" altLang="en-US" sz="1600" dirty="0"/>
-                    </a:p>
-                  </a:txBody>
-                  <a:tcPr>
-                    <a:solidFill>
-                      <a:schemeClr val="accent1">
-                        <a:lumMod val="60000"/>
-                        <a:lumOff val="40000"/>
-                      </a:schemeClr>
-                    </a:solidFill>
-                  </a:tcPr>
-                </a:tc>
-                <a:tc>
-                  <a:txBody>
-                    <a:bodyPr/>
-                    <a:lstStyle/>
-                    <a:p>
-                      <a:r>
-                        <a:rPr lang="en-US" altLang="ko-Kore-KR" sz="1600" dirty="0"/>
-                        <a:t>System Response</a:t>
-                      </a:r>
-                      <a:endParaRPr lang="ko-Kore-KR" altLang="en-US" sz="1600" dirty="0"/>
-                    </a:p>
-                  </a:txBody>
-                  <a:tcPr>
-                    <a:solidFill>
-                      <a:schemeClr val="accent1">
-                        <a:lumMod val="60000"/>
-                        <a:lumOff val="40000"/>
-                      </a:schemeClr>
-                    </a:solidFill>
-                  </a:tcPr>
-                </a:tc>
-                <a:extLst>
-                  <a:ext uri="{0D108BD9-81ED-4DB2-BD59-A6C34878D82A}">
-                    <a16:rowId xmlns:a16="http://schemas.microsoft.com/office/drawing/2014/main" val="2551893293"/>
-                  </a:ext>
-                </a:extLst>
-              </a:tr>
-              <a:tr h="960259">
-                <a:tc>
-                  <a:txBody>
-                    <a:bodyPr/>
-                    <a:lstStyle/>
-                    <a:p>
-                      <a:pPr marL="0" marR="0" lvl="0" indent="0" algn="l" defTabSz="914400" rtl="0" eaLnBrk="1" fontAlgn="auto" latinLnBrk="0" hangingPunct="1">
-                        <a:lnSpc>
-                          <a:spcPct val="100000"/>
-                        </a:lnSpc>
-                        <a:spcBef>
-                          <a:spcPts val="0"/>
-                        </a:spcBef>
-                        <a:spcAft>
-                          <a:spcPts val="0"/>
-                        </a:spcAft>
-                        <a:buClrTx/>
-                        <a:buSzTx/>
-                        <a:buFontTx/>
-                        <a:buNone/>
-                        <a:tabLst/>
-                        <a:defRPr/>
-                      </a:pPr>
-                      <a:r>
-                        <a:rPr lang="en-US" altLang="ko-Kore-KR" sz="1600" dirty="0"/>
-                        <a:t>1.</a:t>
-                      </a:r>
-                      <a:r>
-                        <a:rPr lang="ko-KR" altLang="en-US" sz="1600" dirty="0"/>
-                        <a:t>  상품을 선택하면 추가 상품도 같이 선택한다</a:t>
-                      </a:r>
-                      <a:r>
-                        <a:rPr lang="en-US" altLang="ko-KR" sz="1600" dirty="0"/>
-                        <a:t>.</a:t>
-                      </a:r>
-                      <a:endParaRPr lang="ko-Kore-KR" altLang="en-US" sz="1600" dirty="0"/>
-                    </a:p>
-                  </a:txBody>
-                  <a:tcPr anchor="ctr">
-                    <a:lnR w="12700" cap="flat" cmpd="sng" algn="ctr">
-                      <a:noFill/>
-                      <a:prstDash val="solid"/>
-                      <a:round/>
-                      <a:headEnd type="none" w="med" len="med"/>
-                      <a:tailEnd type="none" w="med" len="med"/>
-                    </a:lnR>
-                  </a:tcPr>
-                </a:tc>
-                <a:tc>
-                  <a:txBody>
-                    <a:bodyPr/>
-                    <a:lstStyle/>
-                    <a:p>
-                      <a:r>
-                        <a:rPr lang="en-US" altLang="ko-Kore-KR" sz="1600" dirty="0"/>
-                        <a:t>2</a:t>
-                      </a:r>
-                      <a:r>
-                        <a:rPr lang="en-US" altLang="ko-KR" sz="1600" dirty="0"/>
-                        <a:t>.</a:t>
-                      </a:r>
-                      <a:r>
-                        <a:rPr lang="ko-KR" altLang="en-US" sz="1600" dirty="0"/>
-                        <a:t> 추가 상품의 금액만큼 증가한 가격으로 총 구매금액을 결정한다</a:t>
-                      </a:r>
-                      <a:r>
-                        <a:rPr lang="en-US" altLang="ko-KR" sz="1600" dirty="0"/>
-                        <a:t>.</a:t>
-                      </a:r>
-                    </a:p>
-                  </a:txBody>
-                  <a:tcPr anchor="ctr">
-                    <a:lnL w="12700" cap="flat" cmpd="sng" algn="ctr">
-                      <a:noFill/>
-                      <a:prstDash val="solid"/>
-                      <a:round/>
-                      <a:headEnd type="none" w="med" len="med"/>
-                      <a:tailEnd type="none" w="med" len="med"/>
-                    </a:lnL>
-                  </a:tcPr>
-                </a:tc>
-                <a:extLst>
-                  <a:ext uri="{0D108BD9-81ED-4DB2-BD59-A6C34878D82A}">
-                    <a16:rowId xmlns:a16="http://schemas.microsoft.com/office/drawing/2014/main" val="1854291626"/>
-                  </a:ext>
-                </a:extLst>
-              </a:tr>
-            </a:tbl>
-          </a:graphicData>
-        </a:graphic>
-      </p:graphicFrame>
-      <p:sp>
-        <p:nvSpPr>
-          <p:cNvPr id="7" name="TextBox 6">
-            <a:extLst>
-              <a:ext uri="{FF2B5EF4-FFF2-40B4-BE49-F238E27FC236}">
-                <a16:creationId xmlns:a16="http://schemas.microsoft.com/office/drawing/2014/main" id="{562F9C20-BC26-DC3B-ABDA-CA7CFE60C72B}"/>
-              </a:ext>
-            </a:extLst>
-          </p:cNvPr>
-          <p:cNvSpPr txBox="1"/>
-          <p:nvPr/>
-        </p:nvSpPr>
-        <p:spPr>
-          <a:xfrm>
-            <a:off x="693084" y="3198167"/>
-            <a:ext cx="7631566" cy="461665"/>
-          </a:xfrm>
-          <a:prstGeom prst="rect">
-            <a:avLst/>
-          </a:prstGeom>
-          <a:noFill/>
-        </p:spPr>
-        <p:txBody>
-          <a:bodyPr wrap="square">
-            <a:spAutoFit/>
-          </a:bodyPr>
-          <a:lstStyle/>
-          <a:p>
-            <a:r>
-              <a:rPr kumimoji="1" lang="en-US" altLang="ko-Kore-KR" sz="2400" dirty="0"/>
-              <a:t>Use case Description : </a:t>
-            </a:r>
-            <a:r>
-              <a:rPr kumimoji="1" lang="ko-KR" altLang="en-US" sz="2400" dirty="0"/>
-              <a:t>추가 상품 구매</a:t>
             </a:r>
             <a:endParaRPr kumimoji="1" lang="ko-Kore-KR" altLang="en-US" sz="2400" dirty="0"/>
           </a:p>
@@ -6780,10 +7399,1822 @@
           </a:prstGeom>
         </p:spPr>
       </p:pic>
+      <mc:AlternateContent xmlns:mc="http://schemas.openxmlformats.org/markup-compatibility/2006">
+        <mc:Choice xmlns:p14="http://schemas.microsoft.com/office/powerpoint/2010/main" Requires="p14">
+          <p:contentPart p14:bwMode="auto" r:id="rId3">
+            <p14:nvContentPartPr>
+              <p14:cNvPr id="11" name="잉크 10">
+                <a:extLst>
+                  <a:ext uri="{FF2B5EF4-FFF2-40B4-BE49-F238E27FC236}">
+                    <a16:creationId xmlns:a16="http://schemas.microsoft.com/office/drawing/2014/main" id="{A5BEB5F1-AAF3-321E-CF1F-ABC7C2F22A93}"/>
+                  </a:ext>
+                </a:extLst>
+              </p14:cNvPr>
+              <p14:cNvContentPartPr/>
+              <p14:nvPr/>
+            </p14:nvContentPartPr>
+            <p14:xfrm>
+              <a:off x="6478299" y="948784"/>
+              <a:ext cx="870480" cy="101160"/>
+            </p14:xfrm>
+          </p:contentPart>
+        </mc:Choice>
+        <mc:Fallback>
+          <p:pic>
+            <p:nvPicPr>
+              <p:cNvPr id="11" name="잉크 10">
+                <a:extLst>
+                  <a:ext uri="{FF2B5EF4-FFF2-40B4-BE49-F238E27FC236}">
+                    <a16:creationId xmlns:a16="http://schemas.microsoft.com/office/drawing/2014/main" id="{A5BEB5F1-AAF3-321E-CF1F-ABC7C2F22A93}"/>
+                  </a:ext>
+                </a:extLst>
+              </p:cNvPr>
+              <p:cNvPicPr/>
+              <p:nvPr/>
+            </p:nvPicPr>
+            <p:blipFill>
+              <a:blip r:embed="rId4"/>
+              <a:stretch>
+                <a:fillRect/>
+              </a:stretch>
+            </p:blipFill>
+            <p:spPr>
+              <a:xfrm>
+                <a:off x="6469299" y="940144"/>
+                <a:ext cx="888120" cy="118800"/>
+              </a:xfrm>
+              <a:prstGeom prst="rect">
+                <a:avLst/>
+              </a:prstGeom>
+            </p:spPr>
+          </p:pic>
+        </mc:Fallback>
+      </mc:AlternateContent>
+      <mc:AlternateContent xmlns:mc="http://schemas.openxmlformats.org/markup-compatibility/2006">
+        <mc:Choice xmlns:p14="http://schemas.microsoft.com/office/powerpoint/2010/main" Requires="p14">
+          <p:contentPart p14:bwMode="auto" r:id="rId5">
+            <p14:nvContentPartPr>
+              <p14:cNvPr id="13" name="잉크 12">
+                <a:extLst>
+                  <a:ext uri="{FF2B5EF4-FFF2-40B4-BE49-F238E27FC236}">
+                    <a16:creationId xmlns:a16="http://schemas.microsoft.com/office/drawing/2014/main" id="{77DF3D94-3941-27E9-3B7A-D008EDC4362D}"/>
+                  </a:ext>
+                </a:extLst>
+              </p14:cNvPr>
+              <p14:cNvContentPartPr/>
+              <p14:nvPr/>
+            </p14:nvContentPartPr>
+            <p14:xfrm>
+              <a:off x="6496659" y="941224"/>
+              <a:ext cx="335520" cy="115200"/>
+            </p14:xfrm>
+          </p:contentPart>
+        </mc:Choice>
+        <mc:Fallback>
+          <p:pic>
+            <p:nvPicPr>
+              <p:cNvPr id="13" name="잉크 12">
+                <a:extLst>
+                  <a:ext uri="{FF2B5EF4-FFF2-40B4-BE49-F238E27FC236}">
+                    <a16:creationId xmlns:a16="http://schemas.microsoft.com/office/drawing/2014/main" id="{77DF3D94-3941-27E9-3B7A-D008EDC4362D}"/>
+                  </a:ext>
+                </a:extLst>
+              </p:cNvPr>
+              <p:cNvPicPr/>
+              <p:nvPr/>
+            </p:nvPicPr>
+            <p:blipFill>
+              <a:blip r:embed="rId6"/>
+              <a:stretch>
+                <a:fillRect/>
+              </a:stretch>
+            </p:blipFill>
+            <p:spPr>
+              <a:xfrm>
+                <a:off x="6488019" y="932584"/>
+                <a:ext cx="353160" cy="132840"/>
+              </a:xfrm>
+              <a:prstGeom prst="rect">
+                <a:avLst/>
+              </a:prstGeom>
+            </p:spPr>
+          </p:pic>
+        </mc:Fallback>
+      </mc:AlternateContent>
+      <p:grpSp>
+        <p:nvGrpSpPr>
+          <p:cNvPr id="17" name="그룹 16">
+            <a:extLst>
+              <a:ext uri="{FF2B5EF4-FFF2-40B4-BE49-F238E27FC236}">
+                <a16:creationId xmlns:a16="http://schemas.microsoft.com/office/drawing/2014/main" id="{2914F5D4-2868-3737-F636-CDA6A6CBB5D6}"/>
+              </a:ext>
+            </a:extLst>
+          </p:cNvPr>
+          <p:cNvGrpSpPr/>
+          <p:nvPr/>
+        </p:nvGrpSpPr>
+        <p:grpSpPr>
+          <a:xfrm>
+            <a:off x="6442299" y="934744"/>
+            <a:ext cx="1162800" cy="176040"/>
+            <a:chOff x="6442299" y="934744"/>
+            <a:chExt cx="1162800" cy="176040"/>
+          </a:xfrm>
+        </p:grpSpPr>
+        <mc:AlternateContent xmlns:mc="http://schemas.openxmlformats.org/markup-compatibility/2006">
+          <mc:Choice xmlns:p14="http://schemas.microsoft.com/office/powerpoint/2010/main" Requires="p14">
+            <p:contentPart p14:bwMode="auto" r:id="rId7">
+              <p14:nvContentPartPr>
+                <p14:cNvPr id="8" name="잉크 7">
+                  <a:extLst>
+                    <a:ext uri="{FF2B5EF4-FFF2-40B4-BE49-F238E27FC236}">
+                      <a16:creationId xmlns:a16="http://schemas.microsoft.com/office/drawing/2014/main" id="{9CDD31DB-698E-E57F-2357-34156B774DB5}"/>
+                    </a:ext>
+                  </a:extLst>
+                </p14:cNvPr>
+                <p14:cNvContentPartPr/>
+                <p14:nvPr/>
+              </p14:nvContentPartPr>
+              <p14:xfrm>
+                <a:off x="7202979" y="941944"/>
+                <a:ext cx="402120" cy="72360"/>
+              </p14:xfrm>
+            </p:contentPart>
+          </mc:Choice>
+          <mc:Fallback>
+            <p:pic>
+              <p:nvPicPr>
+                <p:cNvPr id="8" name="잉크 7">
+                  <a:extLst>
+                    <a:ext uri="{FF2B5EF4-FFF2-40B4-BE49-F238E27FC236}">
+                      <a16:creationId xmlns:a16="http://schemas.microsoft.com/office/drawing/2014/main" id="{9CDD31DB-698E-E57F-2357-34156B774DB5}"/>
+                    </a:ext>
+                  </a:extLst>
+                </p:cNvPr>
+                <p:cNvPicPr/>
+                <p:nvPr/>
+              </p:nvPicPr>
+              <p:blipFill>
+                <a:blip r:embed="rId8"/>
+                <a:stretch>
+                  <a:fillRect/>
+                </a:stretch>
+              </p:blipFill>
+              <p:spPr>
+                <a:xfrm>
+                  <a:off x="7193979" y="933304"/>
+                  <a:ext cx="419760" cy="90000"/>
+                </a:xfrm>
+                <a:prstGeom prst="rect">
+                  <a:avLst/>
+                </a:prstGeom>
+              </p:spPr>
+            </p:pic>
+          </mc:Fallback>
+        </mc:AlternateContent>
+        <mc:AlternateContent xmlns:mc="http://schemas.openxmlformats.org/markup-compatibility/2006">
+          <mc:Choice xmlns:p14="http://schemas.microsoft.com/office/powerpoint/2010/main" Requires="p14">
+            <p:contentPart p14:bwMode="auto" r:id="rId9">
+              <p14:nvContentPartPr>
+                <p14:cNvPr id="9" name="잉크 8">
+                  <a:extLst>
+                    <a:ext uri="{FF2B5EF4-FFF2-40B4-BE49-F238E27FC236}">
+                      <a16:creationId xmlns:a16="http://schemas.microsoft.com/office/drawing/2014/main" id="{9BB17A3B-3296-B3DE-A362-8EB8A7080C78}"/>
+                    </a:ext>
+                  </a:extLst>
+                </p14:cNvPr>
+                <p14:cNvContentPartPr/>
+                <p14:nvPr/>
+              </p14:nvContentPartPr>
+              <p14:xfrm>
+                <a:off x="6521139" y="964264"/>
+                <a:ext cx="857160" cy="46800"/>
+              </p14:xfrm>
+            </p:contentPart>
+          </mc:Choice>
+          <mc:Fallback>
+            <p:pic>
+              <p:nvPicPr>
+                <p:cNvPr id="9" name="잉크 8">
+                  <a:extLst>
+                    <a:ext uri="{FF2B5EF4-FFF2-40B4-BE49-F238E27FC236}">
+                      <a16:creationId xmlns:a16="http://schemas.microsoft.com/office/drawing/2014/main" id="{9BB17A3B-3296-B3DE-A362-8EB8A7080C78}"/>
+                    </a:ext>
+                  </a:extLst>
+                </p:cNvPr>
+                <p:cNvPicPr/>
+                <p:nvPr/>
+              </p:nvPicPr>
+              <p:blipFill>
+                <a:blip r:embed="rId10"/>
+                <a:stretch>
+                  <a:fillRect/>
+                </a:stretch>
+              </p:blipFill>
+              <p:spPr>
+                <a:xfrm>
+                  <a:off x="6512139" y="955264"/>
+                  <a:ext cx="874800" cy="64440"/>
+                </a:xfrm>
+                <a:prstGeom prst="rect">
+                  <a:avLst/>
+                </a:prstGeom>
+              </p:spPr>
+            </p:pic>
+          </mc:Fallback>
+        </mc:AlternateContent>
+        <mc:AlternateContent xmlns:mc="http://schemas.openxmlformats.org/markup-compatibility/2006">
+          <mc:Choice xmlns:p14="http://schemas.microsoft.com/office/powerpoint/2010/main" Requires="p14">
+            <p:contentPart p14:bwMode="auto" r:id="rId11">
+              <p14:nvContentPartPr>
+                <p14:cNvPr id="16" name="잉크 15">
+                  <a:extLst>
+                    <a:ext uri="{FF2B5EF4-FFF2-40B4-BE49-F238E27FC236}">
+                      <a16:creationId xmlns:a16="http://schemas.microsoft.com/office/drawing/2014/main" id="{CF749590-F328-99C4-B38B-DFDB4D90D808}"/>
+                    </a:ext>
+                  </a:extLst>
+                </p14:cNvPr>
+                <p14:cNvContentPartPr/>
+                <p14:nvPr/>
+              </p14:nvContentPartPr>
+              <p14:xfrm>
+                <a:off x="6442299" y="934744"/>
+                <a:ext cx="987480" cy="176040"/>
+              </p14:xfrm>
+            </p:contentPart>
+          </mc:Choice>
+          <mc:Fallback>
+            <p:pic>
+              <p:nvPicPr>
+                <p:cNvPr id="16" name="잉크 15">
+                  <a:extLst>
+                    <a:ext uri="{FF2B5EF4-FFF2-40B4-BE49-F238E27FC236}">
+                      <a16:creationId xmlns:a16="http://schemas.microsoft.com/office/drawing/2014/main" id="{CF749590-F328-99C4-B38B-DFDB4D90D808}"/>
+                    </a:ext>
+                  </a:extLst>
+                </p:cNvPr>
+                <p:cNvPicPr/>
+                <p:nvPr/>
+              </p:nvPicPr>
+              <p:blipFill>
+                <a:blip r:embed="rId12"/>
+                <a:stretch>
+                  <a:fillRect/>
+                </a:stretch>
+              </p:blipFill>
+              <p:spPr>
+                <a:xfrm>
+                  <a:off x="6424299" y="917104"/>
+                  <a:ext cx="1023120" cy="211680"/>
+                </a:xfrm>
+                <a:prstGeom prst="rect">
+                  <a:avLst/>
+                </a:prstGeom>
+              </p:spPr>
+            </p:pic>
+          </mc:Fallback>
+        </mc:AlternateContent>
+      </p:grpSp>
+      <p:sp>
+        <p:nvSpPr>
+          <p:cNvPr id="18" name="TextBox 17">
+            <a:extLst>
+              <a:ext uri="{FF2B5EF4-FFF2-40B4-BE49-F238E27FC236}">
+                <a16:creationId xmlns:a16="http://schemas.microsoft.com/office/drawing/2014/main" id="{B97046F5-A677-DECC-84A1-B67485EE88F1}"/>
+              </a:ext>
+            </a:extLst>
+          </p:cNvPr>
+          <p:cNvSpPr txBox="1"/>
+          <p:nvPr/>
+        </p:nvSpPr>
+        <p:spPr>
+          <a:xfrm>
+            <a:off x="6204089" y="907348"/>
+            <a:ext cx="1491260" cy="246221"/>
+          </a:xfrm>
+          <a:prstGeom prst="rect">
+            <a:avLst/>
+          </a:prstGeom>
+          <a:noFill/>
+        </p:spPr>
+        <p:txBody>
+          <a:bodyPr wrap="square" rtlCol="0">
+            <a:spAutoFit/>
+          </a:bodyPr>
+          <a:lstStyle/>
+          <a:p>
+            <a:r>
+              <a:rPr kumimoji="1" lang="ko-Kore-KR" altLang="en-US" sz="1000" dirty="0"/>
+              <a:t>상품</a:t>
+            </a:r>
+            <a:r>
+              <a:rPr kumimoji="1" lang="ko-KR" altLang="en-US" sz="1000" dirty="0"/>
+              <a:t> 상세정보</a:t>
+            </a:r>
+            <a:endParaRPr kumimoji="1" lang="ko-Kore-KR" altLang="en-US" sz="1000" dirty="0"/>
+          </a:p>
+        </p:txBody>
+      </p:sp>
     </p:spTree>
     <p:extLst>
       <p:ext uri="{BB962C8B-B14F-4D97-AF65-F5344CB8AC3E}">
         <p14:creationId xmlns:p14="http://schemas.microsoft.com/office/powerpoint/2010/main" val="3467287652"/>
+      </p:ext>
+    </p:extLst>
+  </p:cSld>
+  <p:clrMapOvr>
+    <a:masterClrMapping/>
+  </p:clrMapOvr>
+</p:sld>
+</file>
+
+<file path=ppt/slides/slide6.xml><?xml version="1.0" encoding="utf-8"?>
+<p:sld xmlns:a="http://schemas.openxmlformats.org/drawingml/2006/main" xmlns:r="http://schemas.openxmlformats.org/officeDocument/2006/relationships" xmlns:p="http://schemas.openxmlformats.org/presentationml/2006/main">
+  <p:cSld>
+    <p:spTree>
+      <p:nvGrpSpPr>
+        <p:cNvPr id="1" name=""/>
+        <p:cNvGrpSpPr/>
+        <p:nvPr/>
+      </p:nvGrpSpPr>
+      <p:grpSpPr>
+        <a:xfrm>
+          <a:off x="0" y="0"/>
+          <a:ext cx="0" cy="0"/>
+          <a:chOff x="0" y="0"/>
+          <a:chExt cx="0" cy="0"/>
+        </a:xfrm>
+      </p:grpSpPr>
+      <p:sp>
+        <p:nvSpPr>
+          <p:cNvPr id="6" name="TextBox 5">
+            <a:extLst>
+              <a:ext uri="{FF2B5EF4-FFF2-40B4-BE49-F238E27FC236}">
+                <a16:creationId xmlns:a16="http://schemas.microsoft.com/office/drawing/2014/main" id="{9843118E-704A-0294-ED7F-31B364AF3FED}"/>
+              </a:ext>
+            </a:extLst>
+          </p:cNvPr>
+          <p:cNvSpPr txBox="1"/>
+          <p:nvPr/>
+        </p:nvSpPr>
+        <p:spPr>
+          <a:xfrm>
+            <a:off x="881063" y="311127"/>
+            <a:ext cx="3606372" cy="461665"/>
+          </a:xfrm>
+          <a:prstGeom prst="rect">
+            <a:avLst/>
+          </a:prstGeom>
+          <a:noFill/>
+        </p:spPr>
+        <p:txBody>
+          <a:bodyPr wrap="none" rtlCol="0">
+            <a:spAutoFit/>
+          </a:bodyPr>
+          <a:lstStyle/>
+          <a:p>
+            <a:r>
+              <a:rPr kumimoji="1" lang="en-US" altLang="ko-Kore-KR" sz="2400" dirty="0"/>
+              <a:t>Use case Description : </a:t>
+            </a:r>
+            <a:r>
+              <a:rPr kumimoji="1" lang="ko-Kore-KR" altLang="en-US" sz="2400" dirty="0"/>
+              <a:t>결제</a:t>
+            </a:r>
+          </a:p>
+        </p:txBody>
+      </p:sp>
+      <p:graphicFrame>
+        <p:nvGraphicFramePr>
+          <p:cNvPr id="4" name="표 5">
+            <a:extLst>
+              <a:ext uri="{FF2B5EF4-FFF2-40B4-BE49-F238E27FC236}">
+                <a16:creationId xmlns:a16="http://schemas.microsoft.com/office/drawing/2014/main" id="{4869D9AA-A5B4-6956-5084-DB545958F1F2}"/>
+              </a:ext>
+            </a:extLst>
+          </p:cNvPr>
+          <p:cNvGraphicFramePr>
+            <a:graphicFrameLocks noGrp="1"/>
+          </p:cNvGraphicFramePr>
+          <p:nvPr>
+            <p:extLst>
+              <p:ext uri="{D42A27DB-BD31-4B8C-83A1-F6EECF244321}">
+                <p14:modId xmlns:p14="http://schemas.microsoft.com/office/powerpoint/2010/main" val="79987034"/>
+              </p:ext>
+            </p:extLst>
+          </p:nvPr>
+        </p:nvGraphicFramePr>
+        <p:xfrm>
+          <a:off x="881063" y="4706054"/>
+          <a:ext cx="5367110" cy="971286"/>
+        </p:xfrm>
+        <a:graphic>
+          <a:graphicData uri="http://schemas.openxmlformats.org/drawingml/2006/table">
+            <a:tbl>
+              <a:tblPr firstRow="1" bandRow="1">
+                <a:tableStyleId>{69012ECD-51FC-41F1-AA8D-1B2483CD663E}</a:tableStyleId>
+              </a:tblPr>
+              <a:tblGrid>
+                <a:gridCol w="2611491">
+                  <a:extLst>
+                    <a:ext uri="{9D8B030D-6E8A-4147-A177-3AD203B41FA5}">
+                      <a16:colId xmlns:a16="http://schemas.microsoft.com/office/drawing/2014/main" val="600303152"/>
+                    </a:ext>
+                  </a:extLst>
+                </a:gridCol>
+                <a:gridCol w="2755619">
+                  <a:extLst>
+                    <a:ext uri="{9D8B030D-6E8A-4147-A177-3AD203B41FA5}">
+                      <a16:colId xmlns:a16="http://schemas.microsoft.com/office/drawing/2014/main" val="1510390368"/>
+                    </a:ext>
+                  </a:extLst>
+                </a:gridCol>
+              </a:tblGrid>
+              <a:tr h="392166">
+                <a:tc>
+                  <a:txBody>
+                    <a:bodyPr/>
+                    <a:lstStyle/>
+                    <a:p>
+                      <a:r>
+                        <a:rPr lang="en-US" altLang="ko-Kore-KR" dirty="0"/>
+                        <a:t>Actor Action</a:t>
+                      </a:r>
+                      <a:endParaRPr lang="ko-Kore-KR" altLang="en-US" dirty="0"/>
+                    </a:p>
+                  </a:txBody>
+                  <a:tcPr>
+                    <a:solidFill>
+                      <a:schemeClr val="accent1">
+                        <a:lumMod val="60000"/>
+                        <a:lumOff val="40000"/>
+                      </a:schemeClr>
+                    </a:solidFill>
+                  </a:tcPr>
+                </a:tc>
+                <a:tc>
+                  <a:txBody>
+                    <a:bodyPr/>
+                    <a:lstStyle/>
+                    <a:p>
+                      <a:r>
+                        <a:rPr lang="en-US" altLang="ko-Kore-KR" dirty="0"/>
+                        <a:t>System Response</a:t>
+                      </a:r>
+                      <a:endParaRPr lang="ko-Kore-KR" altLang="en-US" dirty="0"/>
+                    </a:p>
+                  </a:txBody>
+                  <a:tcPr>
+                    <a:solidFill>
+                      <a:schemeClr val="accent1">
+                        <a:lumMod val="60000"/>
+                        <a:lumOff val="40000"/>
+                      </a:schemeClr>
+                    </a:solidFill>
+                  </a:tcPr>
+                </a:tc>
+                <a:extLst>
+                  <a:ext uri="{0D108BD9-81ED-4DB2-BD59-A6C34878D82A}">
+                    <a16:rowId xmlns:a16="http://schemas.microsoft.com/office/drawing/2014/main" val="3057188334"/>
+                  </a:ext>
+                </a:extLst>
+              </a:tr>
+              <a:tr h="528317">
+                <a:tc>
+                  <a:txBody>
+                    <a:bodyPr/>
+                    <a:lstStyle/>
+                    <a:p>
+                      <a:pPr marL="0" marR="0" lvl="0" indent="0" algn="l" defTabSz="914400" rtl="0" eaLnBrk="1" fontAlgn="auto" latinLnBrk="0" hangingPunct="1">
+                        <a:lnSpc>
+                          <a:spcPct val="100000"/>
+                        </a:lnSpc>
+                        <a:spcBef>
+                          <a:spcPts val="0"/>
+                        </a:spcBef>
+                        <a:spcAft>
+                          <a:spcPts val="0"/>
+                        </a:spcAft>
+                        <a:buClrTx/>
+                        <a:buSzTx/>
+                        <a:buFontTx/>
+                        <a:buNone/>
+                        <a:tabLst/>
+                        <a:defRPr/>
+                      </a:pPr>
+                      <a:r>
+                        <a:rPr lang="en-US" altLang="ko-Kore-KR" sz="1600" dirty="0"/>
+                        <a:t>1</a:t>
+                      </a:r>
+                      <a:r>
+                        <a:rPr lang="en-US" altLang="ko-KR" sz="1600" dirty="0"/>
+                        <a:t>.</a:t>
+                      </a:r>
+                      <a:r>
+                        <a:rPr lang="ko-KR" altLang="en-US" sz="1600" kern="1200" dirty="0">
+                          <a:solidFill>
+                            <a:schemeClr val="tx1"/>
+                          </a:solidFill>
+                          <a:effectLst/>
+                          <a:latin typeface="+mn-lt"/>
+                          <a:ea typeface="+mn-ea"/>
+                          <a:cs typeface="+mn-cs"/>
+                        </a:rPr>
+                        <a:t> </a:t>
+                      </a:r>
+                      <a:r>
+                        <a:rPr lang="en-US" altLang="ko-KR" sz="1600" kern="1200" dirty="0">
+                          <a:solidFill>
+                            <a:schemeClr val="tx1"/>
+                          </a:solidFill>
+                          <a:effectLst/>
+                          <a:latin typeface="+mn-lt"/>
+                          <a:ea typeface="+mn-ea"/>
+                          <a:cs typeface="+mn-cs"/>
+                        </a:rPr>
+                        <a:t>none</a:t>
+                      </a:r>
+                      <a:endParaRPr lang="ko-Kore-KR" altLang="en-US" sz="1600" dirty="0"/>
+                    </a:p>
+                  </a:txBody>
+                  <a:tcPr anchor="ctr">
+                    <a:lnR w="12700" cap="flat" cmpd="sng" algn="ctr">
+                      <a:noFill/>
+                      <a:prstDash val="solid"/>
+                      <a:round/>
+                      <a:headEnd type="none" w="med" len="med"/>
+                      <a:tailEnd type="none" w="med" len="med"/>
+                    </a:lnR>
+                  </a:tcPr>
+                </a:tc>
+                <a:tc>
+                  <a:txBody>
+                    <a:bodyPr/>
+                    <a:lstStyle/>
+                    <a:p>
+                      <a:r>
+                        <a:rPr lang="en-US" altLang="ko-Kore-KR" sz="1600" dirty="0"/>
+                        <a:t>2</a:t>
+                      </a:r>
+                      <a:r>
+                        <a:rPr lang="en-US" altLang="ko-KR" sz="1600" dirty="0"/>
+                        <a:t>.</a:t>
+                      </a:r>
+                      <a:r>
+                        <a:rPr lang="ko-KR" altLang="en-US" sz="1600" dirty="0"/>
+                        <a:t> 구매자가 구입한 금액의 </a:t>
+                      </a:r>
+                      <a:r>
+                        <a:rPr lang="en-US" altLang="ko-KR" sz="1600" dirty="0"/>
+                        <a:t>1%</a:t>
+                      </a:r>
+                      <a:r>
+                        <a:rPr lang="ko-KR" altLang="en-US" sz="1600" dirty="0" err="1"/>
+                        <a:t>를</a:t>
+                      </a:r>
+                      <a:r>
+                        <a:rPr lang="ko-KR" altLang="en-US" sz="1600" dirty="0"/>
+                        <a:t> 포인트로 적립해준다</a:t>
+                      </a:r>
+                      <a:r>
+                        <a:rPr lang="en-US" altLang="ko-KR" sz="1600" dirty="0"/>
+                        <a:t>.</a:t>
+                      </a:r>
+                      <a:endParaRPr lang="ko-Kore-KR" altLang="en-US" sz="1600" dirty="0"/>
+                    </a:p>
+                  </a:txBody>
+                  <a:tcPr anchor="ctr">
+                    <a:lnL w="12700" cap="flat" cmpd="sng" algn="ctr">
+                      <a:noFill/>
+                      <a:prstDash val="solid"/>
+                      <a:round/>
+                      <a:headEnd type="none" w="med" len="med"/>
+                      <a:tailEnd type="none" w="med" len="med"/>
+                    </a:lnL>
+                  </a:tcPr>
+                </a:tc>
+                <a:extLst>
+                  <a:ext uri="{0D108BD9-81ED-4DB2-BD59-A6C34878D82A}">
+                    <a16:rowId xmlns:a16="http://schemas.microsoft.com/office/drawing/2014/main" val="3061492118"/>
+                  </a:ext>
+                </a:extLst>
+              </a:tr>
+            </a:tbl>
+          </a:graphicData>
+        </a:graphic>
+      </p:graphicFrame>
+      <p:sp>
+        <p:nvSpPr>
+          <p:cNvPr id="7" name="TextBox 6">
+            <a:extLst>
+              <a:ext uri="{FF2B5EF4-FFF2-40B4-BE49-F238E27FC236}">
+                <a16:creationId xmlns:a16="http://schemas.microsoft.com/office/drawing/2014/main" id="{AE2DFE66-5972-6940-0191-8D1391717A0A}"/>
+              </a:ext>
+            </a:extLst>
+          </p:cNvPr>
+          <p:cNvSpPr txBox="1"/>
+          <p:nvPr/>
+        </p:nvSpPr>
+        <p:spPr>
+          <a:xfrm>
+            <a:off x="848118" y="4174938"/>
+            <a:ext cx="4598631" cy="461665"/>
+          </a:xfrm>
+          <a:prstGeom prst="rect">
+            <a:avLst/>
+          </a:prstGeom>
+          <a:noFill/>
+        </p:spPr>
+        <p:txBody>
+          <a:bodyPr wrap="none" rtlCol="0">
+            <a:spAutoFit/>
+          </a:bodyPr>
+          <a:lstStyle/>
+          <a:p>
+            <a:r>
+              <a:rPr kumimoji="1" lang="en-US" altLang="ko-Kore-KR" sz="2400" dirty="0"/>
+              <a:t>Use case Description : </a:t>
+            </a:r>
+            <a:r>
+              <a:rPr kumimoji="1" lang="ko-Kore-KR" altLang="en-US" sz="2400" dirty="0"/>
+              <a:t>포인트</a:t>
+            </a:r>
+            <a:r>
+              <a:rPr kumimoji="1" lang="ko-KR" altLang="en-US" sz="2400" dirty="0"/>
+              <a:t> 적립</a:t>
+            </a:r>
+            <a:endParaRPr kumimoji="1" lang="ko-Kore-KR" altLang="en-US" sz="2400" dirty="0"/>
+          </a:p>
+        </p:txBody>
+      </p:sp>
+      <p:graphicFrame>
+        <p:nvGraphicFramePr>
+          <p:cNvPr id="2" name="표 1">
+            <a:extLst>
+              <a:ext uri="{FF2B5EF4-FFF2-40B4-BE49-F238E27FC236}">
+                <a16:creationId xmlns:a16="http://schemas.microsoft.com/office/drawing/2014/main" id="{8BD35514-BB41-D8FC-B3BE-253FB4A70385}"/>
+              </a:ext>
+            </a:extLst>
+          </p:cNvPr>
+          <p:cNvGraphicFramePr>
+            <a:graphicFrameLocks noGrp="1"/>
+          </p:cNvGraphicFramePr>
+          <p:nvPr>
+            <p:extLst>
+              <p:ext uri="{D42A27DB-BD31-4B8C-83A1-F6EECF244321}">
+                <p14:modId xmlns:p14="http://schemas.microsoft.com/office/powerpoint/2010/main" val="761592086"/>
+              </p:ext>
+            </p:extLst>
+          </p:nvPr>
+        </p:nvGraphicFramePr>
+        <p:xfrm>
+          <a:off x="881063" y="845026"/>
+          <a:ext cx="5367110" cy="2861046"/>
+        </p:xfrm>
+        <a:graphic>
+          <a:graphicData uri="http://schemas.openxmlformats.org/drawingml/2006/table">
+            <a:tbl>
+              <a:tblPr firstRow="1" bandRow="1">
+                <a:tableStyleId>{69012ECD-51FC-41F1-AA8D-1B2483CD663E}</a:tableStyleId>
+              </a:tblPr>
+              <a:tblGrid>
+                <a:gridCol w="2611491">
+                  <a:extLst>
+                    <a:ext uri="{9D8B030D-6E8A-4147-A177-3AD203B41FA5}">
+                      <a16:colId xmlns:a16="http://schemas.microsoft.com/office/drawing/2014/main" val="3374573624"/>
+                    </a:ext>
+                  </a:extLst>
+                </a:gridCol>
+                <a:gridCol w="2755619">
+                  <a:extLst>
+                    <a:ext uri="{9D8B030D-6E8A-4147-A177-3AD203B41FA5}">
+                      <a16:colId xmlns:a16="http://schemas.microsoft.com/office/drawing/2014/main" val="3931316551"/>
+                    </a:ext>
+                  </a:extLst>
+                </a:gridCol>
+              </a:tblGrid>
+              <a:tr h="392166">
+                <a:tc>
+                  <a:txBody>
+                    <a:bodyPr/>
+                    <a:lstStyle/>
+                    <a:p>
+                      <a:r>
+                        <a:rPr lang="en-US" altLang="ko-Kore-KR" dirty="0"/>
+                        <a:t>Actor Action</a:t>
+                      </a:r>
+                      <a:endParaRPr lang="ko-Kore-KR" altLang="en-US" dirty="0"/>
+                    </a:p>
+                  </a:txBody>
+                  <a:tcPr>
+                    <a:solidFill>
+                      <a:schemeClr val="accent1">
+                        <a:lumMod val="60000"/>
+                        <a:lumOff val="40000"/>
+                      </a:schemeClr>
+                    </a:solidFill>
+                  </a:tcPr>
+                </a:tc>
+                <a:tc>
+                  <a:txBody>
+                    <a:bodyPr/>
+                    <a:lstStyle/>
+                    <a:p>
+                      <a:r>
+                        <a:rPr lang="en-US" altLang="ko-Kore-KR" dirty="0"/>
+                        <a:t>System Response</a:t>
+                      </a:r>
+                      <a:endParaRPr lang="ko-Kore-KR" altLang="en-US" dirty="0"/>
+                    </a:p>
+                  </a:txBody>
+                  <a:tcPr>
+                    <a:solidFill>
+                      <a:schemeClr val="accent1">
+                        <a:lumMod val="60000"/>
+                        <a:lumOff val="40000"/>
+                      </a:schemeClr>
+                    </a:solidFill>
+                  </a:tcPr>
+                </a:tc>
+                <a:extLst>
+                  <a:ext uri="{0D108BD9-81ED-4DB2-BD59-A6C34878D82A}">
+                    <a16:rowId xmlns:a16="http://schemas.microsoft.com/office/drawing/2014/main" val="4091694026"/>
+                  </a:ext>
+                </a:extLst>
+              </a:tr>
+              <a:tr h="528317">
+                <a:tc>
+                  <a:txBody>
+                    <a:bodyPr/>
+                    <a:lstStyle/>
+                    <a:p>
+                      <a:pPr marL="0" marR="0" lvl="0" indent="0" algn="l" defTabSz="914400" rtl="0" eaLnBrk="1" fontAlgn="auto" latinLnBrk="0" hangingPunct="1">
+                        <a:lnSpc>
+                          <a:spcPct val="100000"/>
+                        </a:lnSpc>
+                        <a:spcBef>
+                          <a:spcPts val="0"/>
+                        </a:spcBef>
+                        <a:spcAft>
+                          <a:spcPts val="0"/>
+                        </a:spcAft>
+                        <a:buClrTx/>
+                        <a:buSzTx/>
+                        <a:buFontTx/>
+                        <a:buNone/>
+                        <a:tabLst/>
+                        <a:defRPr/>
+                      </a:pPr>
+                      <a:r>
+                        <a:rPr lang="en-US" altLang="ko-Kore-KR" sz="1600" dirty="0"/>
+                        <a:t>1</a:t>
+                      </a:r>
+                      <a:r>
+                        <a:rPr lang="en-US" altLang="ko-KR" sz="1600" dirty="0"/>
+                        <a:t>.</a:t>
+                      </a:r>
+                      <a:r>
+                        <a:rPr lang="ko-KR" altLang="en-US" sz="1600" kern="1200" dirty="0">
+                          <a:solidFill>
+                            <a:schemeClr val="tx1"/>
+                          </a:solidFill>
+                          <a:effectLst/>
+                          <a:latin typeface="+mn-lt"/>
+                          <a:ea typeface="+mn-ea"/>
+                          <a:cs typeface="+mn-cs"/>
+                        </a:rPr>
+                        <a:t> 구매자가 결제 수단을 선택하고</a:t>
+                      </a:r>
+                      <a:r>
+                        <a:rPr lang="en-US" altLang="ko-KR" sz="1600" kern="1200" dirty="0">
+                          <a:solidFill>
+                            <a:schemeClr val="tx1"/>
+                          </a:solidFill>
+                          <a:effectLst/>
+                          <a:latin typeface="+mn-lt"/>
+                          <a:ea typeface="+mn-ea"/>
+                          <a:cs typeface="+mn-cs"/>
+                        </a:rPr>
+                        <a:t>,</a:t>
+                      </a:r>
+                      <a:r>
+                        <a:rPr lang="ko-KR" altLang="en-US" sz="1600" kern="1200" dirty="0">
+                          <a:solidFill>
+                            <a:schemeClr val="tx1"/>
+                          </a:solidFill>
+                          <a:effectLst/>
+                          <a:latin typeface="+mn-lt"/>
+                          <a:ea typeface="+mn-ea"/>
+                          <a:cs typeface="+mn-cs"/>
+                        </a:rPr>
+                        <a:t> 선택한 상품을 결제한다</a:t>
+                      </a:r>
+                      <a:r>
+                        <a:rPr lang="en-US" altLang="ko-KR" sz="1600" kern="1200" dirty="0">
+                          <a:solidFill>
+                            <a:schemeClr val="tx1"/>
+                          </a:solidFill>
+                          <a:effectLst/>
+                          <a:latin typeface="+mn-lt"/>
+                          <a:ea typeface="+mn-ea"/>
+                          <a:cs typeface="+mn-cs"/>
+                        </a:rPr>
+                        <a:t>.</a:t>
+                      </a:r>
+                      <a:endParaRPr lang="ko-Kore-KR" altLang="en-US" sz="1600" dirty="0"/>
+                    </a:p>
+                  </a:txBody>
+                  <a:tcPr anchor="ctr">
+                    <a:lnR w="12700" cap="flat" cmpd="sng" algn="ctr">
+                      <a:noFill/>
+                      <a:prstDash val="solid"/>
+                      <a:round/>
+                      <a:headEnd type="none" w="med" len="med"/>
+                      <a:tailEnd type="none" w="med" len="med"/>
+                    </a:lnR>
+                  </a:tcPr>
+                </a:tc>
+                <a:tc>
+                  <a:txBody>
+                    <a:bodyPr/>
+                    <a:lstStyle/>
+                    <a:p>
+                      <a:r>
+                        <a:rPr lang="en-US" altLang="ko-Kore-KR" sz="1600" dirty="0"/>
+                        <a:t>2</a:t>
+                      </a:r>
+                      <a:r>
+                        <a:rPr lang="en-US" altLang="ko-KR" sz="1600" dirty="0"/>
+                        <a:t>.</a:t>
+                      </a:r>
+                      <a:r>
+                        <a:rPr lang="ko-KR" altLang="en-US" sz="1600" dirty="0"/>
+                        <a:t> 결제 시스템에 결제를 요청한다</a:t>
+                      </a:r>
+                      <a:r>
+                        <a:rPr lang="en-US" altLang="ko-KR" sz="1600" dirty="0"/>
+                        <a:t>.</a:t>
+                      </a:r>
+                      <a:endParaRPr lang="ko-Kore-KR" altLang="en-US" sz="1600" dirty="0"/>
+                    </a:p>
+                  </a:txBody>
+                  <a:tcPr anchor="ctr">
+                    <a:lnL w="12700" cap="flat" cmpd="sng" algn="ctr">
+                      <a:noFill/>
+                      <a:prstDash val="solid"/>
+                      <a:round/>
+                      <a:headEnd type="none" w="med" len="med"/>
+                      <a:tailEnd type="none" w="med" len="med"/>
+                    </a:lnL>
+                  </a:tcPr>
+                </a:tc>
+                <a:extLst>
+                  <a:ext uri="{0D108BD9-81ED-4DB2-BD59-A6C34878D82A}">
+                    <a16:rowId xmlns:a16="http://schemas.microsoft.com/office/drawing/2014/main" val="276396624"/>
+                  </a:ext>
+                </a:extLst>
+              </a:tr>
+              <a:tr h="528317">
+                <a:tc>
+                  <a:txBody>
+                    <a:bodyPr/>
+                    <a:lstStyle/>
+                    <a:p>
+                      <a:pPr marL="0" marR="0" lvl="0" indent="0" algn="l" defTabSz="914400" rtl="0" eaLnBrk="1" fontAlgn="auto" latinLnBrk="0" hangingPunct="1">
+                        <a:lnSpc>
+                          <a:spcPct val="100000"/>
+                        </a:lnSpc>
+                        <a:spcBef>
+                          <a:spcPts val="0"/>
+                        </a:spcBef>
+                        <a:spcAft>
+                          <a:spcPts val="0"/>
+                        </a:spcAft>
+                        <a:buClrTx/>
+                        <a:buSzTx/>
+                        <a:buFontTx/>
+                        <a:buNone/>
+                        <a:tabLst/>
+                        <a:defRPr/>
+                      </a:pPr>
+                      <a:r>
+                        <a:rPr lang="en-US" altLang="ko-KR" sz="1600" dirty="0"/>
+                        <a:t>3.</a:t>
+                      </a:r>
+                      <a:r>
+                        <a:rPr lang="ko-KR" altLang="en-US" sz="1600" dirty="0"/>
+                        <a:t> 결제 시스템이 결제를 처리한다</a:t>
+                      </a:r>
+                      <a:r>
+                        <a:rPr lang="en-US" altLang="ko-KR" sz="1600" dirty="0"/>
+                        <a:t>.</a:t>
+                      </a:r>
+                      <a:endParaRPr lang="ko-Kore-KR" altLang="en-US" sz="1600" dirty="0"/>
+                    </a:p>
+                  </a:txBody>
+                  <a:tcPr anchor="ctr">
+                    <a:lnR w="12700" cap="flat" cmpd="sng" algn="ctr">
+                      <a:noFill/>
+                      <a:prstDash val="solid"/>
+                      <a:round/>
+                      <a:headEnd type="none" w="med" len="med"/>
+                      <a:tailEnd type="none" w="med" len="med"/>
+                    </a:lnR>
+                  </a:tcPr>
+                </a:tc>
+                <a:tc>
+                  <a:txBody>
+                    <a:bodyPr/>
+                    <a:lstStyle/>
+                    <a:p>
+                      <a:r>
+                        <a:rPr lang="en-US" altLang="ko-Kore-KR" sz="1600" dirty="0"/>
+                        <a:t>4</a:t>
+                      </a:r>
+                      <a:r>
+                        <a:rPr lang="en-US" altLang="ko-KR" sz="1600" dirty="0"/>
+                        <a:t>.</a:t>
+                      </a:r>
+                      <a:r>
+                        <a:rPr lang="ko-KR" altLang="en-US" sz="1600" dirty="0"/>
+                        <a:t> 구매자에게 결제완료 화면을 출력한다</a:t>
+                      </a:r>
+                      <a:r>
+                        <a:rPr lang="en-US" altLang="ko-KR" sz="1600" dirty="0"/>
+                        <a:t>.</a:t>
+                      </a:r>
+                      <a:endParaRPr lang="ko-Kore-KR" altLang="en-US" sz="1600" dirty="0"/>
+                    </a:p>
+                  </a:txBody>
+                  <a:tcPr anchor="ctr">
+                    <a:lnL w="12700" cap="flat" cmpd="sng" algn="ctr">
+                      <a:noFill/>
+                      <a:prstDash val="solid"/>
+                      <a:round/>
+                      <a:headEnd type="none" w="med" len="med"/>
+                      <a:tailEnd type="none" w="med" len="med"/>
+                    </a:lnL>
+                  </a:tcPr>
+                </a:tc>
+                <a:extLst>
+                  <a:ext uri="{0D108BD9-81ED-4DB2-BD59-A6C34878D82A}">
+                    <a16:rowId xmlns:a16="http://schemas.microsoft.com/office/drawing/2014/main" val="3565079572"/>
+                  </a:ext>
+                </a:extLst>
+              </a:tr>
+              <a:tr h="528317">
+                <a:tc gridSpan="2">
+                  <a:txBody>
+                    <a:bodyPr/>
+                    <a:lstStyle/>
+                    <a:p>
+                      <a:r>
+                        <a:rPr lang="en-US" altLang="ko-Kore-KR" sz="1600" dirty="0"/>
+                        <a:t>Extensions</a:t>
+                      </a:r>
+                    </a:p>
+                    <a:p>
+                      <a:r>
+                        <a:rPr lang="en-US" altLang="ko-KR" sz="1600" dirty="0"/>
+                        <a:t>1</a:t>
+                      </a:r>
+                      <a:r>
+                        <a:rPr lang="ko-KR" altLang="en-US" sz="1600" dirty="0"/>
+                        <a:t>번에서 구매자는 포인트 사용을 선택할 수 있다</a:t>
+                      </a:r>
+                      <a:r>
+                        <a:rPr lang="en-US" altLang="ko-KR" sz="1600" dirty="0"/>
+                        <a:t>.</a:t>
+                      </a:r>
+                      <a:r>
+                        <a:rPr lang="ko-KR" altLang="en-US" sz="1600" dirty="0"/>
+                        <a:t>  포인트는 </a:t>
+                      </a:r>
+                      <a:r>
+                        <a:rPr lang="en-US" altLang="ko-KR" sz="1600" dirty="0"/>
+                        <a:t>3000</a:t>
+                      </a:r>
+                      <a:r>
+                        <a:rPr lang="ko-KR" altLang="en-US" sz="1600" dirty="0"/>
+                        <a:t>점 이상이 적립되어 있는 경우에 사용 가능하다</a:t>
+                      </a:r>
+                      <a:r>
+                        <a:rPr lang="en-US" altLang="ko-KR" sz="1600" dirty="0"/>
+                        <a:t>.</a:t>
+                      </a:r>
+                      <a:endParaRPr lang="ko-Kore-KR" altLang="en-US" sz="1600" dirty="0"/>
+                    </a:p>
+                  </a:txBody>
+                  <a:tcPr anchor="ctr"/>
+                </a:tc>
+                <a:tc hMerge="1">
+                  <a:txBody>
+                    <a:bodyPr/>
+                    <a:lstStyle/>
+                    <a:p>
+                      <a:endParaRPr lang="ko-Kore-KR" altLang="en-US" dirty="0"/>
+                    </a:p>
+                  </a:txBody>
+                  <a:tcPr anchor="ctr">
+                    <a:lnL w="12700" cap="flat" cmpd="sng" algn="ctr">
+                      <a:noFill/>
+                      <a:prstDash val="solid"/>
+                      <a:round/>
+                      <a:headEnd type="none" w="med" len="med"/>
+                      <a:tailEnd type="none" w="med" len="med"/>
+                    </a:lnL>
+                  </a:tcPr>
+                </a:tc>
+                <a:extLst>
+                  <a:ext uri="{0D108BD9-81ED-4DB2-BD59-A6C34878D82A}">
+                    <a16:rowId xmlns:a16="http://schemas.microsoft.com/office/drawing/2014/main" val="2649510238"/>
+                  </a:ext>
+                </a:extLst>
+              </a:tr>
+            </a:tbl>
+          </a:graphicData>
+        </a:graphic>
+      </p:graphicFrame>
+      <p:pic>
+        <p:nvPicPr>
+          <p:cNvPr id="14" name="그림 13" descr="텍스트이(가) 표시된 사진&#10;&#10;자동 생성된 설명">
+            <a:extLst>
+              <a:ext uri="{FF2B5EF4-FFF2-40B4-BE49-F238E27FC236}">
+                <a16:creationId xmlns:a16="http://schemas.microsoft.com/office/drawing/2014/main" id="{C1BCBA0B-CB32-8280-61DE-B29D5525CE46}"/>
+              </a:ext>
+            </a:extLst>
+          </p:cNvPr>
+          <p:cNvPicPr>
+            <a:picLocks noChangeAspect="1"/>
+          </p:cNvPicPr>
+          <p:nvPr/>
+        </p:nvPicPr>
+        <p:blipFill>
+          <a:blip r:embed="rId3"/>
+          <a:stretch>
+            <a:fillRect/>
+          </a:stretch>
+        </p:blipFill>
+        <p:spPr>
+          <a:xfrm>
+            <a:off x="7060804" y="4174938"/>
+            <a:ext cx="4194824" cy="2460863"/>
+          </a:xfrm>
+          <a:prstGeom prst="rect">
+            <a:avLst/>
+          </a:prstGeom>
+        </p:spPr>
+      </p:pic>
+      <p:pic>
+        <p:nvPicPr>
+          <p:cNvPr id="16" name="그림 15" descr="테이블이(가) 표시된 사진&#10;&#10;자동 생성된 설명">
+            <a:extLst>
+              <a:ext uri="{FF2B5EF4-FFF2-40B4-BE49-F238E27FC236}">
+                <a16:creationId xmlns:a16="http://schemas.microsoft.com/office/drawing/2014/main" id="{5AEF12C7-7801-DAAF-ADD1-39231CC9E8B2}"/>
+              </a:ext>
+            </a:extLst>
+          </p:cNvPr>
+          <p:cNvPicPr>
+            <a:picLocks noChangeAspect="1"/>
+          </p:cNvPicPr>
+          <p:nvPr/>
+        </p:nvPicPr>
+        <p:blipFill>
+          <a:blip r:embed="rId4"/>
+          <a:stretch>
+            <a:fillRect/>
+          </a:stretch>
+        </p:blipFill>
+        <p:spPr>
+          <a:xfrm>
+            <a:off x="6406064" y="290803"/>
+            <a:ext cx="5785936" cy="3884135"/>
+          </a:xfrm>
+          <a:prstGeom prst="rect">
+            <a:avLst/>
+          </a:prstGeom>
+        </p:spPr>
+      </p:pic>
+      <p:sp>
+        <p:nvSpPr>
+          <p:cNvPr id="18" name="TextBox 17">
+            <a:extLst>
+              <a:ext uri="{FF2B5EF4-FFF2-40B4-BE49-F238E27FC236}">
+                <a16:creationId xmlns:a16="http://schemas.microsoft.com/office/drawing/2014/main" id="{63C0315E-B632-DB99-5E22-DA7DCA84CC91}"/>
+              </a:ext>
+            </a:extLst>
+          </p:cNvPr>
+          <p:cNvSpPr txBox="1"/>
+          <p:nvPr/>
+        </p:nvSpPr>
+        <p:spPr>
+          <a:xfrm>
+            <a:off x="6546998" y="418848"/>
+            <a:ext cx="6140302" cy="246221"/>
+          </a:xfrm>
+          <a:prstGeom prst="rect">
+            <a:avLst/>
+          </a:prstGeom>
+          <a:noFill/>
+        </p:spPr>
+        <p:txBody>
+          <a:bodyPr wrap="square">
+            <a:spAutoFit/>
+          </a:bodyPr>
+          <a:lstStyle/>
+          <a:p>
+            <a:r>
+              <a:rPr kumimoji="1" lang="ko-Kore-KR" altLang="en-US" sz="1000" dirty="0"/>
+              <a:t>주문결제</a:t>
+            </a:r>
+          </a:p>
+        </p:txBody>
+      </p:sp>
+    </p:spTree>
+    <p:extLst>
+      <p:ext uri="{BB962C8B-B14F-4D97-AF65-F5344CB8AC3E}">
+        <p14:creationId xmlns:p14="http://schemas.microsoft.com/office/powerpoint/2010/main" val="3636385064"/>
+      </p:ext>
+    </p:extLst>
+  </p:cSld>
+  <p:clrMapOvr>
+    <a:masterClrMapping/>
+  </p:clrMapOvr>
+</p:sld>
+</file>
+
+<file path=ppt/slides/slide7.xml><?xml version="1.0" encoding="utf-8"?>
+<p:sld xmlns:a="http://schemas.openxmlformats.org/drawingml/2006/main" xmlns:r="http://schemas.openxmlformats.org/officeDocument/2006/relationships" xmlns:p="http://schemas.openxmlformats.org/presentationml/2006/main">
+  <p:cSld>
+    <p:spTree>
+      <p:nvGrpSpPr>
+        <p:cNvPr id="1" name=""/>
+        <p:cNvGrpSpPr/>
+        <p:nvPr/>
+      </p:nvGrpSpPr>
+      <p:grpSpPr>
+        <a:xfrm>
+          <a:off x="0" y="0"/>
+          <a:ext cx="0" cy="0"/>
+          <a:chOff x="0" y="0"/>
+          <a:chExt cx="0" cy="0"/>
+        </a:xfrm>
+      </p:grpSpPr>
+      <p:graphicFrame>
+        <p:nvGraphicFramePr>
+          <p:cNvPr id="5" name="표 5">
+            <a:extLst>
+              <a:ext uri="{FF2B5EF4-FFF2-40B4-BE49-F238E27FC236}">
+                <a16:creationId xmlns:a16="http://schemas.microsoft.com/office/drawing/2014/main" id="{25EF1930-9264-A2D1-463E-735FB4F1D13A}"/>
+              </a:ext>
+            </a:extLst>
+          </p:cNvPr>
+          <p:cNvGraphicFramePr>
+            <a:graphicFrameLocks noGrp="1"/>
+          </p:cNvGraphicFramePr>
+          <p:nvPr>
+            <p:extLst>
+              <p:ext uri="{D42A27DB-BD31-4B8C-83A1-F6EECF244321}">
+                <p14:modId xmlns:p14="http://schemas.microsoft.com/office/powerpoint/2010/main" val="3489215521"/>
+              </p:ext>
+            </p:extLst>
+          </p:nvPr>
+        </p:nvGraphicFramePr>
+        <p:xfrm>
+          <a:off x="712912" y="920726"/>
+          <a:ext cx="5214935" cy="2038086"/>
+        </p:xfrm>
+        <a:graphic>
+          <a:graphicData uri="http://schemas.openxmlformats.org/drawingml/2006/table">
+            <a:tbl>
+              <a:tblPr firstRow="1" bandRow="1">
+                <a:tableStyleId>{69012ECD-51FC-41F1-AA8D-1B2483CD663E}</a:tableStyleId>
+              </a:tblPr>
+              <a:tblGrid>
+                <a:gridCol w="2537446">
+                  <a:extLst>
+                    <a:ext uri="{9D8B030D-6E8A-4147-A177-3AD203B41FA5}">
+                      <a16:colId xmlns:a16="http://schemas.microsoft.com/office/drawing/2014/main" val="600303152"/>
+                    </a:ext>
+                  </a:extLst>
+                </a:gridCol>
+                <a:gridCol w="2677489">
+                  <a:extLst>
+                    <a:ext uri="{9D8B030D-6E8A-4147-A177-3AD203B41FA5}">
+                      <a16:colId xmlns:a16="http://schemas.microsoft.com/office/drawing/2014/main" val="1510390368"/>
+                    </a:ext>
+                  </a:extLst>
+                </a:gridCol>
+              </a:tblGrid>
+              <a:tr h="392166">
+                <a:tc>
+                  <a:txBody>
+                    <a:bodyPr/>
+                    <a:lstStyle/>
+                    <a:p>
+                      <a:r>
+                        <a:rPr lang="en-US" altLang="ko-Kore-KR" dirty="0"/>
+                        <a:t>Actor Action</a:t>
+                      </a:r>
+                      <a:endParaRPr lang="ko-Kore-KR" altLang="en-US" dirty="0"/>
+                    </a:p>
+                  </a:txBody>
+                  <a:tcPr>
+                    <a:solidFill>
+                      <a:schemeClr val="accent1">
+                        <a:lumMod val="60000"/>
+                        <a:lumOff val="40000"/>
+                      </a:schemeClr>
+                    </a:solidFill>
+                  </a:tcPr>
+                </a:tc>
+                <a:tc>
+                  <a:txBody>
+                    <a:bodyPr/>
+                    <a:lstStyle/>
+                    <a:p>
+                      <a:r>
+                        <a:rPr lang="en-US" altLang="ko-Kore-KR" dirty="0"/>
+                        <a:t>System Response</a:t>
+                      </a:r>
+                      <a:endParaRPr lang="ko-Kore-KR" altLang="en-US" dirty="0"/>
+                    </a:p>
+                  </a:txBody>
+                  <a:tcPr>
+                    <a:solidFill>
+                      <a:schemeClr val="accent1">
+                        <a:lumMod val="60000"/>
+                        <a:lumOff val="40000"/>
+                      </a:schemeClr>
+                    </a:solidFill>
+                  </a:tcPr>
+                </a:tc>
+                <a:extLst>
+                  <a:ext uri="{0D108BD9-81ED-4DB2-BD59-A6C34878D82A}">
+                    <a16:rowId xmlns:a16="http://schemas.microsoft.com/office/drawing/2014/main" val="3057188334"/>
+                  </a:ext>
+                </a:extLst>
+              </a:tr>
+              <a:tr h="528317">
+                <a:tc>
+                  <a:txBody>
+                    <a:bodyPr/>
+                    <a:lstStyle/>
+                    <a:p>
+                      <a:pPr marL="0" marR="0" lvl="0" indent="0" algn="l" defTabSz="914400" rtl="0" eaLnBrk="1" fontAlgn="auto" latinLnBrk="0" hangingPunct="1">
+                        <a:lnSpc>
+                          <a:spcPct val="100000"/>
+                        </a:lnSpc>
+                        <a:spcBef>
+                          <a:spcPts val="0"/>
+                        </a:spcBef>
+                        <a:spcAft>
+                          <a:spcPts val="0"/>
+                        </a:spcAft>
+                        <a:buClrTx/>
+                        <a:buSzTx/>
+                        <a:buFontTx/>
+                        <a:buNone/>
+                        <a:tabLst/>
+                        <a:defRPr/>
+                      </a:pPr>
+                      <a:r>
+                        <a:rPr lang="en-US" altLang="ko-Kore-KR" sz="1600" dirty="0"/>
+                        <a:t>1</a:t>
+                      </a:r>
+                      <a:r>
+                        <a:rPr lang="en-US" altLang="ko-KR" sz="1600" dirty="0"/>
+                        <a:t>.</a:t>
+                      </a:r>
+                      <a:r>
+                        <a:rPr lang="ko-KR" altLang="en-US" sz="1600" kern="1200" dirty="0">
+                          <a:solidFill>
+                            <a:schemeClr val="tx1"/>
+                          </a:solidFill>
+                          <a:effectLst/>
+                          <a:latin typeface="+mn-lt"/>
+                          <a:ea typeface="+mn-ea"/>
+                          <a:cs typeface="+mn-cs"/>
+                        </a:rPr>
+                        <a:t> </a:t>
+                      </a:r>
+                      <a:r>
+                        <a:rPr lang="en-US" altLang="ko-KR" sz="1600" kern="1200" dirty="0">
+                          <a:solidFill>
+                            <a:schemeClr val="tx1"/>
+                          </a:solidFill>
+                          <a:effectLst/>
+                          <a:latin typeface="+mn-lt"/>
+                          <a:ea typeface="+mn-ea"/>
+                          <a:cs typeface="+mn-cs"/>
+                        </a:rPr>
+                        <a:t>none</a:t>
+                      </a:r>
+                      <a:endParaRPr lang="ko-Kore-KR" altLang="en-US" sz="1600" dirty="0"/>
+                    </a:p>
+                  </a:txBody>
+                  <a:tcPr anchor="ctr">
+                    <a:lnR w="12700" cap="flat" cmpd="sng" algn="ctr">
+                      <a:noFill/>
+                      <a:prstDash val="solid"/>
+                      <a:round/>
+                      <a:headEnd type="none" w="med" len="med"/>
+                      <a:tailEnd type="none" w="med" len="med"/>
+                    </a:lnR>
+                  </a:tcPr>
+                </a:tc>
+                <a:tc>
+                  <a:txBody>
+                    <a:bodyPr/>
+                    <a:lstStyle/>
+                    <a:p>
+                      <a:r>
+                        <a:rPr lang="en-US" altLang="ko-Kore-KR" sz="1600" dirty="0"/>
+                        <a:t>2</a:t>
+                      </a:r>
+                      <a:r>
+                        <a:rPr lang="en-US" altLang="ko-KR" sz="1600" dirty="0"/>
+                        <a:t>.</a:t>
+                      </a:r>
+                      <a:r>
+                        <a:rPr lang="ko-KR" altLang="en-US" sz="1600" dirty="0"/>
+                        <a:t> 결제 시스템에게 환불을 요청한다</a:t>
+                      </a:r>
+                      <a:r>
+                        <a:rPr lang="en-US" altLang="ko-KR" sz="1600" dirty="0"/>
+                        <a:t>.</a:t>
+                      </a:r>
+                    </a:p>
+                  </a:txBody>
+                  <a:tcPr anchor="ctr">
+                    <a:lnL w="12700" cap="flat" cmpd="sng" algn="ctr">
+                      <a:noFill/>
+                      <a:prstDash val="solid"/>
+                      <a:round/>
+                      <a:headEnd type="none" w="med" len="med"/>
+                      <a:tailEnd type="none" w="med" len="med"/>
+                    </a:lnL>
+                  </a:tcPr>
+                </a:tc>
+                <a:extLst>
+                  <a:ext uri="{0D108BD9-81ED-4DB2-BD59-A6C34878D82A}">
+                    <a16:rowId xmlns:a16="http://schemas.microsoft.com/office/drawing/2014/main" val="3061492118"/>
+                  </a:ext>
+                </a:extLst>
+              </a:tr>
+              <a:tr h="528317">
+                <a:tc>
+                  <a:txBody>
+                    <a:bodyPr/>
+                    <a:lstStyle/>
+                    <a:p>
+                      <a:pPr marL="0" marR="0" lvl="0" indent="0" algn="l" defTabSz="914400" rtl="0" eaLnBrk="1" fontAlgn="auto" latinLnBrk="0" hangingPunct="1">
+                        <a:lnSpc>
+                          <a:spcPct val="100000"/>
+                        </a:lnSpc>
+                        <a:spcBef>
+                          <a:spcPts val="0"/>
+                        </a:spcBef>
+                        <a:spcAft>
+                          <a:spcPts val="0"/>
+                        </a:spcAft>
+                        <a:buClrTx/>
+                        <a:buSzTx/>
+                        <a:buFontTx/>
+                        <a:buNone/>
+                        <a:tabLst/>
+                        <a:defRPr/>
+                      </a:pPr>
+                      <a:r>
+                        <a:rPr lang="en-US" altLang="ko-Kore-KR" sz="1600" dirty="0"/>
+                        <a:t>3. </a:t>
+                      </a:r>
+                      <a:r>
+                        <a:rPr lang="ko-KR" altLang="en-US" sz="1600" dirty="0"/>
+                        <a:t>결제 시스템이 환불을 처리한다</a:t>
+                      </a:r>
+                      <a:r>
+                        <a:rPr lang="en-US" altLang="ko-KR" sz="1600" dirty="0"/>
+                        <a:t>.</a:t>
+                      </a:r>
+                      <a:endParaRPr lang="ko-Kore-KR" altLang="en-US" sz="1600" dirty="0"/>
+                    </a:p>
+                  </a:txBody>
+                  <a:tcPr anchor="ctr">
+                    <a:lnR w="12700" cap="flat" cmpd="sng" algn="ctr">
+                      <a:noFill/>
+                      <a:prstDash val="solid"/>
+                      <a:round/>
+                      <a:headEnd type="none" w="med" len="med"/>
+                      <a:tailEnd type="none" w="med" len="med"/>
+                    </a:lnR>
+                  </a:tcPr>
+                </a:tc>
+                <a:tc>
+                  <a:txBody>
+                    <a:bodyPr/>
+                    <a:lstStyle/>
+                    <a:p>
+                      <a:r>
+                        <a:rPr lang="en-US" altLang="ko-KR" sz="1600" dirty="0"/>
+                        <a:t>4.</a:t>
+                      </a:r>
+                      <a:r>
+                        <a:rPr lang="ko-KR" altLang="en-US" sz="1600" dirty="0"/>
+                        <a:t> 구매금액을 환불해주며</a:t>
+                      </a:r>
+                      <a:r>
+                        <a:rPr lang="en-US" altLang="ko-KR" sz="1600" dirty="0"/>
+                        <a:t>,</a:t>
+                      </a:r>
+                      <a:r>
+                        <a:rPr lang="ko-KR" altLang="en-US" sz="1600" dirty="0"/>
+                        <a:t> 포인트를 사용했을 경우 다시 </a:t>
+                      </a:r>
+                      <a:r>
+                        <a:rPr lang="ko-KR" altLang="en-US" sz="1600" dirty="0" err="1"/>
+                        <a:t>사용될수</a:t>
+                      </a:r>
+                      <a:r>
+                        <a:rPr lang="ko-KR" altLang="en-US" sz="1600" dirty="0"/>
+                        <a:t> 있도록 반환한다</a:t>
+                      </a:r>
+                      <a:r>
+                        <a:rPr lang="en-US" altLang="ko-KR" sz="1600" dirty="0"/>
+                        <a:t>.</a:t>
+                      </a:r>
+                    </a:p>
+                  </a:txBody>
+                  <a:tcPr anchor="ctr">
+                    <a:lnL w="12700" cap="flat" cmpd="sng" algn="ctr">
+                      <a:noFill/>
+                      <a:prstDash val="solid"/>
+                      <a:round/>
+                      <a:headEnd type="none" w="med" len="med"/>
+                      <a:tailEnd type="none" w="med" len="med"/>
+                    </a:lnL>
+                  </a:tcPr>
+                </a:tc>
+                <a:extLst>
+                  <a:ext uri="{0D108BD9-81ED-4DB2-BD59-A6C34878D82A}">
+                    <a16:rowId xmlns:a16="http://schemas.microsoft.com/office/drawing/2014/main" val="1484892553"/>
+                  </a:ext>
+                </a:extLst>
+              </a:tr>
+            </a:tbl>
+          </a:graphicData>
+        </a:graphic>
+      </p:graphicFrame>
+      <p:sp>
+        <p:nvSpPr>
+          <p:cNvPr id="6" name="TextBox 5">
+            <a:extLst>
+              <a:ext uri="{FF2B5EF4-FFF2-40B4-BE49-F238E27FC236}">
+                <a16:creationId xmlns:a16="http://schemas.microsoft.com/office/drawing/2014/main" id="{9843118E-704A-0294-ED7F-31B364AF3FED}"/>
+              </a:ext>
+            </a:extLst>
+          </p:cNvPr>
+          <p:cNvSpPr txBox="1"/>
+          <p:nvPr/>
+        </p:nvSpPr>
+        <p:spPr>
+          <a:xfrm>
+            <a:off x="524934" y="325938"/>
+            <a:ext cx="3606372" cy="461665"/>
+          </a:xfrm>
+          <a:prstGeom prst="rect">
+            <a:avLst/>
+          </a:prstGeom>
+          <a:noFill/>
+        </p:spPr>
+        <p:txBody>
+          <a:bodyPr wrap="none" rtlCol="0">
+            <a:spAutoFit/>
+          </a:bodyPr>
+          <a:lstStyle/>
+          <a:p>
+            <a:r>
+              <a:rPr kumimoji="1" lang="en-US" altLang="ko-Kore-KR" sz="2400" dirty="0"/>
+              <a:t>Use case Description : </a:t>
+            </a:r>
+            <a:r>
+              <a:rPr kumimoji="1" lang="ko-KR" altLang="en-US" sz="2400" dirty="0"/>
+              <a:t>환불</a:t>
+            </a:r>
+            <a:endParaRPr kumimoji="1" lang="ko-Kore-KR" altLang="en-US" sz="2400" dirty="0"/>
+          </a:p>
+        </p:txBody>
+      </p:sp>
+      <mc:AlternateContent xmlns:mc="http://schemas.openxmlformats.org/markup-compatibility/2006">
+        <mc:Choice xmlns:p14="http://schemas.microsoft.com/office/powerpoint/2010/main" Requires="p14">
+          <p:contentPart p14:bwMode="auto" r:id="rId2">
+            <p14:nvContentPartPr>
+              <p14:cNvPr id="11" name="잉크 10">
+                <a:extLst>
+                  <a:ext uri="{FF2B5EF4-FFF2-40B4-BE49-F238E27FC236}">
+                    <a16:creationId xmlns:a16="http://schemas.microsoft.com/office/drawing/2014/main" id="{A5BEB5F1-AAF3-321E-CF1F-ABC7C2F22A93}"/>
+                  </a:ext>
+                </a:extLst>
+              </p14:cNvPr>
+              <p14:cNvContentPartPr/>
+              <p14:nvPr/>
+            </p14:nvContentPartPr>
+            <p14:xfrm>
+              <a:off x="6478299" y="948784"/>
+              <a:ext cx="870480" cy="101160"/>
+            </p14:xfrm>
+          </p:contentPart>
+        </mc:Choice>
+        <mc:Fallback>
+          <p:pic>
+            <p:nvPicPr>
+              <p:cNvPr id="11" name="잉크 10">
+                <a:extLst>
+                  <a:ext uri="{FF2B5EF4-FFF2-40B4-BE49-F238E27FC236}">
+                    <a16:creationId xmlns:a16="http://schemas.microsoft.com/office/drawing/2014/main" id="{A5BEB5F1-AAF3-321E-CF1F-ABC7C2F22A93}"/>
+                  </a:ext>
+                </a:extLst>
+              </p:cNvPr>
+              <p:cNvPicPr/>
+              <p:nvPr/>
+            </p:nvPicPr>
+            <p:blipFill>
+              <a:blip r:embed="rId3"/>
+              <a:stretch>
+                <a:fillRect/>
+              </a:stretch>
+            </p:blipFill>
+            <p:spPr>
+              <a:xfrm>
+                <a:off x="6469299" y="940144"/>
+                <a:ext cx="888120" cy="118800"/>
+              </a:xfrm>
+              <a:prstGeom prst="rect">
+                <a:avLst/>
+              </a:prstGeom>
+            </p:spPr>
+          </p:pic>
+        </mc:Fallback>
+      </mc:AlternateContent>
+      <mc:AlternateContent xmlns:mc="http://schemas.openxmlformats.org/markup-compatibility/2006">
+        <mc:Choice xmlns:p14="http://schemas.microsoft.com/office/powerpoint/2010/main" Requires="p14">
+          <p:contentPart p14:bwMode="auto" r:id="rId4">
+            <p14:nvContentPartPr>
+              <p14:cNvPr id="13" name="잉크 12">
+                <a:extLst>
+                  <a:ext uri="{FF2B5EF4-FFF2-40B4-BE49-F238E27FC236}">
+                    <a16:creationId xmlns:a16="http://schemas.microsoft.com/office/drawing/2014/main" id="{77DF3D94-3941-27E9-3B7A-D008EDC4362D}"/>
+                  </a:ext>
+                </a:extLst>
+              </p14:cNvPr>
+              <p14:cNvContentPartPr/>
+              <p14:nvPr/>
+            </p14:nvContentPartPr>
+            <p14:xfrm>
+              <a:off x="6496659" y="941224"/>
+              <a:ext cx="335520" cy="115200"/>
+            </p14:xfrm>
+          </p:contentPart>
+        </mc:Choice>
+        <mc:Fallback>
+          <p:pic>
+            <p:nvPicPr>
+              <p:cNvPr id="13" name="잉크 12">
+                <a:extLst>
+                  <a:ext uri="{FF2B5EF4-FFF2-40B4-BE49-F238E27FC236}">
+                    <a16:creationId xmlns:a16="http://schemas.microsoft.com/office/drawing/2014/main" id="{77DF3D94-3941-27E9-3B7A-D008EDC4362D}"/>
+                  </a:ext>
+                </a:extLst>
+              </p:cNvPr>
+              <p:cNvPicPr/>
+              <p:nvPr/>
+            </p:nvPicPr>
+            <p:blipFill>
+              <a:blip r:embed="rId5"/>
+              <a:stretch>
+                <a:fillRect/>
+              </a:stretch>
+            </p:blipFill>
+            <p:spPr>
+              <a:xfrm>
+                <a:off x="6488019" y="932584"/>
+                <a:ext cx="353160" cy="132840"/>
+              </a:xfrm>
+              <a:prstGeom prst="rect">
+                <a:avLst/>
+              </a:prstGeom>
+            </p:spPr>
+          </p:pic>
+        </mc:Fallback>
+      </mc:AlternateContent>
+      <p:grpSp>
+        <p:nvGrpSpPr>
+          <p:cNvPr id="17" name="그룹 16">
+            <a:extLst>
+              <a:ext uri="{FF2B5EF4-FFF2-40B4-BE49-F238E27FC236}">
+                <a16:creationId xmlns:a16="http://schemas.microsoft.com/office/drawing/2014/main" id="{2914F5D4-2868-3737-F636-CDA6A6CBB5D6}"/>
+              </a:ext>
+            </a:extLst>
+          </p:cNvPr>
+          <p:cNvGrpSpPr/>
+          <p:nvPr/>
+        </p:nvGrpSpPr>
+        <p:grpSpPr>
+          <a:xfrm>
+            <a:off x="6442299" y="934744"/>
+            <a:ext cx="1162800" cy="176040"/>
+            <a:chOff x="6442299" y="934744"/>
+            <a:chExt cx="1162800" cy="176040"/>
+          </a:xfrm>
+        </p:grpSpPr>
+        <mc:AlternateContent xmlns:mc="http://schemas.openxmlformats.org/markup-compatibility/2006">
+          <mc:Choice xmlns:p14="http://schemas.microsoft.com/office/powerpoint/2010/main" Requires="p14">
+            <p:contentPart p14:bwMode="auto" r:id="rId6">
+              <p14:nvContentPartPr>
+                <p14:cNvPr id="8" name="잉크 7">
+                  <a:extLst>
+                    <a:ext uri="{FF2B5EF4-FFF2-40B4-BE49-F238E27FC236}">
+                      <a16:creationId xmlns:a16="http://schemas.microsoft.com/office/drawing/2014/main" id="{9CDD31DB-698E-E57F-2357-34156B774DB5}"/>
+                    </a:ext>
+                  </a:extLst>
+                </p14:cNvPr>
+                <p14:cNvContentPartPr/>
+                <p14:nvPr/>
+              </p14:nvContentPartPr>
+              <p14:xfrm>
+                <a:off x="7202979" y="941944"/>
+                <a:ext cx="402120" cy="72360"/>
+              </p14:xfrm>
+            </p:contentPart>
+          </mc:Choice>
+          <mc:Fallback>
+            <p:pic>
+              <p:nvPicPr>
+                <p:cNvPr id="8" name="잉크 7">
+                  <a:extLst>
+                    <a:ext uri="{FF2B5EF4-FFF2-40B4-BE49-F238E27FC236}">
+                      <a16:creationId xmlns:a16="http://schemas.microsoft.com/office/drawing/2014/main" id="{9CDD31DB-698E-E57F-2357-34156B774DB5}"/>
+                    </a:ext>
+                  </a:extLst>
+                </p:cNvPr>
+                <p:cNvPicPr/>
+                <p:nvPr/>
+              </p:nvPicPr>
+              <p:blipFill>
+                <a:blip r:embed="rId7"/>
+                <a:stretch>
+                  <a:fillRect/>
+                </a:stretch>
+              </p:blipFill>
+              <p:spPr>
+                <a:xfrm>
+                  <a:off x="7193979" y="933304"/>
+                  <a:ext cx="419760" cy="90000"/>
+                </a:xfrm>
+                <a:prstGeom prst="rect">
+                  <a:avLst/>
+                </a:prstGeom>
+              </p:spPr>
+            </p:pic>
+          </mc:Fallback>
+        </mc:AlternateContent>
+        <mc:AlternateContent xmlns:mc="http://schemas.openxmlformats.org/markup-compatibility/2006">
+          <mc:Choice xmlns:p14="http://schemas.microsoft.com/office/powerpoint/2010/main" Requires="p14">
+            <p:contentPart p14:bwMode="auto" r:id="rId8">
+              <p14:nvContentPartPr>
+                <p14:cNvPr id="9" name="잉크 8">
+                  <a:extLst>
+                    <a:ext uri="{FF2B5EF4-FFF2-40B4-BE49-F238E27FC236}">
+                      <a16:creationId xmlns:a16="http://schemas.microsoft.com/office/drawing/2014/main" id="{9BB17A3B-3296-B3DE-A362-8EB8A7080C78}"/>
+                    </a:ext>
+                  </a:extLst>
+                </p14:cNvPr>
+                <p14:cNvContentPartPr/>
+                <p14:nvPr/>
+              </p14:nvContentPartPr>
+              <p14:xfrm>
+                <a:off x="6521139" y="964264"/>
+                <a:ext cx="857160" cy="46800"/>
+              </p14:xfrm>
+            </p:contentPart>
+          </mc:Choice>
+          <mc:Fallback>
+            <p:pic>
+              <p:nvPicPr>
+                <p:cNvPr id="9" name="잉크 8">
+                  <a:extLst>
+                    <a:ext uri="{FF2B5EF4-FFF2-40B4-BE49-F238E27FC236}">
+                      <a16:creationId xmlns:a16="http://schemas.microsoft.com/office/drawing/2014/main" id="{9BB17A3B-3296-B3DE-A362-8EB8A7080C78}"/>
+                    </a:ext>
+                  </a:extLst>
+                </p:cNvPr>
+                <p:cNvPicPr/>
+                <p:nvPr/>
+              </p:nvPicPr>
+              <p:blipFill>
+                <a:blip r:embed="rId9"/>
+                <a:stretch>
+                  <a:fillRect/>
+                </a:stretch>
+              </p:blipFill>
+              <p:spPr>
+                <a:xfrm>
+                  <a:off x="6512139" y="955264"/>
+                  <a:ext cx="874800" cy="64440"/>
+                </a:xfrm>
+                <a:prstGeom prst="rect">
+                  <a:avLst/>
+                </a:prstGeom>
+              </p:spPr>
+            </p:pic>
+          </mc:Fallback>
+        </mc:AlternateContent>
+        <mc:AlternateContent xmlns:mc="http://schemas.openxmlformats.org/markup-compatibility/2006">
+          <mc:Choice xmlns:p14="http://schemas.microsoft.com/office/powerpoint/2010/main" Requires="p14">
+            <p:contentPart p14:bwMode="auto" r:id="rId10">
+              <p14:nvContentPartPr>
+                <p14:cNvPr id="16" name="잉크 15">
+                  <a:extLst>
+                    <a:ext uri="{FF2B5EF4-FFF2-40B4-BE49-F238E27FC236}">
+                      <a16:creationId xmlns:a16="http://schemas.microsoft.com/office/drawing/2014/main" id="{CF749590-F328-99C4-B38B-DFDB4D90D808}"/>
+                    </a:ext>
+                  </a:extLst>
+                </p14:cNvPr>
+                <p14:cNvContentPartPr/>
+                <p14:nvPr/>
+              </p14:nvContentPartPr>
+              <p14:xfrm>
+                <a:off x="6442299" y="934744"/>
+                <a:ext cx="987480" cy="176040"/>
+              </p14:xfrm>
+            </p:contentPart>
+          </mc:Choice>
+          <mc:Fallback>
+            <p:pic>
+              <p:nvPicPr>
+                <p:cNvPr id="16" name="잉크 15">
+                  <a:extLst>
+                    <a:ext uri="{FF2B5EF4-FFF2-40B4-BE49-F238E27FC236}">
+                      <a16:creationId xmlns:a16="http://schemas.microsoft.com/office/drawing/2014/main" id="{CF749590-F328-99C4-B38B-DFDB4D90D808}"/>
+                    </a:ext>
+                  </a:extLst>
+                </p:cNvPr>
+                <p:cNvPicPr/>
+                <p:nvPr/>
+              </p:nvPicPr>
+              <p:blipFill>
+                <a:blip r:embed="rId11"/>
+                <a:stretch>
+                  <a:fillRect/>
+                </a:stretch>
+              </p:blipFill>
+              <p:spPr>
+                <a:xfrm>
+                  <a:off x="6424299" y="917104"/>
+                  <a:ext cx="1023120" cy="211680"/>
+                </a:xfrm>
+                <a:prstGeom prst="rect">
+                  <a:avLst/>
+                </a:prstGeom>
+              </p:spPr>
+            </p:pic>
+          </mc:Fallback>
+        </mc:AlternateContent>
+      </p:grpSp>
+      <p:pic>
+        <p:nvPicPr>
+          <p:cNvPr id="3" name="그림 2">
+            <a:extLst>
+              <a:ext uri="{FF2B5EF4-FFF2-40B4-BE49-F238E27FC236}">
+                <a16:creationId xmlns:a16="http://schemas.microsoft.com/office/drawing/2014/main" id="{48E22C8A-0EC9-8D62-BBAC-BA9BB45F03E0}"/>
+              </a:ext>
+            </a:extLst>
+          </p:cNvPr>
+          <p:cNvPicPr>
+            <a:picLocks noChangeAspect="1"/>
+          </p:cNvPicPr>
+          <p:nvPr/>
+        </p:nvPicPr>
+        <p:blipFill>
+          <a:blip r:embed="rId12"/>
+          <a:stretch>
+            <a:fillRect/>
+          </a:stretch>
+        </p:blipFill>
+        <p:spPr>
+          <a:xfrm>
+            <a:off x="6761132" y="719243"/>
+            <a:ext cx="4237074" cy="2709757"/>
+          </a:xfrm>
+          <a:prstGeom prst="rect">
+            <a:avLst/>
+          </a:prstGeom>
+        </p:spPr>
+      </p:pic>
+    </p:spTree>
+    <p:extLst>
+      <p:ext uri="{BB962C8B-B14F-4D97-AF65-F5344CB8AC3E}">
+        <p14:creationId xmlns:p14="http://schemas.microsoft.com/office/powerpoint/2010/main" val="3780943793"/>
       </p:ext>
     </p:extLst>
   </p:cSld>
@@ -7086,4 +9517,299 @@
     </a:ext>
   </a:extLst>
 </a:theme>
+</file>
+
+<file path=ppt/theme/theme2.xml><?xml version="1.0" encoding="utf-8"?>
+<a:theme xmlns:a="http://schemas.openxmlformats.org/drawingml/2006/main" name="Office 테마">
+  <a:themeElements>
+    <a:clrScheme name="Office">
+      <a:dk1>
+        <a:sysClr val="windowText" lastClr="000000"/>
+      </a:dk1>
+      <a:lt1>
+        <a:sysClr val="window" lastClr="FFFFFF"/>
+      </a:lt1>
+      <a:dk2>
+        <a:srgbClr val="44546A"/>
+      </a:dk2>
+      <a:lt2>
+        <a:srgbClr val="E7E6E6"/>
+      </a:lt2>
+      <a:accent1>
+        <a:srgbClr val="4472C4"/>
+      </a:accent1>
+      <a:accent2>
+        <a:srgbClr val="ED7D31"/>
+      </a:accent2>
+      <a:accent3>
+        <a:srgbClr val="A5A5A5"/>
+      </a:accent3>
+      <a:accent4>
+        <a:srgbClr val="FFC000"/>
+      </a:accent4>
+      <a:accent5>
+        <a:srgbClr val="5B9BD5"/>
+      </a:accent5>
+      <a:accent6>
+        <a:srgbClr val="70AD47"/>
+      </a:accent6>
+      <a:hlink>
+        <a:srgbClr val="0563C1"/>
+      </a:hlink>
+      <a:folHlink>
+        <a:srgbClr val="954F72"/>
+      </a:folHlink>
+    </a:clrScheme>
+    <a:fontScheme name="Office">
+      <a:majorFont>
+        <a:latin typeface="Calibri Light" panose="020F0302020204030204"/>
+        <a:ea typeface=""/>
+        <a:cs typeface=""/>
+        <a:font script="Jpan" typeface="游ゴシック Light"/>
+        <a:font script="Hang" typeface="맑은 고딕"/>
+        <a:font script="Hans" typeface="等线 Light"/>
+        <a:font script="Hant" typeface="新細明體"/>
+        <a:font script="Arab" typeface="Times New Roman"/>
+        <a:font script="Hebr" typeface="Times New Roman"/>
+        <a:font script="Thai" typeface="Angsana New"/>
+        <a:font script="Ethi" typeface="Nyala"/>
+        <a:font script="Beng" typeface="Vrinda"/>
+        <a:font script="Gujr" typeface="Shruti"/>
+        <a:font script="Khmr" typeface="MoolBoran"/>
+        <a:font script="Knda" typeface="Tunga"/>
+        <a:font script="Guru" typeface="Raavi"/>
+        <a:font script="Cans" typeface="Euphemia"/>
+        <a:font script="Cher" typeface="Plantagenet Cherokee"/>
+        <a:font script="Yiii" typeface="Microsoft Yi Baiti"/>
+        <a:font script="Tibt" typeface="Microsoft Himalaya"/>
+        <a:font script="Thaa" typeface="MV Boli"/>
+        <a:font script="Deva" typeface="Mangal"/>
+        <a:font script="Telu" typeface="Gautami"/>
+        <a:font script="Taml" typeface="Latha"/>
+        <a:font script="Syrc" typeface="Estrangelo Edessa"/>
+        <a:font script="Orya" typeface="Kalinga"/>
+        <a:font script="Mlym" typeface="Kartika"/>
+        <a:font script="Laoo" typeface="DokChampa"/>
+        <a:font script="Sinh" typeface="Iskoola Pota"/>
+        <a:font script="Mong" typeface="Mongolian Baiti"/>
+        <a:font script="Viet" typeface="Times New Roman"/>
+        <a:font script="Uigh" typeface="Microsoft Uighur"/>
+        <a:font script="Geor" typeface="Sylfaen"/>
+        <a:font script="Armn" typeface="Arial"/>
+        <a:font script="Bugi" typeface="Leelawadee UI"/>
+        <a:font script="Bopo" typeface="Microsoft JhengHei"/>
+        <a:font script="Java" typeface="Javanese Text"/>
+        <a:font script="Lisu" typeface="Segoe UI"/>
+        <a:font script="Mymr" typeface="Myanmar Text"/>
+        <a:font script="Nkoo" typeface="Ebrima"/>
+        <a:font script="Olck" typeface="Nirmala UI"/>
+        <a:font script="Osma" typeface="Ebrima"/>
+        <a:font script="Phag" typeface="Phagspa"/>
+        <a:font script="Syrn" typeface="Estrangelo Edessa"/>
+        <a:font script="Syrj" typeface="Estrangelo Edessa"/>
+        <a:font script="Syre" typeface="Estrangelo Edessa"/>
+        <a:font script="Sora" typeface="Nirmala UI"/>
+        <a:font script="Tale" typeface="Microsoft Tai Le"/>
+        <a:font script="Talu" typeface="Microsoft New Tai Lue"/>
+        <a:font script="Tfng" typeface="Ebrima"/>
+      </a:majorFont>
+      <a:minorFont>
+        <a:latin typeface="Calibri" panose="020F0502020204030204"/>
+        <a:ea typeface=""/>
+        <a:cs typeface=""/>
+        <a:font script="Jpan" typeface="游ゴシック"/>
+        <a:font script="Hang" typeface="맑은 고딕"/>
+        <a:font script="Hans" typeface="等线"/>
+        <a:font script="Hant" typeface="新細明體"/>
+        <a:font script="Arab" typeface="Arial"/>
+        <a:font script="Hebr" typeface="Arial"/>
+        <a:font script="Thai" typeface="Cordia New"/>
+        <a:font script="Ethi" typeface="Nyala"/>
+        <a:font script="Beng" typeface="Vrinda"/>
+        <a:font script="Gujr" typeface="Shruti"/>
+        <a:font script="Khmr" typeface="DaunPenh"/>
+        <a:font script="Knda" typeface="Tunga"/>
+        <a:font script="Guru" typeface="Raavi"/>
+        <a:font script="Cans" typeface="Euphemia"/>
+        <a:font script="Cher" typeface="Plantagenet Cherokee"/>
+        <a:font script="Yiii" typeface="Microsoft Yi Baiti"/>
+        <a:font script="Tibt" typeface="Microsoft Himalaya"/>
+        <a:font script="Thaa" typeface="MV Boli"/>
+        <a:font script="Deva" typeface="Mangal"/>
+        <a:font script="Telu" typeface="Gautami"/>
+        <a:font script="Taml" typeface="Latha"/>
+        <a:font script="Syrc" typeface="Estrangelo Edessa"/>
+        <a:font script="Orya" typeface="Kalinga"/>
+        <a:font script="Mlym" typeface="Kartika"/>
+        <a:font script="Laoo" typeface="DokChampa"/>
+        <a:font script="Sinh" typeface="Iskoola Pota"/>
+        <a:font script="Mong" typeface="Mongolian Baiti"/>
+        <a:font script="Viet" typeface="Arial"/>
+        <a:font script="Uigh" typeface="Microsoft Uighur"/>
+        <a:font script="Geor" typeface="Sylfaen"/>
+        <a:font script="Armn" typeface="Arial"/>
+        <a:font script="Bugi" typeface="Leelawadee UI"/>
+        <a:font script="Bopo" typeface="Microsoft JhengHei"/>
+        <a:font script="Java" typeface="Javanese Text"/>
+        <a:font script="Lisu" typeface="Segoe UI"/>
+        <a:font script="Mymr" typeface="Myanmar Text"/>
+        <a:font script="Nkoo" typeface="Ebrima"/>
+        <a:font script="Olck" typeface="Nirmala UI"/>
+        <a:font script="Osma" typeface="Ebrima"/>
+        <a:font script="Phag" typeface="Phagspa"/>
+        <a:font script="Syrn" typeface="Estrangelo Edessa"/>
+        <a:font script="Syrj" typeface="Estrangelo Edessa"/>
+        <a:font script="Syre" typeface="Estrangelo Edessa"/>
+        <a:font script="Sora" typeface="Nirmala UI"/>
+        <a:font script="Tale" typeface="Microsoft Tai Le"/>
+        <a:font script="Talu" typeface="Microsoft New Tai Lue"/>
+        <a:font script="Tfng" typeface="Ebrima"/>
+      </a:minorFont>
+    </a:fontScheme>
+    <a:fmtScheme name="Office">
+      <a:fillStyleLst>
+        <a:solidFill>
+          <a:schemeClr val="phClr"/>
+        </a:solidFill>
+        <a:gradFill rotWithShape="1">
+          <a:gsLst>
+            <a:gs pos="0">
+              <a:schemeClr val="phClr">
+                <a:lumMod val="110000"/>
+                <a:satMod val="105000"/>
+                <a:tint val="67000"/>
+              </a:schemeClr>
+            </a:gs>
+            <a:gs pos="50000">
+              <a:schemeClr val="phClr">
+                <a:lumMod val="105000"/>
+                <a:satMod val="103000"/>
+                <a:tint val="73000"/>
+              </a:schemeClr>
+            </a:gs>
+            <a:gs pos="100000">
+              <a:schemeClr val="phClr">
+                <a:lumMod val="105000"/>
+                <a:satMod val="109000"/>
+                <a:tint val="81000"/>
+              </a:schemeClr>
+            </a:gs>
+          </a:gsLst>
+          <a:lin ang="5400000" scaled="0"/>
+        </a:gradFill>
+        <a:gradFill rotWithShape="1">
+          <a:gsLst>
+            <a:gs pos="0">
+              <a:schemeClr val="phClr">
+                <a:satMod val="103000"/>
+                <a:lumMod val="102000"/>
+                <a:tint val="94000"/>
+              </a:schemeClr>
+            </a:gs>
+            <a:gs pos="50000">
+              <a:schemeClr val="phClr">
+                <a:satMod val="110000"/>
+                <a:lumMod val="100000"/>
+                <a:shade val="100000"/>
+              </a:schemeClr>
+            </a:gs>
+            <a:gs pos="100000">
+              <a:schemeClr val="phClr">
+                <a:lumMod val="99000"/>
+                <a:satMod val="120000"/>
+                <a:shade val="78000"/>
+              </a:schemeClr>
+            </a:gs>
+          </a:gsLst>
+          <a:lin ang="5400000" scaled="0"/>
+        </a:gradFill>
+      </a:fillStyleLst>
+      <a:lnStyleLst>
+        <a:ln w="6350" cap="flat" cmpd="sng" algn="ctr">
+          <a:solidFill>
+            <a:schemeClr val="phClr"/>
+          </a:solidFill>
+          <a:prstDash val="solid"/>
+          <a:miter lim="800000"/>
+        </a:ln>
+        <a:ln w="12700" cap="flat" cmpd="sng" algn="ctr">
+          <a:solidFill>
+            <a:schemeClr val="phClr"/>
+          </a:solidFill>
+          <a:prstDash val="solid"/>
+          <a:miter lim="800000"/>
+        </a:ln>
+        <a:ln w="19050" cap="flat" cmpd="sng" algn="ctr">
+          <a:solidFill>
+            <a:schemeClr val="phClr"/>
+          </a:solidFill>
+          <a:prstDash val="solid"/>
+          <a:miter lim="800000"/>
+        </a:ln>
+      </a:lnStyleLst>
+      <a:effectStyleLst>
+        <a:effectStyle>
+          <a:effectLst/>
+        </a:effectStyle>
+        <a:effectStyle>
+          <a:effectLst/>
+        </a:effectStyle>
+        <a:effectStyle>
+          <a:effectLst>
+            <a:outerShdw blurRad="57150" dist="19050" dir="5400000" algn="ctr" rotWithShape="0">
+              <a:srgbClr val="000000">
+                <a:alpha val="63000"/>
+              </a:srgbClr>
+            </a:outerShdw>
+          </a:effectLst>
+        </a:effectStyle>
+      </a:effectStyleLst>
+      <a:bgFillStyleLst>
+        <a:solidFill>
+          <a:schemeClr val="phClr"/>
+        </a:solidFill>
+        <a:solidFill>
+          <a:schemeClr val="phClr">
+            <a:tint val="95000"/>
+            <a:satMod val="170000"/>
+          </a:schemeClr>
+        </a:solidFill>
+        <a:gradFill rotWithShape="1">
+          <a:gsLst>
+            <a:gs pos="0">
+              <a:schemeClr val="phClr">
+                <a:tint val="93000"/>
+                <a:satMod val="150000"/>
+                <a:shade val="98000"/>
+                <a:lumMod val="102000"/>
+              </a:schemeClr>
+            </a:gs>
+            <a:gs pos="50000">
+              <a:schemeClr val="phClr">
+                <a:tint val="98000"/>
+                <a:satMod val="130000"/>
+                <a:shade val="90000"/>
+                <a:lumMod val="103000"/>
+              </a:schemeClr>
+            </a:gs>
+            <a:gs pos="100000">
+              <a:schemeClr val="phClr">
+                <a:shade val="63000"/>
+                <a:satMod val="120000"/>
+              </a:schemeClr>
+            </a:gs>
+          </a:gsLst>
+          <a:lin ang="5400000" scaled="0"/>
+        </a:gradFill>
+      </a:bgFillStyleLst>
+    </a:fmtScheme>
+  </a:themeElements>
+  <a:objectDefaults/>
+  <a:extraClrSchemeLst/>
+  <a:extLst>
+    <a:ext uri="{05A4C25C-085E-4340-85A3-A5531E510DB2}">
+      <thm15:themeFamily xmlns:thm15="http://schemas.microsoft.com/office/thememl/2012/main" name="Office Theme" id="{62F939B6-93AF-4DB8-9C6B-D6C7DFDC589F}" vid="{4A3C46E8-61CC-4603-A589-7422A47A8E4A}"/>
+    </a:ext>
+  </a:extLst>
+</a:theme>
 </file>
--- a/Use case Description.pptx
+++ b/Use case Description.pptx
@@ -5,7 +5,7 @@
     <p:sldMasterId id="2147483648" r:id="rId1"/>
   </p:sldMasterIdLst>
   <p:notesMasterIdLst>
-    <p:notesMasterId r:id="rId14"/>
+    <p:notesMasterId r:id="rId21"/>
   </p:notesMasterIdLst>
   <p:sldIdLst>
     <p:sldId id="262" r:id="rId2"/>
@@ -20,6 +20,13 @@
     <p:sldId id="266" r:id="rId11"/>
     <p:sldId id="267" r:id="rId12"/>
     <p:sldId id="268" r:id="rId13"/>
+    <p:sldId id="274" r:id="rId14"/>
+    <p:sldId id="275" r:id="rId15"/>
+    <p:sldId id="276" r:id="rId16"/>
+    <p:sldId id="277" r:id="rId17"/>
+    <p:sldId id="278" r:id="rId18"/>
+    <p:sldId id="279" r:id="rId19"/>
+    <p:sldId id="280" r:id="rId20"/>
   </p:sldIdLst>
   <p:sldSz cx="12192000" cy="6858000"/>
   <p:notesSz cx="6858000" cy="9144000"/>
@@ -622,6 +629,87 @@
 </inkml:ink>
 </file>
 
+<file path=ppt/ink/ink26.xml><?xml version="1.0" encoding="utf-8"?>
+<inkml:ink xmlns:inkml="http://www.w3.org/2003/InkML">
+  <inkml:definitions>
+    <inkml:context xml:id="ctx0">
+      <inkml:inkSource xml:id="inkSrc0">
+        <inkml:traceFormat>
+          <inkml:channel name="X" type="integer" min="-2.14748E9" max="2.14748E9" units="cm"/>
+          <inkml:channel name="Y" type="integer" min="-2.14748E9" max="2.14748E9" units="cm"/>
+          <inkml:channel name="F" type="integer" max="32767" units="dev"/>
+        </inkml:traceFormat>
+        <inkml:channelProperties>
+          <inkml:channelProperty channel="X" name="resolution" value="1000" units="1/cm"/>
+          <inkml:channelProperty channel="Y" name="resolution" value="1000" units="1/cm"/>
+          <inkml:channelProperty channel="F" name="resolution" value="0" units="1/dev"/>
+        </inkml:channelProperties>
+      </inkml:inkSource>
+      <inkml:timestamp xml:id="ts0" timeString="2022-05-02T00:57:32.628"/>
+    </inkml:context>
+    <inkml:brush xml:id="br0">
+      <inkml:brushProperty name="width" value="0.1" units="cm"/>
+      <inkml:brushProperty name="height" value="0.1" units="cm"/>
+    </inkml:brush>
+  </inkml:definitions>
+  <inkml:trace contextRef="#ctx0" brushRef="#br0">1 1 24575,'0'0'0</inkml:trace>
+</inkml:ink>
+</file>
+
+<file path=ppt/ink/ink27.xml><?xml version="1.0" encoding="utf-8"?>
+<inkml:ink xmlns:inkml="http://www.w3.org/2003/InkML">
+  <inkml:definitions>
+    <inkml:context xml:id="ctx0">
+      <inkml:inkSource xml:id="inkSrc0">
+        <inkml:traceFormat>
+          <inkml:channel name="X" type="integer" min="-2.14748E9" max="2.14748E9" units="cm"/>
+          <inkml:channel name="Y" type="integer" min="-2.14748E9" max="2.14748E9" units="cm"/>
+          <inkml:channel name="F" type="integer" max="32767" units="dev"/>
+        </inkml:traceFormat>
+        <inkml:channelProperties>
+          <inkml:channelProperty channel="X" name="resolution" value="1000" units="1/cm"/>
+          <inkml:channelProperty channel="Y" name="resolution" value="1000" units="1/cm"/>
+          <inkml:channelProperty channel="F" name="resolution" value="0" units="1/dev"/>
+        </inkml:channelProperties>
+      </inkml:inkSource>
+      <inkml:timestamp xml:id="ts0" timeString="2022-05-02T00:57:32.629"/>
+    </inkml:context>
+    <inkml:brush xml:id="br0">
+      <inkml:brushProperty name="width" value="0.1" units="cm"/>
+      <inkml:brushProperty name="height" value="0.1" units="cm"/>
+    </inkml:brush>
+  </inkml:definitions>
+  <inkml:trace contextRef="#ctx0" brushRef="#br0">1 1 24575,'0'0'0</inkml:trace>
+</inkml:ink>
+</file>
+
+<file path=ppt/ink/ink28.xml><?xml version="1.0" encoding="utf-8"?>
+<inkml:ink xmlns:inkml="http://www.w3.org/2003/InkML">
+  <inkml:definitions>
+    <inkml:context xml:id="ctx0">
+      <inkml:inkSource xml:id="inkSrc0">
+        <inkml:traceFormat>
+          <inkml:channel name="X" type="integer" min="-2.14748E9" max="2.14748E9" units="cm"/>
+          <inkml:channel name="Y" type="integer" min="-2.14748E9" max="2.14748E9" units="cm"/>
+          <inkml:channel name="F" type="integer" max="32767" units="dev"/>
+        </inkml:traceFormat>
+        <inkml:channelProperties>
+          <inkml:channelProperty channel="X" name="resolution" value="1000" units="1/cm"/>
+          <inkml:channelProperty channel="Y" name="resolution" value="1000" units="1/cm"/>
+          <inkml:channelProperty channel="F" name="resolution" value="0" units="1/dev"/>
+        </inkml:channelProperties>
+      </inkml:inkSource>
+      <inkml:timestamp xml:id="ts0" timeString="2022-05-02T00:57:32.630"/>
+    </inkml:context>
+    <inkml:brush xml:id="br0">
+      <inkml:brushProperty name="width" value="0.1" units="cm"/>
+      <inkml:brushProperty name="height" value="0.1" units="cm"/>
+    </inkml:brush>
+  </inkml:definitions>
+  <inkml:trace contextRef="#ctx0" brushRef="#br0">0 0 24575,'0'0'0</inkml:trace>
+</inkml:ink>
+</file>
+
 <file path=ppt/ink/ink3.xml><?xml version="1.0" encoding="utf-8"?>
 <inkml:ink xmlns:inkml="http://www.w3.org/2003/InkML">
   <inkml:definitions>
@@ -893,7 +981,7 @@
           <a:p>
             <a:fld id="{7EDDA4F1-B720-9C4D-A217-48F1C0F06947}" type="datetimeFigureOut">
               <a:rPr kumimoji="1" lang="ko-Kore-KR" altLang="en-US" smtClean="0"/>
-              <a:t>2022. 5. 1.</a:t>
+              <a:t>2022. 5. 2.</a:t>
             </a:fld>
             <a:endParaRPr kumimoji="1" lang="ko-Kore-KR" altLang="en-US"/>
           </a:p>
@@ -1226,6 +1314,90 @@
           <a:p>
             <a:fld id="{944829B7-0337-C248-87B7-9406B628A178}" type="slidenum">
               <a:rPr kumimoji="1" lang="ko-Kore-KR" altLang="en-US" smtClean="0"/>
+              <a:t>10</a:t>
+            </a:fld>
+            <a:endParaRPr kumimoji="1" lang="ko-Kore-KR" altLang="en-US"/>
+          </a:p>
+        </p:txBody>
+      </p:sp>
+    </p:spTree>
+    <p:extLst>
+      <p:ext uri="{BB962C8B-B14F-4D97-AF65-F5344CB8AC3E}">
+        <p14:creationId xmlns:p14="http://schemas.microsoft.com/office/powerpoint/2010/main" val="3370503791"/>
+      </p:ext>
+    </p:extLst>
+  </p:cSld>
+  <p:clrMapOvr>
+    <a:masterClrMapping/>
+  </p:clrMapOvr>
+</p:notes>
+</file>
+
+<file path=ppt/notesSlides/notesSlide2.xml><?xml version="1.0" encoding="utf-8"?>
+<p:notes xmlns:a="http://schemas.openxmlformats.org/drawingml/2006/main" xmlns:r="http://schemas.openxmlformats.org/officeDocument/2006/relationships" xmlns:p="http://schemas.openxmlformats.org/presentationml/2006/main">
+  <p:cSld>
+    <p:spTree>
+      <p:nvGrpSpPr>
+        <p:cNvPr id="1" name=""/>
+        <p:cNvGrpSpPr/>
+        <p:nvPr/>
+      </p:nvGrpSpPr>
+      <p:grpSpPr>
+        <a:xfrm>
+          <a:off x="0" y="0"/>
+          <a:ext cx="0" cy="0"/>
+          <a:chOff x="0" y="0"/>
+          <a:chExt cx="0" cy="0"/>
+        </a:xfrm>
+      </p:grpSpPr>
+      <p:sp>
+        <p:nvSpPr>
+          <p:cNvPr id="2" name="슬라이드 이미지 개체 틀 1"/>
+          <p:cNvSpPr>
+            <a:spLocks noGrp="1" noRot="1" noChangeAspect="1"/>
+          </p:cNvSpPr>
+          <p:nvPr>
+            <p:ph type="sldImg"/>
+          </p:nvPr>
+        </p:nvSpPr>
+        <p:spPr/>
+      </p:sp>
+      <p:sp>
+        <p:nvSpPr>
+          <p:cNvPr id="3" name="슬라이드 노트 개체 틀 2"/>
+          <p:cNvSpPr>
+            <a:spLocks noGrp="1"/>
+          </p:cNvSpPr>
+          <p:nvPr>
+            <p:ph type="body" idx="1"/>
+          </p:nvPr>
+        </p:nvSpPr>
+        <p:spPr/>
+        <p:txBody>
+          <a:bodyPr/>
+          <a:lstStyle/>
+          <a:p>
+            <a:endParaRPr kumimoji="1" lang="ko-Kore-KR" altLang="en-US" dirty="0"/>
+          </a:p>
+        </p:txBody>
+      </p:sp>
+      <p:sp>
+        <p:nvSpPr>
+          <p:cNvPr id="4" name="슬라이드 번호 개체 틀 3"/>
+          <p:cNvSpPr>
+            <a:spLocks noGrp="1"/>
+          </p:cNvSpPr>
+          <p:nvPr>
+            <p:ph type="sldNum" sz="quarter" idx="5"/>
+          </p:nvPr>
+        </p:nvSpPr>
+        <p:spPr/>
+        <p:txBody>
+          <a:bodyPr/>
+          <a:lstStyle/>
+          <a:p>
+            <a:fld id="{944829B7-0337-C248-87B7-9406B628A178}" type="slidenum">
+              <a:rPr kumimoji="1" lang="ko-Kore-KR" altLang="en-US" smtClean="0"/>
               <a:t>11</a:t>
             </a:fld>
             <a:endParaRPr kumimoji="1" lang="ko-Kore-KR" altLang="en-US"/>
@@ -1394,7 +1566,7 @@
           <a:p>
             <a:fld id="{6E115D2A-B720-DA4C-BD7C-758C4A1989AB}" type="datetimeFigureOut">
               <a:rPr kumimoji="1" lang="ko-Kore-KR" altLang="en-US" smtClean="0"/>
-              <a:t>2022. 5. 1.</a:t>
+              <a:t>2022. 5. 2.</a:t>
             </a:fld>
             <a:endParaRPr kumimoji="1" lang="ko-Kore-KR" altLang="en-US"/>
           </a:p>
@@ -1594,7 +1766,7 @@
           <a:p>
             <a:fld id="{6E115D2A-B720-DA4C-BD7C-758C4A1989AB}" type="datetimeFigureOut">
               <a:rPr kumimoji="1" lang="ko-Kore-KR" altLang="en-US" smtClean="0"/>
-              <a:t>2022. 5. 1.</a:t>
+              <a:t>2022. 5. 2.</a:t>
             </a:fld>
             <a:endParaRPr kumimoji="1" lang="ko-Kore-KR" altLang="en-US"/>
           </a:p>
@@ -1804,7 +1976,7 @@
           <a:p>
             <a:fld id="{6E115D2A-B720-DA4C-BD7C-758C4A1989AB}" type="datetimeFigureOut">
               <a:rPr kumimoji="1" lang="ko-Kore-KR" altLang="en-US" smtClean="0"/>
-              <a:t>2022. 5. 1.</a:t>
+              <a:t>2022. 5. 2.</a:t>
             </a:fld>
             <a:endParaRPr kumimoji="1" lang="ko-Kore-KR" altLang="en-US"/>
           </a:p>
@@ -2004,7 +2176,7 @@
           <a:p>
             <a:fld id="{6E115D2A-B720-DA4C-BD7C-758C4A1989AB}" type="datetimeFigureOut">
               <a:rPr kumimoji="1" lang="ko-Kore-KR" altLang="en-US" smtClean="0"/>
-              <a:t>2022. 5. 1.</a:t>
+              <a:t>2022. 5. 2.</a:t>
             </a:fld>
             <a:endParaRPr kumimoji="1" lang="ko-Kore-KR" altLang="en-US"/>
           </a:p>
@@ -2280,7 +2452,7 @@
           <a:p>
             <a:fld id="{6E115D2A-B720-DA4C-BD7C-758C4A1989AB}" type="datetimeFigureOut">
               <a:rPr kumimoji="1" lang="ko-Kore-KR" altLang="en-US" smtClean="0"/>
-              <a:t>2022. 5. 1.</a:t>
+              <a:t>2022. 5. 2.</a:t>
             </a:fld>
             <a:endParaRPr kumimoji="1" lang="ko-Kore-KR" altLang="en-US"/>
           </a:p>
@@ -2548,7 +2720,7 @@
           <a:p>
             <a:fld id="{6E115D2A-B720-DA4C-BD7C-758C4A1989AB}" type="datetimeFigureOut">
               <a:rPr kumimoji="1" lang="ko-Kore-KR" altLang="en-US" smtClean="0"/>
-              <a:t>2022. 5. 1.</a:t>
+              <a:t>2022. 5. 2.</a:t>
             </a:fld>
             <a:endParaRPr kumimoji="1" lang="ko-Kore-KR" altLang="en-US"/>
           </a:p>
@@ -2963,7 +3135,7 @@
           <a:p>
             <a:fld id="{6E115D2A-B720-DA4C-BD7C-758C4A1989AB}" type="datetimeFigureOut">
               <a:rPr kumimoji="1" lang="ko-Kore-KR" altLang="en-US" smtClean="0"/>
-              <a:t>2022. 5. 1.</a:t>
+              <a:t>2022. 5. 2.</a:t>
             </a:fld>
             <a:endParaRPr kumimoji="1" lang="ko-Kore-KR" altLang="en-US"/>
           </a:p>
@@ -3105,7 +3277,7 @@
           <a:p>
             <a:fld id="{6E115D2A-B720-DA4C-BD7C-758C4A1989AB}" type="datetimeFigureOut">
               <a:rPr kumimoji="1" lang="ko-Kore-KR" altLang="en-US" smtClean="0"/>
-              <a:t>2022. 5. 1.</a:t>
+              <a:t>2022. 5. 2.</a:t>
             </a:fld>
             <a:endParaRPr kumimoji="1" lang="ko-Kore-KR" altLang="en-US"/>
           </a:p>
@@ -3218,7 +3390,7 @@
           <a:p>
             <a:fld id="{6E115D2A-B720-DA4C-BD7C-758C4A1989AB}" type="datetimeFigureOut">
               <a:rPr kumimoji="1" lang="ko-Kore-KR" altLang="en-US" smtClean="0"/>
-              <a:t>2022. 5. 1.</a:t>
+              <a:t>2022. 5. 2.</a:t>
             </a:fld>
             <a:endParaRPr kumimoji="1" lang="ko-Kore-KR" altLang="en-US"/>
           </a:p>
@@ -3531,7 +3703,7 @@
           <a:p>
             <a:fld id="{6E115D2A-B720-DA4C-BD7C-758C4A1989AB}" type="datetimeFigureOut">
               <a:rPr kumimoji="1" lang="ko-Kore-KR" altLang="en-US" smtClean="0"/>
-              <a:t>2022. 5. 1.</a:t>
+              <a:t>2022. 5. 2.</a:t>
             </a:fld>
             <a:endParaRPr kumimoji="1" lang="ko-Kore-KR" altLang="en-US"/>
           </a:p>
@@ -3820,7 +3992,7 @@
           <a:p>
             <a:fld id="{6E115D2A-B720-DA4C-BD7C-758C4A1989AB}" type="datetimeFigureOut">
               <a:rPr kumimoji="1" lang="ko-Kore-KR" altLang="en-US" smtClean="0"/>
-              <a:t>2022. 5. 1.</a:t>
+              <a:t>2022. 5. 2.</a:t>
             </a:fld>
             <a:endParaRPr kumimoji="1" lang="ko-Kore-KR" altLang="en-US"/>
           </a:p>
@@ -4063,7 +4235,7 @@
           <a:p>
             <a:fld id="{6E115D2A-B720-DA4C-BD7C-758C4A1989AB}" type="datetimeFigureOut">
               <a:rPr kumimoji="1" lang="ko-Kore-KR" altLang="en-US" smtClean="0"/>
-              <a:t>2022. 5. 1.</a:t>
+              <a:t>2022. 5. 2.</a:t>
             </a:fld>
             <a:endParaRPr kumimoji="1" lang="ko-Kore-KR" altLang="en-US"/>
           </a:p>
@@ -6311,7 +6483,7 @@
           <p:nvPr/>
         </p:nvPicPr>
         <p:blipFill>
-          <a:blip r:embed="rId2"/>
+          <a:blip r:embed="rId3"/>
           <a:stretch>
             <a:fillRect/>
           </a:stretch>
@@ -6328,7 +6500,7 @@
       </p:pic>
       <mc:AlternateContent xmlns:mc="http://schemas.openxmlformats.org/markup-compatibility/2006" xmlns:p14="http://schemas.microsoft.com/office/powerpoint/2010/main">
         <mc:Choice Requires="p14">
-          <p:contentPart p14:bwMode="auto" r:id="rId3">
+          <p:contentPart p14:bwMode="auto" r:id="rId4">
             <p14:nvContentPartPr>
               <p14:cNvPr id="11" name="잉크 10">
                 <a:extLst>
@@ -6360,7 +6532,7 @@
               <p:nvPr/>
             </p:nvPicPr>
             <p:blipFill>
-              <a:blip r:embed="rId4"/>
+              <a:blip r:embed="rId5"/>
               <a:stretch>
                 <a:fillRect/>
               </a:stretch>
@@ -6379,7 +6551,7 @@
       </mc:AlternateContent>
       <mc:AlternateContent xmlns:mc="http://schemas.openxmlformats.org/markup-compatibility/2006" xmlns:p14="http://schemas.microsoft.com/office/powerpoint/2010/main">
         <mc:Choice Requires="p14">
-          <p:contentPart p14:bwMode="auto" r:id="rId5">
+          <p:contentPart p14:bwMode="auto" r:id="rId6">
             <p14:nvContentPartPr>
               <p14:cNvPr id="13" name="잉크 12">
                 <a:extLst>
@@ -6411,7 +6583,7 @@
               <p:nvPr/>
             </p:nvPicPr>
             <p:blipFill>
-              <a:blip r:embed="rId6"/>
+              <a:blip r:embed="rId7"/>
               <a:stretch>
                 <a:fillRect/>
               </a:stretch>
@@ -6450,7 +6622,7 @@
         </p:grpSpPr>
         <mc:AlternateContent xmlns:mc="http://schemas.openxmlformats.org/markup-compatibility/2006" xmlns:p14="http://schemas.microsoft.com/office/powerpoint/2010/main">
           <mc:Choice Requires="p14">
-            <p:contentPart p14:bwMode="auto" r:id="rId7">
+            <p:contentPart p14:bwMode="auto" r:id="rId8">
               <p14:nvContentPartPr>
                 <p14:cNvPr id="8" name="잉크 7">
                   <a:extLst>
@@ -6482,7 +6654,7 @@
                 <p:nvPr/>
               </p:nvPicPr>
               <p:blipFill>
-                <a:blip r:embed="rId8"/>
+                <a:blip r:embed="rId9"/>
                 <a:stretch>
                   <a:fillRect/>
                 </a:stretch>
@@ -6501,7 +6673,7 @@
         </mc:AlternateContent>
         <mc:AlternateContent xmlns:mc="http://schemas.openxmlformats.org/markup-compatibility/2006" xmlns:p14="http://schemas.microsoft.com/office/powerpoint/2010/main">
           <mc:Choice Requires="p14">
-            <p:contentPart p14:bwMode="auto" r:id="rId9">
+            <p:contentPart p14:bwMode="auto" r:id="rId10">
               <p14:nvContentPartPr>
                 <p14:cNvPr id="9" name="잉크 8">
                   <a:extLst>
@@ -6533,7 +6705,7 @@
                 <p:nvPr/>
               </p:nvPicPr>
               <p:blipFill>
-                <a:blip r:embed="rId10"/>
+                <a:blip r:embed="rId11"/>
                 <a:stretch>
                   <a:fillRect/>
                 </a:stretch>
@@ -6552,7 +6724,7 @@
         </mc:AlternateContent>
         <mc:AlternateContent xmlns:mc="http://schemas.openxmlformats.org/markup-compatibility/2006" xmlns:p14="http://schemas.microsoft.com/office/powerpoint/2010/main">
           <mc:Choice Requires="p14">
-            <p:contentPart p14:bwMode="auto" r:id="rId11">
+            <p:contentPart p14:bwMode="auto" r:id="rId12">
               <p14:nvContentPartPr>
                 <p14:cNvPr id="16" name="잉크 15">
                   <a:extLst>
@@ -6584,7 +6756,7 @@
                 <p:nvPr/>
               </p:nvPicPr>
               <p:blipFill>
-                <a:blip r:embed="rId12"/>
+                <a:blip r:embed="rId13"/>
                 <a:stretch>
                   <a:fillRect/>
                 </a:stretch>
@@ -8142,6 +8314,6822 @@
     <p:extLst>
       <p:ext uri="{BB962C8B-B14F-4D97-AF65-F5344CB8AC3E}">
         <p14:creationId xmlns:p14="http://schemas.microsoft.com/office/powerpoint/2010/main" val="3780943793"/>
+      </p:ext>
+    </p:extLst>
+  </p:cSld>
+  <p:clrMapOvr>
+    <a:masterClrMapping/>
+  </p:clrMapOvr>
+</p:sld>
+</file>
+
+<file path=ppt/slides/slide13.xml><?xml version="1.0" encoding="utf-8"?>
+<p:sld xmlns:a="http://schemas.openxmlformats.org/drawingml/2006/main" xmlns:r="http://schemas.openxmlformats.org/officeDocument/2006/relationships" xmlns:p="http://schemas.openxmlformats.org/presentationml/2006/main">
+  <p:cSld>
+    <p:spTree>
+      <p:nvGrpSpPr>
+        <p:cNvPr id="1" name=""/>
+        <p:cNvGrpSpPr/>
+        <p:nvPr/>
+      </p:nvGrpSpPr>
+      <p:grpSpPr>
+        <a:xfrm>
+          <a:off x="0" y="0"/>
+          <a:ext cx="0" cy="0"/>
+          <a:chOff x="0" y="0"/>
+          <a:chExt cx="0" cy="0"/>
+        </a:xfrm>
+      </p:grpSpPr>
+      <p:graphicFrame>
+        <p:nvGraphicFramePr>
+          <p:cNvPr id="10" name="표 5">
+            <a:extLst>
+              <a:ext uri="{FF2B5EF4-FFF2-40B4-BE49-F238E27FC236}">
+                <a16:creationId xmlns:a16="http://schemas.microsoft.com/office/drawing/2014/main" id="{C99CB6BD-DDB5-6751-B7AC-F5CF5B351558}"/>
+              </a:ext>
+            </a:extLst>
+          </p:cNvPr>
+          <p:cNvGraphicFramePr>
+            <a:graphicFrameLocks noGrp="1"/>
+          </p:cNvGraphicFramePr>
+          <p:nvPr>
+            <p:extLst>
+              <p:ext uri="{D42A27DB-BD31-4B8C-83A1-F6EECF244321}">
+                <p14:modId xmlns:p14="http://schemas.microsoft.com/office/powerpoint/2010/main" val="2065564190"/>
+              </p:ext>
+            </p:extLst>
+          </p:nvPr>
+        </p:nvGraphicFramePr>
+        <p:xfrm>
+          <a:off x="584501" y="1003341"/>
+          <a:ext cx="5511500" cy="4314903"/>
+        </p:xfrm>
+        <a:graphic>
+          <a:graphicData uri="http://schemas.openxmlformats.org/drawingml/2006/table">
+            <a:tbl>
+              <a:tblPr firstRow="1" bandRow="1">
+                <a:tableStyleId>{69012ECD-51FC-41F1-AA8D-1B2483CD663E}</a:tableStyleId>
+              </a:tblPr>
+              <a:tblGrid>
+                <a:gridCol w="2681747">
+                  <a:extLst>
+                    <a:ext uri="{9D8B030D-6E8A-4147-A177-3AD203B41FA5}">
+                      <a16:colId xmlns:a16="http://schemas.microsoft.com/office/drawing/2014/main" val="600303152"/>
+                    </a:ext>
+                  </a:extLst>
+                </a:gridCol>
+                <a:gridCol w="2829753">
+                  <a:extLst>
+                    <a:ext uri="{9D8B030D-6E8A-4147-A177-3AD203B41FA5}">
+                      <a16:colId xmlns:a16="http://schemas.microsoft.com/office/drawing/2014/main" val="1510390368"/>
+                    </a:ext>
+                  </a:extLst>
+                </a:gridCol>
+              </a:tblGrid>
+              <a:tr h="1220875">
+                <a:tc>
+                  <a:txBody>
+                    <a:bodyPr/>
+                    <a:lstStyle/>
+                    <a:p>
+                      <a:r>
+                        <a:rPr lang="en-US" altLang="ko-Kore-KR" dirty="0"/>
+                        <a:t>Actor Action</a:t>
+                      </a:r>
+                      <a:endParaRPr lang="ko-Kore-KR" altLang="en-US" dirty="0"/>
+                    </a:p>
+                  </a:txBody>
+                  <a:tcPr>
+                    <a:solidFill>
+                      <a:schemeClr val="accent1">
+                        <a:lumMod val="60000"/>
+                        <a:lumOff val="40000"/>
+                      </a:schemeClr>
+                    </a:solidFill>
+                  </a:tcPr>
+                </a:tc>
+                <a:tc>
+                  <a:txBody>
+                    <a:bodyPr/>
+                    <a:lstStyle/>
+                    <a:p>
+                      <a:r>
+                        <a:rPr lang="en-US" altLang="ko-Kore-KR" dirty="0"/>
+                        <a:t>System Response</a:t>
+                      </a:r>
+                      <a:endParaRPr lang="ko-Kore-KR" altLang="en-US" dirty="0"/>
+                    </a:p>
+                  </a:txBody>
+                  <a:tcPr>
+                    <a:solidFill>
+                      <a:schemeClr val="accent1">
+                        <a:lumMod val="60000"/>
+                        <a:lumOff val="40000"/>
+                      </a:schemeClr>
+                    </a:solidFill>
+                  </a:tcPr>
+                </a:tc>
+                <a:extLst>
+                  <a:ext uri="{0D108BD9-81ED-4DB2-BD59-A6C34878D82A}">
+                    <a16:rowId xmlns:a16="http://schemas.microsoft.com/office/drawing/2014/main" val="3057188334"/>
+                  </a:ext>
+                </a:extLst>
+              </a:tr>
+              <a:tr h="3094028">
+                <a:tc>
+                  <a:txBody>
+                    <a:bodyPr/>
+                    <a:lstStyle/>
+                    <a:p>
+                      <a:pPr marL="0" marR="0" lvl="0" indent="0" algn="l" defTabSz="914400" rtl="0" eaLnBrk="1" fontAlgn="auto" latinLnBrk="0" hangingPunct="1">
+                        <a:lnSpc>
+                          <a:spcPct val="100000"/>
+                        </a:lnSpc>
+                        <a:spcBef>
+                          <a:spcPts val="0"/>
+                        </a:spcBef>
+                        <a:spcAft>
+                          <a:spcPts val="0"/>
+                        </a:spcAft>
+                        <a:buClrTx/>
+                        <a:buSzTx/>
+                        <a:buFontTx/>
+                        <a:buNone/>
+                        <a:tabLst/>
+                        <a:defRPr/>
+                      </a:pPr>
+                      <a:r>
+                        <a:rPr lang="en-US" altLang="ko-Kore-KR" dirty="0"/>
+                        <a:t>1</a:t>
+                      </a:r>
+                      <a:r>
+                        <a:rPr lang="en-US" altLang="ko-KR" dirty="0"/>
+                        <a:t>.</a:t>
+                      </a:r>
+                      <a:r>
+                        <a:rPr lang="ko-KR" altLang="en-US" sz="1800" kern="1200" dirty="0">
+                          <a:solidFill>
+                            <a:schemeClr val="tx1"/>
+                          </a:solidFill>
+                          <a:effectLst/>
+                          <a:latin typeface="+mn-lt"/>
+                          <a:ea typeface="+mn-ea"/>
+                          <a:cs typeface="+mn-cs"/>
+                        </a:rPr>
+                        <a:t> </a:t>
+                      </a:r>
+                      <a:r>
+                        <a:rPr lang="ko-KR" altLang="en-US" sz="1800" dirty="0"/>
+                        <a:t>사용자가 로그인하기 위해 기본정보를 입력하고 </a:t>
+                      </a:r>
+                      <a:r>
+                        <a:rPr lang="ko-KR" altLang="en-US" sz="1800" dirty="0" err="1"/>
+                        <a:t>회원가입한다</a:t>
+                      </a:r>
+                      <a:endParaRPr lang="ko-Kore-KR" altLang="en-US" sz="1800" dirty="0"/>
+                    </a:p>
+                  </a:txBody>
+                  <a:tcPr anchor="ctr">
+                    <a:lnR w="12700" cap="flat" cmpd="sng" algn="ctr">
+                      <a:noFill/>
+                      <a:prstDash val="solid"/>
+                      <a:round/>
+                      <a:headEnd type="none" w="med" len="med"/>
+                      <a:tailEnd type="none" w="med" len="med"/>
+                    </a:lnR>
+                  </a:tcPr>
+                </a:tc>
+                <a:tc>
+                  <a:txBody>
+                    <a:bodyPr/>
+                    <a:lstStyle/>
+                    <a:p>
+                      <a:r>
+                        <a:rPr lang="en-US" altLang="ko-Kore-KR" dirty="0"/>
+                        <a:t>2</a:t>
+                      </a:r>
+                      <a:r>
+                        <a:rPr lang="en-US" altLang="ko-KR" dirty="0"/>
+                        <a:t>.</a:t>
+                      </a:r>
+                      <a:r>
+                        <a:rPr lang="ko-KR" altLang="en-US" dirty="0"/>
+                        <a:t>로그인 페이지로 이동한다</a:t>
+                      </a:r>
+                      <a:endParaRPr lang="ko-Kore-KR" altLang="en-US" dirty="0"/>
+                    </a:p>
+                  </a:txBody>
+                  <a:tcPr anchor="ctr">
+                    <a:lnL w="12700" cap="flat" cmpd="sng" algn="ctr">
+                      <a:noFill/>
+                      <a:prstDash val="solid"/>
+                      <a:round/>
+                      <a:headEnd type="none" w="med" len="med"/>
+                      <a:tailEnd type="none" w="med" len="med"/>
+                    </a:lnL>
+                  </a:tcPr>
+                </a:tc>
+                <a:extLst>
+                  <a:ext uri="{0D108BD9-81ED-4DB2-BD59-A6C34878D82A}">
+                    <a16:rowId xmlns:a16="http://schemas.microsoft.com/office/drawing/2014/main" val="3061492118"/>
+                  </a:ext>
+                </a:extLst>
+              </a:tr>
+            </a:tbl>
+          </a:graphicData>
+        </a:graphic>
+      </p:graphicFrame>
+      <p:sp>
+        <p:nvSpPr>
+          <p:cNvPr id="11" name="TextBox 10">
+            <a:extLst>
+              <a:ext uri="{FF2B5EF4-FFF2-40B4-BE49-F238E27FC236}">
+                <a16:creationId xmlns:a16="http://schemas.microsoft.com/office/drawing/2014/main" id="{45DDCA3F-2607-D831-0010-9A730E08D3FA}"/>
+              </a:ext>
+            </a:extLst>
+          </p:cNvPr>
+          <p:cNvSpPr txBox="1"/>
+          <p:nvPr/>
+        </p:nvSpPr>
+        <p:spPr>
+          <a:xfrm>
+            <a:off x="584500" y="442932"/>
+            <a:ext cx="5230856" cy="553998"/>
+          </a:xfrm>
+          <a:prstGeom prst="rect">
+            <a:avLst/>
+          </a:prstGeom>
+          <a:noFill/>
+        </p:spPr>
+        <p:txBody>
+          <a:bodyPr wrap="none" rtlCol="0">
+            <a:spAutoFit/>
+          </a:bodyPr>
+          <a:lstStyle/>
+          <a:p>
+            <a:r>
+              <a:rPr kumimoji="1" lang="en-US" altLang="ko-Kore-KR" sz="3000" dirty="0"/>
+              <a:t>Use case Description : </a:t>
+            </a:r>
+            <a:r>
+              <a:rPr kumimoji="1" lang="ko-Kore-KR" altLang="en-US" sz="3000" dirty="0"/>
+              <a:t>회원가입</a:t>
+            </a:r>
+            <a:endParaRPr kumimoji="1" lang="ko-Kore-KR" altLang="en-US" sz="2500" dirty="0"/>
+          </a:p>
+        </p:txBody>
+      </p:sp>
+      <p:sp>
+        <p:nvSpPr>
+          <p:cNvPr id="73" name="矩形 20">
+            <a:extLst>
+              <a:ext uri="{FF2B5EF4-FFF2-40B4-BE49-F238E27FC236}">
+                <a16:creationId xmlns:a16="http://schemas.microsoft.com/office/drawing/2014/main" id="{FDD32003-4115-086F-D859-B843A23A7709}"/>
+              </a:ext>
+            </a:extLst>
+          </p:cNvPr>
+          <p:cNvSpPr/>
+          <p:nvPr/>
+        </p:nvSpPr>
+        <p:spPr>
+          <a:xfrm>
+            <a:off x="8863217" y="1589592"/>
+            <a:ext cx="831310" cy="243593"/>
+          </a:xfrm>
+          <a:prstGeom prst="rect">
+            <a:avLst/>
+          </a:prstGeom>
+          <a:solidFill>
+            <a:srgbClr val="000000">
+              <a:alpha val="5000"/>
+            </a:srgbClr>
+          </a:solidFill>
+          <a:ln w="36000">
+            <a:solidFill>
+              <a:srgbClr val="000000"/>
+            </a:solidFill>
+          </a:ln>
+        </p:spPr>
+        <p:style>
+          <a:lnRef idx="2">
+            <a:schemeClr val="accent1">
+              <a:shade val="50000"/>
+            </a:schemeClr>
+          </a:lnRef>
+          <a:fillRef idx="1">
+            <a:schemeClr val="accent1"/>
+          </a:fillRef>
+          <a:effectRef idx="0">
+            <a:schemeClr val="accent1"/>
+          </a:effectRef>
+          <a:fontRef idx="minor">
+            <a:schemeClr val="lt1"/>
+          </a:fontRef>
+        </p:style>
+        <p:txBody>
+          <a:bodyPr wrap="none" rtlCol="0" anchor="ctr" anchorCtr="1"/>
+          <a:lstStyle/>
+          <a:p>
+            <a:endParaRPr lang="en-US">
+              <a:solidFill>
+                <a:srgbClr val="000000"/>
+              </a:solidFill>
+            </a:endParaRPr>
+          </a:p>
+        </p:txBody>
+      </p:sp>
+      <p:sp>
+        <p:nvSpPr>
+          <p:cNvPr id="74" name="TextBox 73">
+            <a:extLst>
+              <a:ext uri="{FF2B5EF4-FFF2-40B4-BE49-F238E27FC236}">
+                <a16:creationId xmlns:a16="http://schemas.microsoft.com/office/drawing/2014/main" id="{C7523AB3-D8A4-DC1D-04F3-24D61CD3DDF8}"/>
+              </a:ext>
+            </a:extLst>
+          </p:cNvPr>
+          <p:cNvSpPr txBox="1"/>
+          <p:nvPr/>
+        </p:nvSpPr>
+        <p:spPr>
+          <a:xfrm>
+            <a:off x="7410295" y="1526722"/>
+            <a:ext cx="869407" cy="369332"/>
+          </a:xfrm>
+          <a:prstGeom prst="rect">
+            <a:avLst/>
+          </a:prstGeom>
+          <a:noFill/>
+        </p:spPr>
+        <p:txBody>
+          <a:bodyPr wrap="square" rtlCol="0">
+            <a:spAutoFit/>
+          </a:bodyPr>
+          <a:lstStyle/>
+          <a:p>
+            <a:r>
+              <a:rPr kumimoji="1" lang="ko-Kore-KR" altLang="en-US" dirty="0"/>
+              <a:t>이메일</a:t>
+            </a:r>
+          </a:p>
+        </p:txBody>
+      </p:sp>
+      <p:sp>
+        <p:nvSpPr>
+          <p:cNvPr id="75" name="矩形 20">
+            <a:extLst>
+              <a:ext uri="{FF2B5EF4-FFF2-40B4-BE49-F238E27FC236}">
+                <a16:creationId xmlns:a16="http://schemas.microsoft.com/office/drawing/2014/main" id="{E684431D-C881-51F9-AF76-8C1F02EA4E89}"/>
+              </a:ext>
+            </a:extLst>
+          </p:cNvPr>
+          <p:cNvSpPr/>
+          <p:nvPr/>
+        </p:nvSpPr>
+        <p:spPr>
+          <a:xfrm>
+            <a:off x="8863217" y="2027968"/>
+            <a:ext cx="831310" cy="243593"/>
+          </a:xfrm>
+          <a:prstGeom prst="rect">
+            <a:avLst/>
+          </a:prstGeom>
+          <a:solidFill>
+            <a:srgbClr val="000000">
+              <a:alpha val="5000"/>
+            </a:srgbClr>
+          </a:solidFill>
+          <a:ln w="36000">
+            <a:solidFill>
+              <a:srgbClr val="000000"/>
+            </a:solidFill>
+          </a:ln>
+        </p:spPr>
+        <p:style>
+          <a:lnRef idx="2">
+            <a:schemeClr val="accent1">
+              <a:shade val="50000"/>
+            </a:schemeClr>
+          </a:lnRef>
+          <a:fillRef idx="1">
+            <a:schemeClr val="accent1"/>
+          </a:fillRef>
+          <a:effectRef idx="0">
+            <a:schemeClr val="accent1"/>
+          </a:effectRef>
+          <a:fontRef idx="minor">
+            <a:schemeClr val="lt1"/>
+          </a:fontRef>
+        </p:style>
+        <p:txBody>
+          <a:bodyPr wrap="none" rtlCol="0" anchor="ctr" anchorCtr="1"/>
+          <a:lstStyle/>
+          <a:p>
+            <a:endParaRPr lang="en-US">
+              <a:solidFill>
+                <a:srgbClr val="000000"/>
+              </a:solidFill>
+            </a:endParaRPr>
+          </a:p>
+        </p:txBody>
+      </p:sp>
+      <p:sp>
+        <p:nvSpPr>
+          <p:cNvPr id="76" name="TextBox 75">
+            <a:extLst>
+              <a:ext uri="{FF2B5EF4-FFF2-40B4-BE49-F238E27FC236}">
+                <a16:creationId xmlns:a16="http://schemas.microsoft.com/office/drawing/2014/main" id="{AA9E7E08-4DC6-FF78-8244-84B3D40E033F}"/>
+              </a:ext>
+            </a:extLst>
+          </p:cNvPr>
+          <p:cNvSpPr txBox="1"/>
+          <p:nvPr/>
+        </p:nvSpPr>
+        <p:spPr>
+          <a:xfrm>
+            <a:off x="7410295" y="1965098"/>
+            <a:ext cx="1387213" cy="369332"/>
+          </a:xfrm>
+          <a:prstGeom prst="rect">
+            <a:avLst/>
+          </a:prstGeom>
+          <a:noFill/>
+        </p:spPr>
+        <p:txBody>
+          <a:bodyPr wrap="square" rtlCol="0">
+            <a:spAutoFit/>
+          </a:bodyPr>
+          <a:lstStyle/>
+          <a:p>
+            <a:r>
+              <a:rPr kumimoji="1" lang="ko-Kore-KR" altLang="en-US" dirty="0"/>
+              <a:t>아이디</a:t>
+            </a:r>
+          </a:p>
+        </p:txBody>
+      </p:sp>
+      <p:sp>
+        <p:nvSpPr>
+          <p:cNvPr id="77" name="矩形 20">
+            <a:extLst>
+              <a:ext uri="{FF2B5EF4-FFF2-40B4-BE49-F238E27FC236}">
+                <a16:creationId xmlns:a16="http://schemas.microsoft.com/office/drawing/2014/main" id="{1BA21418-3344-A7CD-68E5-82F642B8142E}"/>
+              </a:ext>
+            </a:extLst>
+          </p:cNvPr>
+          <p:cNvSpPr/>
+          <p:nvPr/>
+        </p:nvSpPr>
+        <p:spPr>
+          <a:xfrm>
+            <a:off x="8863217" y="2466344"/>
+            <a:ext cx="831310" cy="243593"/>
+          </a:xfrm>
+          <a:prstGeom prst="rect">
+            <a:avLst/>
+          </a:prstGeom>
+          <a:solidFill>
+            <a:srgbClr val="000000">
+              <a:alpha val="5000"/>
+            </a:srgbClr>
+          </a:solidFill>
+          <a:ln w="36000">
+            <a:solidFill>
+              <a:srgbClr val="000000"/>
+            </a:solidFill>
+          </a:ln>
+        </p:spPr>
+        <p:style>
+          <a:lnRef idx="2">
+            <a:schemeClr val="accent1">
+              <a:shade val="50000"/>
+            </a:schemeClr>
+          </a:lnRef>
+          <a:fillRef idx="1">
+            <a:schemeClr val="accent1"/>
+          </a:fillRef>
+          <a:effectRef idx="0">
+            <a:schemeClr val="accent1"/>
+          </a:effectRef>
+          <a:fontRef idx="minor">
+            <a:schemeClr val="lt1"/>
+          </a:fontRef>
+        </p:style>
+        <p:txBody>
+          <a:bodyPr wrap="none" rtlCol="0" anchor="ctr" anchorCtr="1"/>
+          <a:lstStyle/>
+          <a:p>
+            <a:endParaRPr lang="en-US">
+              <a:solidFill>
+                <a:srgbClr val="000000"/>
+              </a:solidFill>
+            </a:endParaRPr>
+          </a:p>
+        </p:txBody>
+      </p:sp>
+      <p:sp>
+        <p:nvSpPr>
+          <p:cNvPr id="78" name="TextBox 77">
+            <a:extLst>
+              <a:ext uri="{FF2B5EF4-FFF2-40B4-BE49-F238E27FC236}">
+                <a16:creationId xmlns:a16="http://schemas.microsoft.com/office/drawing/2014/main" id="{53A846FF-419D-E0AC-0F46-AE3A4BD421C0}"/>
+              </a:ext>
+            </a:extLst>
+          </p:cNvPr>
+          <p:cNvSpPr txBox="1"/>
+          <p:nvPr/>
+        </p:nvSpPr>
+        <p:spPr>
+          <a:xfrm>
+            <a:off x="7410294" y="2403474"/>
+            <a:ext cx="1199761" cy="369332"/>
+          </a:xfrm>
+          <a:prstGeom prst="rect">
+            <a:avLst/>
+          </a:prstGeom>
+          <a:noFill/>
+        </p:spPr>
+        <p:txBody>
+          <a:bodyPr wrap="square" rtlCol="0">
+            <a:spAutoFit/>
+          </a:bodyPr>
+          <a:lstStyle/>
+          <a:p>
+            <a:r>
+              <a:rPr kumimoji="1" lang="ko-Kore-KR" altLang="en-US" dirty="0"/>
+              <a:t>패스워드</a:t>
+            </a:r>
+          </a:p>
+        </p:txBody>
+      </p:sp>
+      <p:sp>
+        <p:nvSpPr>
+          <p:cNvPr id="79" name="矩形 20">
+            <a:extLst>
+              <a:ext uri="{FF2B5EF4-FFF2-40B4-BE49-F238E27FC236}">
+                <a16:creationId xmlns:a16="http://schemas.microsoft.com/office/drawing/2014/main" id="{5616ED93-6535-99F3-01AE-B7BF71CB23D9}"/>
+              </a:ext>
+            </a:extLst>
+          </p:cNvPr>
+          <p:cNvSpPr/>
+          <p:nvPr/>
+        </p:nvSpPr>
+        <p:spPr>
+          <a:xfrm>
+            <a:off x="8862373" y="3505838"/>
+            <a:ext cx="1637129" cy="243593"/>
+          </a:xfrm>
+          <a:prstGeom prst="rect">
+            <a:avLst/>
+          </a:prstGeom>
+          <a:solidFill>
+            <a:srgbClr val="000000">
+              <a:alpha val="5000"/>
+            </a:srgbClr>
+          </a:solidFill>
+          <a:ln w="36000">
+            <a:solidFill>
+              <a:srgbClr val="000000"/>
+            </a:solidFill>
+          </a:ln>
+        </p:spPr>
+        <p:style>
+          <a:lnRef idx="2">
+            <a:schemeClr val="accent1">
+              <a:shade val="50000"/>
+            </a:schemeClr>
+          </a:lnRef>
+          <a:fillRef idx="1">
+            <a:schemeClr val="accent1"/>
+          </a:fillRef>
+          <a:effectRef idx="0">
+            <a:schemeClr val="accent1"/>
+          </a:effectRef>
+          <a:fontRef idx="minor">
+            <a:schemeClr val="lt1"/>
+          </a:fontRef>
+        </p:style>
+        <p:txBody>
+          <a:bodyPr wrap="none" rtlCol="0" anchor="ctr" anchorCtr="1"/>
+          <a:lstStyle/>
+          <a:p>
+            <a:endParaRPr lang="en-US">
+              <a:solidFill>
+                <a:srgbClr val="000000"/>
+              </a:solidFill>
+            </a:endParaRPr>
+          </a:p>
+        </p:txBody>
+      </p:sp>
+      <p:sp>
+        <p:nvSpPr>
+          <p:cNvPr id="80" name="TextBox 79">
+            <a:extLst>
+              <a:ext uri="{FF2B5EF4-FFF2-40B4-BE49-F238E27FC236}">
+                <a16:creationId xmlns:a16="http://schemas.microsoft.com/office/drawing/2014/main" id="{743E629E-666E-C896-F97B-982AA3504079}"/>
+              </a:ext>
+            </a:extLst>
+          </p:cNvPr>
+          <p:cNvSpPr txBox="1"/>
+          <p:nvPr/>
+        </p:nvSpPr>
+        <p:spPr>
+          <a:xfrm>
+            <a:off x="7410295" y="3442968"/>
+            <a:ext cx="869407" cy="369332"/>
+          </a:xfrm>
+          <a:prstGeom prst="rect">
+            <a:avLst/>
+          </a:prstGeom>
+          <a:noFill/>
+        </p:spPr>
+        <p:txBody>
+          <a:bodyPr wrap="square" rtlCol="0">
+            <a:spAutoFit/>
+          </a:bodyPr>
+          <a:lstStyle/>
+          <a:p>
+            <a:r>
+              <a:rPr kumimoji="1" lang="ko-Kore-KR" altLang="en-US" dirty="0"/>
+              <a:t>주소</a:t>
+            </a:r>
+          </a:p>
+        </p:txBody>
+      </p:sp>
+      <p:cxnSp>
+        <p:nvCxnSpPr>
+          <p:cNvPr id="89" name="직선 연결선[R] 88">
+            <a:extLst>
+              <a:ext uri="{FF2B5EF4-FFF2-40B4-BE49-F238E27FC236}">
+                <a16:creationId xmlns:a16="http://schemas.microsoft.com/office/drawing/2014/main" id="{4AE6F1AF-D9FF-D9A3-FFE8-DB1608925E3B}"/>
+              </a:ext>
+            </a:extLst>
+          </p:cNvPr>
+          <p:cNvCxnSpPr/>
+          <p:nvPr/>
+        </p:nvCxnSpPr>
+        <p:spPr>
+          <a:xfrm>
+            <a:off x="6607312" y="1225964"/>
+            <a:ext cx="4794422" cy="0"/>
+          </a:xfrm>
+          <a:prstGeom prst="line">
+            <a:avLst/>
+          </a:prstGeom>
+          <a:ln w="50800">
+            <a:solidFill>
+              <a:schemeClr val="tx1"/>
+            </a:solidFill>
+          </a:ln>
+        </p:spPr>
+        <p:style>
+          <a:lnRef idx="1">
+            <a:schemeClr val="accent1"/>
+          </a:lnRef>
+          <a:fillRef idx="0">
+            <a:schemeClr val="accent1"/>
+          </a:fillRef>
+          <a:effectRef idx="0">
+            <a:schemeClr val="accent1"/>
+          </a:effectRef>
+          <a:fontRef idx="minor">
+            <a:schemeClr val="tx1"/>
+          </a:fontRef>
+        </p:style>
+      </p:cxnSp>
+      <p:sp>
+        <p:nvSpPr>
+          <p:cNvPr id="90" name="TextBox 89">
+            <a:extLst>
+              <a:ext uri="{FF2B5EF4-FFF2-40B4-BE49-F238E27FC236}">
+                <a16:creationId xmlns:a16="http://schemas.microsoft.com/office/drawing/2014/main" id="{8B4C58D0-1AB9-0498-8BD7-4981965BE593}"/>
+              </a:ext>
+            </a:extLst>
+          </p:cNvPr>
+          <p:cNvSpPr txBox="1"/>
+          <p:nvPr/>
+        </p:nvSpPr>
+        <p:spPr>
+          <a:xfrm>
+            <a:off x="6920223" y="760655"/>
+            <a:ext cx="1107996" cy="369332"/>
+          </a:xfrm>
+          <a:prstGeom prst="rect">
+            <a:avLst/>
+          </a:prstGeom>
+          <a:noFill/>
+        </p:spPr>
+        <p:txBody>
+          <a:bodyPr wrap="none" rtlCol="0">
+            <a:spAutoFit/>
+          </a:bodyPr>
+          <a:lstStyle/>
+          <a:p>
+            <a:r>
+              <a:rPr kumimoji="1" lang="ko-Kore-KR" altLang="en-US" dirty="0"/>
+              <a:t>회원가입</a:t>
+            </a:r>
+            <a:endParaRPr kumimoji="1" lang="en-US" altLang="ko-Kore-KR" dirty="0"/>
+          </a:p>
+        </p:txBody>
+      </p:sp>
+      <p:sp>
+        <p:nvSpPr>
+          <p:cNvPr id="91" name="TextBox 90">
+            <a:extLst>
+              <a:ext uri="{FF2B5EF4-FFF2-40B4-BE49-F238E27FC236}">
+                <a16:creationId xmlns:a16="http://schemas.microsoft.com/office/drawing/2014/main" id="{C980A63B-F970-4DBA-8BA0-8A3A6AF5838F}"/>
+              </a:ext>
+            </a:extLst>
+          </p:cNvPr>
+          <p:cNvSpPr txBox="1"/>
+          <p:nvPr/>
+        </p:nvSpPr>
+        <p:spPr>
+          <a:xfrm>
+            <a:off x="10499503" y="4356284"/>
+            <a:ext cx="1107996" cy="369332"/>
+          </a:xfrm>
+          <a:prstGeom prst="rect">
+            <a:avLst/>
+          </a:prstGeom>
+          <a:solidFill>
+            <a:schemeClr val="accent2">
+              <a:lumMod val="20000"/>
+              <a:lumOff val="80000"/>
+            </a:schemeClr>
+          </a:solidFill>
+          <a:ln>
+            <a:noFill/>
+            <a:extLst>
+              <a:ext uri="{C807C97D-BFC1-408E-A445-0C87EB9F89A2}">
+                <ask:lineSketchStyleProps xmlns:ask="http://schemas.microsoft.com/office/drawing/2018/sketchyshapes">
+                  <ask:type>
+                    <ask:lineSketchNone/>
+                  </ask:type>
+                </ask:lineSketchStyleProps>
+              </a:ext>
+            </a:extLst>
+          </a:ln>
+          <a:effectLst>
+            <a:softEdge rad="9915"/>
+          </a:effectLst>
+        </p:spPr>
+        <p:txBody>
+          <a:bodyPr wrap="none" rtlCol="0">
+            <a:spAutoFit/>
+          </a:bodyPr>
+          <a:lstStyle/>
+          <a:p>
+            <a:r>
+              <a:rPr kumimoji="1" lang="ko-Kore-KR" altLang="en-US" dirty="0"/>
+              <a:t>회원가입</a:t>
+            </a:r>
+          </a:p>
+        </p:txBody>
+      </p:sp>
+      <p:sp>
+        <p:nvSpPr>
+          <p:cNvPr id="92" name="矩形 20">
+            <a:extLst>
+              <a:ext uri="{FF2B5EF4-FFF2-40B4-BE49-F238E27FC236}">
+                <a16:creationId xmlns:a16="http://schemas.microsoft.com/office/drawing/2014/main" id="{DA8DF41E-45A7-6D2C-D282-9A5792957D24}"/>
+              </a:ext>
+            </a:extLst>
+          </p:cNvPr>
+          <p:cNvSpPr/>
+          <p:nvPr/>
+        </p:nvSpPr>
+        <p:spPr>
+          <a:xfrm>
+            <a:off x="8870953" y="2904720"/>
+            <a:ext cx="831310" cy="243593"/>
+          </a:xfrm>
+          <a:prstGeom prst="rect">
+            <a:avLst/>
+          </a:prstGeom>
+          <a:solidFill>
+            <a:srgbClr val="000000">
+              <a:alpha val="5000"/>
+            </a:srgbClr>
+          </a:solidFill>
+          <a:ln w="36000">
+            <a:solidFill>
+              <a:srgbClr val="000000"/>
+            </a:solidFill>
+          </a:ln>
+        </p:spPr>
+        <p:style>
+          <a:lnRef idx="2">
+            <a:schemeClr val="accent1">
+              <a:shade val="50000"/>
+            </a:schemeClr>
+          </a:lnRef>
+          <a:fillRef idx="1">
+            <a:schemeClr val="accent1"/>
+          </a:fillRef>
+          <a:effectRef idx="0">
+            <a:schemeClr val="accent1"/>
+          </a:effectRef>
+          <a:fontRef idx="minor">
+            <a:schemeClr val="lt1"/>
+          </a:fontRef>
+        </p:style>
+        <p:txBody>
+          <a:bodyPr wrap="none" rtlCol="0" anchor="ctr" anchorCtr="1"/>
+          <a:lstStyle/>
+          <a:p>
+            <a:endParaRPr lang="en-US">
+              <a:solidFill>
+                <a:srgbClr val="000000"/>
+              </a:solidFill>
+            </a:endParaRPr>
+          </a:p>
+        </p:txBody>
+      </p:sp>
+      <p:sp>
+        <p:nvSpPr>
+          <p:cNvPr id="93" name="TextBox 92">
+            <a:extLst>
+              <a:ext uri="{FF2B5EF4-FFF2-40B4-BE49-F238E27FC236}">
+                <a16:creationId xmlns:a16="http://schemas.microsoft.com/office/drawing/2014/main" id="{8AD367C3-12A1-160F-F44C-B417564CB56D}"/>
+              </a:ext>
+            </a:extLst>
+          </p:cNvPr>
+          <p:cNvSpPr txBox="1"/>
+          <p:nvPr/>
+        </p:nvSpPr>
+        <p:spPr>
+          <a:xfrm>
+            <a:off x="7418030" y="2841850"/>
+            <a:ext cx="1199761" cy="646331"/>
+          </a:xfrm>
+          <a:prstGeom prst="rect">
+            <a:avLst/>
+          </a:prstGeom>
+          <a:noFill/>
+        </p:spPr>
+        <p:txBody>
+          <a:bodyPr wrap="square" rtlCol="0">
+            <a:spAutoFit/>
+          </a:bodyPr>
+          <a:lstStyle/>
+          <a:p>
+            <a:r>
+              <a:rPr kumimoji="1" lang="ko-Kore-KR" altLang="en-US" dirty="0"/>
+              <a:t>패스워드확인</a:t>
+            </a:r>
+          </a:p>
+        </p:txBody>
+      </p:sp>
+      <p:sp>
+        <p:nvSpPr>
+          <p:cNvPr id="94" name="矩形 20">
+            <a:extLst>
+              <a:ext uri="{FF2B5EF4-FFF2-40B4-BE49-F238E27FC236}">
+                <a16:creationId xmlns:a16="http://schemas.microsoft.com/office/drawing/2014/main" id="{D46E6D6A-82DF-F086-53E7-54F7321BE1CA}"/>
+              </a:ext>
+            </a:extLst>
+          </p:cNvPr>
+          <p:cNvSpPr/>
+          <p:nvPr/>
+        </p:nvSpPr>
+        <p:spPr>
+          <a:xfrm>
+            <a:off x="8862373" y="3892752"/>
+            <a:ext cx="1637129" cy="243593"/>
+          </a:xfrm>
+          <a:prstGeom prst="rect">
+            <a:avLst/>
+          </a:prstGeom>
+          <a:solidFill>
+            <a:srgbClr val="000000">
+              <a:alpha val="5000"/>
+            </a:srgbClr>
+          </a:solidFill>
+          <a:ln w="36000">
+            <a:solidFill>
+              <a:srgbClr val="000000"/>
+            </a:solidFill>
+          </a:ln>
+        </p:spPr>
+        <p:style>
+          <a:lnRef idx="2">
+            <a:schemeClr val="accent1">
+              <a:shade val="50000"/>
+            </a:schemeClr>
+          </a:lnRef>
+          <a:fillRef idx="1">
+            <a:schemeClr val="accent1"/>
+          </a:fillRef>
+          <a:effectRef idx="0">
+            <a:schemeClr val="accent1"/>
+          </a:effectRef>
+          <a:fontRef idx="minor">
+            <a:schemeClr val="lt1"/>
+          </a:fontRef>
+        </p:style>
+        <p:txBody>
+          <a:bodyPr wrap="none" rtlCol="0" anchor="ctr" anchorCtr="1"/>
+          <a:lstStyle/>
+          <a:p>
+            <a:endParaRPr lang="en-US">
+              <a:solidFill>
+                <a:srgbClr val="000000"/>
+              </a:solidFill>
+            </a:endParaRPr>
+          </a:p>
+        </p:txBody>
+      </p:sp>
+    </p:spTree>
+    <p:extLst>
+      <p:ext uri="{BB962C8B-B14F-4D97-AF65-F5344CB8AC3E}">
+        <p14:creationId xmlns:p14="http://schemas.microsoft.com/office/powerpoint/2010/main" val="940072459"/>
+      </p:ext>
+    </p:extLst>
+  </p:cSld>
+  <p:clrMapOvr>
+    <a:masterClrMapping/>
+  </p:clrMapOvr>
+</p:sld>
+</file>
+
+<file path=ppt/slides/slide14.xml><?xml version="1.0" encoding="utf-8"?>
+<p:sld xmlns:a="http://schemas.openxmlformats.org/drawingml/2006/main" xmlns:r="http://schemas.openxmlformats.org/officeDocument/2006/relationships" xmlns:p="http://schemas.openxmlformats.org/presentationml/2006/main">
+  <p:cSld>
+    <p:spTree>
+      <p:nvGrpSpPr>
+        <p:cNvPr id="1" name=""/>
+        <p:cNvGrpSpPr/>
+        <p:nvPr/>
+      </p:nvGrpSpPr>
+      <p:grpSpPr>
+        <a:xfrm>
+          <a:off x="0" y="0"/>
+          <a:ext cx="0" cy="0"/>
+          <a:chOff x="0" y="0"/>
+          <a:chExt cx="0" cy="0"/>
+        </a:xfrm>
+      </p:grpSpPr>
+      <p:graphicFrame>
+        <p:nvGraphicFramePr>
+          <p:cNvPr id="10" name="표 5">
+            <a:extLst>
+              <a:ext uri="{FF2B5EF4-FFF2-40B4-BE49-F238E27FC236}">
+                <a16:creationId xmlns:a16="http://schemas.microsoft.com/office/drawing/2014/main" id="{C99CB6BD-DDB5-6751-B7AC-F5CF5B351558}"/>
+              </a:ext>
+            </a:extLst>
+          </p:cNvPr>
+          <p:cNvGraphicFramePr>
+            <a:graphicFrameLocks noGrp="1"/>
+          </p:cNvGraphicFramePr>
+          <p:nvPr>
+            <p:extLst>
+              <p:ext uri="{D42A27DB-BD31-4B8C-83A1-F6EECF244321}">
+                <p14:modId xmlns:p14="http://schemas.microsoft.com/office/powerpoint/2010/main" val="1425987418"/>
+              </p:ext>
+            </p:extLst>
+          </p:nvPr>
+        </p:nvGraphicFramePr>
+        <p:xfrm>
+          <a:off x="584501" y="1003341"/>
+          <a:ext cx="5511500" cy="4314903"/>
+        </p:xfrm>
+        <a:graphic>
+          <a:graphicData uri="http://schemas.openxmlformats.org/drawingml/2006/table">
+            <a:tbl>
+              <a:tblPr firstRow="1" bandRow="1">
+                <a:tableStyleId>{69012ECD-51FC-41F1-AA8D-1B2483CD663E}</a:tableStyleId>
+              </a:tblPr>
+              <a:tblGrid>
+                <a:gridCol w="2681747">
+                  <a:extLst>
+                    <a:ext uri="{9D8B030D-6E8A-4147-A177-3AD203B41FA5}">
+                      <a16:colId xmlns:a16="http://schemas.microsoft.com/office/drawing/2014/main" val="600303152"/>
+                    </a:ext>
+                  </a:extLst>
+                </a:gridCol>
+                <a:gridCol w="2829753">
+                  <a:extLst>
+                    <a:ext uri="{9D8B030D-6E8A-4147-A177-3AD203B41FA5}">
+                      <a16:colId xmlns:a16="http://schemas.microsoft.com/office/drawing/2014/main" val="1510390368"/>
+                    </a:ext>
+                  </a:extLst>
+                </a:gridCol>
+              </a:tblGrid>
+              <a:tr h="1220875">
+                <a:tc>
+                  <a:txBody>
+                    <a:bodyPr/>
+                    <a:lstStyle/>
+                    <a:p>
+                      <a:r>
+                        <a:rPr lang="en-US" altLang="ko-Kore-KR" dirty="0"/>
+                        <a:t>Actor Action</a:t>
+                      </a:r>
+                      <a:endParaRPr lang="ko-Kore-KR" altLang="en-US" dirty="0"/>
+                    </a:p>
+                  </a:txBody>
+                  <a:tcPr>
+                    <a:solidFill>
+                      <a:schemeClr val="accent1">
+                        <a:lumMod val="60000"/>
+                        <a:lumOff val="40000"/>
+                      </a:schemeClr>
+                    </a:solidFill>
+                  </a:tcPr>
+                </a:tc>
+                <a:tc>
+                  <a:txBody>
+                    <a:bodyPr/>
+                    <a:lstStyle/>
+                    <a:p>
+                      <a:r>
+                        <a:rPr lang="en-US" altLang="ko-Kore-KR" dirty="0"/>
+                        <a:t>System Response</a:t>
+                      </a:r>
+                      <a:endParaRPr lang="ko-Kore-KR" altLang="en-US" dirty="0"/>
+                    </a:p>
+                  </a:txBody>
+                  <a:tcPr>
+                    <a:solidFill>
+                      <a:schemeClr val="accent1">
+                        <a:lumMod val="60000"/>
+                        <a:lumOff val="40000"/>
+                      </a:schemeClr>
+                    </a:solidFill>
+                  </a:tcPr>
+                </a:tc>
+                <a:extLst>
+                  <a:ext uri="{0D108BD9-81ED-4DB2-BD59-A6C34878D82A}">
+                    <a16:rowId xmlns:a16="http://schemas.microsoft.com/office/drawing/2014/main" val="3057188334"/>
+                  </a:ext>
+                </a:extLst>
+              </a:tr>
+              <a:tr h="3094028">
+                <a:tc>
+                  <a:txBody>
+                    <a:bodyPr/>
+                    <a:lstStyle/>
+                    <a:p>
+                      <a:pPr marL="0" marR="0" lvl="0" indent="0" algn="l" defTabSz="914400" rtl="0" eaLnBrk="1" fontAlgn="auto" latinLnBrk="0" hangingPunct="1">
+                        <a:lnSpc>
+                          <a:spcPct val="100000"/>
+                        </a:lnSpc>
+                        <a:spcBef>
+                          <a:spcPts val="0"/>
+                        </a:spcBef>
+                        <a:spcAft>
+                          <a:spcPts val="0"/>
+                        </a:spcAft>
+                        <a:buClrTx/>
+                        <a:buSzTx/>
+                        <a:buFontTx/>
+                        <a:buNone/>
+                        <a:tabLst/>
+                        <a:defRPr/>
+                      </a:pPr>
+                      <a:r>
+                        <a:rPr lang="en-US" altLang="ko-Kore-KR" dirty="0"/>
+                        <a:t>1</a:t>
+                      </a:r>
+                      <a:r>
+                        <a:rPr lang="en-US" altLang="ko-KR" dirty="0"/>
+                        <a:t>.</a:t>
+                      </a:r>
+                      <a:r>
+                        <a:rPr lang="ko-KR" altLang="en-US" sz="1800" kern="1200" dirty="0">
+                          <a:solidFill>
+                            <a:schemeClr val="tx1"/>
+                          </a:solidFill>
+                          <a:effectLst/>
+                          <a:latin typeface="+mn-lt"/>
+                          <a:ea typeface="+mn-ea"/>
+                          <a:cs typeface="+mn-cs"/>
+                        </a:rPr>
+                        <a:t> </a:t>
+                      </a:r>
+                      <a:r>
+                        <a:rPr lang="ko-Kore-KR" altLang="en-US" sz="1800" kern="1200" dirty="0">
+                          <a:solidFill>
+                            <a:schemeClr val="tx1"/>
+                          </a:solidFill>
+                          <a:effectLst/>
+                          <a:latin typeface="+mn-lt"/>
+                          <a:ea typeface="+mn-ea"/>
+                          <a:cs typeface="+mn-cs"/>
+                        </a:rPr>
+                        <a:t>회원이 로그인한 상태에서 개인 정보 페이지에서 회원 탈퇴 버튼을 누른다</a:t>
+                      </a:r>
+                      <a:endParaRPr lang="ko-Kore-KR" altLang="en-US" dirty="0"/>
+                    </a:p>
+                  </a:txBody>
+                  <a:tcPr anchor="ctr">
+                    <a:lnR w="12700" cap="flat" cmpd="sng" algn="ctr">
+                      <a:noFill/>
+                      <a:prstDash val="solid"/>
+                      <a:round/>
+                      <a:headEnd type="none" w="med" len="med"/>
+                      <a:tailEnd type="none" w="med" len="med"/>
+                    </a:lnR>
+                  </a:tcPr>
+                </a:tc>
+                <a:tc>
+                  <a:txBody>
+                    <a:bodyPr/>
+                    <a:lstStyle/>
+                    <a:p>
+                      <a:r>
+                        <a:rPr lang="en-US" altLang="ko-Kore-KR" dirty="0"/>
+                        <a:t>2</a:t>
+                      </a:r>
+                      <a:r>
+                        <a:rPr lang="en-US" altLang="ko-KR" dirty="0"/>
+                        <a:t>.</a:t>
+                      </a:r>
+                      <a:r>
+                        <a:rPr lang="ko-KR" altLang="en-US" dirty="0"/>
+                        <a:t>회원탈퇴 후 홈페이지로 이동한다</a:t>
+                      </a:r>
+                      <a:endParaRPr lang="ko-Kore-KR" altLang="en-US" dirty="0"/>
+                    </a:p>
+                  </a:txBody>
+                  <a:tcPr anchor="ctr">
+                    <a:lnL w="12700" cap="flat" cmpd="sng" algn="ctr">
+                      <a:noFill/>
+                      <a:prstDash val="solid"/>
+                      <a:round/>
+                      <a:headEnd type="none" w="med" len="med"/>
+                      <a:tailEnd type="none" w="med" len="med"/>
+                    </a:lnL>
+                  </a:tcPr>
+                </a:tc>
+                <a:extLst>
+                  <a:ext uri="{0D108BD9-81ED-4DB2-BD59-A6C34878D82A}">
+                    <a16:rowId xmlns:a16="http://schemas.microsoft.com/office/drawing/2014/main" val="3061492118"/>
+                  </a:ext>
+                </a:extLst>
+              </a:tr>
+            </a:tbl>
+          </a:graphicData>
+        </a:graphic>
+      </p:graphicFrame>
+      <p:sp>
+        <p:nvSpPr>
+          <p:cNvPr id="11" name="TextBox 10">
+            <a:extLst>
+              <a:ext uri="{FF2B5EF4-FFF2-40B4-BE49-F238E27FC236}">
+                <a16:creationId xmlns:a16="http://schemas.microsoft.com/office/drawing/2014/main" id="{45DDCA3F-2607-D831-0010-9A730E08D3FA}"/>
+              </a:ext>
+            </a:extLst>
+          </p:cNvPr>
+          <p:cNvSpPr txBox="1"/>
+          <p:nvPr/>
+        </p:nvSpPr>
+        <p:spPr>
+          <a:xfrm>
+            <a:off x="584500" y="442932"/>
+            <a:ext cx="5144293" cy="553998"/>
+          </a:xfrm>
+          <a:prstGeom prst="rect">
+            <a:avLst/>
+          </a:prstGeom>
+          <a:noFill/>
+        </p:spPr>
+        <p:txBody>
+          <a:bodyPr wrap="none" rtlCol="0">
+            <a:spAutoFit/>
+          </a:bodyPr>
+          <a:lstStyle/>
+          <a:p>
+            <a:r>
+              <a:rPr kumimoji="1" lang="en-US" altLang="ko-Kore-KR" sz="3000" dirty="0"/>
+              <a:t>Use case Description :</a:t>
+            </a:r>
+            <a:r>
+              <a:rPr kumimoji="1" lang="ko-Kore-KR" altLang="en-US" sz="3000" dirty="0"/>
+              <a:t>회원탈퇴</a:t>
+            </a:r>
+            <a:endParaRPr kumimoji="1" lang="ko-Kore-KR" altLang="en-US" sz="2500" dirty="0"/>
+          </a:p>
+        </p:txBody>
+      </p:sp>
+      <p:sp>
+        <p:nvSpPr>
+          <p:cNvPr id="29" name="모서리가 둥근 직사각형 28">
+            <a:extLst>
+              <a:ext uri="{FF2B5EF4-FFF2-40B4-BE49-F238E27FC236}">
+                <a16:creationId xmlns:a16="http://schemas.microsoft.com/office/drawing/2014/main" id="{CE0EAB7C-ECEC-84C1-EFF9-34C7C4857D12}"/>
+              </a:ext>
+            </a:extLst>
+          </p:cNvPr>
+          <p:cNvSpPr/>
+          <p:nvPr/>
+        </p:nvSpPr>
+        <p:spPr>
+          <a:xfrm>
+            <a:off x="6816549" y="5557711"/>
+            <a:ext cx="4375947" cy="1067789"/>
+          </a:xfrm>
+          <a:prstGeom prst="roundRect">
+            <a:avLst/>
+          </a:prstGeom>
+          <a:solidFill>
+            <a:schemeClr val="accent5">
+              <a:lumMod val="20000"/>
+              <a:lumOff val="80000"/>
+            </a:schemeClr>
+          </a:solidFill>
+          <a:ln>
+            <a:noFill/>
+          </a:ln>
+        </p:spPr>
+        <p:style>
+          <a:lnRef idx="2">
+            <a:schemeClr val="accent1">
+              <a:shade val="50000"/>
+            </a:schemeClr>
+          </a:lnRef>
+          <a:fillRef idx="1">
+            <a:schemeClr val="accent1"/>
+          </a:fillRef>
+          <a:effectRef idx="0">
+            <a:schemeClr val="accent1"/>
+          </a:effectRef>
+          <a:fontRef idx="minor">
+            <a:schemeClr val="lt1"/>
+          </a:fontRef>
+        </p:style>
+        <p:txBody>
+          <a:bodyPr rtlCol="0" anchor="ctr"/>
+          <a:lstStyle/>
+          <a:p>
+            <a:pPr algn="ctr"/>
+            <a:r>
+              <a:rPr kumimoji="1" lang="ko-Kore-KR" altLang="en-US" dirty="0">
+                <a:solidFill>
+                  <a:schemeClr val="tx1"/>
+                </a:solidFill>
+              </a:rPr>
+              <a:t>정말로 탈퇴하시겠습니까</a:t>
+            </a:r>
+            <a:r>
+              <a:rPr kumimoji="1" lang="en-US" altLang="ko-Kore-KR" dirty="0">
+                <a:solidFill>
+                  <a:schemeClr val="tx1"/>
+                </a:solidFill>
+              </a:rPr>
+              <a:t>?</a:t>
+            </a:r>
+          </a:p>
+          <a:p>
+            <a:pPr algn="ctr"/>
+            <a:endParaRPr kumimoji="1" lang="ko-Kore-KR" altLang="en-US" dirty="0">
+              <a:solidFill>
+                <a:schemeClr val="tx1"/>
+              </a:solidFill>
+            </a:endParaRPr>
+          </a:p>
+        </p:txBody>
+      </p:sp>
+      <p:sp>
+        <p:nvSpPr>
+          <p:cNvPr id="32" name="모서리가 둥근 직사각형 31">
+            <a:extLst>
+              <a:ext uri="{FF2B5EF4-FFF2-40B4-BE49-F238E27FC236}">
+                <a16:creationId xmlns:a16="http://schemas.microsoft.com/office/drawing/2014/main" id="{E14BB754-A231-E1A6-B942-61F01158D08C}"/>
+              </a:ext>
+            </a:extLst>
+          </p:cNvPr>
+          <p:cNvSpPr/>
+          <p:nvPr/>
+        </p:nvSpPr>
+        <p:spPr>
+          <a:xfrm>
+            <a:off x="10023729" y="6258187"/>
+            <a:ext cx="862987" cy="242882"/>
+          </a:xfrm>
+          <a:prstGeom prst="roundRect">
+            <a:avLst/>
+          </a:prstGeom>
+          <a:solidFill>
+            <a:schemeClr val="accent2">
+              <a:lumMod val="40000"/>
+              <a:lumOff val="60000"/>
+            </a:schemeClr>
+          </a:solidFill>
+          <a:ln>
+            <a:noFill/>
+          </a:ln>
+        </p:spPr>
+        <p:style>
+          <a:lnRef idx="2">
+            <a:schemeClr val="accent1">
+              <a:shade val="50000"/>
+            </a:schemeClr>
+          </a:lnRef>
+          <a:fillRef idx="1">
+            <a:schemeClr val="accent1"/>
+          </a:fillRef>
+          <a:effectRef idx="0">
+            <a:schemeClr val="accent1"/>
+          </a:effectRef>
+          <a:fontRef idx="minor">
+            <a:schemeClr val="lt1"/>
+          </a:fontRef>
+        </p:style>
+        <p:txBody>
+          <a:bodyPr rtlCol="0" anchor="ctr"/>
+          <a:lstStyle/>
+          <a:p>
+            <a:pPr algn="ctr"/>
+            <a:r>
+              <a:rPr kumimoji="1" lang="ko-Kore-KR" altLang="en-US" sz="1300" dirty="0">
+                <a:solidFill>
+                  <a:schemeClr val="tx1"/>
+                </a:solidFill>
+              </a:rPr>
+              <a:t>아니요</a:t>
+            </a:r>
+          </a:p>
+        </p:txBody>
+      </p:sp>
+      <p:sp>
+        <p:nvSpPr>
+          <p:cNvPr id="33" name="모서리가 둥근 직사각형 32">
+            <a:extLst>
+              <a:ext uri="{FF2B5EF4-FFF2-40B4-BE49-F238E27FC236}">
+                <a16:creationId xmlns:a16="http://schemas.microsoft.com/office/drawing/2014/main" id="{4E005482-9E3E-B7E7-6E7E-C8FDDDA036F9}"/>
+              </a:ext>
+            </a:extLst>
+          </p:cNvPr>
+          <p:cNvSpPr/>
+          <p:nvPr/>
+        </p:nvSpPr>
+        <p:spPr>
+          <a:xfrm>
+            <a:off x="8979102" y="6259256"/>
+            <a:ext cx="862987" cy="242882"/>
+          </a:xfrm>
+          <a:prstGeom prst="roundRect">
+            <a:avLst/>
+          </a:prstGeom>
+          <a:solidFill>
+            <a:schemeClr val="accent6">
+              <a:lumMod val="20000"/>
+              <a:lumOff val="80000"/>
+            </a:schemeClr>
+          </a:solidFill>
+          <a:ln>
+            <a:noFill/>
+          </a:ln>
+        </p:spPr>
+        <p:style>
+          <a:lnRef idx="2">
+            <a:schemeClr val="accent1">
+              <a:shade val="50000"/>
+            </a:schemeClr>
+          </a:lnRef>
+          <a:fillRef idx="1">
+            <a:schemeClr val="accent1"/>
+          </a:fillRef>
+          <a:effectRef idx="0">
+            <a:schemeClr val="accent1"/>
+          </a:effectRef>
+          <a:fontRef idx="minor">
+            <a:schemeClr val="lt1"/>
+          </a:fontRef>
+        </p:style>
+        <p:txBody>
+          <a:bodyPr rtlCol="0" anchor="ctr"/>
+          <a:lstStyle/>
+          <a:p>
+            <a:pPr algn="ctr"/>
+            <a:r>
+              <a:rPr kumimoji="1" lang="ko-Kore-KR" altLang="en-US" sz="1300" dirty="0">
+                <a:solidFill>
+                  <a:schemeClr val="tx1"/>
+                </a:solidFill>
+              </a:rPr>
+              <a:t>예</a:t>
+            </a:r>
+          </a:p>
+        </p:txBody>
+      </p:sp>
+      <p:sp>
+        <p:nvSpPr>
+          <p:cNvPr id="31" name="TextBox 30">
+            <a:extLst>
+              <a:ext uri="{FF2B5EF4-FFF2-40B4-BE49-F238E27FC236}">
+                <a16:creationId xmlns:a16="http://schemas.microsoft.com/office/drawing/2014/main" id="{09D39B41-D777-0BC8-8493-AA48551EBEEC}"/>
+              </a:ext>
+            </a:extLst>
+          </p:cNvPr>
+          <p:cNvSpPr txBox="1"/>
+          <p:nvPr/>
+        </p:nvSpPr>
+        <p:spPr>
+          <a:xfrm>
+            <a:off x="7410295" y="1526722"/>
+            <a:ext cx="869407" cy="369332"/>
+          </a:xfrm>
+          <a:prstGeom prst="rect">
+            <a:avLst/>
+          </a:prstGeom>
+          <a:noFill/>
+        </p:spPr>
+        <p:txBody>
+          <a:bodyPr wrap="square" rtlCol="0">
+            <a:spAutoFit/>
+          </a:bodyPr>
+          <a:lstStyle/>
+          <a:p>
+            <a:r>
+              <a:rPr kumimoji="1" lang="ko-Kore-KR" altLang="en-US" dirty="0"/>
+              <a:t>이메일</a:t>
+            </a:r>
+          </a:p>
+        </p:txBody>
+      </p:sp>
+      <p:sp>
+        <p:nvSpPr>
+          <p:cNvPr id="35" name="TextBox 34">
+            <a:extLst>
+              <a:ext uri="{FF2B5EF4-FFF2-40B4-BE49-F238E27FC236}">
+                <a16:creationId xmlns:a16="http://schemas.microsoft.com/office/drawing/2014/main" id="{2E1FA086-1A64-E519-ACEC-0994A9772982}"/>
+              </a:ext>
+            </a:extLst>
+          </p:cNvPr>
+          <p:cNvSpPr txBox="1"/>
+          <p:nvPr/>
+        </p:nvSpPr>
+        <p:spPr>
+          <a:xfrm>
+            <a:off x="7410295" y="2094048"/>
+            <a:ext cx="1387213" cy="369332"/>
+          </a:xfrm>
+          <a:prstGeom prst="rect">
+            <a:avLst/>
+          </a:prstGeom>
+          <a:noFill/>
+        </p:spPr>
+        <p:txBody>
+          <a:bodyPr wrap="square" rtlCol="0">
+            <a:spAutoFit/>
+          </a:bodyPr>
+          <a:lstStyle/>
+          <a:p>
+            <a:r>
+              <a:rPr kumimoji="1" lang="ko-Kore-KR" altLang="en-US" dirty="0"/>
+              <a:t>아이디</a:t>
+            </a:r>
+          </a:p>
+        </p:txBody>
+      </p:sp>
+      <p:sp>
+        <p:nvSpPr>
+          <p:cNvPr id="38" name="矩形 20">
+            <a:extLst>
+              <a:ext uri="{FF2B5EF4-FFF2-40B4-BE49-F238E27FC236}">
+                <a16:creationId xmlns:a16="http://schemas.microsoft.com/office/drawing/2014/main" id="{8E824604-5F21-A851-611D-30CDA415BCB6}"/>
+              </a:ext>
+            </a:extLst>
+          </p:cNvPr>
+          <p:cNvSpPr/>
+          <p:nvPr/>
+        </p:nvSpPr>
+        <p:spPr>
+          <a:xfrm>
+            <a:off x="8862373" y="2863284"/>
+            <a:ext cx="1637129" cy="243593"/>
+          </a:xfrm>
+          <a:prstGeom prst="rect">
+            <a:avLst/>
+          </a:prstGeom>
+          <a:solidFill>
+            <a:srgbClr val="000000">
+              <a:alpha val="5000"/>
+            </a:srgbClr>
+          </a:solidFill>
+          <a:ln w="36000">
+            <a:solidFill>
+              <a:srgbClr val="000000"/>
+            </a:solidFill>
+          </a:ln>
+        </p:spPr>
+        <p:style>
+          <a:lnRef idx="2">
+            <a:schemeClr val="accent1">
+              <a:shade val="50000"/>
+            </a:schemeClr>
+          </a:lnRef>
+          <a:fillRef idx="1">
+            <a:schemeClr val="accent1"/>
+          </a:fillRef>
+          <a:effectRef idx="0">
+            <a:schemeClr val="accent1"/>
+          </a:effectRef>
+          <a:fontRef idx="minor">
+            <a:schemeClr val="lt1"/>
+          </a:fontRef>
+        </p:style>
+        <p:txBody>
+          <a:bodyPr wrap="none" rtlCol="0" anchor="ctr" anchorCtr="1"/>
+          <a:lstStyle/>
+          <a:p>
+            <a:endParaRPr lang="en-US">
+              <a:solidFill>
+                <a:srgbClr val="000000"/>
+              </a:solidFill>
+            </a:endParaRPr>
+          </a:p>
+        </p:txBody>
+      </p:sp>
+      <p:sp>
+        <p:nvSpPr>
+          <p:cNvPr id="39" name="TextBox 38">
+            <a:extLst>
+              <a:ext uri="{FF2B5EF4-FFF2-40B4-BE49-F238E27FC236}">
+                <a16:creationId xmlns:a16="http://schemas.microsoft.com/office/drawing/2014/main" id="{14867809-80B7-F3A2-C83B-4F76099453EC}"/>
+              </a:ext>
+            </a:extLst>
+          </p:cNvPr>
+          <p:cNvSpPr txBox="1"/>
+          <p:nvPr/>
+        </p:nvSpPr>
+        <p:spPr>
+          <a:xfrm>
+            <a:off x="7410295" y="2800414"/>
+            <a:ext cx="869407" cy="369332"/>
+          </a:xfrm>
+          <a:prstGeom prst="rect">
+            <a:avLst/>
+          </a:prstGeom>
+          <a:noFill/>
+        </p:spPr>
+        <p:txBody>
+          <a:bodyPr wrap="square" rtlCol="0">
+            <a:spAutoFit/>
+          </a:bodyPr>
+          <a:lstStyle/>
+          <a:p>
+            <a:r>
+              <a:rPr kumimoji="1" lang="ko-Kore-KR" altLang="en-US" dirty="0"/>
+              <a:t>주소</a:t>
+            </a:r>
+          </a:p>
+        </p:txBody>
+      </p:sp>
+      <p:cxnSp>
+        <p:nvCxnSpPr>
+          <p:cNvPr id="40" name="직선 연결선[R] 39">
+            <a:extLst>
+              <a:ext uri="{FF2B5EF4-FFF2-40B4-BE49-F238E27FC236}">
+                <a16:creationId xmlns:a16="http://schemas.microsoft.com/office/drawing/2014/main" id="{E6A43E39-F8A4-678A-8CA0-11D1B3AF2C39}"/>
+              </a:ext>
+            </a:extLst>
+          </p:cNvPr>
+          <p:cNvCxnSpPr/>
+          <p:nvPr/>
+        </p:nvCxnSpPr>
+        <p:spPr>
+          <a:xfrm>
+            <a:off x="6607312" y="1225964"/>
+            <a:ext cx="4794422" cy="0"/>
+          </a:xfrm>
+          <a:prstGeom prst="line">
+            <a:avLst/>
+          </a:prstGeom>
+          <a:ln w="50800">
+            <a:solidFill>
+              <a:schemeClr val="tx1"/>
+            </a:solidFill>
+          </a:ln>
+        </p:spPr>
+        <p:style>
+          <a:lnRef idx="1">
+            <a:schemeClr val="accent1"/>
+          </a:lnRef>
+          <a:fillRef idx="0">
+            <a:schemeClr val="accent1"/>
+          </a:fillRef>
+          <a:effectRef idx="0">
+            <a:schemeClr val="accent1"/>
+          </a:effectRef>
+          <a:fontRef idx="minor">
+            <a:schemeClr val="tx1"/>
+          </a:fontRef>
+        </p:style>
+      </p:cxnSp>
+      <p:sp>
+        <p:nvSpPr>
+          <p:cNvPr id="41" name="TextBox 40">
+            <a:extLst>
+              <a:ext uri="{FF2B5EF4-FFF2-40B4-BE49-F238E27FC236}">
+                <a16:creationId xmlns:a16="http://schemas.microsoft.com/office/drawing/2014/main" id="{55789502-71F2-552A-B02F-AA52986DE558}"/>
+              </a:ext>
+            </a:extLst>
+          </p:cNvPr>
+          <p:cNvSpPr txBox="1"/>
+          <p:nvPr/>
+        </p:nvSpPr>
+        <p:spPr>
+          <a:xfrm>
+            <a:off x="6920223" y="760655"/>
+            <a:ext cx="1107996" cy="369332"/>
+          </a:xfrm>
+          <a:prstGeom prst="rect">
+            <a:avLst/>
+          </a:prstGeom>
+          <a:noFill/>
+        </p:spPr>
+        <p:txBody>
+          <a:bodyPr wrap="none" rtlCol="0">
+            <a:spAutoFit/>
+          </a:bodyPr>
+          <a:lstStyle/>
+          <a:p>
+            <a:r>
+              <a:rPr kumimoji="1" lang="ko-Kore-KR" altLang="en-US" dirty="0"/>
+              <a:t>회원정보</a:t>
+            </a:r>
+            <a:endParaRPr kumimoji="1" lang="en-US" altLang="ko-Kore-KR" dirty="0"/>
+          </a:p>
+        </p:txBody>
+      </p:sp>
+      <p:sp>
+        <p:nvSpPr>
+          <p:cNvPr id="42" name="TextBox 41">
+            <a:extLst>
+              <a:ext uri="{FF2B5EF4-FFF2-40B4-BE49-F238E27FC236}">
+                <a16:creationId xmlns:a16="http://schemas.microsoft.com/office/drawing/2014/main" id="{7BC188CD-A5D6-4583-E903-70960BF0B6FC}"/>
+              </a:ext>
+            </a:extLst>
+          </p:cNvPr>
+          <p:cNvSpPr txBox="1"/>
+          <p:nvPr/>
+        </p:nvSpPr>
+        <p:spPr>
+          <a:xfrm>
+            <a:off x="7400680" y="4403695"/>
+            <a:ext cx="1107996" cy="369332"/>
+          </a:xfrm>
+          <a:prstGeom prst="rect">
+            <a:avLst/>
+          </a:prstGeom>
+          <a:solidFill>
+            <a:schemeClr val="accent2">
+              <a:lumMod val="20000"/>
+              <a:lumOff val="80000"/>
+            </a:schemeClr>
+          </a:solidFill>
+          <a:ln>
+            <a:noFill/>
+            <a:extLst>
+              <a:ext uri="{C807C97D-BFC1-408E-A445-0C87EB9F89A2}">
+                <ask:lineSketchStyleProps xmlns:ask="http://schemas.microsoft.com/office/drawing/2018/sketchyshapes">
+                  <ask:type>
+                    <ask:lineSketchNone/>
+                  </ask:type>
+                </ask:lineSketchStyleProps>
+              </a:ext>
+            </a:extLst>
+          </a:ln>
+          <a:effectLst>
+            <a:softEdge rad="9915"/>
+          </a:effectLst>
+        </p:spPr>
+        <p:txBody>
+          <a:bodyPr wrap="none" rtlCol="0">
+            <a:spAutoFit/>
+          </a:bodyPr>
+          <a:lstStyle/>
+          <a:p>
+            <a:r>
+              <a:rPr kumimoji="1" lang="ko-Kore-KR" altLang="en-US" dirty="0"/>
+              <a:t>회원탈퇴</a:t>
+            </a:r>
+          </a:p>
+        </p:txBody>
+      </p:sp>
+      <p:sp>
+        <p:nvSpPr>
+          <p:cNvPr id="45" name="矩形 20">
+            <a:extLst>
+              <a:ext uri="{FF2B5EF4-FFF2-40B4-BE49-F238E27FC236}">
+                <a16:creationId xmlns:a16="http://schemas.microsoft.com/office/drawing/2014/main" id="{6B125B8A-A30B-9B3B-BEBD-3F2305CC1D2E}"/>
+              </a:ext>
+            </a:extLst>
+          </p:cNvPr>
+          <p:cNvSpPr/>
+          <p:nvPr/>
+        </p:nvSpPr>
+        <p:spPr>
+          <a:xfrm>
+            <a:off x="8862373" y="3250198"/>
+            <a:ext cx="1637129" cy="243593"/>
+          </a:xfrm>
+          <a:prstGeom prst="rect">
+            <a:avLst/>
+          </a:prstGeom>
+          <a:solidFill>
+            <a:srgbClr val="000000">
+              <a:alpha val="5000"/>
+            </a:srgbClr>
+          </a:solidFill>
+          <a:ln w="36000">
+            <a:solidFill>
+              <a:srgbClr val="000000"/>
+            </a:solidFill>
+          </a:ln>
+        </p:spPr>
+        <p:style>
+          <a:lnRef idx="2">
+            <a:schemeClr val="accent1">
+              <a:shade val="50000"/>
+            </a:schemeClr>
+          </a:lnRef>
+          <a:fillRef idx="1">
+            <a:schemeClr val="accent1"/>
+          </a:fillRef>
+          <a:effectRef idx="0">
+            <a:schemeClr val="accent1"/>
+          </a:effectRef>
+          <a:fontRef idx="minor">
+            <a:schemeClr val="lt1"/>
+          </a:fontRef>
+        </p:style>
+        <p:txBody>
+          <a:bodyPr wrap="none" rtlCol="0" anchor="ctr" anchorCtr="1"/>
+          <a:lstStyle/>
+          <a:p>
+            <a:endParaRPr lang="en-US">
+              <a:solidFill>
+                <a:srgbClr val="000000"/>
+              </a:solidFill>
+            </a:endParaRPr>
+          </a:p>
+        </p:txBody>
+      </p:sp>
+      <p:sp>
+        <p:nvSpPr>
+          <p:cNvPr id="3" name="TextBox 2">
+            <a:extLst>
+              <a:ext uri="{FF2B5EF4-FFF2-40B4-BE49-F238E27FC236}">
+                <a16:creationId xmlns:a16="http://schemas.microsoft.com/office/drawing/2014/main" id="{B1A6301D-2C22-C001-9C70-242FC773FBB1}"/>
+              </a:ext>
+            </a:extLst>
+          </p:cNvPr>
+          <p:cNvSpPr txBox="1"/>
+          <p:nvPr/>
+        </p:nvSpPr>
+        <p:spPr>
+          <a:xfrm>
+            <a:off x="8475158" y="1531725"/>
+            <a:ext cx="2411558" cy="369332"/>
+          </a:xfrm>
+          <a:prstGeom prst="rect">
+            <a:avLst/>
+          </a:prstGeom>
+          <a:noFill/>
+        </p:spPr>
+        <p:txBody>
+          <a:bodyPr wrap="none" rtlCol="0">
+            <a:spAutoFit/>
+          </a:bodyPr>
+          <a:lstStyle/>
+          <a:p>
+            <a:r>
+              <a:rPr kumimoji="1" lang="en-US" altLang="ko-Kore-KR" dirty="0"/>
+              <a:t>preator335@gmail.com</a:t>
+            </a:r>
+            <a:endParaRPr kumimoji="1" lang="ko-Kore-KR" altLang="en-US" dirty="0"/>
+          </a:p>
+        </p:txBody>
+      </p:sp>
+      <p:sp>
+        <p:nvSpPr>
+          <p:cNvPr id="46" name="TextBox 45">
+            <a:extLst>
+              <a:ext uri="{FF2B5EF4-FFF2-40B4-BE49-F238E27FC236}">
+                <a16:creationId xmlns:a16="http://schemas.microsoft.com/office/drawing/2014/main" id="{AAB17D53-4AB2-29CB-5CAB-504F1F7A123C}"/>
+              </a:ext>
+            </a:extLst>
+          </p:cNvPr>
+          <p:cNvSpPr txBox="1"/>
+          <p:nvPr/>
+        </p:nvSpPr>
+        <p:spPr>
+          <a:xfrm>
+            <a:off x="8475158" y="2044209"/>
+            <a:ext cx="1235275" cy="369332"/>
+          </a:xfrm>
+          <a:prstGeom prst="rect">
+            <a:avLst/>
+          </a:prstGeom>
+          <a:noFill/>
+        </p:spPr>
+        <p:txBody>
+          <a:bodyPr wrap="none" rtlCol="0">
+            <a:spAutoFit/>
+          </a:bodyPr>
+          <a:lstStyle/>
+          <a:p>
+            <a:r>
+              <a:rPr kumimoji="1" lang="en-US" altLang="ko-Kore-KR" dirty="0"/>
+              <a:t>preator335</a:t>
+            </a:r>
+            <a:endParaRPr kumimoji="1" lang="ko-Kore-KR" altLang="en-US" dirty="0"/>
+          </a:p>
+        </p:txBody>
+      </p:sp>
+    </p:spTree>
+    <p:extLst>
+      <p:ext uri="{BB962C8B-B14F-4D97-AF65-F5344CB8AC3E}">
+        <p14:creationId xmlns:p14="http://schemas.microsoft.com/office/powerpoint/2010/main" val="3791794109"/>
+      </p:ext>
+    </p:extLst>
+  </p:cSld>
+  <p:clrMapOvr>
+    <a:masterClrMapping/>
+  </p:clrMapOvr>
+</p:sld>
+</file>
+
+<file path=ppt/slides/slide15.xml><?xml version="1.0" encoding="utf-8"?>
+<p:sld xmlns:a="http://schemas.openxmlformats.org/drawingml/2006/main" xmlns:r="http://schemas.openxmlformats.org/officeDocument/2006/relationships" xmlns:p="http://schemas.openxmlformats.org/presentationml/2006/main">
+  <p:cSld>
+    <p:spTree>
+      <p:nvGrpSpPr>
+        <p:cNvPr id="1" name=""/>
+        <p:cNvGrpSpPr/>
+        <p:nvPr/>
+      </p:nvGrpSpPr>
+      <p:grpSpPr>
+        <a:xfrm>
+          <a:off x="0" y="0"/>
+          <a:ext cx="0" cy="0"/>
+          <a:chOff x="0" y="0"/>
+          <a:chExt cx="0" cy="0"/>
+        </a:xfrm>
+      </p:grpSpPr>
+      <p:graphicFrame>
+        <p:nvGraphicFramePr>
+          <p:cNvPr id="10" name="표 5">
+            <a:extLst>
+              <a:ext uri="{FF2B5EF4-FFF2-40B4-BE49-F238E27FC236}">
+                <a16:creationId xmlns:a16="http://schemas.microsoft.com/office/drawing/2014/main" id="{C99CB6BD-DDB5-6751-B7AC-F5CF5B351558}"/>
+              </a:ext>
+            </a:extLst>
+          </p:cNvPr>
+          <p:cNvGraphicFramePr>
+            <a:graphicFrameLocks noGrp="1"/>
+          </p:cNvGraphicFramePr>
+          <p:nvPr>
+            <p:extLst>
+              <p:ext uri="{D42A27DB-BD31-4B8C-83A1-F6EECF244321}">
+                <p14:modId xmlns:p14="http://schemas.microsoft.com/office/powerpoint/2010/main" val="3903814104"/>
+              </p:ext>
+            </p:extLst>
+          </p:nvPr>
+        </p:nvGraphicFramePr>
+        <p:xfrm>
+          <a:off x="584501" y="1003341"/>
+          <a:ext cx="5511500" cy="4314903"/>
+        </p:xfrm>
+        <a:graphic>
+          <a:graphicData uri="http://schemas.openxmlformats.org/drawingml/2006/table">
+            <a:tbl>
+              <a:tblPr firstRow="1" bandRow="1">
+                <a:tableStyleId>{69012ECD-51FC-41F1-AA8D-1B2483CD663E}</a:tableStyleId>
+              </a:tblPr>
+              <a:tblGrid>
+                <a:gridCol w="2681747">
+                  <a:extLst>
+                    <a:ext uri="{9D8B030D-6E8A-4147-A177-3AD203B41FA5}">
+                      <a16:colId xmlns:a16="http://schemas.microsoft.com/office/drawing/2014/main" val="600303152"/>
+                    </a:ext>
+                  </a:extLst>
+                </a:gridCol>
+                <a:gridCol w="2829753">
+                  <a:extLst>
+                    <a:ext uri="{9D8B030D-6E8A-4147-A177-3AD203B41FA5}">
+                      <a16:colId xmlns:a16="http://schemas.microsoft.com/office/drawing/2014/main" val="1510390368"/>
+                    </a:ext>
+                  </a:extLst>
+                </a:gridCol>
+              </a:tblGrid>
+              <a:tr h="1220875">
+                <a:tc>
+                  <a:txBody>
+                    <a:bodyPr/>
+                    <a:lstStyle/>
+                    <a:p>
+                      <a:r>
+                        <a:rPr lang="en-US" altLang="ko-Kore-KR" dirty="0"/>
+                        <a:t>Actor Action</a:t>
+                      </a:r>
+                      <a:endParaRPr lang="ko-Kore-KR" altLang="en-US" dirty="0"/>
+                    </a:p>
+                  </a:txBody>
+                  <a:tcPr>
+                    <a:solidFill>
+                      <a:schemeClr val="accent1">
+                        <a:lumMod val="60000"/>
+                        <a:lumOff val="40000"/>
+                      </a:schemeClr>
+                    </a:solidFill>
+                  </a:tcPr>
+                </a:tc>
+                <a:tc>
+                  <a:txBody>
+                    <a:bodyPr/>
+                    <a:lstStyle/>
+                    <a:p>
+                      <a:r>
+                        <a:rPr lang="en-US" altLang="ko-Kore-KR" dirty="0"/>
+                        <a:t>System Response</a:t>
+                      </a:r>
+                      <a:endParaRPr lang="ko-Kore-KR" altLang="en-US" dirty="0"/>
+                    </a:p>
+                  </a:txBody>
+                  <a:tcPr>
+                    <a:solidFill>
+                      <a:schemeClr val="accent1">
+                        <a:lumMod val="60000"/>
+                        <a:lumOff val="40000"/>
+                      </a:schemeClr>
+                    </a:solidFill>
+                  </a:tcPr>
+                </a:tc>
+                <a:extLst>
+                  <a:ext uri="{0D108BD9-81ED-4DB2-BD59-A6C34878D82A}">
+                    <a16:rowId xmlns:a16="http://schemas.microsoft.com/office/drawing/2014/main" val="3057188334"/>
+                  </a:ext>
+                </a:extLst>
+              </a:tr>
+              <a:tr h="3094028">
+                <a:tc>
+                  <a:txBody>
+                    <a:bodyPr/>
+                    <a:lstStyle/>
+                    <a:p>
+                      <a:pPr marL="0" marR="0" lvl="0" indent="0" algn="l" defTabSz="914400" rtl="0" eaLnBrk="1" fontAlgn="auto" latinLnBrk="0" hangingPunct="1">
+                        <a:lnSpc>
+                          <a:spcPct val="100000"/>
+                        </a:lnSpc>
+                        <a:spcBef>
+                          <a:spcPts val="0"/>
+                        </a:spcBef>
+                        <a:spcAft>
+                          <a:spcPts val="0"/>
+                        </a:spcAft>
+                        <a:buClrTx/>
+                        <a:buSzTx/>
+                        <a:buFontTx/>
+                        <a:buNone/>
+                        <a:tabLst/>
+                        <a:defRPr/>
+                      </a:pPr>
+                      <a:r>
+                        <a:rPr lang="en-US" altLang="ko-Kore-KR" dirty="0"/>
+                        <a:t>1</a:t>
+                      </a:r>
+                      <a:r>
+                        <a:rPr lang="en-US" altLang="ko-KR" dirty="0"/>
+                        <a:t>.</a:t>
+                      </a:r>
+                      <a:r>
+                        <a:rPr lang="ko-KR" altLang="en-US" sz="1800" kern="1200" dirty="0">
+                          <a:solidFill>
+                            <a:schemeClr val="tx1"/>
+                          </a:solidFill>
+                          <a:effectLst/>
+                          <a:latin typeface="+mn-lt"/>
+                          <a:ea typeface="+mn-ea"/>
+                          <a:cs typeface="+mn-cs"/>
+                        </a:rPr>
+                        <a:t> </a:t>
+                      </a:r>
+                      <a:r>
+                        <a:rPr lang="ko-KR" altLang="en-US" sz="1800" dirty="0"/>
+                        <a:t>회원이 등록한 </a:t>
+                      </a:r>
+                      <a:r>
+                        <a:rPr lang="en-US" altLang="ko-KR" sz="1800" dirty="0"/>
+                        <a:t>ID</a:t>
+                      </a:r>
+                      <a:r>
+                        <a:rPr lang="ko-KR" altLang="en-US" sz="1800" dirty="0"/>
+                        <a:t>와 </a:t>
+                      </a:r>
+                      <a:r>
+                        <a:rPr lang="en-US" altLang="ko-KR" sz="1800" dirty="0"/>
+                        <a:t>password</a:t>
+                      </a:r>
+                      <a:r>
+                        <a:rPr lang="ko-KR" altLang="en-US" sz="1800" dirty="0"/>
+                        <a:t>로 로그인 한다</a:t>
+                      </a:r>
+                      <a:endParaRPr lang="ko-Kore-KR" altLang="en-US" sz="1800" dirty="0"/>
+                    </a:p>
+                  </a:txBody>
+                  <a:tcPr anchor="ctr">
+                    <a:lnR w="12700" cap="flat" cmpd="sng" algn="ctr">
+                      <a:noFill/>
+                      <a:prstDash val="solid"/>
+                      <a:round/>
+                      <a:headEnd type="none" w="med" len="med"/>
+                      <a:tailEnd type="none" w="med" len="med"/>
+                    </a:lnR>
+                  </a:tcPr>
+                </a:tc>
+                <a:tc>
+                  <a:txBody>
+                    <a:bodyPr/>
+                    <a:lstStyle/>
+                    <a:p>
+                      <a:r>
+                        <a:rPr lang="en-US" altLang="ko-Kore-KR" dirty="0"/>
+                        <a:t>2</a:t>
+                      </a:r>
+                      <a:r>
+                        <a:rPr lang="en-US" altLang="ko-KR" dirty="0"/>
+                        <a:t>.</a:t>
+                      </a:r>
+                      <a:r>
+                        <a:rPr lang="ko-KR" altLang="en-US" dirty="0"/>
+                        <a:t>홈페이지로 이동한다</a:t>
+                      </a:r>
+                      <a:endParaRPr lang="ko-Kore-KR" altLang="en-US" dirty="0"/>
+                    </a:p>
+                  </a:txBody>
+                  <a:tcPr anchor="ctr">
+                    <a:lnL w="12700" cap="flat" cmpd="sng" algn="ctr">
+                      <a:noFill/>
+                      <a:prstDash val="solid"/>
+                      <a:round/>
+                      <a:headEnd type="none" w="med" len="med"/>
+                      <a:tailEnd type="none" w="med" len="med"/>
+                    </a:lnL>
+                  </a:tcPr>
+                </a:tc>
+                <a:extLst>
+                  <a:ext uri="{0D108BD9-81ED-4DB2-BD59-A6C34878D82A}">
+                    <a16:rowId xmlns:a16="http://schemas.microsoft.com/office/drawing/2014/main" val="3061492118"/>
+                  </a:ext>
+                </a:extLst>
+              </a:tr>
+            </a:tbl>
+          </a:graphicData>
+        </a:graphic>
+      </p:graphicFrame>
+      <p:sp>
+        <p:nvSpPr>
+          <p:cNvPr id="11" name="TextBox 10">
+            <a:extLst>
+              <a:ext uri="{FF2B5EF4-FFF2-40B4-BE49-F238E27FC236}">
+                <a16:creationId xmlns:a16="http://schemas.microsoft.com/office/drawing/2014/main" id="{45DDCA3F-2607-D831-0010-9A730E08D3FA}"/>
+              </a:ext>
+            </a:extLst>
+          </p:cNvPr>
+          <p:cNvSpPr txBox="1"/>
+          <p:nvPr/>
+        </p:nvSpPr>
+        <p:spPr>
+          <a:xfrm>
+            <a:off x="584500" y="442932"/>
+            <a:ext cx="4846135" cy="553998"/>
+          </a:xfrm>
+          <a:prstGeom prst="rect">
+            <a:avLst/>
+          </a:prstGeom>
+          <a:noFill/>
+        </p:spPr>
+        <p:txBody>
+          <a:bodyPr wrap="none" rtlCol="0">
+            <a:spAutoFit/>
+          </a:bodyPr>
+          <a:lstStyle/>
+          <a:p>
+            <a:r>
+              <a:rPr kumimoji="1" lang="en-US" altLang="ko-Kore-KR" sz="3000" dirty="0"/>
+              <a:t>Use case Description : </a:t>
+            </a:r>
+            <a:r>
+              <a:rPr kumimoji="1" lang="ko-Kore-KR" altLang="en-US" sz="3000" dirty="0"/>
+              <a:t>로그인</a:t>
+            </a:r>
+            <a:endParaRPr kumimoji="1" lang="ko-Kore-KR" altLang="en-US" sz="2500" dirty="0"/>
+          </a:p>
+        </p:txBody>
+      </p:sp>
+      <p:sp>
+        <p:nvSpPr>
+          <p:cNvPr id="75" name="矩形 20">
+            <a:extLst>
+              <a:ext uri="{FF2B5EF4-FFF2-40B4-BE49-F238E27FC236}">
+                <a16:creationId xmlns:a16="http://schemas.microsoft.com/office/drawing/2014/main" id="{E684431D-C881-51F9-AF76-8C1F02EA4E89}"/>
+              </a:ext>
+            </a:extLst>
+          </p:cNvPr>
+          <p:cNvSpPr/>
+          <p:nvPr/>
+        </p:nvSpPr>
+        <p:spPr>
+          <a:xfrm>
+            <a:off x="8863217" y="2027968"/>
+            <a:ext cx="831310" cy="243593"/>
+          </a:xfrm>
+          <a:prstGeom prst="rect">
+            <a:avLst/>
+          </a:prstGeom>
+          <a:solidFill>
+            <a:srgbClr val="000000">
+              <a:alpha val="5000"/>
+            </a:srgbClr>
+          </a:solidFill>
+          <a:ln w="36000">
+            <a:solidFill>
+              <a:srgbClr val="000000"/>
+            </a:solidFill>
+          </a:ln>
+        </p:spPr>
+        <p:style>
+          <a:lnRef idx="2">
+            <a:schemeClr val="accent1">
+              <a:shade val="50000"/>
+            </a:schemeClr>
+          </a:lnRef>
+          <a:fillRef idx="1">
+            <a:schemeClr val="accent1"/>
+          </a:fillRef>
+          <a:effectRef idx="0">
+            <a:schemeClr val="accent1"/>
+          </a:effectRef>
+          <a:fontRef idx="minor">
+            <a:schemeClr val="lt1"/>
+          </a:fontRef>
+        </p:style>
+        <p:txBody>
+          <a:bodyPr wrap="none" rtlCol="0" anchor="ctr" anchorCtr="1"/>
+          <a:lstStyle/>
+          <a:p>
+            <a:endParaRPr lang="en-US">
+              <a:solidFill>
+                <a:srgbClr val="000000"/>
+              </a:solidFill>
+            </a:endParaRPr>
+          </a:p>
+        </p:txBody>
+      </p:sp>
+      <p:sp>
+        <p:nvSpPr>
+          <p:cNvPr id="76" name="TextBox 75">
+            <a:extLst>
+              <a:ext uri="{FF2B5EF4-FFF2-40B4-BE49-F238E27FC236}">
+                <a16:creationId xmlns:a16="http://schemas.microsoft.com/office/drawing/2014/main" id="{AA9E7E08-4DC6-FF78-8244-84B3D40E033F}"/>
+              </a:ext>
+            </a:extLst>
+          </p:cNvPr>
+          <p:cNvSpPr txBox="1"/>
+          <p:nvPr/>
+        </p:nvSpPr>
+        <p:spPr>
+          <a:xfrm>
+            <a:off x="7410295" y="1965098"/>
+            <a:ext cx="1387213" cy="369332"/>
+          </a:xfrm>
+          <a:prstGeom prst="rect">
+            <a:avLst/>
+          </a:prstGeom>
+          <a:noFill/>
+        </p:spPr>
+        <p:txBody>
+          <a:bodyPr wrap="square" rtlCol="0">
+            <a:spAutoFit/>
+          </a:bodyPr>
+          <a:lstStyle/>
+          <a:p>
+            <a:r>
+              <a:rPr kumimoji="1" lang="ko-Kore-KR" altLang="en-US" dirty="0"/>
+              <a:t>아이디</a:t>
+            </a:r>
+          </a:p>
+        </p:txBody>
+      </p:sp>
+      <p:sp>
+        <p:nvSpPr>
+          <p:cNvPr id="77" name="矩形 20">
+            <a:extLst>
+              <a:ext uri="{FF2B5EF4-FFF2-40B4-BE49-F238E27FC236}">
+                <a16:creationId xmlns:a16="http://schemas.microsoft.com/office/drawing/2014/main" id="{1BA21418-3344-A7CD-68E5-82F642B8142E}"/>
+              </a:ext>
+            </a:extLst>
+          </p:cNvPr>
+          <p:cNvSpPr/>
+          <p:nvPr/>
+        </p:nvSpPr>
+        <p:spPr>
+          <a:xfrm>
+            <a:off x="8863217" y="2466344"/>
+            <a:ext cx="831310" cy="243593"/>
+          </a:xfrm>
+          <a:prstGeom prst="rect">
+            <a:avLst/>
+          </a:prstGeom>
+          <a:solidFill>
+            <a:srgbClr val="000000">
+              <a:alpha val="5000"/>
+            </a:srgbClr>
+          </a:solidFill>
+          <a:ln w="36000">
+            <a:solidFill>
+              <a:srgbClr val="000000"/>
+            </a:solidFill>
+          </a:ln>
+        </p:spPr>
+        <p:style>
+          <a:lnRef idx="2">
+            <a:schemeClr val="accent1">
+              <a:shade val="50000"/>
+            </a:schemeClr>
+          </a:lnRef>
+          <a:fillRef idx="1">
+            <a:schemeClr val="accent1"/>
+          </a:fillRef>
+          <a:effectRef idx="0">
+            <a:schemeClr val="accent1"/>
+          </a:effectRef>
+          <a:fontRef idx="minor">
+            <a:schemeClr val="lt1"/>
+          </a:fontRef>
+        </p:style>
+        <p:txBody>
+          <a:bodyPr wrap="none" rtlCol="0" anchor="ctr" anchorCtr="1"/>
+          <a:lstStyle/>
+          <a:p>
+            <a:endParaRPr lang="en-US">
+              <a:solidFill>
+                <a:srgbClr val="000000"/>
+              </a:solidFill>
+            </a:endParaRPr>
+          </a:p>
+        </p:txBody>
+      </p:sp>
+      <p:sp>
+        <p:nvSpPr>
+          <p:cNvPr id="78" name="TextBox 77">
+            <a:extLst>
+              <a:ext uri="{FF2B5EF4-FFF2-40B4-BE49-F238E27FC236}">
+                <a16:creationId xmlns:a16="http://schemas.microsoft.com/office/drawing/2014/main" id="{53A846FF-419D-E0AC-0F46-AE3A4BD421C0}"/>
+              </a:ext>
+            </a:extLst>
+          </p:cNvPr>
+          <p:cNvSpPr txBox="1"/>
+          <p:nvPr/>
+        </p:nvSpPr>
+        <p:spPr>
+          <a:xfrm>
+            <a:off x="7410294" y="2403474"/>
+            <a:ext cx="1199761" cy="369332"/>
+          </a:xfrm>
+          <a:prstGeom prst="rect">
+            <a:avLst/>
+          </a:prstGeom>
+          <a:noFill/>
+        </p:spPr>
+        <p:txBody>
+          <a:bodyPr wrap="square" rtlCol="0">
+            <a:spAutoFit/>
+          </a:bodyPr>
+          <a:lstStyle/>
+          <a:p>
+            <a:r>
+              <a:rPr kumimoji="1" lang="ko-Kore-KR" altLang="en-US" dirty="0"/>
+              <a:t>패스워드</a:t>
+            </a:r>
+          </a:p>
+        </p:txBody>
+      </p:sp>
+      <p:cxnSp>
+        <p:nvCxnSpPr>
+          <p:cNvPr id="89" name="직선 연결선[R] 88">
+            <a:extLst>
+              <a:ext uri="{FF2B5EF4-FFF2-40B4-BE49-F238E27FC236}">
+                <a16:creationId xmlns:a16="http://schemas.microsoft.com/office/drawing/2014/main" id="{4AE6F1AF-D9FF-D9A3-FFE8-DB1608925E3B}"/>
+              </a:ext>
+            </a:extLst>
+          </p:cNvPr>
+          <p:cNvCxnSpPr/>
+          <p:nvPr/>
+        </p:nvCxnSpPr>
+        <p:spPr>
+          <a:xfrm>
+            <a:off x="6607312" y="1225964"/>
+            <a:ext cx="4794422" cy="0"/>
+          </a:xfrm>
+          <a:prstGeom prst="line">
+            <a:avLst/>
+          </a:prstGeom>
+          <a:ln w="50800">
+            <a:solidFill>
+              <a:schemeClr val="tx1"/>
+            </a:solidFill>
+          </a:ln>
+        </p:spPr>
+        <p:style>
+          <a:lnRef idx="1">
+            <a:schemeClr val="accent1"/>
+          </a:lnRef>
+          <a:fillRef idx="0">
+            <a:schemeClr val="accent1"/>
+          </a:fillRef>
+          <a:effectRef idx="0">
+            <a:schemeClr val="accent1"/>
+          </a:effectRef>
+          <a:fontRef idx="minor">
+            <a:schemeClr val="tx1"/>
+          </a:fontRef>
+        </p:style>
+      </p:cxnSp>
+      <p:sp>
+        <p:nvSpPr>
+          <p:cNvPr id="90" name="TextBox 89">
+            <a:extLst>
+              <a:ext uri="{FF2B5EF4-FFF2-40B4-BE49-F238E27FC236}">
+                <a16:creationId xmlns:a16="http://schemas.microsoft.com/office/drawing/2014/main" id="{8B4C58D0-1AB9-0498-8BD7-4981965BE593}"/>
+              </a:ext>
+            </a:extLst>
+          </p:cNvPr>
+          <p:cNvSpPr txBox="1"/>
+          <p:nvPr/>
+        </p:nvSpPr>
+        <p:spPr>
+          <a:xfrm>
+            <a:off x="6920223" y="760655"/>
+            <a:ext cx="877163" cy="369332"/>
+          </a:xfrm>
+          <a:prstGeom prst="rect">
+            <a:avLst/>
+          </a:prstGeom>
+          <a:noFill/>
+        </p:spPr>
+        <p:txBody>
+          <a:bodyPr wrap="none" rtlCol="0">
+            <a:spAutoFit/>
+          </a:bodyPr>
+          <a:lstStyle/>
+          <a:p>
+            <a:r>
+              <a:rPr kumimoji="1" lang="ko-Kore-KR" altLang="en-US" dirty="0"/>
+              <a:t>로그인</a:t>
+            </a:r>
+            <a:endParaRPr kumimoji="1" lang="en-US" altLang="ko-Kore-KR" dirty="0"/>
+          </a:p>
+        </p:txBody>
+      </p:sp>
+      <p:sp>
+        <p:nvSpPr>
+          <p:cNvPr id="91" name="TextBox 90">
+            <a:extLst>
+              <a:ext uri="{FF2B5EF4-FFF2-40B4-BE49-F238E27FC236}">
+                <a16:creationId xmlns:a16="http://schemas.microsoft.com/office/drawing/2014/main" id="{C980A63B-F970-4DBA-8BA0-8A3A6AF5838F}"/>
+              </a:ext>
+            </a:extLst>
+          </p:cNvPr>
+          <p:cNvSpPr txBox="1"/>
+          <p:nvPr/>
+        </p:nvSpPr>
+        <p:spPr>
+          <a:xfrm>
+            <a:off x="8732610" y="5040282"/>
+            <a:ext cx="1107996" cy="369332"/>
+          </a:xfrm>
+          <a:prstGeom prst="rect">
+            <a:avLst/>
+          </a:prstGeom>
+          <a:solidFill>
+            <a:schemeClr val="accent2">
+              <a:lumMod val="20000"/>
+              <a:lumOff val="80000"/>
+            </a:schemeClr>
+          </a:solidFill>
+          <a:ln>
+            <a:noFill/>
+            <a:extLst>
+              <a:ext uri="{C807C97D-BFC1-408E-A445-0C87EB9F89A2}">
+                <ask:lineSketchStyleProps xmlns:ask="http://schemas.microsoft.com/office/drawing/2018/sketchyshapes">
+                  <ask:type>
+                    <ask:lineSketchNone/>
+                  </ask:type>
+                </ask:lineSketchStyleProps>
+              </a:ext>
+            </a:extLst>
+          </a:ln>
+          <a:effectLst>
+            <a:softEdge rad="9915"/>
+          </a:effectLst>
+        </p:spPr>
+        <p:txBody>
+          <a:bodyPr wrap="none" rtlCol="0">
+            <a:spAutoFit/>
+          </a:bodyPr>
+          <a:lstStyle/>
+          <a:p>
+            <a:r>
+              <a:rPr kumimoji="1" lang="ko-Kore-KR" altLang="en-US" dirty="0"/>
+              <a:t>회원가입</a:t>
+            </a:r>
+          </a:p>
+        </p:txBody>
+      </p:sp>
+      <p:sp>
+        <p:nvSpPr>
+          <p:cNvPr id="18" name="TextBox 17">
+            <a:extLst>
+              <a:ext uri="{FF2B5EF4-FFF2-40B4-BE49-F238E27FC236}">
+                <a16:creationId xmlns:a16="http://schemas.microsoft.com/office/drawing/2014/main" id="{FC105CDD-A0A4-F8D0-F54E-DFD9E5149DDF}"/>
+              </a:ext>
+            </a:extLst>
+          </p:cNvPr>
+          <p:cNvSpPr txBox="1"/>
+          <p:nvPr/>
+        </p:nvSpPr>
+        <p:spPr>
+          <a:xfrm>
+            <a:off x="9760938" y="3413430"/>
+            <a:ext cx="877163" cy="369332"/>
+          </a:xfrm>
+          <a:prstGeom prst="rect">
+            <a:avLst/>
+          </a:prstGeom>
+          <a:solidFill>
+            <a:schemeClr val="accent1">
+              <a:lumMod val="20000"/>
+              <a:lumOff val="80000"/>
+            </a:schemeClr>
+          </a:solidFill>
+          <a:ln>
+            <a:noFill/>
+            <a:extLst>
+              <a:ext uri="{C807C97D-BFC1-408E-A445-0C87EB9F89A2}">
+                <ask:lineSketchStyleProps xmlns:ask="http://schemas.microsoft.com/office/drawing/2018/sketchyshapes">
+                  <ask:type>
+                    <ask:lineSketchNone/>
+                  </ask:type>
+                </ask:lineSketchStyleProps>
+              </a:ext>
+            </a:extLst>
+          </a:ln>
+          <a:effectLst>
+            <a:softEdge rad="9915"/>
+          </a:effectLst>
+        </p:spPr>
+        <p:txBody>
+          <a:bodyPr wrap="none" rtlCol="0">
+            <a:spAutoFit/>
+          </a:bodyPr>
+          <a:lstStyle/>
+          <a:p>
+            <a:r>
+              <a:rPr kumimoji="1" lang="ko-Kore-KR" altLang="en-US" dirty="0"/>
+              <a:t>로그인</a:t>
+            </a:r>
+          </a:p>
+        </p:txBody>
+      </p:sp>
+      <p:sp>
+        <p:nvSpPr>
+          <p:cNvPr id="2" name="TextBox 1">
+            <a:extLst>
+              <a:ext uri="{FF2B5EF4-FFF2-40B4-BE49-F238E27FC236}">
+                <a16:creationId xmlns:a16="http://schemas.microsoft.com/office/drawing/2014/main" id="{14C47346-4347-A238-7D98-0049A446EE12}"/>
+              </a:ext>
+            </a:extLst>
+          </p:cNvPr>
+          <p:cNvSpPr txBox="1"/>
+          <p:nvPr/>
+        </p:nvSpPr>
+        <p:spPr>
+          <a:xfrm>
+            <a:off x="7872413" y="4600575"/>
+            <a:ext cx="2706190" cy="369332"/>
+          </a:xfrm>
+          <a:prstGeom prst="rect">
+            <a:avLst/>
+          </a:prstGeom>
+          <a:noFill/>
+        </p:spPr>
+        <p:txBody>
+          <a:bodyPr wrap="none" rtlCol="0">
+            <a:spAutoFit/>
+          </a:bodyPr>
+          <a:lstStyle/>
+          <a:p>
+            <a:r>
+              <a:rPr kumimoji="1" lang="ko-Kore-KR" altLang="en-US" dirty="0"/>
+              <a:t>아직 회원이 아니신가요</a:t>
+            </a:r>
+            <a:r>
+              <a:rPr kumimoji="1" lang="en-US" altLang="ko-Kore-KR" dirty="0"/>
+              <a:t>?</a:t>
+            </a:r>
+            <a:endParaRPr kumimoji="1" lang="ko-Kore-KR" altLang="en-US" dirty="0"/>
+          </a:p>
+        </p:txBody>
+      </p:sp>
+    </p:spTree>
+    <p:extLst>
+      <p:ext uri="{BB962C8B-B14F-4D97-AF65-F5344CB8AC3E}">
+        <p14:creationId xmlns:p14="http://schemas.microsoft.com/office/powerpoint/2010/main" val="3081971803"/>
+      </p:ext>
+    </p:extLst>
+  </p:cSld>
+  <p:clrMapOvr>
+    <a:masterClrMapping/>
+  </p:clrMapOvr>
+</p:sld>
+</file>
+
+<file path=ppt/slides/slide16.xml><?xml version="1.0" encoding="utf-8"?>
+<p:sld xmlns:a="http://schemas.openxmlformats.org/drawingml/2006/main" xmlns:r="http://schemas.openxmlformats.org/officeDocument/2006/relationships" xmlns:p="http://schemas.openxmlformats.org/presentationml/2006/main">
+  <p:cSld>
+    <p:spTree>
+      <p:nvGrpSpPr>
+        <p:cNvPr id="1" name=""/>
+        <p:cNvGrpSpPr/>
+        <p:nvPr/>
+      </p:nvGrpSpPr>
+      <p:grpSpPr>
+        <a:xfrm>
+          <a:off x="0" y="0"/>
+          <a:ext cx="0" cy="0"/>
+          <a:chOff x="0" y="0"/>
+          <a:chExt cx="0" cy="0"/>
+        </a:xfrm>
+      </p:grpSpPr>
+      <p:graphicFrame>
+        <p:nvGraphicFramePr>
+          <p:cNvPr id="10" name="표 5">
+            <a:extLst>
+              <a:ext uri="{FF2B5EF4-FFF2-40B4-BE49-F238E27FC236}">
+                <a16:creationId xmlns:a16="http://schemas.microsoft.com/office/drawing/2014/main" id="{C99CB6BD-DDB5-6751-B7AC-F5CF5B351558}"/>
+              </a:ext>
+            </a:extLst>
+          </p:cNvPr>
+          <p:cNvGraphicFramePr>
+            <a:graphicFrameLocks noGrp="1"/>
+          </p:cNvGraphicFramePr>
+          <p:nvPr>
+            <p:extLst>
+              <p:ext uri="{D42A27DB-BD31-4B8C-83A1-F6EECF244321}">
+                <p14:modId xmlns:p14="http://schemas.microsoft.com/office/powerpoint/2010/main" val="2008768833"/>
+              </p:ext>
+            </p:extLst>
+          </p:nvPr>
+        </p:nvGraphicFramePr>
+        <p:xfrm>
+          <a:off x="584501" y="1003341"/>
+          <a:ext cx="5511500" cy="4314903"/>
+        </p:xfrm>
+        <a:graphic>
+          <a:graphicData uri="http://schemas.openxmlformats.org/drawingml/2006/table">
+            <a:tbl>
+              <a:tblPr firstRow="1" bandRow="1">
+                <a:tableStyleId>{69012ECD-51FC-41F1-AA8D-1B2483CD663E}</a:tableStyleId>
+              </a:tblPr>
+              <a:tblGrid>
+                <a:gridCol w="2681747">
+                  <a:extLst>
+                    <a:ext uri="{9D8B030D-6E8A-4147-A177-3AD203B41FA5}">
+                      <a16:colId xmlns:a16="http://schemas.microsoft.com/office/drawing/2014/main" val="600303152"/>
+                    </a:ext>
+                  </a:extLst>
+                </a:gridCol>
+                <a:gridCol w="2829753">
+                  <a:extLst>
+                    <a:ext uri="{9D8B030D-6E8A-4147-A177-3AD203B41FA5}">
+                      <a16:colId xmlns:a16="http://schemas.microsoft.com/office/drawing/2014/main" val="1510390368"/>
+                    </a:ext>
+                  </a:extLst>
+                </a:gridCol>
+              </a:tblGrid>
+              <a:tr h="1220875">
+                <a:tc>
+                  <a:txBody>
+                    <a:bodyPr/>
+                    <a:lstStyle/>
+                    <a:p>
+                      <a:r>
+                        <a:rPr lang="en-US" altLang="ko-Kore-KR" dirty="0"/>
+                        <a:t>Actor Action</a:t>
+                      </a:r>
+                      <a:endParaRPr lang="ko-Kore-KR" altLang="en-US" dirty="0"/>
+                    </a:p>
+                  </a:txBody>
+                  <a:tcPr>
+                    <a:solidFill>
+                      <a:schemeClr val="accent1">
+                        <a:lumMod val="60000"/>
+                        <a:lumOff val="40000"/>
+                      </a:schemeClr>
+                    </a:solidFill>
+                  </a:tcPr>
+                </a:tc>
+                <a:tc>
+                  <a:txBody>
+                    <a:bodyPr/>
+                    <a:lstStyle/>
+                    <a:p>
+                      <a:r>
+                        <a:rPr lang="en-US" altLang="ko-Kore-KR" dirty="0"/>
+                        <a:t>System Response</a:t>
+                      </a:r>
+                      <a:endParaRPr lang="ko-Kore-KR" altLang="en-US" dirty="0"/>
+                    </a:p>
+                  </a:txBody>
+                  <a:tcPr>
+                    <a:solidFill>
+                      <a:schemeClr val="accent1">
+                        <a:lumMod val="60000"/>
+                        <a:lumOff val="40000"/>
+                      </a:schemeClr>
+                    </a:solidFill>
+                  </a:tcPr>
+                </a:tc>
+                <a:extLst>
+                  <a:ext uri="{0D108BD9-81ED-4DB2-BD59-A6C34878D82A}">
+                    <a16:rowId xmlns:a16="http://schemas.microsoft.com/office/drawing/2014/main" val="3057188334"/>
+                  </a:ext>
+                </a:extLst>
+              </a:tr>
+              <a:tr h="3094028">
+                <a:tc>
+                  <a:txBody>
+                    <a:bodyPr/>
+                    <a:lstStyle/>
+                    <a:p>
+                      <a:pPr marL="0" marR="0" lvl="0" indent="0" algn="l" defTabSz="914400" rtl="0" eaLnBrk="1" fontAlgn="auto" latinLnBrk="0" hangingPunct="1">
+                        <a:lnSpc>
+                          <a:spcPct val="100000"/>
+                        </a:lnSpc>
+                        <a:spcBef>
+                          <a:spcPts val="0"/>
+                        </a:spcBef>
+                        <a:spcAft>
+                          <a:spcPts val="0"/>
+                        </a:spcAft>
+                        <a:buClrTx/>
+                        <a:buSzTx/>
+                        <a:buFontTx/>
+                        <a:buNone/>
+                        <a:tabLst/>
+                        <a:defRPr/>
+                      </a:pPr>
+                      <a:r>
+                        <a:rPr lang="en-US" altLang="ko-Kore-KR" dirty="0"/>
+                        <a:t>1</a:t>
+                      </a:r>
+                      <a:r>
+                        <a:rPr lang="en-US" altLang="ko-KR" dirty="0"/>
+                        <a:t>.</a:t>
+                      </a:r>
+                      <a:r>
+                        <a:rPr lang="ko-KR" altLang="en-US" sz="1800" kern="1200" dirty="0">
+                          <a:solidFill>
+                            <a:schemeClr val="tx1"/>
+                          </a:solidFill>
+                          <a:effectLst/>
+                          <a:latin typeface="+mn-lt"/>
+                          <a:ea typeface="+mn-ea"/>
+                          <a:cs typeface="+mn-cs"/>
+                        </a:rPr>
+                        <a:t> </a:t>
+                      </a:r>
+                      <a:r>
+                        <a:rPr lang="ko-KR" altLang="en-US" sz="1800" dirty="0"/>
+                        <a:t>회원이 </a:t>
+                      </a:r>
+                      <a:r>
+                        <a:rPr lang="ko-Kore-KR" altLang="en-US" sz="1800" dirty="0"/>
+                        <a:t>로그아웃 버튼을 누른다</a:t>
+                      </a:r>
+                    </a:p>
+                  </a:txBody>
+                  <a:tcPr anchor="ctr">
+                    <a:lnR w="12700" cap="flat" cmpd="sng" algn="ctr">
+                      <a:noFill/>
+                      <a:prstDash val="solid"/>
+                      <a:round/>
+                      <a:headEnd type="none" w="med" len="med"/>
+                      <a:tailEnd type="none" w="med" len="med"/>
+                    </a:lnR>
+                  </a:tcPr>
+                </a:tc>
+                <a:tc>
+                  <a:txBody>
+                    <a:bodyPr/>
+                    <a:lstStyle/>
+                    <a:p>
+                      <a:r>
+                        <a:rPr lang="en-US" altLang="ko-Kore-KR" dirty="0"/>
+                        <a:t>2</a:t>
+                      </a:r>
+                      <a:r>
+                        <a:rPr lang="en-US" altLang="ko-KR" dirty="0"/>
+                        <a:t>.</a:t>
+                      </a:r>
+                      <a:r>
+                        <a:rPr lang="ko-KR" altLang="en-US" dirty="0"/>
+                        <a:t>프로그램을 </a:t>
+                      </a:r>
+                      <a:r>
+                        <a:rPr lang="ko-KR" altLang="en-US" dirty="0" err="1"/>
+                        <a:t>종료시킨다</a:t>
+                      </a:r>
+                      <a:endParaRPr lang="ko-Kore-KR" altLang="en-US" dirty="0"/>
+                    </a:p>
+                  </a:txBody>
+                  <a:tcPr anchor="ctr">
+                    <a:lnL w="12700" cap="flat" cmpd="sng" algn="ctr">
+                      <a:noFill/>
+                      <a:prstDash val="solid"/>
+                      <a:round/>
+                      <a:headEnd type="none" w="med" len="med"/>
+                      <a:tailEnd type="none" w="med" len="med"/>
+                    </a:lnL>
+                  </a:tcPr>
+                </a:tc>
+                <a:extLst>
+                  <a:ext uri="{0D108BD9-81ED-4DB2-BD59-A6C34878D82A}">
+                    <a16:rowId xmlns:a16="http://schemas.microsoft.com/office/drawing/2014/main" val="3061492118"/>
+                  </a:ext>
+                </a:extLst>
+              </a:tr>
+            </a:tbl>
+          </a:graphicData>
+        </a:graphic>
+      </p:graphicFrame>
+      <p:sp>
+        <p:nvSpPr>
+          <p:cNvPr id="11" name="TextBox 10">
+            <a:extLst>
+              <a:ext uri="{FF2B5EF4-FFF2-40B4-BE49-F238E27FC236}">
+                <a16:creationId xmlns:a16="http://schemas.microsoft.com/office/drawing/2014/main" id="{45DDCA3F-2607-D831-0010-9A730E08D3FA}"/>
+              </a:ext>
+            </a:extLst>
+          </p:cNvPr>
+          <p:cNvSpPr txBox="1"/>
+          <p:nvPr/>
+        </p:nvSpPr>
+        <p:spPr>
+          <a:xfrm>
+            <a:off x="584500" y="442932"/>
+            <a:ext cx="5230856" cy="553998"/>
+          </a:xfrm>
+          <a:prstGeom prst="rect">
+            <a:avLst/>
+          </a:prstGeom>
+          <a:noFill/>
+        </p:spPr>
+        <p:txBody>
+          <a:bodyPr wrap="none" rtlCol="0">
+            <a:spAutoFit/>
+          </a:bodyPr>
+          <a:lstStyle/>
+          <a:p>
+            <a:r>
+              <a:rPr kumimoji="1" lang="en-US" altLang="ko-Kore-KR" sz="3000" dirty="0"/>
+              <a:t>Use case Description : </a:t>
+            </a:r>
+            <a:r>
+              <a:rPr kumimoji="1" lang="ko-Kore-KR" altLang="en-US" sz="3000" dirty="0"/>
+              <a:t>로그아웃</a:t>
+            </a:r>
+            <a:endParaRPr kumimoji="1" lang="ko-Kore-KR" altLang="en-US" sz="2500" dirty="0"/>
+          </a:p>
+        </p:txBody>
+      </p:sp>
+      <p:cxnSp>
+        <p:nvCxnSpPr>
+          <p:cNvPr id="89" name="직선 연결선[R] 88">
+            <a:extLst>
+              <a:ext uri="{FF2B5EF4-FFF2-40B4-BE49-F238E27FC236}">
+                <a16:creationId xmlns:a16="http://schemas.microsoft.com/office/drawing/2014/main" id="{4AE6F1AF-D9FF-D9A3-FFE8-DB1608925E3B}"/>
+              </a:ext>
+            </a:extLst>
+          </p:cNvPr>
+          <p:cNvCxnSpPr/>
+          <p:nvPr/>
+        </p:nvCxnSpPr>
+        <p:spPr>
+          <a:xfrm>
+            <a:off x="6593025" y="2983327"/>
+            <a:ext cx="4794422" cy="0"/>
+          </a:xfrm>
+          <a:prstGeom prst="line">
+            <a:avLst/>
+          </a:prstGeom>
+          <a:ln w="50800">
+            <a:solidFill>
+              <a:schemeClr val="tx1"/>
+            </a:solidFill>
+          </a:ln>
+        </p:spPr>
+        <p:style>
+          <a:lnRef idx="1">
+            <a:schemeClr val="accent1"/>
+          </a:lnRef>
+          <a:fillRef idx="0">
+            <a:schemeClr val="accent1"/>
+          </a:fillRef>
+          <a:effectRef idx="0">
+            <a:schemeClr val="accent1"/>
+          </a:effectRef>
+          <a:fontRef idx="minor">
+            <a:schemeClr val="tx1"/>
+          </a:fontRef>
+        </p:style>
+      </p:cxnSp>
+      <p:sp>
+        <p:nvSpPr>
+          <p:cNvPr id="3" name="TextBox 2">
+            <a:extLst>
+              <a:ext uri="{FF2B5EF4-FFF2-40B4-BE49-F238E27FC236}">
+                <a16:creationId xmlns:a16="http://schemas.microsoft.com/office/drawing/2014/main" id="{4B6E5BB2-C519-6EF1-C417-8D3865723637}"/>
+              </a:ext>
+            </a:extLst>
+          </p:cNvPr>
+          <p:cNvSpPr txBox="1"/>
+          <p:nvPr/>
+        </p:nvSpPr>
+        <p:spPr>
+          <a:xfrm>
+            <a:off x="7325558" y="2613995"/>
+            <a:ext cx="4281941" cy="369332"/>
+          </a:xfrm>
+          <a:prstGeom prst="rect">
+            <a:avLst/>
+          </a:prstGeom>
+          <a:noFill/>
+        </p:spPr>
+        <p:txBody>
+          <a:bodyPr wrap="none" rtlCol="0">
+            <a:spAutoFit/>
+          </a:bodyPr>
+          <a:lstStyle/>
+          <a:p>
+            <a:r>
+              <a:rPr kumimoji="1" lang="ko-Kore-KR" altLang="en-US" dirty="0"/>
+              <a:t>내정보   판매정보   구매정보    로그아웃  </a:t>
+            </a:r>
+          </a:p>
+        </p:txBody>
+      </p:sp>
+    </p:spTree>
+    <p:extLst>
+      <p:ext uri="{BB962C8B-B14F-4D97-AF65-F5344CB8AC3E}">
+        <p14:creationId xmlns:p14="http://schemas.microsoft.com/office/powerpoint/2010/main" val="810392571"/>
+      </p:ext>
+    </p:extLst>
+  </p:cSld>
+  <p:clrMapOvr>
+    <a:masterClrMapping/>
+  </p:clrMapOvr>
+</p:sld>
+</file>
+
+<file path=ppt/slides/slide17.xml><?xml version="1.0" encoding="utf-8"?>
+<p:sld xmlns:a="http://schemas.openxmlformats.org/drawingml/2006/main" xmlns:r="http://schemas.openxmlformats.org/officeDocument/2006/relationships" xmlns:p="http://schemas.openxmlformats.org/presentationml/2006/main">
+  <p:cSld>
+    <p:spTree>
+      <p:nvGrpSpPr>
+        <p:cNvPr id="1" name=""/>
+        <p:cNvGrpSpPr/>
+        <p:nvPr/>
+      </p:nvGrpSpPr>
+      <p:grpSpPr>
+        <a:xfrm>
+          <a:off x="0" y="0"/>
+          <a:ext cx="0" cy="0"/>
+          <a:chOff x="0" y="0"/>
+          <a:chExt cx="0" cy="0"/>
+        </a:xfrm>
+      </p:grpSpPr>
+      <p:graphicFrame>
+        <p:nvGraphicFramePr>
+          <p:cNvPr id="10" name="표 5">
+            <a:extLst>
+              <a:ext uri="{FF2B5EF4-FFF2-40B4-BE49-F238E27FC236}">
+                <a16:creationId xmlns:a16="http://schemas.microsoft.com/office/drawing/2014/main" id="{C99CB6BD-DDB5-6751-B7AC-F5CF5B351558}"/>
+              </a:ext>
+            </a:extLst>
+          </p:cNvPr>
+          <p:cNvGraphicFramePr>
+            <a:graphicFrameLocks noGrp="1"/>
+          </p:cNvGraphicFramePr>
+          <p:nvPr>
+            <p:extLst>
+              <p:ext uri="{D42A27DB-BD31-4B8C-83A1-F6EECF244321}">
+                <p14:modId xmlns:p14="http://schemas.microsoft.com/office/powerpoint/2010/main" val="1853437986"/>
+              </p:ext>
+            </p:extLst>
+          </p:nvPr>
+        </p:nvGraphicFramePr>
+        <p:xfrm>
+          <a:off x="584501" y="1003341"/>
+          <a:ext cx="5511500" cy="4314903"/>
+        </p:xfrm>
+        <a:graphic>
+          <a:graphicData uri="http://schemas.openxmlformats.org/drawingml/2006/table">
+            <a:tbl>
+              <a:tblPr firstRow="1" bandRow="1">
+                <a:tableStyleId>{69012ECD-51FC-41F1-AA8D-1B2483CD663E}</a:tableStyleId>
+              </a:tblPr>
+              <a:tblGrid>
+                <a:gridCol w="2681747">
+                  <a:extLst>
+                    <a:ext uri="{9D8B030D-6E8A-4147-A177-3AD203B41FA5}">
+                      <a16:colId xmlns:a16="http://schemas.microsoft.com/office/drawing/2014/main" val="600303152"/>
+                    </a:ext>
+                  </a:extLst>
+                </a:gridCol>
+                <a:gridCol w="2829753">
+                  <a:extLst>
+                    <a:ext uri="{9D8B030D-6E8A-4147-A177-3AD203B41FA5}">
+                      <a16:colId xmlns:a16="http://schemas.microsoft.com/office/drawing/2014/main" val="1510390368"/>
+                    </a:ext>
+                  </a:extLst>
+                </a:gridCol>
+              </a:tblGrid>
+              <a:tr h="1220875">
+                <a:tc>
+                  <a:txBody>
+                    <a:bodyPr/>
+                    <a:lstStyle/>
+                    <a:p>
+                      <a:r>
+                        <a:rPr lang="en-US" altLang="ko-Kore-KR" dirty="0"/>
+                        <a:t>Actor Action</a:t>
+                      </a:r>
+                      <a:endParaRPr lang="ko-Kore-KR" altLang="en-US" dirty="0"/>
+                    </a:p>
+                  </a:txBody>
+                  <a:tcPr>
+                    <a:solidFill>
+                      <a:schemeClr val="accent1">
+                        <a:lumMod val="60000"/>
+                        <a:lumOff val="40000"/>
+                      </a:schemeClr>
+                    </a:solidFill>
+                  </a:tcPr>
+                </a:tc>
+                <a:tc>
+                  <a:txBody>
+                    <a:bodyPr/>
+                    <a:lstStyle/>
+                    <a:p>
+                      <a:r>
+                        <a:rPr lang="en-US" altLang="ko-Kore-KR" dirty="0"/>
+                        <a:t>System Response</a:t>
+                      </a:r>
+                      <a:endParaRPr lang="ko-Kore-KR" altLang="en-US" dirty="0"/>
+                    </a:p>
+                  </a:txBody>
+                  <a:tcPr>
+                    <a:solidFill>
+                      <a:schemeClr val="accent1">
+                        <a:lumMod val="60000"/>
+                        <a:lumOff val="40000"/>
+                      </a:schemeClr>
+                    </a:solidFill>
+                  </a:tcPr>
+                </a:tc>
+                <a:extLst>
+                  <a:ext uri="{0D108BD9-81ED-4DB2-BD59-A6C34878D82A}">
+                    <a16:rowId xmlns:a16="http://schemas.microsoft.com/office/drawing/2014/main" val="3057188334"/>
+                  </a:ext>
+                </a:extLst>
+              </a:tr>
+              <a:tr h="3094028">
+                <a:tc>
+                  <a:txBody>
+                    <a:bodyPr/>
+                    <a:lstStyle/>
+                    <a:p>
+                      <a:pPr marL="0" marR="0" lvl="0" indent="0" algn="l" defTabSz="914400" rtl="0" eaLnBrk="1" fontAlgn="auto" latinLnBrk="0" hangingPunct="1">
+                        <a:lnSpc>
+                          <a:spcPct val="100000"/>
+                        </a:lnSpc>
+                        <a:spcBef>
+                          <a:spcPts val="0"/>
+                        </a:spcBef>
+                        <a:spcAft>
+                          <a:spcPts val="0"/>
+                        </a:spcAft>
+                        <a:buClrTx/>
+                        <a:buSzTx/>
+                        <a:buFontTx/>
+                        <a:buNone/>
+                        <a:tabLst/>
+                        <a:defRPr/>
+                      </a:pPr>
+                      <a:r>
+                        <a:rPr lang="en-US" altLang="ko-Kore-KR" dirty="0"/>
+                        <a:t>1</a:t>
+                      </a:r>
+                      <a:r>
+                        <a:rPr lang="en-US" altLang="ko-KR" dirty="0"/>
+                        <a:t>.</a:t>
+                      </a:r>
+                      <a:r>
+                        <a:rPr lang="ko-KR" altLang="en-US" sz="1800" kern="1200" dirty="0">
+                          <a:solidFill>
+                            <a:schemeClr val="tx1"/>
+                          </a:solidFill>
+                          <a:effectLst/>
+                          <a:latin typeface="+mn-lt"/>
+                          <a:ea typeface="+mn-ea"/>
+                          <a:cs typeface="+mn-cs"/>
+                        </a:rPr>
+                        <a:t> </a:t>
+                      </a:r>
+                      <a:r>
+                        <a:rPr lang="en-US" altLang="ko-KR" sz="1800" kern="1200" dirty="0">
+                          <a:solidFill>
+                            <a:schemeClr val="tx1"/>
+                          </a:solidFill>
+                          <a:effectLst/>
+                          <a:latin typeface="+mn-lt"/>
+                          <a:ea typeface="+mn-ea"/>
+                          <a:cs typeface="+mn-cs"/>
+                        </a:rPr>
+                        <a:t>none</a:t>
+                      </a:r>
+                      <a:endParaRPr lang="ko-Kore-KR" altLang="en-US" dirty="0"/>
+                    </a:p>
+                  </a:txBody>
+                  <a:tcPr anchor="ctr">
+                    <a:lnR w="12700" cap="flat" cmpd="sng" algn="ctr">
+                      <a:noFill/>
+                      <a:prstDash val="solid"/>
+                      <a:round/>
+                      <a:headEnd type="none" w="med" len="med"/>
+                      <a:tailEnd type="none" w="med" len="med"/>
+                    </a:lnR>
+                  </a:tcPr>
+                </a:tc>
+                <a:tc>
+                  <a:txBody>
+                    <a:bodyPr/>
+                    <a:lstStyle/>
+                    <a:p>
+                      <a:r>
+                        <a:rPr lang="en-US" altLang="ko-Kore-KR" dirty="0"/>
+                        <a:t>2</a:t>
+                      </a:r>
+                      <a:r>
+                        <a:rPr lang="en-US" altLang="ko-KR" dirty="0"/>
+                        <a:t>.</a:t>
+                      </a:r>
+                      <a:r>
+                        <a:rPr lang="ko-KR" altLang="en-US" dirty="0"/>
+                        <a:t>회원이 구매한 내역을 출력한다</a:t>
+                      </a:r>
+                      <a:endParaRPr lang="ko-Kore-KR" altLang="en-US" dirty="0"/>
+                    </a:p>
+                  </a:txBody>
+                  <a:tcPr anchor="ctr">
+                    <a:lnL w="12700" cap="flat" cmpd="sng" algn="ctr">
+                      <a:noFill/>
+                      <a:prstDash val="solid"/>
+                      <a:round/>
+                      <a:headEnd type="none" w="med" len="med"/>
+                      <a:tailEnd type="none" w="med" len="med"/>
+                    </a:lnL>
+                  </a:tcPr>
+                </a:tc>
+                <a:extLst>
+                  <a:ext uri="{0D108BD9-81ED-4DB2-BD59-A6C34878D82A}">
+                    <a16:rowId xmlns:a16="http://schemas.microsoft.com/office/drawing/2014/main" val="3061492118"/>
+                  </a:ext>
+                </a:extLst>
+              </a:tr>
+            </a:tbl>
+          </a:graphicData>
+        </a:graphic>
+      </p:graphicFrame>
+      <p:sp>
+        <p:nvSpPr>
+          <p:cNvPr id="11" name="TextBox 10">
+            <a:extLst>
+              <a:ext uri="{FF2B5EF4-FFF2-40B4-BE49-F238E27FC236}">
+                <a16:creationId xmlns:a16="http://schemas.microsoft.com/office/drawing/2014/main" id="{45DDCA3F-2607-D831-0010-9A730E08D3FA}"/>
+              </a:ext>
+            </a:extLst>
+          </p:cNvPr>
+          <p:cNvSpPr txBox="1"/>
+          <p:nvPr/>
+        </p:nvSpPr>
+        <p:spPr>
+          <a:xfrm>
+            <a:off x="584500" y="442932"/>
+            <a:ext cx="5615576" cy="553998"/>
+          </a:xfrm>
+          <a:prstGeom prst="rect">
+            <a:avLst/>
+          </a:prstGeom>
+          <a:noFill/>
+        </p:spPr>
+        <p:txBody>
+          <a:bodyPr wrap="none" rtlCol="0">
+            <a:spAutoFit/>
+          </a:bodyPr>
+          <a:lstStyle/>
+          <a:p>
+            <a:r>
+              <a:rPr kumimoji="1" lang="en-US" altLang="ko-Kore-KR" sz="3000" dirty="0"/>
+              <a:t>Use case Description : </a:t>
+            </a:r>
+            <a:r>
+              <a:rPr kumimoji="1" lang="ko-Kore-KR" altLang="en-US" sz="2500" dirty="0"/>
+              <a:t>구매내역조회</a:t>
+            </a:r>
+          </a:p>
+        </p:txBody>
+      </p:sp>
+      <p:sp>
+        <p:nvSpPr>
+          <p:cNvPr id="12" name="TextBox 11">
+            <a:extLst>
+              <a:ext uri="{FF2B5EF4-FFF2-40B4-BE49-F238E27FC236}">
+                <a16:creationId xmlns:a16="http://schemas.microsoft.com/office/drawing/2014/main" id="{860A6E78-AB77-595F-CA1F-4B1453295264}"/>
+              </a:ext>
+            </a:extLst>
+          </p:cNvPr>
+          <p:cNvSpPr txBox="1"/>
+          <p:nvPr/>
+        </p:nvSpPr>
+        <p:spPr>
+          <a:xfrm>
+            <a:off x="7231552" y="1469915"/>
+            <a:ext cx="1467244" cy="369332"/>
+          </a:xfrm>
+          <a:prstGeom prst="rect">
+            <a:avLst/>
+          </a:prstGeom>
+          <a:noFill/>
+        </p:spPr>
+        <p:txBody>
+          <a:bodyPr wrap="square" rtlCol="0">
+            <a:spAutoFit/>
+          </a:bodyPr>
+          <a:lstStyle/>
+          <a:p>
+            <a:r>
+              <a:rPr kumimoji="1" lang="ko-Kore-KR" altLang="en-US" dirty="0"/>
+              <a:t>벨벳 드레스</a:t>
+            </a:r>
+          </a:p>
+        </p:txBody>
+      </p:sp>
+      <p:cxnSp>
+        <p:nvCxnSpPr>
+          <p:cNvPr id="15" name="직선 연결선[R] 14">
+            <a:extLst>
+              <a:ext uri="{FF2B5EF4-FFF2-40B4-BE49-F238E27FC236}">
+                <a16:creationId xmlns:a16="http://schemas.microsoft.com/office/drawing/2014/main" id="{CBA7537B-5D07-BDA9-2F33-21223B4BEDD0}"/>
+              </a:ext>
+            </a:extLst>
+          </p:cNvPr>
+          <p:cNvCxnSpPr/>
+          <p:nvPr/>
+        </p:nvCxnSpPr>
+        <p:spPr>
+          <a:xfrm>
+            <a:off x="6816551" y="1330434"/>
+            <a:ext cx="4794422" cy="0"/>
+          </a:xfrm>
+          <a:prstGeom prst="line">
+            <a:avLst/>
+          </a:prstGeom>
+          <a:ln w="50800">
+            <a:solidFill>
+              <a:schemeClr val="tx1"/>
+            </a:solidFill>
+          </a:ln>
+        </p:spPr>
+        <p:style>
+          <a:lnRef idx="1">
+            <a:schemeClr val="accent1"/>
+          </a:lnRef>
+          <a:fillRef idx="0">
+            <a:schemeClr val="accent1"/>
+          </a:fillRef>
+          <a:effectRef idx="0">
+            <a:schemeClr val="accent1"/>
+          </a:effectRef>
+          <a:fontRef idx="minor">
+            <a:schemeClr val="tx1"/>
+          </a:fontRef>
+        </p:style>
+      </p:cxnSp>
+      <p:sp>
+        <p:nvSpPr>
+          <p:cNvPr id="16" name="TextBox 15">
+            <a:extLst>
+              <a:ext uri="{FF2B5EF4-FFF2-40B4-BE49-F238E27FC236}">
+                <a16:creationId xmlns:a16="http://schemas.microsoft.com/office/drawing/2014/main" id="{E9F11CBA-7D57-4267-D953-32DFE2306B72}"/>
+              </a:ext>
+            </a:extLst>
+          </p:cNvPr>
+          <p:cNvSpPr txBox="1"/>
+          <p:nvPr/>
+        </p:nvSpPr>
+        <p:spPr>
+          <a:xfrm>
+            <a:off x="7129462" y="865125"/>
+            <a:ext cx="1160895" cy="369332"/>
+          </a:xfrm>
+          <a:prstGeom prst="rect">
+            <a:avLst/>
+          </a:prstGeom>
+          <a:noFill/>
+        </p:spPr>
+        <p:txBody>
+          <a:bodyPr wrap="none" rtlCol="0">
+            <a:spAutoFit/>
+          </a:bodyPr>
+          <a:lstStyle/>
+          <a:p>
+            <a:r>
+              <a:rPr kumimoji="1" lang="ko-Kore-KR" altLang="en-US" dirty="0"/>
+              <a:t>구매 내역</a:t>
+            </a:r>
+            <a:endParaRPr kumimoji="1" lang="en-US" altLang="ko-Kore-KR" dirty="0"/>
+          </a:p>
+        </p:txBody>
+      </p:sp>
+      <p:cxnSp>
+        <p:nvCxnSpPr>
+          <p:cNvPr id="17" name="직선 연결선[R] 16">
+            <a:extLst>
+              <a:ext uri="{FF2B5EF4-FFF2-40B4-BE49-F238E27FC236}">
+                <a16:creationId xmlns:a16="http://schemas.microsoft.com/office/drawing/2014/main" id="{C4CDF490-4199-B58C-2188-2D8E097A8630}"/>
+              </a:ext>
+            </a:extLst>
+          </p:cNvPr>
+          <p:cNvCxnSpPr>
+            <a:cxnSpLocks/>
+          </p:cNvCxnSpPr>
+          <p:nvPr/>
+        </p:nvCxnSpPr>
+        <p:spPr>
+          <a:xfrm>
+            <a:off x="7129462" y="1330434"/>
+            <a:ext cx="0" cy="1387280"/>
+          </a:xfrm>
+          <a:prstGeom prst="line">
+            <a:avLst/>
+          </a:prstGeom>
+          <a:ln w="50800">
+            <a:solidFill>
+              <a:schemeClr val="tx1"/>
+            </a:solidFill>
+          </a:ln>
+        </p:spPr>
+        <p:style>
+          <a:lnRef idx="1">
+            <a:schemeClr val="accent1"/>
+          </a:lnRef>
+          <a:fillRef idx="0">
+            <a:schemeClr val="accent1"/>
+          </a:fillRef>
+          <a:effectRef idx="0">
+            <a:schemeClr val="accent1"/>
+          </a:effectRef>
+          <a:fontRef idx="minor">
+            <a:schemeClr val="tx1"/>
+          </a:fontRef>
+        </p:style>
+      </p:cxnSp>
+      <p:sp>
+        <p:nvSpPr>
+          <p:cNvPr id="18" name="TextBox 17">
+            <a:extLst>
+              <a:ext uri="{FF2B5EF4-FFF2-40B4-BE49-F238E27FC236}">
+                <a16:creationId xmlns:a16="http://schemas.microsoft.com/office/drawing/2014/main" id="{07614268-EB98-5E2F-3006-91E1163BC576}"/>
+              </a:ext>
+            </a:extLst>
+          </p:cNvPr>
+          <p:cNvSpPr txBox="1"/>
+          <p:nvPr/>
+        </p:nvSpPr>
+        <p:spPr>
+          <a:xfrm>
+            <a:off x="6800550" y="1469915"/>
+            <a:ext cx="301686" cy="369332"/>
+          </a:xfrm>
+          <a:prstGeom prst="rect">
+            <a:avLst/>
+          </a:prstGeom>
+          <a:noFill/>
+        </p:spPr>
+        <p:txBody>
+          <a:bodyPr wrap="none" rtlCol="0">
+            <a:spAutoFit/>
+          </a:bodyPr>
+          <a:lstStyle/>
+          <a:p>
+            <a:r>
+              <a:rPr kumimoji="1" lang="en-US" altLang="ko-Kore-KR" dirty="0"/>
+              <a:t>1</a:t>
+            </a:r>
+            <a:endParaRPr kumimoji="1" lang="ko-Kore-KR" altLang="en-US" dirty="0"/>
+          </a:p>
+        </p:txBody>
+      </p:sp>
+      <p:sp>
+        <p:nvSpPr>
+          <p:cNvPr id="19" name="TextBox 18">
+            <a:extLst>
+              <a:ext uri="{FF2B5EF4-FFF2-40B4-BE49-F238E27FC236}">
+                <a16:creationId xmlns:a16="http://schemas.microsoft.com/office/drawing/2014/main" id="{260F7CB7-3AD2-9363-EC31-8823FB089FAE}"/>
+              </a:ext>
+            </a:extLst>
+          </p:cNvPr>
+          <p:cNvSpPr txBox="1"/>
+          <p:nvPr/>
+        </p:nvSpPr>
+        <p:spPr>
+          <a:xfrm>
+            <a:off x="8667521" y="1470543"/>
+            <a:ext cx="1149674" cy="369332"/>
+          </a:xfrm>
+          <a:prstGeom prst="rect">
+            <a:avLst/>
+          </a:prstGeom>
+          <a:noFill/>
+        </p:spPr>
+        <p:txBody>
+          <a:bodyPr wrap="none" rtlCol="0">
+            <a:spAutoFit/>
+          </a:bodyPr>
+          <a:lstStyle/>
+          <a:p>
+            <a:r>
+              <a:rPr kumimoji="1" lang="en-US" altLang="ko-Kore-KR" dirty="0"/>
+              <a:t>2</a:t>
+            </a:r>
+            <a:r>
+              <a:rPr kumimoji="1" lang="en-US" altLang="ko-KR" dirty="0"/>
+              <a:t>00,000</a:t>
+            </a:r>
+            <a:r>
+              <a:rPr kumimoji="1" lang="ko-KR" altLang="en-US" dirty="0"/>
+              <a:t>₩</a:t>
+            </a:r>
+            <a:endParaRPr kumimoji="1" lang="ko-Kore-KR" altLang="en-US" dirty="0"/>
+          </a:p>
+        </p:txBody>
+      </p:sp>
+      <p:sp>
+        <p:nvSpPr>
+          <p:cNvPr id="20" name="TextBox 19">
+            <a:extLst>
+              <a:ext uri="{FF2B5EF4-FFF2-40B4-BE49-F238E27FC236}">
+                <a16:creationId xmlns:a16="http://schemas.microsoft.com/office/drawing/2014/main" id="{B63D3E99-4839-C834-9BA0-0677B5B86E44}"/>
+              </a:ext>
+            </a:extLst>
+          </p:cNvPr>
+          <p:cNvSpPr txBox="1"/>
+          <p:nvPr/>
+        </p:nvSpPr>
+        <p:spPr>
+          <a:xfrm>
+            <a:off x="10442835" y="1469915"/>
+            <a:ext cx="1234736" cy="369332"/>
+          </a:xfrm>
+          <a:prstGeom prst="rect">
+            <a:avLst/>
+          </a:prstGeom>
+          <a:noFill/>
+        </p:spPr>
+        <p:txBody>
+          <a:bodyPr wrap="square" rtlCol="0">
+            <a:spAutoFit/>
+          </a:bodyPr>
+          <a:lstStyle/>
+          <a:p>
+            <a:r>
+              <a:rPr kumimoji="1" lang="en-US" altLang="ko-Kore-KR" dirty="0"/>
+              <a:t>2</a:t>
+            </a:r>
+            <a:r>
+              <a:rPr kumimoji="1" lang="en-US" altLang="ko-KR" dirty="0"/>
+              <a:t>022/4/12</a:t>
+            </a:r>
+            <a:endParaRPr kumimoji="1" lang="ko-Kore-KR" altLang="en-US" dirty="0"/>
+          </a:p>
+        </p:txBody>
+      </p:sp>
+      <p:sp>
+        <p:nvSpPr>
+          <p:cNvPr id="21" name="TextBox 20">
+            <a:extLst>
+              <a:ext uri="{FF2B5EF4-FFF2-40B4-BE49-F238E27FC236}">
+                <a16:creationId xmlns:a16="http://schemas.microsoft.com/office/drawing/2014/main" id="{4F2785D2-CB92-F96D-501E-89DD952B6654}"/>
+              </a:ext>
+            </a:extLst>
+          </p:cNvPr>
+          <p:cNvSpPr txBox="1"/>
+          <p:nvPr/>
+        </p:nvSpPr>
+        <p:spPr>
+          <a:xfrm>
+            <a:off x="7231552" y="1816619"/>
+            <a:ext cx="1467244" cy="369332"/>
+          </a:xfrm>
+          <a:prstGeom prst="rect">
+            <a:avLst/>
+          </a:prstGeom>
+          <a:noFill/>
+        </p:spPr>
+        <p:txBody>
+          <a:bodyPr wrap="square" rtlCol="0">
+            <a:spAutoFit/>
+          </a:bodyPr>
+          <a:lstStyle/>
+          <a:p>
+            <a:r>
+              <a:rPr kumimoji="1" lang="ko-Kore-KR" altLang="en-US" dirty="0"/>
+              <a:t>하얀 반팔</a:t>
+            </a:r>
+          </a:p>
+        </p:txBody>
+      </p:sp>
+      <p:sp>
+        <p:nvSpPr>
+          <p:cNvPr id="22" name="TextBox 21">
+            <a:extLst>
+              <a:ext uri="{FF2B5EF4-FFF2-40B4-BE49-F238E27FC236}">
+                <a16:creationId xmlns:a16="http://schemas.microsoft.com/office/drawing/2014/main" id="{5999EDEB-3A17-98EC-1969-65F1FBB1B866}"/>
+              </a:ext>
+            </a:extLst>
+          </p:cNvPr>
+          <p:cNvSpPr txBox="1"/>
+          <p:nvPr/>
+        </p:nvSpPr>
+        <p:spPr>
+          <a:xfrm>
+            <a:off x="6800550" y="1816619"/>
+            <a:ext cx="301686" cy="369332"/>
+          </a:xfrm>
+          <a:prstGeom prst="rect">
+            <a:avLst/>
+          </a:prstGeom>
+          <a:noFill/>
+        </p:spPr>
+        <p:txBody>
+          <a:bodyPr wrap="none" rtlCol="0">
+            <a:spAutoFit/>
+          </a:bodyPr>
+          <a:lstStyle/>
+          <a:p>
+            <a:r>
+              <a:rPr kumimoji="1" lang="en-US" altLang="ko-KR" dirty="0"/>
+              <a:t>2</a:t>
+            </a:r>
+            <a:endParaRPr kumimoji="1" lang="ko-Kore-KR" altLang="en-US" dirty="0"/>
+          </a:p>
+        </p:txBody>
+      </p:sp>
+      <p:sp>
+        <p:nvSpPr>
+          <p:cNvPr id="23" name="TextBox 22">
+            <a:extLst>
+              <a:ext uri="{FF2B5EF4-FFF2-40B4-BE49-F238E27FC236}">
+                <a16:creationId xmlns:a16="http://schemas.microsoft.com/office/drawing/2014/main" id="{039BCF03-E669-C192-2F38-04BA71A696F9}"/>
+              </a:ext>
+            </a:extLst>
+          </p:cNvPr>
+          <p:cNvSpPr txBox="1"/>
+          <p:nvPr/>
+        </p:nvSpPr>
+        <p:spPr>
+          <a:xfrm>
+            <a:off x="8667521" y="1817247"/>
+            <a:ext cx="1138453" cy="369332"/>
+          </a:xfrm>
+          <a:prstGeom prst="rect">
+            <a:avLst/>
+          </a:prstGeom>
+          <a:noFill/>
+        </p:spPr>
+        <p:txBody>
+          <a:bodyPr wrap="none" rtlCol="0">
+            <a:spAutoFit/>
+          </a:bodyPr>
+          <a:lstStyle/>
+          <a:p>
+            <a:r>
+              <a:rPr kumimoji="1" lang="en-US" altLang="ko-Kore-KR" dirty="0"/>
+              <a:t>  2</a:t>
+            </a:r>
+            <a:r>
+              <a:rPr kumimoji="1" lang="en-US" altLang="ko-KR" dirty="0"/>
+              <a:t>0,000</a:t>
+            </a:r>
+            <a:r>
+              <a:rPr kumimoji="1" lang="ko-KR" altLang="en-US" dirty="0"/>
+              <a:t>₩</a:t>
+            </a:r>
+            <a:endParaRPr kumimoji="1" lang="ko-Kore-KR" altLang="en-US" dirty="0"/>
+          </a:p>
+        </p:txBody>
+      </p:sp>
+      <p:sp>
+        <p:nvSpPr>
+          <p:cNvPr id="24" name="TextBox 23">
+            <a:extLst>
+              <a:ext uri="{FF2B5EF4-FFF2-40B4-BE49-F238E27FC236}">
+                <a16:creationId xmlns:a16="http://schemas.microsoft.com/office/drawing/2014/main" id="{43FF17F8-A778-726C-001A-86399F645976}"/>
+              </a:ext>
+            </a:extLst>
+          </p:cNvPr>
+          <p:cNvSpPr txBox="1"/>
+          <p:nvPr/>
+        </p:nvSpPr>
+        <p:spPr>
+          <a:xfrm>
+            <a:off x="10442835" y="1816619"/>
+            <a:ext cx="1234736" cy="369332"/>
+          </a:xfrm>
+          <a:prstGeom prst="rect">
+            <a:avLst/>
+          </a:prstGeom>
+          <a:noFill/>
+        </p:spPr>
+        <p:txBody>
+          <a:bodyPr wrap="square" rtlCol="0">
+            <a:spAutoFit/>
+          </a:bodyPr>
+          <a:lstStyle/>
+          <a:p>
+            <a:r>
+              <a:rPr kumimoji="1" lang="en-US" altLang="ko-Kore-KR" dirty="0"/>
+              <a:t>2</a:t>
+            </a:r>
+            <a:r>
+              <a:rPr kumimoji="1" lang="en-US" altLang="ko-KR" dirty="0"/>
+              <a:t>022/4/24</a:t>
+            </a:r>
+            <a:endParaRPr kumimoji="1" lang="ko-Kore-KR" altLang="en-US" dirty="0"/>
+          </a:p>
+        </p:txBody>
+      </p:sp>
+      <p:sp>
+        <p:nvSpPr>
+          <p:cNvPr id="25" name="TextBox 24">
+            <a:extLst>
+              <a:ext uri="{FF2B5EF4-FFF2-40B4-BE49-F238E27FC236}">
+                <a16:creationId xmlns:a16="http://schemas.microsoft.com/office/drawing/2014/main" id="{E4A5D16B-ED01-BC20-D7AA-5B23BE958C27}"/>
+              </a:ext>
+            </a:extLst>
+          </p:cNvPr>
+          <p:cNvSpPr txBox="1"/>
+          <p:nvPr/>
+        </p:nvSpPr>
+        <p:spPr>
+          <a:xfrm>
+            <a:off x="7231552" y="2151538"/>
+            <a:ext cx="1467244" cy="369332"/>
+          </a:xfrm>
+          <a:prstGeom prst="rect">
+            <a:avLst/>
+          </a:prstGeom>
+          <a:noFill/>
+        </p:spPr>
+        <p:txBody>
+          <a:bodyPr wrap="square" rtlCol="0">
+            <a:spAutoFit/>
+          </a:bodyPr>
+          <a:lstStyle/>
+          <a:p>
+            <a:r>
+              <a:rPr kumimoji="1" lang="ko-Kore-KR" altLang="en-US" dirty="0"/>
+              <a:t>검은색 코트</a:t>
+            </a:r>
+          </a:p>
+        </p:txBody>
+      </p:sp>
+      <p:sp>
+        <p:nvSpPr>
+          <p:cNvPr id="26" name="TextBox 25">
+            <a:extLst>
+              <a:ext uri="{FF2B5EF4-FFF2-40B4-BE49-F238E27FC236}">
+                <a16:creationId xmlns:a16="http://schemas.microsoft.com/office/drawing/2014/main" id="{7D580840-ED03-CC67-DD73-508A1508DD6D}"/>
+              </a:ext>
+            </a:extLst>
+          </p:cNvPr>
+          <p:cNvSpPr txBox="1"/>
+          <p:nvPr/>
+        </p:nvSpPr>
+        <p:spPr>
+          <a:xfrm>
+            <a:off x="6800550" y="2151538"/>
+            <a:ext cx="301686" cy="369332"/>
+          </a:xfrm>
+          <a:prstGeom prst="rect">
+            <a:avLst/>
+          </a:prstGeom>
+          <a:noFill/>
+        </p:spPr>
+        <p:txBody>
+          <a:bodyPr wrap="none" rtlCol="0">
+            <a:spAutoFit/>
+          </a:bodyPr>
+          <a:lstStyle/>
+          <a:p>
+            <a:r>
+              <a:rPr kumimoji="1" lang="en-US" altLang="ko-KR" dirty="0"/>
+              <a:t>3</a:t>
+            </a:r>
+            <a:endParaRPr kumimoji="1" lang="ko-Kore-KR" altLang="en-US" dirty="0"/>
+          </a:p>
+        </p:txBody>
+      </p:sp>
+      <p:sp>
+        <p:nvSpPr>
+          <p:cNvPr id="27" name="TextBox 26">
+            <a:extLst>
+              <a:ext uri="{FF2B5EF4-FFF2-40B4-BE49-F238E27FC236}">
+                <a16:creationId xmlns:a16="http://schemas.microsoft.com/office/drawing/2014/main" id="{B0AE66D3-FA9B-DA5D-F03F-7505B2B9CD6C}"/>
+              </a:ext>
+            </a:extLst>
+          </p:cNvPr>
+          <p:cNvSpPr txBox="1"/>
+          <p:nvPr/>
+        </p:nvSpPr>
+        <p:spPr>
+          <a:xfrm>
+            <a:off x="8667521" y="2152166"/>
+            <a:ext cx="1149674" cy="369332"/>
+          </a:xfrm>
+          <a:prstGeom prst="rect">
+            <a:avLst/>
+          </a:prstGeom>
+          <a:noFill/>
+        </p:spPr>
+        <p:txBody>
+          <a:bodyPr wrap="none" rtlCol="0">
+            <a:spAutoFit/>
+          </a:bodyPr>
+          <a:lstStyle/>
+          <a:p>
+            <a:r>
+              <a:rPr kumimoji="1" lang="en-US" altLang="ko-KR" dirty="0"/>
+              <a:t>150,000</a:t>
+            </a:r>
+            <a:r>
+              <a:rPr kumimoji="1" lang="ko-KR" altLang="en-US" dirty="0"/>
+              <a:t>₩</a:t>
+            </a:r>
+            <a:endParaRPr kumimoji="1" lang="ko-Kore-KR" altLang="en-US" dirty="0"/>
+          </a:p>
+        </p:txBody>
+      </p:sp>
+      <p:sp>
+        <p:nvSpPr>
+          <p:cNvPr id="28" name="TextBox 27">
+            <a:extLst>
+              <a:ext uri="{FF2B5EF4-FFF2-40B4-BE49-F238E27FC236}">
+                <a16:creationId xmlns:a16="http://schemas.microsoft.com/office/drawing/2014/main" id="{F4FC9833-E7C7-08DF-5171-2F42A11FE859}"/>
+              </a:ext>
+            </a:extLst>
+          </p:cNvPr>
+          <p:cNvSpPr txBox="1"/>
+          <p:nvPr/>
+        </p:nvSpPr>
+        <p:spPr>
+          <a:xfrm>
+            <a:off x="10442835" y="2151538"/>
+            <a:ext cx="1234736" cy="369332"/>
+          </a:xfrm>
+          <a:prstGeom prst="rect">
+            <a:avLst/>
+          </a:prstGeom>
+          <a:noFill/>
+        </p:spPr>
+        <p:txBody>
+          <a:bodyPr wrap="square" rtlCol="0">
+            <a:spAutoFit/>
+          </a:bodyPr>
+          <a:lstStyle/>
+          <a:p>
+            <a:r>
+              <a:rPr kumimoji="1" lang="en-US" altLang="ko-Kore-KR" dirty="0"/>
+              <a:t>2</a:t>
+            </a:r>
+            <a:r>
+              <a:rPr kumimoji="1" lang="en-US" altLang="ko-KR" dirty="0"/>
+              <a:t>022/3/17</a:t>
+            </a:r>
+            <a:endParaRPr kumimoji="1" lang="ko-Kore-KR" altLang="en-US" dirty="0"/>
+          </a:p>
+        </p:txBody>
+      </p:sp>
+      <mc:AlternateContent xmlns:mc="http://schemas.openxmlformats.org/markup-compatibility/2006">
+        <mc:Choice xmlns:p14="http://schemas.microsoft.com/office/powerpoint/2010/main" Requires="p14">
+          <p:contentPart p14:bwMode="auto" r:id="rId2">
+            <p14:nvContentPartPr>
+              <p14:cNvPr id="30" name="잉크 29">
+                <a:extLst>
+                  <a:ext uri="{FF2B5EF4-FFF2-40B4-BE49-F238E27FC236}">
+                    <a16:creationId xmlns:a16="http://schemas.microsoft.com/office/drawing/2014/main" id="{F20CEBF4-5D36-2CBC-37DE-1722FA266EBA}"/>
+                  </a:ext>
+                </a:extLst>
+              </p14:cNvPr>
+              <p14:cNvContentPartPr/>
+              <p14:nvPr/>
+            </p14:nvContentPartPr>
+            <p14:xfrm>
+              <a:off x="8996718" y="3134655"/>
+              <a:ext cx="360" cy="360"/>
+            </p14:xfrm>
+          </p:contentPart>
+        </mc:Choice>
+        <mc:Fallback>
+          <p:pic>
+            <p:nvPicPr>
+              <p:cNvPr id="30" name="잉크 29">
+                <a:extLst>
+                  <a:ext uri="{FF2B5EF4-FFF2-40B4-BE49-F238E27FC236}">
+                    <a16:creationId xmlns:a16="http://schemas.microsoft.com/office/drawing/2014/main" id="{F20CEBF4-5D36-2CBC-37DE-1722FA266EBA}"/>
+                  </a:ext>
+                </a:extLst>
+              </p:cNvPr>
+              <p:cNvPicPr/>
+              <p:nvPr/>
+            </p:nvPicPr>
+            <p:blipFill>
+              <a:blip r:embed="rId3"/>
+              <a:stretch>
+                <a:fillRect/>
+              </a:stretch>
+            </p:blipFill>
+            <p:spPr>
+              <a:xfrm>
+                <a:off x="8978718" y="3116655"/>
+                <a:ext cx="36000" cy="36000"/>
+              </a:xfrm>
+              <a:prstGeom prst="rect">
+                <a:avLst/>
+              </a:prstGeom>
+            </p:spPr>
+          </p:pic>
+        </mc:Fallback>
+      </mc:AlternateContent>
+      <mc:AlternateContent xmlns:mc="http://schemas.openxmlformats.org/markup-compatibility/2006">
+        <mc:Choice xmlns:p14="http://schemas.microsoft.com/office/powerpoint/2010/main" Requires="p14">
+          <p:contentPart p14:bwMode="auto" r:id="rId4">
+            <p14:nvContentPartPr>
+              <p14:cNvPr id="31" name="잉크 30">
+                <a:extLst>
+                  <a:ext uri="{FF2B5EF4-FFF2-40B4-BE49-F238E27FC236}">
+                    <a16:creationId xmlns:a16="http://schemas.microsoft.com/office/drawing/2014/main" id="{69C16C0A-B25D-3578-EB25-5FE856C81D8B}"/>
+                  </a:ext>
+                </a:extLst>
+              </p14:cNvPr>
+              <p14:cNvContentPartPr/>
+              <p14:nvPr/>
+            </p14:nvContentPartPr>
+            <p14:xfrm>
+              <a:off x="9008238" y="3393855"/>
+              <a:ext cx="360" cy="360"/>
+            </p14:xfrm>
+          </p:contentPart>
+        </mc:Choice>
+        <mc:Fallback>
+          <p:pic>
+            <p:nvPicPr>
+              <p:cNvPr id="31" name="잉크 30">
+                <a:extLst>
+                  <a:ext uri="{FF2B5EF4-FFF2-40B4-BE49-F238E27FC236}">
+                    <a16:creationId xmlns:a16="http://schemas.microsoft.com/office/drawing/2014/main" id="{69C16C0A-B25D-3578-EB25-5FE856C81D8B}"/>
+                  </a:ext>
+                </a:extLst>
+              </p:cNvPr>
+              <p:cNvPicPr/>
+              <p:nvPr/>
+            </p:nvPicPr>
+            <p:blipFill>
+              <a:blip r:embed="rId3"/>
+              <a:stretch>
+                <a:fillRect/>
+              </a:stretch>
+            </p:blipFill>
+            <p:spPr>
+              <a:xfrm>
+                <a:off x="8990238" y="3375855"/>
+                <a:ext cx="36000" cy="36000"/>
+              </a:xfrm>
+              <a:prstGeom prst="rect">
+                <a:avLst/>
+              </a:prstGeom>
+            </p:spPr>
+          </p:pic>
+        </mc:Fallback>
+      </mc:AlternateContent>
+      <mc:AlternateContent xmlns:mc="http://schemas.openxmlformats.org/markup-compatibility/2006">
+        <mc:Choice xmlns:p14="http://schemas.microsoft.com/office/powerpoint/2010/main" Requires="p14">
+          <p:contentPart p14:bwMode="auto" r:id="rId5">
+            <p14:nvContentPartPr>
+              <p14:cNvPr id="34" name="잉크 33">
+                <a:extLst>
+                  <a:ext uri="{FF2B5EF4-FFF2-40B4-BE49-F238E27FC236}">
+                    <a16:creationId xmlns:a16="http://schemas.microsoft.com/office/drawing/2014/main" id="{CC0D785C-13FE-9CD9-2765-101C9DFF3D3B}"/>
+                  </a:ext>
+                </a:extLst>
+              </p14:cNvPr>
+              <p14:cNvContentPartPr/>
+              <p14:nvPr/>
+            </p14:nvContentPartPr>
+            <p14:xfrm>
+              <a:off x="9019038" y="3681135"/>
+              <a:ext cx="360" cy="360"/>
+            </p14:xfrm>
+          </p:contentPart>
+        </mc:Choice>
+        <mc:Fallback>
+          <p:pic>
+            <p:nvPicPr>
+              <p:cNvPr id="34" name="잉크 33">
+                <a:extLst>
+                  <a:ext uri="{FF2B5EF4-FFF2-40B4-BE49-F238E27FC236}">
+                    <a16:creationId xmlns:a16="http://schemas.microsoft.com/office/drawing/2014/main" id="{CC0D785C-13FE-9CD9-2765-101C9DFF3D3B}"/>
+                  </a:ext>
+                </a:extLst>
+              </p:cNvPr>
+              <p:cNvPicPr/>
+              <p:nvPr/>
+            </p:nvPicPr>
+            <p:blipFill>
+              <a:blip r:embed="rId3"/>
+              <a:stretch>
+                <a:fillRect/>
+              </a:stretch>
+            </p:blipFill>
+            <p:spPr>
+              <a:xfrm>
+                <a:off x="9001038" y="3663135"/>
+                <a:ext cx="36000" cy="36000"/>
+              </a:xfrm>
+              <a:prstGeom prst="rect">
+                <a:avLst/>
+              </a:prstGeom>
+            </p:spPr>
+          </p:pic>
+        </mc:Fallback>
+      </mc:AlternateContent>
+      <p:sp>
+        <p:nvSpPr>
+          <p:cNvPr id="3" name="TextBox 2">
+            <a:extLst>
+              <a:ext uri="{FF2B5EF4-FFF2-40B4-BE49-F238E27FC236}">
+                <a16:creationId xmlns:a16="http://schemas.microsoft.com/office/drawing/2014/main" id="{52FCFA32-E2A0-D6B8-5601-6869E86F8C48}"/>
+              </a:ext>
+            </a:extLst>
+          </p:cNvPr>
+          <p:cNvSpPr txBox="1"/>
+          <p:nvPr/>
+        </p:nvSpPr>
+        <p:spPr>
+          <a:xfrm>
+            <a:off x="9916623" y="1481700"/>
+            <a:ext cx="532518" cy="369332"/>
+          </a:xfrm>
+          <a:prstGeom prst="rect">
+            <a:avLst/>
+          </a:prstGeom>
+          <a:noFill/>
+        </p:spPr>
+        <p:txBody>
+          <a:bodyPr wrap="none" rtlCol="0">
+            <a:spAutoFit/>
+          </a:bodyPr>
+          <a:lstStyle/>
+          <a:p>
+            <a:r>
+              <a:rPr kumimoji="1" lang="en-US" altLang="ko-KR" dirty="0"/>
+              <a:t>4</a:t>
+            </a:r>
+            <a:r>
+              <a:rPr kumimoji="1" lang="ko-KR" altLang="en-US" dirty="0"/>
+              <a:t>점</a:t>
+            </a:r>
+            <a:endParaRPr kumimoji="1" lang="ko-Kore-KR" altLang="en-US" dirty="0"/>
+          </a:p>
+        </p:txBody>
+      </p:sp>
+      <p:sp>
+        <p:nvSpPr>
+          <p:cNvPr id="4" name="TextBox 3">
+            <a:extLst>
+              <a:ext uri="{FF2B5EF4-FFF2-40B4-BE49-F238E27FC236}">
+                <a16:creationId xmlns:a16="http://schemas.microsoft.com/office/drawing/2014/main" id="{EDB071AF-347D-344B-5C4E-4DDAA2E2D616}"/>
+              </a:ext>
+            </a:extLst>
+          </p:cNvPr>
+          <p:cNvSpPr txBox="1"/>
+          <p:nvPr/>
+        </p:nvSpPr>
+        <p:spPr>
+          <a:xfrm>
+            <a:off x="9916623" y="1839408"/>
+            <a:ext cx="532518" cy="369332"/>
+          </a:xfrm>
+          <a:prstGeom prst="rect">
+            <a:avLst/>
+          </a:prstGeom>
+          <a:noFill/>
+        </p:spPr>
+        <p:txBody>
+          <a:bodyPr wrap="none" rtlCol="0">
+            <a:spAutoFit/>
+          </a:bodyPr>
+          <a:lstStyle/>
+          <a:p>
+            <a:r>
+              <a:rPr kumimoji="1" lang="en-US" altLang="ko-Kore-KR" dirty="0"/>
+              <a:t>5</a:t>
+            </a:r>
+            <a:r>
+              <a:rPr kumimoji="1" lang="ko-Kore-KR" altLang="en-US" dirty="0"/>
+              <a:t>점</a:t>
+            </a:r>
+          </a:p>
+        </p:txBody>
+      </p:sp>
+      <p:sp>
+        <p:nvSpPr>
+          <p:cNvPr id="35" name="TextBox 34">
+            <a:extLst>
+              <a:ext uri="{FF2B5EF4-FFF2-40B4-BE49-F238E27FC236}">
+                <a16:creationId xmlns:a16="http://schemas.microsoft.com/office/drawing/2014/main" id="{692F3CFB-F5AA-CD01-7529-F0E43358A8CF}"/>
+              </a:ext>
+            </a:extLst>
+          </p:cNvPr>
+          <p:cNvSpPr txBox="1"/>
+          <p:nvPr/>
+        </p:nvSpPr>
+        <p:spPr>
+          <a:xfrm>
+            <a:off x="9912142" y="2174327"/>
+            <a:ext cx="532518" cy="369332"/>
+          </a:xfrm>
+          <a:prstGeom prst="rect">
+            <a:avLst/>
+          </a:prstGeom>
+          <a:noFill/>
+        </p:spPr>
+        <p:txBody>
+          <a:bodyPr wrap="none" rtlCol="0">
+            <a:spAutoFit/>
+          </a:bodyPr>
+          <a:lstStyle/>
+          <a:p>
+            <a:r>
+              <a:rPr kumimoji="1" lang="en-US" altLang="ko-KR" dirty="0"/>
+              <a:t>4</a:t>
+            </a:r>
+            <a:r>
+              <a:rPr kumimoji="1" lang="ko-KR" altLang="en-US" dirty="0"/>
+              <a:t>점</a:t>
+            </a:r>
+            <a:endParaRPr kumimoji="1" lang="ko-Kore-KR" altLang="en-US" dirty="0"/>
+          </a:p>
+        </p:txBody>
+      </p:sp>
+      <p:sp>
+        <p:nvSpPr>
+          <p:cNvPr id="5" name="TextBox 4">
+            <a:extLst>
+              <a:ext uri="{FF2B5EF4-FFF2-40B4-BE49-F238E27FC236}">
+                <a16:creationId xmlns:a16="http://schemas.microsoft.com/office/drawing/2014/main" id="{16795A66-5C66-0D67-93AC-8DD4CDFFAAFB}"/>
+              </a:ext>
+            </a:extLst>
+          </p:cNvPr>
+          <p:cNvSpPr txBox="1"/>
+          <p:nvPr/>
+        </p:nvSpPr>
+        <p:spPr>
+          <a:xfrm>
+            <a:off x="11608859" y="1427121"/>
+            <a:ext cx="306494" cy="430887"/>
+          </a:xfrm>
+          <a:prstGeom prst="rect">
+            <a:avLst/>
+          </a:prstGeom>
+          <a:noFill/>
+        </p:spPr>
+        <p:txBody>
+          <a:bodyPr wrap="none" rtlCol="0">
+            <a:spAutoFit/>
+          </a:bodyPr>
+          <a:lstStyle/>
+          <a:p>
+            <a:r>
+              <a:rPr kumimoji="1" lang="en-US" altLang="ko-Kore-KR" sz="2200" dirty="0">
+                <a:solidFill>
+                  <a:srgbClr val="FF0000"/>
+                </a:solidFill>
+              </a:rPr>
+              <a:t>x</a:t>
+            </a:r>
+            <a:endParaRPr kumimoji="1" lang="ko-Kore-KR" altLang="en-US" sz="2200" dirty="0">
+              <a:solidFill>
+                <a:srgbClr val="FF0000"/>
+              </a:solidFill>
+            </a:endParaRPr>
+          </a:p>
+        </p:txBody>
+      </p:sp>
+      <p:sp>
+        <p:nvSpPr>
+          <p:cNvPr id="36" name="TextBox 35">
+            <a:extLst>
+              <a:ext uri="{FF2B5EF4-FFF2-40B4-BE49-F238E27FC236}">
+                <a16:creationId xmlns:a16="http://schemas.microsoft.com/office/drawing/2014/main" id="{32C64CBE-2F3E-F516-57B2-9EECF8C88643}"/>
+              </a:ext>
+            </a:extLst>
+          </p:cNvPr>
+          <p:cNvSpPr txBox="1"/>
+          <p:nvPr/>
+        </p:nvSpPr>
+        <p:spPr>
+          <a:xfrm>
+            <a:off x="11614721" y="1755064"/>
+            <a:ext cx="306494" cy="430887"/>
+          </a:xfrm>
+          <a:prstGeom prst="rect">
+            <a:avLst/>
+          </a:prstGeom>
+          <a:noFill/>
+        </p:spPr>
+        <p:txBody>
+          <a:bodyPr wrap="none" rtlCol="0">
+            <a:spAutoFit/>
+          </a:bodyPr>
+          <a:lstStyle/>
+          <a:p>
+            <a:r>
+              <a:rPr kumimoji="1" lang="en-US" altLang="ko-Kore-KR" sz="2200" dirty="0">
+                <a:solidFill>
+                  <a:srgbClr val="FF0000"/>
+                </a:solidFill>
+              </a:rPr>
+              <a:t>x</a:t>
+            </a:r>
+            <a:endParaRPr kumimoji="1" lang="ko-Kore-KR" altLang="en-US" sz="2200" dirty="0">
+              <a:solidFill>
+                <a:srgbClr val="FF0000"/>
+              </a:solidFill>
+            </a:endParaRPr>
+          </a:p>
+        </p:txBody>
+      </p:sp>
+      <p:sp>
+        <p:nvSpPr>
+          <p:cNvPr id="37" name="TextBox 36">
+            <a:extLst>
+              <a:ext uri="{FF2B5EF4-FFF2-40B4-BE49-F238E27FC236}">
+                <a16:creationId xmlns:a16="http://schemas.microsoft.com/office/drawing/2014/main" id="{11C5215D-B57C-54C5-B97F-387B4C59D32A}"/>
+              </a:ext>
+            </a:extLst>
+          </p:cNvPr>
+          <p:cNvSpPr txBox="1"/>
+          <p:nvPr/>
+        </p:nvSpPr>
+        <p:spPr>
+          <a:xfrm>
+            <a:off x="11620583" y="2112772"/>
+            <a:ext cx="306494" cy="430887"/>
+          </a:xfrm>
+          <a:prstGeom prst="rect">
+            <a:avLst/>
+          </a:prstGeom>
+          <a:noFill/>
+        </p:spPr>
+        <p:txBody>
+          <a:bodyPr wrap="none" rtlCol="0">
+            <a:spAutoFit/>
+          </a:bodyPr>
+          <a:lstStyle/>
+          <a:p>
+            <a:r>
+              <a:rPr kumimoji="1" lang="en-US" altLang="ko-Kore-KR" sz="2200" dirty="0">
+                <a:solidFill>
+                  <a:srgbClr val="FF0000"/>
+                </a:solidFill>
+              </a:rPr>
+              <a:t>x</a:t>
+            </a:r>
+            <a:endParaRPr kumimoji="1" lang="ko-Kore-KR" altLang="en-US" sz="2200" dirty="0">
+              <a:solidFill>
+                <a:srgbClr val="FF0000"/>
+              </a:solidFill>
+            </a:endParaRPr>
+          </a:p>
+        </p:txBody>
+      </p:sp>
+    </p:spTree>
+    <p:extLst>
+      <p:ext uri="{BB962C8B-B14F-4D97-AF65-F5344CB8AC3E}">
+        <p14:creationId xmlns:p14="http://schemas.microsoft.com/office/powerpoint/2010/main" val="4031500072"/>
+      </p:ext>
+    </p:extLst>
+  </p:cSld>
+  <p:clrMapOvr>
+    <a:masterClrMapping/>
+  </p:clrMapOvr>
+</p:sld>
+</file>
+
+<file path=ppt/slides/slide18.xml><?xml version="1.0" encoding="utf-8"?>
+<p:sld xmlns:a="http://schemas.openxmlformats.org/drawingml/2006/main" xmlns:r="http://schemas.openxmlformats.org/officeDocument/2006/relationships" xmlns:p="http://schemas.openxmlformats.org/presentationml/2006/main">
+  <p:cSld>
+    <p:spTree>
+      <p:nvGrpSpPr>
+        <p:cNvPr id="1" name=""/>
+        <p:cNvGrpSpPr/>
+        <p:nvPr/>
+      </p:nvGrpSpPr>
+      <p:grpSpPr>
+        <a:xfrm>
+          <a:off x="0" y="0"/>
+          <a:ext cx="0" cy="0"/>
+          <a:chOff x="0" y="0"/>
+          <a:chExt cx="0" cy="0"/>
+        </a:xfrm>
+      </p:grpSpPr>
+      <p:graphicFrame>
+        <p:nvGraphicFramePr>
+          <p:cNvPr id="10" name="표 5">
+            <a:extLst>
+              <a:ext uri="{FF2B5EF4-FFF2-40B4-BE49-F238E27FC236}">
+                <a16:creationId xmlns:a16="http://schemas.microsoft.com/office/drawing/2014/main" id="{C99CB6BD-DDB5-6751-B7AC-F5CF5B351558}"/>
+              </a:ext>
+            </a:extLst>
+          </p:cNvPr>
+          <p:cNvGraphicFramePr>
+            <a:graphicFrameLocks noGrp="1"/>
+          </p:cNvGraphicFramePr>
+          <p:nvPr>
+            <p:extLst>
+              <p:ext uri="{D42A27DB-BD31-4B8C-83A1-F6EECF244321}">
+                <p14:modId xmlns:p14="http://schemas.microsoft.com/office/powerpoint/2010/main" val="2435998115"/>
+              </p:ext>
+            </p:extLst>
+          </p:nvPr>
+        </p:nvGraphicFramePr>
+        <p:xfrm>
+          <a:off x="584501" y="1003341"/>
+          <a:ext cx="5511500" cy="4314903"/>
+        </p:xfrm>
+        <a:graphic>
+          <a:graphicData uri="http://schemas.openxmlformats.org/drawingml/2006/table">
+            <a:tbl>
+              <a:tblPr firstRow="1" bandRow="1">
+                <a:tableStyleId>{69012ECD-51FC-41F1-AA8D-1B2483CD663E}</a:tableStyleId>
+              </a:tblPr>
+              <a:tblGrid>
+                <a:gridCol w="2681747">
+                  <a:extLst>
+                    <a:ext uri="{9D8B030D-6E8A-4147-A177-3AD203B41FA5}">
+                      <a16:colId xmlns:a16="http://schemas.microsoft.com/office/drawing/2014/main" val="600303152"/>
+                    </a:ext>
+                  </a:extLst>
+                </a:gridCol>
+                <a:gridCol w="2829753">
+                  <a:extLst>
+                    <a:ext uri="{9D8B030D-6E8A-4147-A177-3AD203B41FA5}">
+                      <a16:colId xmlns:a16="http://schemas.microsoft.com/office/drawing/2014/main" val="1510390368"/>
+                    </a:ext>
+                  </a:extLst>
+                </a:gridCol>
+              </a:tblGrid>
+              <a:tr h="1220875">
+                <a:tc>
+                  <a:txBody>
+                    <a:bodyPr/>
+                    <a:lstStyle/>
+                    <a:p>
+                      <a:r>
+                        <a:rPr lang="en-US" altLang="ko-Kore-KR" dirty="0"/>
+                        <a:t>Actor Action</a:t>
+                      </a:r>
+                      <a:endParaRPr lang="ko-Kore-KR" altLang="en-US" dirty="0"/>
+                    </a:p>
+                  </a:txBody>
+                  <a:tcPr>
+                    <a:solidFill>
+                      <a:schemeClr val="accent1">
+                        <a:lumMod val="60000"/>
+                        <a:lumOff val="40000"/>
+                      </a:schemeClr>
+                    </a:solidFill>
+                  </a:tcPr>
+                </a:tc>
+                <a:tc>
+                  <a:txBody>
+                    <a:bodyPr/>
+                    <a:lstStyle/>
+                    <a:p>
+                      <a:r>
+                        <a:rPr lang="en-US" altLang="ko-Kore-KR" dirty="0"/>
+                        <a:t>System Response</a:t>
+                      </a:r>
+                      <a:endParaRPr lang="ko-Kore-KR" altLang="en-US" dirty="0"/>
+                    </a:p>
+                  </a:txBody>
+                  <a:tcPr>
+                    <a:solidFill>
+                      <a:schemeClr val="accent1">
+                        <a:lumMod val="60000"/>
+                        <a:lumOff val="40000"/>
+                      </a:schemeClr>
+                    </a:solidFill>
+                  </a:tcPr>
+                </a:tc>
+                <a:extLst>
+                  <a:ext uri="{0D108BD9-81ED-4DB2-BD59-A6C34878D82A}">
+                    <a16:rowId xmlns:a16="http://schemas.microsoft.com/office/drawing/2014/main" val="3057188334"/>
+                  </a:ext>
+                </a:extLst>
+              </a:tr>
+              <a:tr h="3094028">
+                <a:tc>
+                  <a:txBody>
+                    <a:bodyPr/>
+                    <a:lstStyle/>
+                    <a:p>
+                      <a:pPr marL="0" marR="0" lvl="0" indent="0" algn="l" defTabSz="914400" rtl="0" eaLnBrk="1" fontAlgn="auto" latinLnBrk="0" hangingPunct="1">
+                        <a:lnSpc>
+                          <a:spcPct val="100000"/>
+                        </a:lnSpc>
+                        <a:spcBef>
+                          <a:spcPts val="0"/>
+                        </a:spcBef>
+                        <a:spcAft>
+                          <a:spcPts val="0"/>
+                        </a:spcAft>
+                        <a:buClrTx/>
+                        <a:buSzTx/>
+                        <a:buFontTx/>
+                        <a:buNone/>
+                        <a:tabLst/>
+                        <a:defRPr/>
+                      </a:pPr>
+                      <a:r>
+                        <a:rPr lang="en-US" altLang="ko-Kore-KR" dirty="0"/>
+                        <a:t>1</a:t>
+                      </a:r>
+                      <a:r>
+                        <a:rPr lang="en-US" altLang="ko-KR" dirty="0"/>
+                        <a:t>. </a:t>
+                      </a:r>
+                      <a:r>
+                        <a:rPr lang="ko-KR" altLang="en-US" dirty="0"/>
+                        <a:t>사용자가</a:t>
+                      </a:r>
+                      <a:r>
+                        <a:rPr lang="ko-KR" altLang="en-US" sz="1800" kern="1200" dirty="0">
+                          <a:solidFill>
+                            <a:schemeClr val="tx1"/>
+                          </a:solidFill>
+                          <a:effectLst/>
+                          <a:latin typeface="+mn-lt"/>
+                          <a:ea typeface="+mn-ea"/>
+                          <a:cs typeface="+mn-cs"/>
+                        </a:rPr>
+                        <a:t> 구매만족도를 정하고  평가를 한다</a:t>
+                      </a:r>
+                      <a:endParaRPr lang="ko-Kore-KR" altLang="en-US" dirty="0"/>
+                    </a:p>
+                  </a:txBody>
+                  <a:tcPr anchor="ctr">
+                    <a:lnR w="12700" cap="flat" cmpd="sng" algn="ctr">
+                      <a:noFill/>
+                      <a:prstDash val="solid"/>
+                      <a:round/>
+                      <a:headEnd type="none" w="med" len="med"/>
+                      <a:tailEnd type="none" w="med" len="med"/>
+                    </a:lnR>
+                  </a:tcPr>
+                </a:tc>
+                <a:tc>
+                  <a:txBody>
+                    <a:bodyPr/>
+                    <a:lstStyle/>
+                    <a:p>
+                      <a:r>
+                        <a:rPr lang="en-US" altLang="ko-Kore-KR" dirty="0"/>
+                        <a:t>2</a:t>
+                      </a:r>
+                      <a:r>
+                        <a:rPr lang="en-US" altLang="ko-KR" dirty="0"/>
+                        <a:t>.</a:t>
+                      </a:r>
+                      <a:r>
+                        <a:rPr lang="ko-KR" altLang="en-US" dirty="0"/>
+                        <a:t>적용된 내역을 출력한다</a:t>
+                      </a:r>
+                      <a:endParaRPr lang="ko-Kore-KR" altLang="en-US" dirty="0"/>
+                    </a:p>
+                  </a:txBody>
+                  <a:tcPr anchor="ctr">
+                    <a:lnL w="12700" cap="flat" cmpd="sng" algn="ctr">
+                      <a:noFill/>
+                      <a:prstDash val="solid"/>
+                      <a:round/>
+                      <a:headEnd type="none" w="med" len="med"/>
+                      <a:tailEnd type="none" w="med" len="med"/>
+                    </a:lnL>
+                  </a:tcPr>
+                </a:tc>
+                <a:extLst>
+                  <a:ext uri="{0D108BD9-81ED-4DB2-BD59-A6C34878D82A}">
+                    <a16:rowId xmlns:a16="http://schemas.microsoft.com/office/drawing/2014/main" val="3061492118"/>
+                  </a:ext>
+                </a:extLst>
+              </a:tr>
+            </a:tbl>
+          </a:graphicData>
+        </a:graphic>
+      </p:graphicFrame>
+      <p:sp>
+        <p:nvSpPr>
+          <p:cNvPr id="11" name="TextBox 10">
+            <a:extLst>
+              <a:ext uri="{FF2B5EF4-FFF2-40B4-BE49-F238E27FC236}">
+                <a16:creationId xmlns:a16="http://schemas.microsoft.com/office/drawing/2014/main" id="{45DDCA3F-2607-D831-0010-9A730E08D3FA}"/>
+              </a:ext>
+            </a:extLst>
+          </p:cNvPr>
+          <p:cNvSpPr txBox="1"/>
+          <p:nvPr/>
+        </p:nvSpPr>
+        <p:spPr>
+          <a:xfrm>
+            <a:off x="584500" y="442932"/>
+            <a:ext cx="6080447" cy="553998"/>
+          </a:xfrm>
+          <a:prstGeom prst="rect">
+            <a:avLst/>
+          </a:prstGeom>
+          <a:noFill/>
+        </p:spPr>
+        <p:txBody>
+          <a:bodyPr wrap="none" rtlCol="0">
+            <a:spAutoFit/>
+          </a:bodyPr>
+          <a:lstStyle/>
+          <a:p>
+            <a:r>
+              <a:rPr kumimoji="1" lang="en-US" altLang="ko-Kore-KR" sz="3000" dirty="0"/>
+              <a:t>Use case Description : </a:t>
+            </a:r>
+            <a:r>
+              <a:rPr kumimoji="1" lang="ko-Kore-KR" altLang="en-US" sz="2500" dirty="0"/>
+              <a:t>구매 만족도 평가</a:t>
+            </a:r>
+          </a:p>
+        </p:txBody>
+      </p:sp>
+      <p:sp>
+        <p:nvSpPr>
+          <p:cNvPr id="29" name="모서리가 둥근 직사각형 28">
+            <a:extLst>
+              <a:ext uri="{FF2B5EF4-FFF2-40B4-BE49-F238E27FC236}">
+                <a16:creationId xmlns:a16="http://schemas.microsoft.com/office/drawing/2014/main" id="{CE0EAB7C-ECEC-84C1-EFF9-34C7C4857D12}"/>
+              </a:ext>
+            </a:extLst>
+          </p:cNvPr>
+          <p:cNvSpPr/>
+          <p:nvPr/>
+        </p:nvSpPr>
+        <p:spPr>
+          <a:xfrm>
+            <a:off x="7025788" y="3304257"/>
+            <a:ext cx="4375947" cy="1067789"/>
+          </a:xfrm>
+          <a:prstGeom prst="roundRect">
+            <a:avLst/>
+          </a:prstGeom>
+          <a:solidFill>
+            <a:schemeClr val="accent5">
+              <a:lumMod val="20000"/>
+              <a:lumOff val="80000"/>
+            </a:schemeClr>
+          </a:solidFill>
+          <a:ln>
+            <a:noFill/>
+          </a:ln>
+        </p:spPr>
+        <p:style>
+          <a:lnRef idx="2">
+            <a:schemeClr val="accent1">
+              <a:shade val="50000"/>
+            </a:schemeClr>
+          </a:lnRef>
+          <a:fillRef idx="1">
+            <a:schemeClr val="accent1"/>
+          </a:fillRef>
+          <a:effectRef idx="0">
+            <a:schemeClr val="accent1"/>
+          </a:effectRef>
+          <a:fontRef idx="minor">
+            <a:schemeClr val="lt1"/>
+          </a:fontRef>
+        </p:style>
+        <p:txBody>
+          <a:bodyPr rtlCol="0" anchor="ctr"/>
+          <a:lstStyle/>
+          <a:p>
+            <a:pPr algn="ctr"/>
+            <a:r>
+              <a:rPr kumimoji="1" lang="ko-Kore-KR" altLang="en-US" dirty="0">
+                <a:solidFill>
+                  <a:schemeClr val="tx1"/>
+                </a:solidFill>
+              </a:rPr>
+              <a:t>구매만족도 평가</a:t>
+            </a:r>
+            <a:endParaRPr kumimoji="1" lang="en-US" altLang="ko-Kore-KR" dirty="0">
+              <a:solidFill>
+                <a:schemeClr val="tx1"/>
+              </a:solidFill>
+            </a:endParaRPr>
+          </a:p>
+          <a:p>
+            <a:pPr algn="ctr"/>
+            <a:endParaRPr kumimoji="1" lang="ko-Kore-KR" altLang="en-US" dirty="0">
+              <a:solidFill>
+                <a:schemeClr val="tx1"/>
+              </a:solidFill>
+            </a:endParaRPr>
+          </a:p>
+        </p:txBody>
+      </p:sp>
+      <p:sp>
+        <p:nvSpPr>
+          <p:cNvPr id="3" name="TextBox 2">
+            <a:extLst>
+              <a:ext uri="{FF2B5EF4-FFF2-40B4-BE49-F238E27FC236}">
+                <a16:creationId xmlns:a16="http://schemas.microsoft.com/office/drawing/2014/main" id="{49BD5A45-ABA7-A88A-FB13-B32CD6DAB133}"/>
+              </a:ext>
+            </a:extLst>
+          </p:cNvPr>
+          <p:cNvSpPr txBox="1"/>
+          <p:nvPr/>
+        </p:nvSpPr>
+        <p:spPr>
+          <a:xfrm>
+            <a:off x="7559066" y="3838151"/>
+            <a:ext cx="301686" cy="369332"/>
+          </a:xfrm>
+          <a:prstGeom prst="rect">
+            <a:avLst/>
+          </a:prstGeom>
+          <a:solidFill>
+            <a:schemeClr val="bg1"/>
+          </a:solidFill>
+        </p:spPr>
+        <p:txBody>
+          <a:bodyPr wrap="none" rtlCol="0">
+            <a:spAutoFit/>
+          </a:bodyPr>
+          <a:lstStyle/>
+          <a:p>
+            <a:r>
+              <a:rPr kumimoji="1" lang="en-US" altLang="ko-Kore-KR" dirty="0"/>
+              <a:t>1</a:t>
+            </a:r>
+            <a:endParaRPr kumimoji="1" lang="ko-Kore-KR" altLang="en-US" dirty="0"/>
+          </a:p>
+        </p:txBody>
+      </p:sp>
+      <p:sp>
+        <p:nvSpPr>
+          <p:cNvPr id="65" name="TextBox 64">
+            <a:extLst>
+              <a:ext uri="{FF2B5EF4-FFF2-40B4-BE49-F238E27FC236}">
+                <a16:creationId xmlns:a16="http://schemas.microsoft.com/office/drawing/2014/main" id="{BDED3762-6EEB-BC12-EFA8-D6A14EF446FC}"/>
+              </a:ext>
+            </a:extLst>
+          </p:cNvPr>
+          <p:cNvSpPr txBox="1"/>
+          <p:nvPr/>
+        </p:nvSpPr>
+        <p:spPr>
+          <a:xfrm>
+            <a:off x="9085904" y="3838151"/>
+            <a:ext cx="301686" cy="369332"/>
+          </a:xfrm>
+          <a:prstGeom prst="rect">
+            <a:avLst/>
+          </a:prstGeom>
+          <a:solidFill>
+            <a:schemeClr val="bg1"/>
+          </a:solidFill>
+        </p:spPr>
+        <p:txBody>
+          <a:bodyPr wrap="none" rtlCol="0">
+            <a:spAutoFit/>
+          </a:bodyPr>
+          <a:lstStyle/>
+          <a:p>
+            <a:r>
+              <a:rPr kumimoji="1" lang="en-US" altLang="ko-KR" dirty="0"/>
+              <a:t>3</a:t>
+            </a:r>
+            <a:endParaRPr kumimoji="1" lang="ko-Kore-KR" altLang="en-US" dirty="0"/>
+          </a:p>
+        </p:txBody>
+      </p:sp>
+      <p:sp>
+        <p:nvSpPr>
+          <p:cNvPr id="66" name="TextBox 65">
+            <a:extLst>
+              <a:ext uri="{FF2B5EF4-FFF2-40B4-BE49-F238E27FC236}">
+                <a16:creationId xmlns:a16="http://schemas.microsoft.com/office/drawing/2014/main" id="{E70482D1-9FF3-72D0-D38E-5B3F7BEA0227}"/>
+              </a:ext>
+            </a:extLst>
+          </p:cNvPr>
+          <p:cNvSpPr txBox="1"/>
+          <p:nvPr/>
+        </p:nvSpPr>
+        <p:spPr>
+          <a:xfrm>
+            <a:off x="8319325" y="3837190"/>
+            <a:ext cx="301686" cy="369332"/>
+          </a:xfrm>
+          <a:prstGeom prst="rect">
+            <a:avLst/>
+          </a:prstGeom>
+          <a:solidFill>
+            <a:schemeClr val="bg1"/>
+          </a:solidFill>
+        </p:spPr>
+        <p:txBody>
+          <a:bodyPr wrap="none" rtlCol="0">
+            <a:spAutoFit/>
+          </a:bodyPr>
+          <a:lstStyle/>
+          <a:p>
+            <a:r>
+              <a:rPr kumimoji="1" lang="en-US" altLang="ko-KR" dirty="0"/>
+              <a:t>2</a:t>
+            </a:r>
+            <a:endParaRPr kumimoji="1" lang="ko-Kore-KR" altLang="en-US" dirty="0"/>
+          </a:p>
+        </p:txBody>
+      </p:sp>
+      <p:sp>
+        <p:nvSpPr>
+          <p:cNvPr id="67" name="TextBox 66">
+            <a:extLst>
+              <a:ext uri="{FF2B5EF4-FFF2-40B4-BE49-F238E27FC236}">
+                <a16:creationId xmlns:a16="http://schemas.microsoft.com/office/drawing/2014/main" id="{4546E456-4CBF-9FC2-3031-ACA92603C620}"/>
+              </a:ext>
+            </a:extLst>
+          </p:cNvPr>
+          <p:cNvSpPr txBox="1"/>
+          <p:nvPr/>
+        </p:nvSpPr>
+        <p:spPr>
+          <a:xfrm>
+            <a:off x="9846163" y="3853647"/>
+            <a:ext cx="301686" cy="369332"/>
+          </a:xfrm>
+          <a:prstGeom prst="rect">
+            <a:avLst/>
+          </a:prstGeom>
+          <a:solidFill>
+            <a:schemeClr val="bg1"/>
+          </a:solidFill>
+        </p:spPr>
+        <p:txBody>
+          <a:bodyPr wrap="none" rtlCol="0">
+            <a:spAutoFit/>
+          </a:bodyPr>
+          <a:lstStyle/>
+          <a:p>
+            <a:r>
+              <a:rPr kumimoji="1" lang="en-US" altLang="ko-KR" dirty="0"/>
+              <a:t>4</a:t>
+            </a:r>
+            <a:endParaRPr kumimoji="1" lang="ko-Kore-KR" altLang="en-US" dirty="0"/>
+          </a:p>
+        </p:txBody>
+      </p:sp>
+      <p:sp>
+        <p:nvSpPr>
+          <p:cNvPr id="68" name="TextBox 67">
+            <a:extLst>
+              <a:ext uri="{FF2B5EF4-FFF2-40B4-BE49-F238E27FC236}">
+                <a16:creationId xmlns:a16="http://schemas.microsoft.com/office/drawing/2014/main" id="{AA88E0D3-6CA8-B97F-EC69-74A17D0207C0}"/>
+              </a:ext>
+            </a:extLst>
+          </p:cNvPr>
+          <p:cNvSpPr txBox="1"/>
+          <p:nvPr/>
+        </p:nvSpPr>
+        <p:spPr>
+          <a:xfrm>
+            <a:off x="10606422" y="3853647"/>
+            <a:ext cx="301686" cy="369332"/>
+          </a:xfrm>
+          <a:prstGeom prst="rect">
+            <a:avLst/>
+          </a:prstGeom>
+          <a:solidFill>
+            <a:schemeClr val="bg1"/>
+          </a:solidFill>
+        </p:spPr>
+        <p:txBody>
+          <a:bodyPr wrap="none" rtlCol="0">
+            <a:spAutoFit/>
+          </a:bodyPr>
+          <a:lstStyle/>
+          <a:p>
+            <a:r>
+              <a:rPr kumimoji="1" lang="en-US" altLang="ko-KR" dirty="0"/>
+              <a:t>5</a:t>
+            </a:r>
+            <a:endParaRPr kumimoji="1" lang="ko-Kore-KR" altLang="en-US" dirty="0"/>
+          </a:p>
+        </p:txBody>
+      </p:sp>
+      <p:sp>
+        <p:nvSpPr>
+          <p:cNvPr id="69" name="TextBox 68">
+            <a:extLst>
+              <a:ext uri="{FF2B5EF4-FFF2-40B4-BE49-F238E27FC236}">
+                <a16:creationId xmlns:a16="http://schemas.microsoft.com/office/drawing/2014/main" id="{EAB0B112-FBC2-D963-FDDE-47319F14D698}"/>
+              </a:ext>
+            </a:extLst>
+          </p:cNvPr>
+          <p:cNvSpPr txBox="1"/>
+          <p:nvPr/>
+        </p:nvSpPr>
+        <p:spPr>
+          <a:xfrm>
+            <a:off x="7231552" y="1469915"/>
+            <a:ext cx="1467244" cy="369332"/>
+          </a:xfrm>
+          <a:prstGeom prst="rect">
+            <a:avLst/>
+          </a:prstGeom>
+          <a:noFill/>
+        </p:spPr>
+        <p:txBody>
+          <a:bodyPr wrap="square" rtlCol="0">
+            <a:spAutoFit/>
+          </a:bodyPr>
+          <a:lstStyle/>
+          <a:p>
+            <a:r>
+              <a:rPr kumimoji="1" lang="ko-Kore-KR" altLang="en-US" dirty="0"/>
+              <a:t>벨벳 드레스</a:t>
+            </a:r>
+          </a:p>
+        </p:txBody>
+      </p:sp>
+      <p:cxnSp>
+        <p:nvCxnSpPr>
+          <p:cNvPr id="70" name="직선 연결선[R] 69">
+            <a:extLst>
+              <a:ext uri="{FF2B5EF4-FFF2-40B4-BE49-F238E27FC236}">
+                <a16:creationId xmlns:a16="http://schemas.microsoft.com/office/drawing/2014/main" id="{AA046B24-890C-7F82-C921-65EF83919BD4}"/>
+              </a:ext>
+            </a:extLst>
+          </p:cNvPr>
+          <p:cNvCxnSpPr/>
+          <p:nvPr/>
+        </p:nvCxnSpPr>
+        <p:spPr>
+          <a:xfrm>
+            <a:off x="6816551" y="1330434"/>
+            <a:ext cx="4794422" cy="0"/>
+          </a:xfrm>
+          <a:prstGeom prst="line">
+            <a:avLst/>
+          </a:prstGeom>
+          <a:ln w="50800">
+            <a:solidFill>
+              <a:schemeClr val="tx1"/>
+            </a:solidFill>
+          </a:ln>
+        </p:spPr>
+        <p:style>
+          <a:lnRef idx="1">
+            <a:schemeClr val="accent1"/>
+          </a:lnRef>
+          <a:fillRef idx="0">
+            <a:schemeClr val="accent1"/>
+          </a:fillRef>
+          <a:effectRef idx="0">
+            <a:schemeClr val="accent1"/>
+          </a:effectRef>
+          <a:fontRef idx="minor">
+            <a:schemeClr val="tx1"/>
+          </a:fontRef>
+        </p:style>
+      </p:cxnSp>
+      <p:sp>
+        <p:nvSpPr>
+          <p:cNvPr id="71" name="TextBox 70">
+            <a:extLst>
+              <a:ext uri="{FF2B5EF4-FFF2-40B4-BE49-F238E27FC236}">
+                <a16:creationId xmlns:a16="http://schemas.microsoft.com/office/drawing/2014/main" id="{997DE8CA-0DAE-5EE9-75F3-31F0D03680CD}"/>
+              </a:ext>
+            </a:extLst>
+          </p:cNvPr>
+          <p:cNvSpPr txBox="1"/>
+          <p:nvPr/>
+        </p:nvSpPr>
+        <p:spPr>
+          <a:xfrm>
+            <a:off x="7129462" y="865125"/>
+            <a:ext cx="1160895" cy="369332"/>
+          </a:xfrm>
+          <a:prstGeom prst="rect">
+            <a:avLst/>
+          </a:prstGeom>
+          <a:noFill/>
+        </p:spPr>
+        <p:txBody>
+          <a:bodyPr wrap="none" rtlCol="0">
+            <a:spAutoFit/>
+          </a:bodyPr>
+          <a:lstStyle/>
+          <a:p>
+            <a:r>
+              <a:rPr kumimoji="1" lang="ko-Kore-KR" altLang="en-US" dirty="0"/>
+              <a:t>구매 내역</a:t>
+            </a:r>
+            <a:endParaRPr kumimoji="1" lang="en-US" altLang="ko-Kore-KR" dirty="0"/>
+          </a:p>
+        </p:txBody>
+      </p:sp>
+      <p:cxnSp>
+        <p:nvCxnSpPr>
+          <p:cNvPr id="72" name="직선 연결선[R] 71">
+            <a:extLst>
+              <a:ext uri="{FF2B5EF4-FFF2-40B4-BE49-F238E27FC236}">
+                <a16:creationId xmlns:a16="http://schemas.microsoft.com/office/drawing/2014/main" id="{0784C036-E85F-4711-B56B-CC918CBECF33}"/>
+              </a:ext>
+            </a:extLst>
+          </p:cNvPr>
+          <p:cNvCxnSpPr>
+            <a:cxnSpLocks/>
+          </p:cNvCxnSpPr>
+          <p:nvPr/>
+        </p:nvCxnSpPr>
+        <p:spPr>
+          <a:xfrm>
+            <a:off x="7129462" y="1330434"/>
+            <a:ext cx="0" cy="1387280"/>
+          </a:xfrm>
+          <a:prstGeom prst="line">
+            <a:avLst/>
+          </a:prstGeom>
+          <a:ln w="50800">
+            <a:solidFill>
+              <a:schemeClr val="tx1"/>
+            </a:solidFill>
+          </a:ln>
+        </p:spPr>
+        <p:style>
+          <a:lnRef idx="1">
+            <a:schemeClr val="accent1"/>
+          </a:lnRef>
+          <a:fillRef idx="0">
+            <a:schemeClr val="accent1"/>
+          </a:fillRef>
+          <a:effectRef idx="0">
+            <a:schemeClr val="accent1"/>
+          </a:effectRef>
+          <a:fontRef idx="minor">
+            <a:schemeClr val="tx1"/>
+          </a:fontRef>
+        </p:style>
+      </p:cxnSp>
+      <p:sp>
+        <p:nvSpPr>
+          <p:cNvPr id="73" name="TextBox 72">
+            <a:extLst>
+              <a:ext uri="{FF2B5EF4-FFF2-40B4-BE49-F238E27FC236}">
+                <a16:creationId xmlns:a16="http://schemas.microsoft.com/office/drawing/2014/main" id="{A5B0D37D-69A3-F0AE-2805-664249E9A95B}"/>
+              </a:ext>
+            </a:extLst>
+          </p:cNvPr>
+          <p:cNvSpPr txBox="1"/>
+          <p:nvPr/>
+        </p:nvSpPr>
+        <p:spPr>
+          <a:xfrm>
+            <a:off x="6800550" y="1469915"/>
+            <a:ext cx="301686" cy="369332"/>
+          </a:xfrm>
+          <a:prstGeom prst="rect">
+            <a:avLst/>
+          </a:prstGeom>
+          <a:noFill/>
+        </p:spPr>
+        <p:txBody>
+          <a:bodyPr wrap="none" rtlCol="0">
+            <a:spAutoFit/>
+          </a:bodyPr>
+          <a:lstStyle/>
+          <a:p>
+            <a:r>
+              <a:rPr kumimoji="1" lang="en-US" altLang="ko-Kore-KR" dirty="0"/>
+              <a:t>1</a:t>
+            </a:r>
+            <a:endParaRPr kumimoji="1" lang="ko-Kore-KR" altLang="en-US" dirty="0"/>
+          </a:p>
+        </p:txBody>
+      </p:sp>
+      <p:sp>
+        <p:nvSpPr>
+          <p:cNvPr id="74" name="TextBox 73">
+            <a:extLst>
+              <a:ext uri="{FF2B5EF4-FFF2-40B4-BE49-F238E27FC236}">
+                <a16:creationId xmlns:a16="http://schemas.microsoft.com/office/drawing/2014/main" id="{A87D596A-BC9E-DEDC-1AD5-EADEE567F895}"/>
+              </a:ext>
+            </a:extLst>
+          </p:cNvPr>
+          <p:cNvSpPr txBox="1"/>
+          <p:nvPr/>
+        </p:nvSpPr>
+        <p:spPr>
+          <a:xfrm>
+            <a:off x="8667521" y="1470543"/>
+            <a:ext cx="1149674" cy="369332"/>
+          </a:xfrm>
+          <a:prstGeom prst="rect">
+            <a:avLst/>
+          </a:prstGeom>
+          <a:noFill/>
+        </p:spPr>
+        <p:txBody>
+          <a:bodyPr wrap="none" rtlCol="0">
+            <a:spAutoFit/>
+          </a:bodyPr>
+          <a:lstStyle/>
+          <a:p>
+            <a:r>
+              <a:rPr kumimoji="1" lang="en-US" altLang="ko-Kore-KR" dirty="0"/>
+              <a:t>2</a:t>
+            </a:r>
+            <a:r>
+              <a:rPr kumimoji="1" lang="en-US" altLang="ko-KR" dirty="0"/>
+              <a:t>00,000</a:t>
+            </a:r>
+            <a:r>
+              <a:rPr kumimoji="1" lang="ko-KR" altLang="en-US" dirty="0"/>
+              <a:t>₩</a:t>
+            </a:r>
+            <a:endParaRPr kumimoji="1" lang="ko-Kore-KR" altLang="en-US" dirty="0"/>
+          </a:p>
+        </p:txBody>
+      </p:sp>
+      <p:sp>
+        <p:nvSpPr>
+          <p:cNvPr id="75" name="TextBox 74">
+            <a:extLst>
+              <a:ext uri="{FF2B5EF4-FFF2-40B4-BE49-F238E27FC236}">
+                <a16:creationId xmlns:a16="http://schemas.microsoft.com/office/drawing/2014/main" id="{0905282C-62A1-9E31-2034-979B7C0E10E6}"/>
+              </a:ext>
+            </a:extLst>
+          </p:cNvPr>
+          <p:cNvSpPr txBox="1"/>
+          <p:nvPr/>
+        </p:nvSpPr>
+        <p:spPr>
+          <a:xfrm>
+            <a:off x="10442835" y="1469915"/>
+            <a:ext cx="1234736" cy="369332"/>
+          </a:xfrm>
+          <a:prstGeom prst="rect">
+            <a:avLst/>
+          </a:prstGeom>
+          <a:noFill/>
+        </p:spPr>
+        <p:txBody>
+          <a:bodyPr wrap="square" rtlCol="0">
+            <a:spAutoFit/>
+          </a:bodyPr>
+          <a:lstStyle/>
+          <a:p>
+            <a:r>
+              <a:rPr kumimoji="1" lang="en-US" altLang="ko-Kore-KR" dirty="0"/>
+              <a:t>2</a:t>
+            </a:r>
+            <a:r>
+              <a:rPr kumimoji="1" lang="en-US" altLang="ko-KR" dirty="0"/>
+              <a:t>022/4/12</a:t>
+            </a:r>
+            <a:endParaRPr kumimoji="1" lang="ko-Kore-KR" altLang="en-US" dirty="0"/>
+          </a:p>
+        </p:txBody>
+      </p:sp>
+      <p:sp>
+        <p:nvSpPr>
+          <p:cNvPr id="76" name="TextBox 75">
+            <a:extLst>
+              <a:ext uri="{FF2B5EF4-FFF2-40B4-BE49-F238E27FC236}">
+                <a16:creationId xmlns:a16="http://schemas.microsoft.com/office/drawing/2014/main" id="{B69F5060-E79C-0FC1-B298-81CEE6CFE0BB}"/>
+              </a:ext>
+            </a:extLst>
+          </p:cNvPr>
+          <p:cNvSpPr txBox="1"/>
+          <p:nvPr/>
+        </p:nvSpPr>
+        <p:spPr>
+          <a:xfrm>
+            <a:off x="7231552" y="1816619"/>
+            <a:ext cx="1467244" cy="369332"/>
+          </a:xfrm>
+          <a:prstGeom prst="rect">
+            <a:avLst/>
+          </a:prstGeom>
+          <a:noFill/>
+        </p:spPr>
+        <p:txBody>
+          <a:bodyPr wrap="square" rtlCol="0">
+            <a:spAutoFit/>
+          </a:bodyPr>
+          <a:lstStyle/>
+          <a:p>
+            <a:r>
+              <a:rPr kumimoji="1" lang="ko-Kore-KR" altLang="en-US" dirty="0"/>
+              <a:t>하얀 반팔</a:t>
+            </a:r>
+          </a:p>
+        </p:txBody>
+      </p:sp>
+      <p:sp>
+        <p:nvSpPr>
+          <p:cNvPr id="77" name="TextBox 76">
+            <a:extLst>
+              <a:ext uri="{FF2B5EF4-FFF2-40B4-BE49-F238E27FC236}">
+                <a16:creationId xmlns:a16="http://schemas.microsoft.com/office/drawing/2014/main" id="{764B54A7-6E28-A6D9-E4AF-2FEDFEA2CA2C}"/>
+              </a:ext>
+            </a:extLst>
+          </p:cNvPr>
+          <p:cNvSpPr txBox="1"/>
+          <p:nvPr/>
+        </p:nvSpPr>
+        <p:spPr>
+          <a:xfrm>
+            <a:off x="6800550" y="1816619"/>
+            <a:ext cx="301686" cy="369332"/>
+          </a:xfrm>
+          <a:prstGeom prst="rect">
+            <a:avLst/>
+          </a:prstGeom>
+          <a:noFill/>
+        </p:spPr>
+        <p:txBody>
+          <a:bodyPr wrap="none" rtlCol="0">
+            <a:spAutoFit/>
+          </a:bodyPr>
+          <a:lstStyle/>
+          <a:p>
+            <a:r>
+              <a:rPr kumimoji="1" lang="en-US" altLang="ko-KR" dirty="0"/>
+              <a:t>2</a:t>
+            </a:r>
+            <a:endParaRPr kumimoji="1" lang="ko-Kore-KR" altLang="en-US" dirty="0"/>
+          </a:p>
+        </p:txBody>
+      </p:sp>
+      <p:sp>
+        <p:nvSpPr>
+          <p:cNvPr id="78" name="TextBox 77">
+            <a:extLst>
+              <a:ext uri="{FF2B5EF4-FFF2-40B4-BE49-F238E27FC236}">
+                <a16:creationId xmlns:a16="http://schemas.microsoft.com/office/drawing/2014/main" id="{718BFDC1-C7FA-9863-C43F-5A80DC92AC3E}"/>
+              </a:ext>
+            </a:extLst>
+          </p:cNvPr>
+          <p:cNvSpPr txBox="1"/>
+          <p:nvPr/>
+        </p:nvSpPr>
+        <p:spPr>
+          <a:xfrm>
+            <a:off x="8667521" y="1817247"/>
+            <a:ext cx="1138453" cy="369332"/>
+          </a:xfrm>
+          <a:prstGeom prst="rect">
+            <a:avLst/>
+          </a:prstGeom>
+          <a:noFill/>
+        </p:spPr>
+        <p:txBody>
+          <a:bodyPr wrap="none" rtlCol="0">
+            <a:spAutoFit/>
+          </a:bodyPr>
+          <a:lstStyle/>
+          <a:p>
+            <a:r>
+              <a:rPr kumimoji="1" lang="en-US" altLang="ko-Kore-KR" dirty="0"/>
+              <a:t>  2</a:t>
+            </a:r>
+            <a:r>
+              <a:rPr kumimoji="1" lang="en-US" altLang="ko-KR" dirty="0"/>
+              <a:t>0,000</a:t>
+            </a:r>
+            <a:r>
+              <a:rPr kumimoji="1" lang="ko-KR" altLang="en-US" dirty="0"/>
+              <a:t>₩</a:t>
+            </a:r>
+            <a:endParaRPr kumimoji="1" lang="ko-Kore-KR" altLang="en-US" dirty="0"/>
+          </a:p>
+        </p:txBody>
+      </p:sp>
+      <p:sp>
+        <p:nvSpPr>
+          <p:cNvPr id="79" name="TextBox 78">
+            <a:extLst>
+              <a:ext uri="{FF2B5EF4-FFF2-40B4-BE49-F238E27FC236}">
+                <a16:creationId xmlns:a16="http://schemas.microsoft.com/office/drawing/2014/main" id="{5E3DFEE7-CFE2-8F52-383F-F82B640A1D20}"/>
+              </a:ext>
+            </a:extLst>
+          </p:cNvPr>
+          <p:cNvSpPr txBox="1"/>
+          <p:nvPr/>
+        </p:nvSpPr>
+        <p:spPr>
+          <a:xfrm>
+            <a:off x="10442835" y="1816619"/>
+            <a:ext cx="1234736" cy="369332"/>
+          </a:xfrm>
+          <a:prstGeom prst="rect">
+            <a:avLst/>
+          </a:prstGeom>
+          <a:noFill/>
+        </p:spPr>
+        <p:txBody>
+          <a:bodyPr wrap="square" rtlCol="0">
+            <a:spAutoFit/>
+          </a:bodyPr>
+          <a:lstStyle/>
+          <a:p>
+            <a:r>
+              <a:rPr kumimoji="1" lang="en-US" altLang="ko-Kore-KR" dirty="0"/>
+              <a:t>2</a:t>
+            </a:r>
+            <a:r>
+              <a:rPr kumimoji="1" lang="en-US" altLang="ko-KR" dirty="0"/>
+              <a:t>022/4/24</a:t>
+            </a:r>
+            <a:endParaRPr kumimoji="1" lang="ko-Kore-KR" altLang="en-US" dirty="0"/>
+          </a:p>
+        </p:txBody>
+      </p:sp>
+      <p:sp>
+        <p:nvSpPr>
+          <p:cNvPr id="80" name="TextBox 79">
+            <a:extLst>
+              <a:ext uri="{FF2B5EF4-FFF2-40B4-BE49-F238E27FC236}">
+                <a16:creationId xmlns:a16="http://schemas.microsoft.com/office/drawing/2014/main" id="{99AC9B6C-4BC1-3AB9-437D-C1C3D3E8F9E9}"/>
+              </a:ext>
+            </a:extLst>
+          </p:cNvPr>
+          <p:cNvSpPr txBox="1"/>
+          <p:nvPr/>
+        </p:nvSpPr>
+        <p:spPr>
+          <a:xfrm>
+            <a:off x="7231552" y="2151538"/>
+            <a:ext cx="1467244" cy="369332"/>
+          </a:xfrm>
+          <a:prstGeom prst="rect">
+            <a:avLst/>
+          </a:prstGeom>
+          <a:noFill/>
+        </p:spPr>
+        <p:txBody>
+          <a:bodyPr wrap="square" rtlCol="0">
+            <a:spAutoFit/>
+          </a:bodyPr>
+          <a:lstStyle/>
+          <a:p>
+            <a:r>
+              <a:rPr kumimoji="1" lang="ko-Kore-KR" altLang="en-US" dirty="0"/>
+              <a:t>검은색 코트</a:t>
+            </a:r>
+          </a:p>
+        </p:txBody>
+      </p:sp>
+      <p:sp>
+        <p:nvSpPr>
+          <p:cNvPr id="81" name="TextBox 80">
+            <a:extLst>
+              <a:ext uri="{FF2B5EF4-FFF2-40B4-BE49-F238E27FC236}">
+                <a16:creationId xmlns:a16="http://schemas.microsoft.com/office/drawing/2014/main" id="{F9EF311F-610D-7F1E-7371-32372D34F257}"/>
+              </a:ext>
+            </a:extLst>
+          </p:cNvPr>
+          <p:cNvSpPr txBox="1"/>
+          <p:nvPr/>
+        </p:nvSpPr>
+        <p:spPr>
+          <a:xfrm>
+            <a:off x="6800550" y="2151538"/>
+            <a:ext cx="301686" cy="369332"/>
+          </a:xfrm>
+          <a:prstGeom prst="rect">
+            <a:avLst/>
+          </a:prstGeom>
+          <a:noFill/>
+        </p:spPr>
+        <p:txBody>
+          <a:bodyPr wrap="none" rtlCol="0">
+            <a:spAutoFit/>
+          </a:bodyPr>
+          <a:lstStyle/>
+          <a:p>
+            <a:r>
+              <a:rPr kumimoji="1" lang="en-US" altLang="ko-KR" dirty="0"/>
+              <a:t>3</a:t>
+            </a:r>
+            <a:endParaRPr kumimoji="1" lang="ko-Kore-KR" altLang="en-US" dirty="0"/>
+          </a:p>
+        </p:txBody>
+      </p:sp>
+      <p:sp>
+        <p:nvSpPr>
+          <p:cNvPr id="82" name="TextBox 81">
+            <a:extLst>
+              <a:ext uri="{FF2B5EF4-FFF2-40B4-BE49-F238E27FC236}">
+                <a16:creationId xmlns:a16="http://schemas.microsoft.com/office/drawing/2014/main" id="{56FE0B6E-DE7B-15FA-34F2-3A8C18C9EBD3}"/>
+              </a:ext>
+            </a:extLst>
+          </p:cNvPr>
+          <p:cNvSpPr txBox="1"/>
+          <p:nvPr/>
+        </p:nvSpPr>
+        <p:spPr>
+          <a:xfrm>
+            <a:off x="8667521" y="2152166"/>
+            <a:ext cx="1149674" cy="369332"/>
+          </a:xfrm>
+          <a:prstGeom prst="rect">
+            <a:avLst/>
+          </a:prstGeom>
+          <a:noFill/>
+        </p:spPr>
+        <p:txBody>
+          <a:bodyPr wrap="none" rtlCol="0">
+            <a:spAutoFit/>
+          </a:bodyPr>
+          <a:lstStyle/>
+          <a:p>
+            <a:r>
+              <a:rPr kumimoji="1" lang="en-US" altLang="ko-KR" dirty="0"/>
+              <a:t>150,000</a:t>
+            </a:r>
+            <a:r>
+              <a:rPr kumimoji="1" lang="ko-KR" altLang="en-US" dirty="0"/>
+              <a:t>₩</a:t>
+            </a:r>
+            <a:endParaRPr kumimoji="1" lang="ko-Kore-KR" altLang="en-US" dirty="0"/>
+          </a:p>
+        </p:txBody>
+      </p:sp>
+      <p:sp>
+        <p:nvSpPr>
+          <p:cNvPr id="83" name="TextBox 82">
+            <a:extLst>
+              <a:ext uri="{FF2B5EF4-FFF2-40B4-BE49-F238E27FC236}">
+                <a16:creationId xmlns:a16="http://schemas.microsoft.com/office/drawing/2014/main" id="{BA6CC3C0-143D-3ADE-32B9-B8ACF96F63D5}"/>
+              </a:ext>
+            </a:extLst>
+          </p:cNvPr>
+          <p:cNvSpPr txBox="1"/>
+          <p:nvPr/>
+        </p:nvSpPr>
+        <p:spPr>
+          <a:xfrm>
+            <a:off x="10442835" y="2151538"/>
+            <a:ext cx="1234736" cy="369332"/>
+          </a:xfrm>
+          <a:prstGeom prst="rect">
+            <a:avLst/>
+          </a:prstGeom>
+          <a:noFill/>
+        </p:spPr>
+        <p:txBody>
+          <a:bodyPr wrap="square" rtlCol="0">
+            <a:spAutoFit/>
+          </a:bodyPr>
+          <a:lstStyle/>
+          <a:p>
+            <a:r>
+              <a:rPr kumimoji="1" lang="en-US" altLang="ko-Kore-KR" dirty="0"/>
+              <a:t>2</a:t>
+            </a:r>
+            <a:r>
+              <a:rPr kumimoji="1" lang="en-US" altLang="ko-KR" dirty="0"/>
+              <a:t>022/3/17</a:t>
+            </a:r>
+            <a:endParaRPr kumimoji="1" lang="ko-Kore-KR" altLang="en-US" dirty="0"/>
+          </a:p>
+        </p:txBody>
+      </p:sp>
+      <p:sp>
+        <p:nvSpPr>
+          <p:cNvPr id="84" name="TextBox 83">
+            <a:extLst>
+              <a:ext uri="{FF2B5EF4-FFF2-40B4-BE49-F238E27FC236}">
+                <a16:creationId xmlns:a16="http://schemas.microsoft.com/office/drawing/2014/main" id="{69BE7B1F-1D19-7062-F0BE-9C80FE0631D8}"/>
+              </a:ext>
+            </a:extLst>
+          </p:cNvPr>
+          <p:cNvSpPr txBox="1"/>
+          <p:nvPr/>
+        </p:nvSpPr>
+        <p:spPr>
+          <a:xfrm>
+            <a:off x="9916623" y="1481700"/>
+            <a:ext cx="532518" cy="369332"/>
+          </a:xfrm>
+          <a:prstGeom prst="rect">
+            <a:avLst/>
+          </a:prstGeom>
+          <a:noFill/>
+        </p:spPr>
+        <p:txBody>
+          <a:bodyPr wrap="none" rtlCol="0">
+            <a:spAutoFit/>
+          </a:bodyPr>
+          <a:lstStyle/>
+          <a:p>
+            <a:r>
+              <a:rPr kumimoji="1" lang="en-US" altLang="ko-KR" dirty="0"/>
+              <a:t>4</a:t>
+            </a:r>
+            <a:r>
+              <a:rPr kumimoji="1" lang="ko-KR" altLang="en-US" dirty="0"/>
+              <a:t>점</a:t>
+            </a:r>
+            <a:endParaRPr kumimoji="1" lang="ko-Kore-KR" altLang="en-US" dirty="0"/>
+          </a:p>
+        </p:txBody>
+      </p:sp>
+      <p:sp>
+        <p:nvSpPr>
+          <p:cNvPr id="85" name="TextBox 84">
+            <a:extLst>
+              <a:ext uri="{FF2B5EF4-FFF2-40B4-BE49-F238E27FC236}">
+                <a16:creationId xmlns:a16="http://schemas.microsoft.com/office/drawing/2014/main" id="{FF8127D6-5988-3C1E-77C3-C59087685A55}"/>
+              </a:ext>
+            </a:extLst>
+          </p:cNvPr>
+          <p:cNvSpPr txBox="1"/>
+          <p:nvPr/>
+        </p:nvSpPr>
+        <p:spPr>
+          <a:xfrm>
+            <a:off x="9916623" y="1839408"/>
+            <a:ext cx="532518" cy="369332"/>
+          </a:xfrm>
+          <a:prstGeom prst="rect">
+            <a:avLst/>
+          </a:prstGeom>
+          <a:noFill/>
+        </p:spPr>
+        <p:txBody>
+          <a:bodyPr wrap="none" rtlCol="0">
+            <a:spAutoFit/>
+          </a:bodyPr>
+          <a:lstStyle/>
+          <a:p>
+            <a:r>
+              <a:rPr kumimoji="1" lang="en-US" altLang="ko-Kore-KR" dirty="0"/>
+              <a:t>5</a:t>
+            </a:r>
+            <a:r>
+              <a:rPr kumimoji="1" lang="ko-Kore-KR" altLang="en-US" dirty="0"/>
+              <a:t>점</a:t>
+            </a:r>
+          </a:p>
+        </p:txBody>
+      </p:sp>
+      <p:sp>
+        <p:nvSpPr>
+          <p:cNvPr id="86" name="TextBox 85">
+            <a:extLst>
+              <a:ext uri="{FF2B5EF4-FFF2-40B4-BE49-F238E27FC236}">
+                <a16:creationId xmlns:a16="http://schemas.microsoft.com/office/drawing/2014/main" id="{84244115-09DB-9952-1362-5AD540832B5B}"/>
+              </a:ext>
+            </a:extLst>
+          </p:cNvPr>
+          <p:cNvSpPr txBox="1"/>
+          <p:nvPr/>
+        </p:nvSpPr>
+        <p:spPr>
+          <a:xfrm>
+            <a:off x="9912142" y="2174327"/>
+            <a:ext cx="532518" cy="369332"/>
+          </a:xfrm>
+          <a:prstGeom prst="rect">
+            <a:avLst/>
+          </a:prstGeom>
+          <a:noFill/>
+        </p:spPr>
+        <p:txBody>
+          <a:bodyPr wrap="none" rtlCol="0">
+            <a:spAutoFit/>
+          </a:bodyPr>
+          <a:lstStyle/>
+          <a:p>
+            <a:r>
+              <a:rPr kumimoji="1" lang="en-US" altLang="ko-KR" dirty="0"/>
+              <a:t>4</a:t>
+            </a:r>
+            <a:r>
+              <a:rPr kumimoji="1" lang="ko-KR" altLang="en-US" dirty="0"/>
+              <a:t>점</a:t>
+            </a:r>
+            <a:endParaRPr kumimoji="1" lang="ko-Kore-KR" altLang="en-US" dirty="0"/>
+          </a:p>
+        </p:txBody>
+      </p:sp>
+      <p:sp>
+        <p:nvSpPr>
+          <p:cNvPr id="87" name="TextBox 86">
+            <a:extLst>
+              <a:ext uri="{FF2B5EF4-FFF2-40B4-BE49-F238E27FC236}">
+                <a16:creationId xmlns:a16="http://schemas.microsoft.com/office/drawing/2014/main" id="{5D7A4B80-67C2-46F4-106E-602A10EB7A47}"/>
+              </a:ext>
+            </a:extLst>
+          </p:cNvPr>
+          <p:cNvSpPr txBox="1"/>
+          <p:nvPr/>
+        </p:nvSpPr>
+        <p:spPr>
+          <a:xfrm>
+            <a:off x="11608859" y="1427121"/>
+            <a:ext cx="306494" cy="430887"/>
+          </a:xfrm>
+          <a:prstGeom prst="rect">
+            <a:avLst/>
+          </a:prstGeom>
+          <a:noFill/>
+        </p:spPr>
+        <p:txBody>
+          <a:bodyPr wrap="none" rtlCol="0">
+            <a:spAutoFit/>
+          </a:bodyPr>
+          <a:lstStyle/>
+          <a:p>
+            <a:r>
+              <a:rPr kumimoji="1" lang="en-US" altLang="ko-Kore-KR" sz="2200" dirty="0">
+                <a:solidFill>
+                  <a:srgbClr val="FF0000"/>
+                </a:solidFill>
+              </a:rPr>
+              <a:t>x</a:t>
+            </a:r>
+            <a:endParaRPr kumimoji="1" lang="ko-Kore-KR" altLang="en-US" sz="2200" dirty="0">
+              <a:solidFill>
+                <a:srgbClr val="FF0000"/>
+              </a:solidFill>
+            </a:endParaRPr>
+          </a:p>
+        </p:txBody>
+      </p:sp>
+      <p:sp>
+        <p:nvSpPr>
+          <p:cNvPr id="88" name="TextBox 87">
+            <a:extLst>
+              <a:ext uri="{FF2B5EF4-FFF2-40B4-BE49-F238E27FC236}">
+                <a16:creationId xmlns:a16="http://schemas.microsoft.com/office/drawing/2014/main" id="{736DECC1-645A-4D6D-4A70-17000660EC0B}"/>
+              </a:ext>
+            </a:extLst>
+          </p:cNvPr>
+          <p:cNvSpPr txBox="1"/>
+          <p:nvPr/>
+        </p:nvSpPr>
+        <p:spPr>
+          <a:xfrm>
+            <a:off x="11614721" y="1755064"/>
+            <a:ext cx="306494" cy="430887"/>
+          </a:xfrm>
+          <a:prstGeom prst="rect">
+            <a:avLst/>
+          </a:prstGeom>
+          <a:noFill/>
+        </p:spPr>
+        <p:txBody>
+          <a:bodyPr wrap="none" rtlCol="0">
+            <a:spAutoFit/>
+          </a:bodyPr>
+          <a:lstStyle/>
+          <a:p>
+            <a:r>
+              <a:rPr kumimoji="1" lang="en-US" altLang="ko-Kore-KR" sz="2200" dirty="0">
+                <a:solidFill>
+                  <a:srgbClr val="FF0000"/>
+                </a:solidFill>
+              </a:rPr>
+              <a:t>x</a:t>
+            </a:r>
+            <a:endParaRPr kumimoji="1" lang="ko-Kore-KR" altLang="en-US" sz="2200" dirty="0">
+              <a:solidFill>
+                <a:srgbClr val="FF0000"/>
+              </a:solidFill>
+            </a:endParaRPr>
+          </a:p>
+        </p:txBody>
+      </p:sp>
+      <p:sp>
+        <p:nvSpPr>
+          <p:cNvPr id="89" name="TextBox 88">
+            <a:extLst>
+              <a:ext uri="{FF2B5EF4-FFF2-40B4-BE49-F238E27FC236}">
+                <a16:creationId xmlns:a16="http://schemas.microsoft.com/office/drawing/2014/main" id="{A304C21F-F6EE-46CB-0B9C-D38D7D498C1E}"/>
+              </a:ext>
+            </a:extLst>
+          </p:cNvPr>
+          <p:cNvSpPr txBox="1"/>
+          <p:nvPr/>
+        </p:nvSpPr>
+        <p:spPr>
+          <a:xfrm>
+            <a:off x="11620583" y="2112772"/>
+            <a:ext cx="306494" cy="430887"/>
+          </a:xfrm>
+          <a:prstGeom prst="rect">
+            <a:avLst/>
+          </a:prstGeom>
+          <a:noFill/>
+        </p:spPr>
+        <p:txBody>
+          <a:bodyPr wrap="none" rtlCol="0">
+            <a:spAutoFit/>
+          </a:bodyPr>
+          <a:lstStyle/>
+          <a:p>
+            <a:r>
+              <a:rPr kumimoji="1" lang="en-US" altLang="ko-Kore-KR" sz="2200" dirty="0">
+                <a:solidFill>
+                  <a:srgbClr val="FF0000"/>
+                </a:solidFill>
+              </a:rPr>
+              <a:t>x</a:t>
+            </a:r>
+            <a:endParaRPr kumimoji="1" lang="ko-Kore-KR" altLang="en-US" sz="2200" dirty="0">
+              <a:solidFill>
+                <a:srgbClr val="FF0000"/>
+              </a:solidFill>
+            </a:endParaRPr>
+          </a:p>
+        </p:txBody>
+      </p:sp>
+    </p:spTree>
+    <p:extLst>
+      <p:ext uri="{BB962C8B-B14F-4D97-AF65-F5344CB8AC3E}">
+        <p14:creationId xmlns:p14="http://schemas.microsoft.com/office/powerpoint/2010/main" val="3426283168"/>
+      </p:ext>
+    </p:extLst>
+  </p:cSld>
+  <p:clrMapOvr>
+    <a:masterClrMapping/>
+  </p:clrMapOvr>
+</p:sld>
+</file>
+
+<file path=ppt/slides/slide19.xml><?xml version="1.0" encoding="utf-8"?>
+<p:sld xmlns:a="http://schemas.openxmlformats.org/drawingml/2006/main" xmlns:r="http://schemas.openxmlformats.org/officeDocument/2006/relationships" xmlns:p="http://schemas.openxmlformats.org/presentationml/2006/main">
+  <p:cSld>
+    <p:spTree>
+      <p:nvGrpSpPr>
+        <p:cNvPr id="1" name=""/>
+        <p:cNvGrpSpPr/>
+        <p:nvPr/>
+      </p:nvGrpSpPr>
+      <p:grpSpPr>
+        <a:xfrm>
+          <a:off x="0" y="0"/>
+          <a:ext cx="0" cy="0"/>
+          <a:chOff x="0" y="0"/>
+          <a:chExt cx="0" cy="0"/>
+        </a:xfrm>
+      </p:grpSpPr>
+      <p:graphicFrame>
+        <p:nvGraphicFramePr>
+          <p:cNvPr id="10" name="표 5">
+            <a:extLst>
+              <a:ext uri="{FF2B5EF4-FFF2-40B4-BE49-F238E27FC236}">
+                <a16:creationId xmlns:a16="http://schemas.microsoft.com/office/drawing/2014/main" id="{C99CB6BD-DDB5-6751-B7AC-F5CF5B351558}"/>
+              </a:ext>
+            </a:extLst>
+          </p:cNvPr>
+          <p:cNvGraphicFramePr>
+            <a:graphicFrameLocks noGrp="1"/>
+          </p:cNvGraphicFramePr>
+          <p:nvPr>
+            <p:extLst>
+              <p:ext uri="{D42A27DB-BD31-4B8C-83A1-F6EECF244321}">
+                <p14:modId xmlns:p14="http://schemas.microsoft.com/office/powerpoint/2010/main" val="1100424574"/>
+              </p:ext>
+            </p:extLst>
+          </p:nvPr>
+        </p:nvGraphicFramePr>
+        <p:xfrm>
+          <a:off x="584501" y="1003341"/>
+          <a:ext cx="5511500" cy="4314903"/>
+        </p:xfrm>
+        <a:graphic>
+          <a:graphicData uri="http://schemas.openxmlformats.org/drawingml/2006/table">
+            <a:tbl>
+              <a:tblPr firstRow="1" bandRow="1">
+                <a:tableStyleId>{69012ECD-51FC-41F1-AA8D-1B2483CD663E}</a:tableStyleId>
+              </a:tblPr>
+              <a:tblGrid>
+                <a:gridCol w="2681747">
+                  <a:extLst>
+                    <a:ext uri="{9D8B030D-6E8A-4147-A177-3AD203B41FA5}">
+                      <a16:colId xmlns:a16="http://schemas.microsoft.com/office/drawing/2014/main" val="600303152"/>
+                    </a:ext>
+                  </a:extLst>
+                </a:gridCol>
+                <a:gridCol w="2829753">
+                  <a:extLst>
+                    <a:ext uri="{9D8B030D-6E8A-4147-A177-3AD203B41FA5}">
+                      <a16:colId xmlns:a16="http://schemas.microsoft.com/office/drawing/2014/main" val="1510390368"/>
+                    </a:ext>
+                  </a:extLst>
+                </a:gridCol>
+              </a:tblGrid>
+              <a:tr h="1220875">
+                <a:tc>
+                  <a:txBody>
+                    <a:bodyPr/>
+                    <a:lstStyle/>
+                    <a:p>
+                      <a:r>
+                        <a:rPr lang="en-US" altLang="ko-Kore-KR" dirty="0"/>
+                        <a:t>Actor Action</a:t>
+                      </a:r>
+                      <a:endParaRPr lang="ko-Kore-KR" altLang="en-US" dirty="0"/>
+                    </a:p>
+                  </a:txBody>
+                  <a:tcPr>
+                    <a:solidFill>
+                      <a:schemeClr val="accent1">
+                        <a:lumMod val="60000"/>
+                        <a:lumOff val="40000"/>
+                      </a:schemeClr>
+                    </a:solidFill>
+                  </a:tcPr>
+                </a:tc>
+                <a:tc>
+                  <a:txBody>
+                    <a:bodyPr/>
+                    <a:lstStyle/>
+                    <a:p>
+                      <a:r>
+                        <a:rPr lang="en-US" altLang="ko-Kore-KR" dirty="0"/>
+                        <a:t>System Response</a:t>
+                      </a:r>
+                      <a:endParaRPr lang="ko-Kore-KR" altLang="en-US" dirty="0"/>
+                    </a:p>
+                  </a:txBody>
+                  <a:tcPr>
+                    <a:solidFill>
+                      <a:schemeClr val="accent1">
+                        <a:lumMod val="60000"/>
+                        <a:lumOff val="40000"/>
+                      </a:schemeClr>
+                    </a:solidFill>
+                  </a:tcPr>
+                </a:tc>
+                <a:extLst>
+                  <a:ext uri="{0D108BD9-81ED-4DB2-BD59-A6C34878D82A}">
+                    <a16:rowId xmlns:a16="http://schemas.microsoft.com/office/drawing/2014/main" val="3057188334"/>
+                  </a:ext>
+                </a:extLst>
+              </a:tr>
+              <a:tr h="3094028">
+                <a:tc>
+                  <a:txBody>
+                    <a:bodyPr/>
+                    <a:lstStyle/>
+                    <a:p>
+                      <a:pPr marL="342900" marR="0" lvl="0" indent="-342900" algn="l" defTabSz="914400" rtl="0" eaLnBrk="1" fontAlgn="auto" latinLnBrk="0" hangingPunct="1">
+                        <a:lnSpc>
+                          <a:spcPct val="100000"/>
+                        </a:lnSpc>
+                        <a:spcBef>
+                          <a:spcPts val="0"/>
+                        </a:spcBef>
+                        <a:spcAft>
+                          <a:spcPts val="0"/>
+                        </a:spcAft>
+                        <a:buClrTx/>
+                        <a:buSzTx/>
+                        <a:buFontTx/>
+                        <a:buAutoNum type="arabicPeriod"/>
+                        <a:tabLst/>
+                        <a:defRPr/>
+                      </a:pPr>
+                      <a:r>
+                        <a:rPr lang="ko-KR" altLang="en-US" dirty="0"/>
+                        <a:t>사용자가</a:t>
+                      </a:r>
+                      <a:r>
+                        <a:rPr lang="ko-KR" altLang="en-US" sz="1800" kern="1200" dirty="0">
+                          <a:solidFill>
+                            <a:schemeClr val="tx1"/>
+                          </a:solidFill>
+                          <a:effectLst/>
+                          <a:latin typeface="+mn-lt"/>
+                          <a:ea typeface="+mn-ea"/>
+                          <a:cs typeface="+mn-cs"/>
+                        </a:rPr>
+                        <a:t> 환불 신청 </a:t>
+                      </a:r>
+                      <a:r>
+                        <a:rPr lang="en-US" altLang="ko-KR" sz="1800" kern="1200" dirty="0">
+                          <a:solidFill>
+                            <a:schemeClr val="tx1"/>
+                          </a:solidFill>
+                          <a:effectLst/>
+                          <a:latin typeface="+mn-lt"/>
+                          <a:ea typeface="+mn-ea"/>
+                          <a:cs typeface="+mn-cs"/>
+                        </a:rPr>
+                        <a:t>x</a:t>
+                      </a:r>
+                      <a:r>
+                        <a:rPr lang="ko-KR" altLang="en-US" sz="1800" kern="1200" dirty="0">
+                          <a:solidFill>
+                            <a:schemeClr val="tx1"/>
+                          </a:solidFill>
+                          <a:effectLst/>
+                          <a:latin typeface="+mn-lt"/>
+                          <a:ea typeface="+mn-ea"/>
+                          <a:cs typeface="+mn-cs"/>
+                        </a:rPr>
+                        <a:t>표시를 누른다</a:t>
+                      </a:r>
+                      <a:endParaRPr lang="en-US" altLang="ko-KR" sz="1800" kern="1200" dirty="0">
+                        <a:solidFill>
+                          <a:schemeClr val="tx1"/>
+                        </a:solidFill>
+                        <a:effectLst/>
+                        <a:latin typeface="+mn-lt"/>
+                        <a:ea typeface="+mn-ea"/>
+                        <a:cs typeface="+mn-cs"/>
+                      </a:endParaRPr>
+                    </a:p>
+                  </a:txBody>
+                  <a:tcPr anchor="ctr">
+                    <a:lnR w="12700" cap="flat" cmpd="sng" algn="ctr">
+                      <a:noFill/>
+                      <a:prstDash val="solid"/>
+                      <a:round/>
+                      <a:headEnd type="none" w="med" len="med"/>
+                      <a:tailEnd type="none" w="med" len="med"/>
+                    </a:lnR>
+                  </a:tcPr>
+                </a:tc>
+                <a:tc>
+                  <a:txBody>
+                    <a:bodyPr/>
+                    <a:lstStyle/>
+                    <a:p>
+                      <a:r>
+                        <a:rPr lang="en-US" altLang="ko-Kore-KR" dirty="0"/>
+                        <a:t>2</a:t>
+                      </a:r>
+                      <a:r>
+                        <a:rPr lang="en-US" altLang="ko-KR" dirty="0"/>
+                        <a:t>.</a:t>
+                      </a:r>
+                      <a:r>
+                        <a:rPr lang="ko-KR" altLang="en-US" dirty="0"/>
+                        <a:t>환불 수거 신청을 택배 시스템에 보낸다</a:t>
+                      </a:r>
+                      <a:endParaRPr lang="ko-Kore-KR" altLang="en-US" dirty="0"/>
+                    </a:p>
+                  </a:txBody>
+                  <a:tcPr anchor="ctr">
+                    <a:lnL w="12700" cap="flat" cmpd="sng" algn="ctr">
+                      <a:noFill/>
+                      <a:prstDash val="solid"/>
+                      <a:round/>
+                      <a:headEnd type="none" w="med" len="med"/>
+                      <a:tailEnd type="none" w="med" len="med"/>
+                    </a:lnL>
+                  </a:tcPr>
+                </a:tc>
+                <a:extLst>
+                  <a:ext uri="{0D108BD9-81ED-4DB2-BD59-A6C34878D82A}">
+                    <a16:rowId xmlns:a16="http://schemas.microsoft.com/office/drawing/2014/main" val="3061492118"/>
+                  </a:ext>
+                </a:extLst>
+              </a:tr>
+            </a:tbl>
+          </a:graphicData>
+        </a:graphic>
+      </p:graphicFrame>
+      <p:sp>
+        <p:nvSpPr>
+          <p:cNvPr id="11" name="TextBox 10">
+            <a:extLst>
+              <a:ext uri="{FF2B5EF4-FFF2-40B4-BE49-F238E27FC236}">
+                <a16:creationId xmlns:a16="http://schemas.microsoft.com/office/drawing/2014/main" id="{45DDCA3F-2607-D831-0010-9A730E08D3FA}"/>
+              </a:ext>
+            </a:extLst>
+          </p:cNvPr>
+          <p:cNvSpPr txBox="1"/>
+          <p:nvPr/>
+        </p:nvSpPr>
+        <p:spPr>
+          <a:xfrm>
+            <a:off x="584500" y="442932"/>
+            <a:ext cx="5046510" cy="553998"/>
+          </a:xfrm>
+          <a:prstGeom prst="rect">
+            <a:avLst/>
+          </a:prstGeom>
+          <a:noFill/>
+        </p:spPr>
+        <p:txBody>
+          <a:bodyPr wrap="none" rtlCol="0">
+            <a:spAutoFit/>
+          </a:bodyPr>
+          <a:lstStyle/>
+          <a:p>
+            <a:r>
+              <a:rPr kumimoji="1" lang="en-US" altLang="ko-Kore-KR" sz="3000" dirty="0"/>
+              <a:t>Use case Description : </a:t>
+            </a:r>
+            <a:r>
+              <a:rPr kumimoji="1" lang="ko-Kore-KR" altLang="en-US" sz="2500" dirty="0"/>
+              <a:t>환불 신청</a:t>
+            </a:r>
+          </a:p>
+        </p:txBody>
+      </p:sp>
+      <p:sp>
+        <p:nvSpPr>
+          <p:cNvPr id="69" name="TextBox 68">
+            <a:extLst>
+              <a:ext uri="{FF2B5EF4-FFF2-40B4-BE49-F238E27FC236}">
+                <a16:creationId xmlns:a16="http://schemas.microsoft.com/office/drawing/2014/main" id="{EAB0B112-FBC2-D963-FDDE-47319F14D698}"/>
+              </a:ext>
+            </a:extLst>
+          </p:cNvPr>
+          <p:cNvSpPr txBox="1"/>
+          <p:nvPr/>
+        </p:nvSpPr>
+        <p:spPr>
+          <a:xfrm>
+            <a:off x="7231552" y="1469915"/>
+            <a:ext cx="1467244" cy="369332"/>
+          </a:xfrm>
+          <a:prstGeom prst="rect">
+            <a:avLst/>
+          </a:prstGeom>
+          <a:noFill/>
+        </p:spPr>
+        <p:txBody>
+          <a:bodyPr wrap="square" rtlCol="0">
+            <a:spAutoFit/>
+          </a:bodyPr>
+          <a:lstStyle/>
+          <a:p>
+            <a:r>
+              <a:rPr kumimoji="1" lang="ko-Kore-KR" altLang="en-US" dirty="0"/>
+              <a:t>벨벳 드레스</a:t>
+            </a:r>
+          </a:p>
+        </p:txBody>
+      </p:sp>
+      <p:cxnSp>
+        <p:nvCxnSpPr>
+          <p:cNvPr id="70" name="직선 연결선[R] 69">
+            <a:extLst>
+              <a:ext uri="{FF2B5EF4-FFF2-40B4-BE49-F238E27FC236}">
+                <a16:creationId xmlns:a16="http://schemas.microsoft.com/office/drawing/2014/main" id="{AA046B24-890C-7F82-C921-65EF83919BD4}"/>
+              </a:ext>
+            </a:extLst>
+          </p:cNvPr>
+          <p:cNvCxnSpPr/>
+          <p:nvPr/>
+        </p:nvCxnSpPr>
+        <p:spPr>
+          <a:xfrm>
+            <a:off x="6816551" y="1330434"/>
+            <a:ext cx="4794422" cy="0"/>
+          </a:xfrm>
+          <a:prstGeom prst="line">
+            <a:avLst/>
+          </a:prstGeom>
+          <a:ln w="50800">
+            <a:solidFill>
+              <a:schemeClr val="tx1"/>
+            </a:solidFill>
+          </a:ln>
+        </p:spPr>
+        <p:style>
+          <a:lnRef idx="1">
+            <a:schemeClr val="accent1"/>
+          </a:lnRef>
+          <a:fillRef idx="0">
+            <a:schemeClr val="accent1"/>
+          </a:fillRef>
+          <a:effectRef idx="0">
+            <a:schemeClr val="accent1"/>
+          </a:effectRef>
+          <a:fontRef idx="minor">
+            <a:schemeClr val="tx1"/>
+          </a:fontRef>
+        </p:style>
+      </p:cxnSp>
+      <p:sp>
+        <p:nvSpPr>
+          <p:cNvPr id="71" name="TextBox 70">
+            <a:extLst>
+              <a:ext uri="{FF2B5EF4-FFF2-40B4-BE49-F238E27FC236}">
+                <a16:creationId xmlns:a16="http://schemas.microsoft.com/office/drawing/2014/main" id="{997DE8CA-0DAE-5EE9-75F3-31F0D03680CD}"/>
+              </a:ext>
+            </a:extLst>
+          </p:cNvPr>
+          <p:cNvSpPr txBox="1"/>
+          <p:nvPr/>
+        </p:nvSpPr>
+        <p:spPr>
+          <a:xfrm>
+            <a:off x="7129462" y="865125"/>
+            <a:ext cx="1160895" cy="369332"/>
+          </a:xfrm>
+          <a:prstGeom prst="rect">
+            <a:avLst/>
+          </a:prstGeom>
+          <a:noFill/>
+        </p:spPr>
+        <p:txBody>
+          <a:bodyPr wrap="none" rtlCol="0">
+            <a:spAutoFit/>
+          </a:bodyPr>
+          <a:lstStyle/>
+          <a:p>
+            <a:r>
+              <a:rPr kumimoji="1" lang="ko-Kore-KR" altLang="en-US" dirty="0"/>
+              <a:t>구매 내역</a:t>
+            </a:r>
+            <a:endParaRPr kumimoji="1" lang="en-US" altLang="ko-Kore-KR" dirty="0"/>
+          </a:p>
+        </p:txBody>
+      </p:sp>
+      <p:cxnSp>
+        <p:nvCxnSpPr>
+          <p:cNvPr id="72" name="직선 연결선[R] 71">
+            <a:extLst>
+              <a:ext uri="{FF2B5EF4-FFF2-40B4-BE49-F238E27FC236}">
+                <a16:creationId xmlns:a16="http://schemas.microsoft.com/office/drawing/2014/main" id="{0784C036-E85F-4711-B56B-CC918CBECF33}"/>
+              </a:ext>
+            </a:extLst>
+          </p:cNvPr>
+          <p:cNvCxnSpPr>
+            <a:cxnSpLocks/>
+          </p:cNvCxnSpPr>
+          <p:nvPr/>
+        </p:nvCxnSpPr>
+        <p:spPr>
+          <a:xfrm>
+            <a:off x="7129462" y="1330434"/>
+            <a:ext cx="0" cy="1387280"/>
+          </a:xfrm>
+          <a:prstGeom prst="line">
+            <a:avLst/>
+          </a:prstGeom>
+          <a:ln w="50800">
+            <a:solidFill>
+              <a:schemeClr val="tx1"/>
+            </a:solidFill>
+          </a:ln>
+        </p:spPr>
+        <p:style>
+          <a:lnRef idx="1">
+            <a:schemeClr val="accent1"/>
+          </a:lnRef>
+          <a:fillRef idx="0">
+            <a:schemeClr val="accent1"/>
+          </a:fillRef>
+          <a:effectRef idx="0">
+            <a:schemeClr val="accent1"/>
+          </a:effectRef>
+          <a:fontRef idx="minor">
+            <a:schemeClr val="tx1"/>
+          </a:fontRef>
+        </p:style>
+      </p:cxnSp>
+      <p:sp>
+        <p:nvSpPr>
+          <p:cNvPr id="73" name="TextBox 72">
+            <a:extLst>
+              <a:ext uri="{FF2B5EF4-FFF2-40B4-BE49-F238E27FC236}">
+                <a16:creationId xmlns:a16="http://schemas.microsoft.com/office/drawing/2014/main" id="{A5B0D37D-69A3-F0AE-2805-664249E9A95B}"/>
+              </a:ext>
+            </a:extLst>
+          </p:cNvPr>
+          <p:cNvSpPr txBox="1"/>
+          <p:nvPr/>
+        </p:nvSpPr>
+        <p:spPr>
+          <a:xfrm>
+            <a:off x="6800550" y="1469915"/>
+            <a:ext cx="301686" cy="369332"/>
+          </a:xfrm>
+          <a:prstGeom prst="rect">
+            <a:avLst/>
+          </a:prstGeom>
+          <a:noFill/>
+        </p:spPr>
+        <p:txBody>
+          <a:bodyPr wrap="none" rtlCol="0">
+            <a:spAutoFit/>
+          </a:bodyPr>
+          <a:lstStyle/>
+          <a:p>
+            <a:r>
+              <a:rPr kumimoji="1" lang="en-US" altLang="ko-Kore-KR" dirty="0"/>
+              <a:t>1</a:t>
+            </a:r>
+            <a:endParaRPr kumimoji="1" lang="ko-Kore-KR" altLang="en-US" dirty="0"/>
+          </a:p>
+        </p:txBody>
+      </p:sp>
+      <p:sp>
+        <p:nvSpPr>
+          <p:cNvPr id="74" name="TextBox 73">
+            <a:extLst>
+              <a:ext uri="{FF2B5EF4-FFF2-40B4-BE49-F238E27FC236}">
+                <a16:creationId xmlns:a16="http://schemas.microsoft.com/office/drawing/2014/main" id="{A87D596A-BC9E-DEDC-1AD5-EADEE567F895}"/>
+              </a:ext>
+            </a:extLst>
+          </p:cNvPr>
+          <p:cNvSpPr txBox="1"/>
+          <p:nvPr/>
+        </p:nvSpPr>
+        <p:spPr>
+          <a:xfrm>
+            <a:off x="8667521" y="1470543"/>
+            <a:ext cx="1149674" cy="369332"/>
+          </a:xfrm>
+          <a:prstGeom prst="rect">
+            <a:avLst/>
+          </a:prstGeom>
+          <a:noFill/>
+        </p:spPr>
+        <p:txBody>
+          <a:bodyPr wrap="none" rtlCol="0">
+            <a:spAutoFit/>
+          </a:bodyPr>
+          <a:lstStyle/>
+          <a:p>
+            <a:r>
+              <a:rPr kumimoji="1" lang="en-US" altLang="ko-Kore-KR" dirty="0"/>
+              <a:t>2</a:t>
+            </a:r>
+            <a:r>
+              <a:rPr kumimoji="1" lang="en-US" altLang="ko-KR" dirty="0"/>
+              <a:t>00,000</a:t>
+            </a:r>
+            <a:r>
+              <a:rPr kumimoji="1" lang="ko-KR" altLang="en-US" dirty="0"/>
+              <a:t>₩</a:t>
+            </a:r>
+            <a:endParaRPr kumimoji="1" lang="ko-Kore-KR" altLang="en-US" dirty="0"/>
+          </a:p>
+        </p:txBody>
+      </p:sp>
+      <p:sp>
+        <p:nvSpPr>
+          <p:cNvPr id="75" name="TextBox 74">
+            <a:extLst>
+              <a:ext uri="{FF2B5EF4-FFF2-40B4-BE49-F238E27FC236}">
+                <a16:creationId xmlns:a16="http://schemas.microsoft.com/office/drawing/2014/main" id="{0905282C-62A1-9E31-2034-979B7C0E10E6}"/>
+              </a:ext>
+            </a:extLst>
+          </p:cNvPr>
+          <p:cNvSpPr txBox="1"/>
+          <p:nvPr/>
+        </p:nvSpPr>
+        <p:spPr>
+          <a:xfrm>
+            <a:off x="10442835" y="1469915"/>
+            <a:ext cx="1234736" cy="369332"/>
+          </a:xfrm>
+          <a:prstGeom prst="rect">
+            <a:avLst/>
+          </a:prstGeom>
+          <a:noFill/>
+        </p:spPr>
+        <p:txBody>
+          <a:bodyPr wrap="square" rtlCol="0">
+            <a:spAutoFit/>
+          </a:bodyPr>
+          <a:lstStyle/>
+          <a:p>
+            <a:r>
+              <a:rPr kumimoji="1" lang="en-US" altLang="ko-Kore-KR" dirty="0"/>
+              <a:t>2</a:t>
+            </a:r>
+            <a:r>
+              <a:rPr kumimoji="1" lang="en-US" altLang="ko-KR" dirty="0"/>
+              <a:t>022/4/12</a:t>
+            </a:r>
+            <a:endParaRPr kumimoji="1" lang="ko-Kore-KR" altLang="en-US" dirty="0"/>
+          </a:p>
+        </p:txBody>
+      </p:sp>
+      <p:sp>
+        <p:nvSpPr>
+          <p:cNvPr id="76" name="TextBox 75">
+            <a:extLst>
+              <a:ext uri="{FF2B5EF4-FFF2-40B4-BE49-F238E27FC236}">
+                <a16:creationId xmlns:a16="http://schemas.microsoft.com/office/drawing/2014/main" id="{B69F5060-E79C-0FC1-B298-81CEE6CFE0BB}"/>
+              </a:ext>
+            </a:extLst>
+          </p:cNvPr>
+          <p:cNvSpPr txBox="1"/>
+          <p:nvPr/>
+        </p:nvSpPr>
+        <p:spPr>
+          <a:xfrm>
+            <a:off x="7231552" y="1816619"/>
+            <a:ext cx="1467244" cy="369332"/>
+          </a:xfrm>
+          <a:prstGeom prst="rect">
+            <a:avLst/>
+          </a:prstGeom>
+          <a:noFill/>
+        </p:spPr>
+        <p:txBody>
+          <a:bodyPr wrap="square" rtlCol="0">
+            <a:spAutoFit/>
+          </a:bodyPr>
+          <a:lstStyle/>
+          <a:p>
+            <a:r>
+              <a:rPr kumimoji="1" lang="ko-Kore-KR" altLang="en-US" dirty="0"/>
+              <a:t>하얀 반팔</a:t>
+            </a:r>
+          </a:p>
+        </p:txBody>
+      </p:sp>
+      <p:sp>
+        <p:nvSpPr>
+          <p:cNvPr id="77" name="TextBox 76">
+            <a:extLst>
+              <a:ext uri="{FF2B5EF4-FFF2-40B4-BE49-F238E27FC236}">
+                <a16:creationId xmlns:a16="http://schemas.microsoft.com/office/drawing/2014/main" id="{764B54A7-6E28-A6D9-E4AF-2FEDFEA2CA2C}"/>
+              </a:ext>
+            </a:extLst>
+          </p:cNvPr>
+          <p:cNvSpPr txBox="1"/>
+          <p:nvPr/>
+        </p:nvSpPr>
+        <p:spPr>
+          <a:xfrm>
+            <a:off x="6800550" y="1816619"/>
+            <a:ext cx="301686" cy="369332"/>
+          </a:xfrm>
+          <a:prstGeom prst="rect">
+            <a:avLst/>
+          </a:prstGeom>
+          <a:noFill/>
+        </p:spPr>
+        <p:txBody>
+          <a:bodyPr wrap="none" rtlCol="0">
+            <a:spAutoFit/>
+          </a:bodyPr>
+          <a:lstStyle/>
+          <a:p>
+            <a:r>
+              <a:rPr kumimoji="1" lang="en-US" altLang="ko-KR" dirty="0"/>
+              <a:t>2</a:t>
+            </a:r>
+            <a:endParaRPr kumimoji="1" lang="ko-Kore-KR" altLang="en-US" dirty="0"/>
+          </a:p>
+        </p:txBody>
+      </p:sp>
+      <p:sp>
+        <p:nvSpPr>
+          <p:cNvPr id="78" name="TextBox 77">
+            <a:extLst>
+              <a:ext uri="{FF2B5EF4-FFF2-40B4-BE49-F238E27FC236}">
+                <a16:creationId xmlns:a16="http://schemas.microsoft.com/office/drawing/2014/main" id="{718BFDC1-C7FA-9863-C43F-5A80DC92AC3E}"/>
+              </a:ext>
+            </a:extLst>
+          </p:cNvPr>
+          <p:cNvSpPr txBox="1"/>
+          <p:nvPr/>
+        </p:nvSpPr>
+        <p:spPr>
+          <a:xfrm>
+            <a:off x="8667521" y="1817247"/>
+            <a:ext cx="1138453" cy="369332"/>
+          </a:xfrm>
+          <a:prstGeom prst="rect">
+            <a:avLst/>
+          </a:prstGeom>
+          <a:noFill/>
+        </p:spPr>
+        <p:txBody>
+          <a:bodyPr wrap="none" rtlCol="0">
+            <a:spAutoFit/>
+          </a:bodyPr>
+          <a:lstStyle/>
+          <a:p>
+            <a:r>
+              <a:rPr kumimoji="1" lang="en-US" altLang="ko-Kore-KR" dirty="0"/>
+              <a:t>  2</a:t>
+            </a:r>
+            <a:r>
+              <a:rPr kumimoji="1" lang="en-US" altLang="ko-KR" dirty="0"/>
+              <a:t>0,000</a:t>
+            </a:r>
+            <a:r>
+              <a:rPr kumimoji="1" lang="ko-KR" altLang="en-US" dirty="0"/>
+              <a:t>₩</a:t>
+            </a:r>
+            <a:endParaRPr kumimoji="1" lang="ko-Kore-KR" altLang="en-US" dirty="0"/>
+          </a:p>
+        </p:txBody>
+      </p:sp>
+      <p:sp>
+        <p:nvSpPr>
+          <p:cNvPr id="79" name="TextBox 78">
+            <a:extLst>
+              <a:ext uri="{FF2B5EF4-FFF2-40B4-BE49-F238E27FC236}">
+                <a16:creationId xmlns:a16="http://schemas.microsoft.com/office/drawing/2014/main" id="{5E3DFEE7-CFE2-8F52-383F-F82B640A1D20}"/>
+              </a:ext>
+            </a:extLst>
+          </p:cNvPr>
+          <p:cNvSpPr txBox="1"/>
+          <p:nvPr/>
+        </p:nvSpPr>
+        <p:spPr>
+          <a:xfrm>
+            <a:off x="10442835" y="1816619"/>
+            <a:ext cx="1234736" cy="369332"/>
+          </a:xfrm>
+          <a:prstGeom prst="rect">
+            <a:avLst/>
+          </a:prstGeom>
+          <a:noFill/>
+        </p:spPr>
+        <p:txBody>
+          <a:bodyPr wrap="square" rtlCol="0">
+            <a:spAutoFit/>
+          </a:bodyPr>
+          <a:lstStyle/>
+          <a:p>
+            <a:r>
+              <a:rPr kumimoji="1" lang="en-US" altLang="ko-Kore-KR" dirty="0"/>
+              <a:t>2</a:t>
+            </a:r>
+            <a:r>
+              <a:rPr kumimoji="1" lang="en-US" altLang="ko-KR" dirty="0"/>
+              <a:t>022/4/24</a:t>
+            </a:r>
+            <a:endParaRPr kumimoji="1" lang="ko-Kore-KR" altLang="en-US" dirty="0"/>
+          </a:p>
+        </p:txBody>
+      </p:sp>
+      <p:sp>
+        <p:nvSpPr>
+          <p:cNvPr id="80" name="TextBox 79">
+            <a:extLst>
+              <a:ext uri="{FF2B5EF4-FFF2-40B4-BE49-F238E27FC236}">
+                <a16:creationId xmlns:a16="http://schemas.microsoft.com/office/drawing/2014/main" id="{99AC9B6C-4BC1-3AB9-437D-C1C3D3E8F9E9}"/>
+              </a:ext>
+            </a:extLst>
+          </p:cNvPr>
+          <p:cNvSpPr txBox="1"/>
+          <p:nvPr/>
+        </p:nvSpPr>
+        <p:spPr>
+          <a:xfrm>
+            <a:off x="7231552" y="2151538"/>
+            <a:ext cx="1467244" cy="369332"/>
+          </a:xfrm>
+          <a:prstGeom prst="rect">
+            <a:avLst/>
+          </a:prstGeom>
+          <a:noFill/>
+        </p:spPr>
+        <p:txBody>
+          <a:bodyPr wrap="square" rtlCol="0">
+            <a:spAutoFit/>
+          </a:bodyPr>
+          <a:lstStyle/>
+          <a:p>
+            <a:r>
+              <a:rPr kumimoji="1" lang="ko-Kore-KR" altLang="en-US" dirty="0"/>
+              <a:t>검은색 코트</a:t>
+            </a:r>
+          </a:p>
+        </p:txBody>
+      </p:sp>
+      <p:sp>
+        <p:nvSpPr>
+          <p:cNvPr id="81" name="TextBox 80">
+            <a:extLst>
+              <a:ext uri="{FF2B5EF4-FFF2-40B4-BE49-F238E27FC236}">
+                <a16:creationId xmlns:a16="http://schemas.microsoft.com/office/drawing/2014/main" id="{F9EF311F-610D-7F1E-7371-32372D34F257}"/>
+              </a:ext>
+            </a:extLst>
+          </p:cNvPr>
+          <p:cNvSpPr txBox="1"/>
+          <p:nvPr/>
+        </p:nvSpPr>
+        <p:spPr>
+          <a:xfrm>
+            <a:off x="6800550" y="2151538"/>
+            <a:ext cx="301686" cy="369332"/>
+          </a:xfrm>
+          <a:prstGeom prst="rect">
+            <a:avLst/>
+          </a:prstGeom>
+          <a:noFill/>
+        </p:spPr>
+        <p:txBody>
+          <a:bodyPr wrap="none" rtlCol="0">
+            <a:spAutoFit/>
+          </a:bodyPr>
+          <a:lstStyle/>
+          <a:p>
+            <a:r>
+              <a:rPr kumimoji="1" lang="en-US" altLang="ko-KR" dirty="0"/>
+              <a:t>3</a:t>
+            </a:r>
+            <a:endParaRPr kumimoji="1" lang="ko-Kore-KR" altLang="en-US" dirty="0"/>
+          </a:p>
+        </p:txBody>
+      </p:sp>
+      <p:sp>
+        <p:nvSpPr>
+          <p:cNvPr id="82" name="TextBox 81">
+            <a:extLst>
+              <a:ext uri="{FF2B5EF4-FFF2-40B4-BE49-F238E27FC236}">
+                <a16:creationId xmlns:a16="http://schemas.microsoft.com/office/drawing/2014/main" id="{56FE0B6E-DE7B-15FA-34F2-3A8C18C9EBD3}"/>
+              </a:ext>
+            </a:extLst>
+          </p:cNvPr>
+          <p:cNvSpPr txBox="1"/>
+          <p:nvPr/>
+        </p:nvSpPr>
+        <p:spPr>
+          <a:xfrm>
+            <a:off x="8667521" y="2152166"/>
+            <a:ext cx="1149674" cy="369332"/>
+          </a:xfrm>
+          <a:prstGeom prst="rect">
+            <a:avLst/>
+          </a:prstGeom>
+          <a:noFill/>
+        </p:spPr>
+        <p:txBody>
+          <a:bodyPr wrap="none" rtlCol="0">
+            <a:spAutoFit/>
+          </a:bodyPr>
+          <a:lstStyle/>
+          <a:p>
+            <a:r>
+              <a:rPr kumimoji="1" lang="en-US" altLang="ko-KR" dirty="0"/>
+              <a:t>150,000</a:t>
+            </a:r>
+            <a:r>
+              <a:rPr kumimoji="1" lang="ko-KR" altLang="en-US" dirty="0"/>
+              <a:t>₩</a:t>
+            </a:r>
+            <a:endParaRPr kumimoji="1" lang="ko-Kore-KR" altLang="en-US" dirty="0"/>
+          </a:p>
+        </p:txBody>
+      </p:sp>
+      <p:sp>
+        <p:nvSpPr>
+          <p:cNvPr id="83" name="TextBox 82">
+            <a:extLst>
+              <a:ext uri="{FF2B5EF4-FFF2-40B4-BE49-F238E27FC236}">
+                <a16:creationId xmlns:a16="http://schemas.microsoft.com/office/drawing/2014/main" id="{BA6CC3C0-143D-3ADE-32B9-B8ACF96F63D5}"/>
+              </a:ext>
+            </a:extLst>
+          </p:cNvPr>
+          <p:cNvSpPr txBox="1"/>
+          <p:nvPr/>
+        </p:nvSpPr>
+        <p:spPr>
+          <a:xfrm>
+            <a:off x="10442835" y="2151538"/>
+            <a:ext cx="1234736" cy="369332"/>
+          </a:xfrm>
+          <a:prstGeom prst="rect">
+            <a:avLst/>
+          </a:prstGeom>
+          <a:noFill/>
+        </p:spPr>
+        <p:txBody>
+          <a:bodyPr wrap="square" rtlCol="0">
+            <a:spAutoFit/>
+          </a:bodyPr>
+          <a:lstStyle/>
+          <a:p>
+            <a:r>
+              <a:rPr kumimoji="1" lang="en-US" altLang="ko-Kore-KR" dirty="0"/>
+              <a:t>2</a:t>
+            </a:r>
+            <a:r>
+              <a:rPr kumimoji="1" lang="en-US" altLang="ko-KR" dirty="0"/>
+              <a:t>022/3/17</a:t>
+            </a:r>
+            <a:endParaRPr kumimoji="1" lang="ko-Kore-KR" altLang="en-US" dirty="0"/>
+          </a:p>
+        </p:txBody>
+      </p:sp>
+      <p:sp>
+        <p:nvSpPr>
+          <p:cNvPr id="84" name="TextBox 83">
+            <a:extLst>
+              <a:ext uri="{FF2B5EF4-FFF2-40B4-BE49-F238E27FC236}">
+                <a16:creationId xmlns:a16="http://schemas.microsoft.com/office/drawing/2014/main" id="{69BE7B1F-1D19-7062-F0BE-9C80FE0631D8}"/>
+              </a:ext>
+            </a:extLst>
+          </p:cNvPr>
+          <p:cNvSpPr txBox="1"/>
+          <p:nvPr/>
+        </p:nvSpPr>
+        <p:spPr>
+          <a:xfrm>
+            <a:off x="9916623" y="1481700"/>
+            <a:ext cx="532518" cy="369332"/>
+          </a:xfrm>
+          <a:prstGeom prst="rect">
+            <a:avLst/>
+          </a:prstGeom>
+          <a:noFill/>
+        </p:spPr>
+        <p:txBody>
+          <a:bodyPr wrap="none" rtlCol="0">
+            <a:spAutoFit/>
+          </a:bodyPr>
+          <a:lstStyle/>
+          <a:p>
+            <a:r>
+              <a:rPr kumimoji="1" lang="en-US" altLang="ko-KR" dirty="0"/>
+              <a:t>4</a:t>
+            </a:r>
+            <a:r>
+              <a:rPr kumimoji="1" lang="ko-KR" altLang="en-US" dirty="0"/>
+              <a:t>점</a:t>
+            </a:r>
+            <a:endParaRPr kumimoji="1" lang="ko-Kore-KR" altLang="en-US" dirty="0"/>
+          </a:p>
+        </p:txBody>
+      </p:sp>
+      <p:sp>
+        <p:nvSpPr>
+          <p:cNvPr id="85" name="TextBox 84">
+            <a:extLst>
+              <a:ext uri="{FF2B5EF4-FFF2-40B4-BE49-F238E27FC236}">
+                <a16:creationId xmlns:a16="http://schemas.microsoft.com/office/drawing/2014/main" id="{FF8127D6-5988-3C1E-77C3-C59087685A55}"/>
+              </a:ext>
+            </a:extLst>
+          </p:cNvPr>
+          <p:cNvSpPr txBox="1"/>
+          <p:nvPr/>
+        </p:nvSpPr>
+        <p:spPr>
+          <a:xfrm>
+            <a:off x="9916623" y="1839408"/>
+            <a:ext cx="532518" cy="369332"/>
+          </a:xfrm>
+          <a:prstGeom prst="rect">
+            <a:avLst/>
+          </a:prstGeom>
+          <a:noFill/>
+        </p:spPr>
+        <p:txBody>
+          <a:bodyPr wrap="none" rtlCol="0">
+            <a:spAutoFit/>
+          </a:bodyPr>
+          <a:lstStyle/>
+          <a:p>
+            <a:r>
+              <a:rPr kumimoji="1" lang="en-US" altLang="ko-Kore-KR" dirty="0"/>
+              <a:t>5</a:t>
+            </a:r>
+            <a:r>
+              <a:rPr kumimoji="1" lang="ko-Kore-KR" altLang="en-US" dirty="0"/>
+              <a:t>점</a:t>
+            </a:r>
+          </a:p>
+        </p:txBody>
+      </p:sp>
+      <p:sp>
+        <p:nvSpPr>
+          <p:cNvPr id="86" name="TextBox 85">
+            <a:extLst>
+              <a:ext uri="{FF2B5EF4-FFF2-40B4-BE49-F238E27FC236}">
+                <a16:creationId xmlns:a16="http://schemas.microsoft.com/office/drawing/2014/main" id="{84244115-09DB-9952-1362-5AD540832B5B}"/>
+              </a:ext>
+            </a:extLst>
+          </p:cNvPr>
+          <p:cNvSpPr txBox="1"/>
+          <p:nvPr/>
+        </p:nvSpPr>
+        <p:spPr>
+          <a:xfrm>
+            <a:off x="9912142" y="2174327"/>
+            <a:ext cx="532518" cy="369332"/>
+          </a:xfrm>
+          <a:prstGeom prst="rect">
+            <a:avLst/>
+          </a:prstGeom>
+          <a:noFill/>
+        </p:spPr>
+        <p:txBody>
+          <a:bodyPr wrap="none" rtlCol="0">
+            <a:spAutoFit/>
+          </a:bodyPr>
+          <a:lstStyle/>
+          <a:p>
+            <a:r>
+              <a:rPr kumimoji="1" lang="en-US" altLang="ko-KR" dirty="0"/>
+              <a:t>4</a:t>
+            </a:r>
+            <a:r>
+              <a:rPr kumimoji="1" lang="ko-KR" altLang="en-US" dirty="0"/>
+              <a:t>점</a:t>
+            </a:r>
+            <a:endParaRPr kumimoji="1" lang="ko-Kore-KR" altLang="en-US" dirty="0"/>
+          </a:p>
+        </p:txBody>
+      </p:sp>
+      <p:sp>
+        <p:nvSpPr>
+          <p:cNvPr id="87" name="TextBox 86">
+            <a:extLst>
+              <a:ext uri="{FF2B5EF4-FFF2-40B4-BE49-F238E27FC236}">
+                <a16:creationId xmlns:a16="http://schemas.microsoft.com/office/drawing/2014/main" id="{5D7A4B80-67C2-46F4-106E-602A10EB7A47}"/>
+              </a:ext>
+            </a:extLst>
+          </p:cNvPr>
+          <p:cNvSpPr txBox="1"/>
+          <p:nvPr/>
+        </p:nvSpPr>
+        <p:spPr>
+          <a:xfrm>
+            <a:off x="11608859" y="1427121"/>
+            <a:ext cx="306494" cy="430887"/>
+          </a:xfrm>
+          <a:prstGeom prst="rect">
+            <a:avLst/>
+          </a:prstGeom>
+          <a:noFill/>
+        </p:spPr>
+        <p:txBody>
+          <a:bodyPr wrap="none" rtlCol="0">
+            <a:spAutoFit/>
+          </a:bodyPr>
+          <a:lstStyle/>
+          <a:p>
+            <a:r>
+              <a:rPr kumimoji="1" lang="en-US" altLang="ko-Kore-KR" sz="2200" dirty="0">
+                <a:solidFill>
+                  <a:srgbClr val="FF0000"/>
+                </a:solidFill>
+              </a:rPr>
+              <a:t>x</a:t>
+            </a:r>
+            <a:endParaRPr kumimoji="1" lang="ko-Kore-KR" altLang="en-US" sz="2200" dirty="0">
+              <a:solidFill>
+                <a:srgbClr val="FF0000"/>
+              </a:solidFill>
+            </a:endParaRPr>
+          </a:p>
+        </p:txBody>
+      </p:sp>
+      <p:sp>
+        <p:nvSpPr>
+          <p:cNvPr id="88" name="TextBox 87">
+            <a:extLst>
+              <a:ext uri="{FF2B5EF4-FFF2-40B4-BE49-F238E27FC236}">
+                <a16:creationId xmlns:a16="http://schemas.microsoft.com/office/drawing/2014/main" id="{736DECC1-645A-4D6D-4A70-17000660EC0B}"/>
+              </a:ext>
+            </a:extLst>
+          </p:cNvPr>
+          <p:cNvSpPr txBox="1"/>
+          <p:nvPr/>
+        </p:nvSpPr>
+        <p:spPr>
+          <a:xfrm>
+            <a:off x="11614721" y="1755064"/>
+            <a:ext cx="306494" cy="430887"/>
+          </a:xfrm>
+          <a:prstGeom prst="rect">
+            <a:avLst/>
+          </a:prstGeom>
+          <a:noFill/>
+        </p:spPr>
+        <p:txBody>
+          <a:bodyPr wrap="none" rtlCol="0">
+            <a:spAutoFit/>
+          </a:bodyPr>
+          <a:lstStyle/>
+          <a:p>
+            <a:r>
+              <a:rPr kumimoji="1" lang="en-US" altLang="ko-Kore-KR" sz="2200" dirty="0">
+                <a:solidFill>
+                  <a:srgbClr val="FF0000"/>
+                </a:solidFill>
+              </a:rPr>
+              <a:t>x</a:t>
+            </a:r>
+            <a:endParaRPr kumimoji="1" lang="ko-Kore-KR" altLang="en-US" sz="2200" dirty="0">
+              <a:solidFill>
+                <a:srgbClr val="FF0000"/>
+              </a:solidFill>
+            </a:endParaRPr>
+          </a:p>
+        </p:txBody>
+      </p:sp>
+      <p:sp>
+        <p:nvSpPr>
+          <p:cNvPr id="89" name="TextBox 88">
+            <a:extLst>
+              <a:ext uri="{FF2B5EF4-FFF2-40B4-BE49-F238E27FC236}">
+                <a16:creationId xmlns:a16="http://schemas.microsoft.com/office/drawing/2014/main" id="{A304C21F-F6EE-46CB-0B9C-D38D7D498C1E}"/>
+              </a:ext>
+            </a:extLst>
+          </p:cNvPr>
+          <p:cNvSpPr txBox="1"/>
+          <p:nvPr/>
+        </p:nvSpPr>
+        <p:spPr>
+          <a:xfrm>
+            <a:off x="11620583" y="2112772"/>
+            <a:ext cx="306494" cy="430887"/>
+          </a:xfrm>
+          <a:prstGeom prst="rect">
+            <a:avLst/>
+          </a:prstGeom>
+          <a:noFill/>
+        </p:spPr>
+        <p:txBody>
+          <a:bodyPr wrap="none" rtlCol="0">
+            <a:spAutoFit/>
+          </a:bodyPr>
+          <a:lstStyle/>
+          <a:p>
+            <a:r>
+              <a:rPr kumimoji="1" lang="en-US" altLang="ko-Kore-KR" sz="2200" dirty="0">
+                <a:solidFill>
+                  <a:srgbClr val="FF0000"/>
+                </a:solidFill>
+              </a:rPr>
+              <a:t>x</a:t>
+            </a:r>
+            <a:endParaRPr kumimoji="1" lang="ko-Kore-KR" altLang="en-US" sz="2200" dirty="0">
+              <a:solidFill>
+                <a:srgbClr val="FF0000"/>
+              </a:solidFill>
+            </a:endParaRPr>
+          </a:p>
+        </p:txBody>
+      </p:sp>
+      <p:sp>
+        <p:nvSpPr>
+          <p:cNvPr id="31" name="모서리가 둥근 직사각형 30">
+            <a:extLst>
+              <a:ext uri="{FF2B5EF4-FFF2-40B4-BE49-F238E27FC236}">
+                <a16:creationId xmlns:a16="http://schemas.microsoft.com/office/drawing/2014/main" id="{F1516145-12AD-DC27-380D-D7145180E5C6}"/>
+              </a:ext>
+            </a:extLst>
+          </p:cNvPr>
+          <p:cNvSpPr/>
+          <p:nvPr/>
+        </p:nvSpPr>
+        <p:spPr>
+          <a:xfrm>
+            <a:off x="7075343" y="3939180"/>
+            <a:ext cx="4375947" cy="1067789"/>
+          </a:xfrm>
+          <a:prstGeom prst="roundRect">
+            <a:avLst/>
+          </a:prstGeom>
+          <a:solidFill>
+            <a:schemeClr val="accent5">
+              <a:lumMod val="20000"/>
+              <a:lumOff val="80000"/>
+            </a:schemeClr>
+          </a:solidFill>
+          <a:ln>
+            <a:noFill/>
+          </a:ln>
+        </p:spPr>
+        <p:style>
+          <a:lnRef idx="2">
+            <a:schemeClr val="accent1">
+              <a:shade val="50000"/>
+            </a:schemeClr>
+          </a:lnRef>
+          <a:fillRef idx="1">
+            <a:schemeClr val="accent1"/>
+          </a:fillRef>
+          <a:effectRef idx="0">
+            <a:schemeClr val="accent1"/>
+          </a:effectRef>
+          <a:fontRef idx="minor">
+            <a:schemeClr val="lt1"/>
+          </a:fontRef>
+        </p:style>
+        <p:txBody>
+          <a:bodyPr rtlCol="0" anchor="ctr"/>
+          <a:lstStyle/>
+          <a:p>
+            <a:pPr algn="ctr"/>
+            <a:r>
+              <a:rPr kumimoji="1" lang="ko-Kore-KR" altLang="en-US" dirty="0">
+                <a:solidFill>
+                  <a:schemeClr val="tx1"/>
+                </a:solidFill>
+              </a:rPr>
+              <a:t>환불하시겠습니까</a:t>
+            </a:r>
+            <a:r>
+              <a:rPr kumimoji="1" lang="en-US" altLang="ko-Kore-KR" dirty="0">
+                <a:solidFill>
+                  <a:schemeClr val="tx1"/>
+                </a:solidFill>
+              </a:rPr>
+              <a:t>?</a:t>
+            </a:r>
+          </a:p>
+          <a:p>
+            <a:pPr algn="ctr"/>
+            <a:endParaRPr kumimoji="1" lang="ko-Kore-KR" altLang="en-US" dirty="0">
+              <a:solidFill>
+                <a:schemeClr val="tx1"/>
+              </a:solidFill>
+            </a:endParaRPr>
+          </a:p>
+        </p:txBody>
+      </p:sp>
+      <p:sp>
+        <p:nvSpPr>
+          <p:cNvPr id="32" name="모서리가 둥근 직사각형 31">
+            <a:extLst>
+              <a:ext uri="{FF2B5EF4-FFF2-40B4-BE49-F238E27FC236}">
+                <a16:creationId xmlns:a16="http://schemas.microsoft.com/office/drawing/2014/main" id="{0CA98F22-C587-7DE7-4E47-89F761C101E0}"/>
+              </a:ext>
+            </a:extLst>
+          </p:cNvPr>
+          <p:cNvSpPr/>
+          <p:nvPr/>
+        </p:nvSpPr>
+        <p:spPr>
+          <a:xfrm>
+            <a:off x="10282523" y="4639656"/>
+            <a:ext cx="862987" cy="242882"/>
+          </a:xfrm>
+          <a:prstGeom prst="roundRect">
+            <a:avLst/>
+          </a:prstGeom>
+          <a:solidFill>
+            <a:schemeClr val="accent2">
+              <a:lumMod val="40000"/>
+              <a:lumOff val="60000"/>
+            </a:schemeClr>
+          </a:solidFill>
+          <a:ln>
+            <a:noFill/>
+          </a:ln>
+        </p:spPr>
+        <p:style>
+          <a:lnRef idx="2">
+            <a:schemeClr val="accent1">
+              <a:shade val="50000"/>
+            </a:schemeClr>
+          </a:lnRef>
+          <a:fillRef idx="1">
+            <a:schemeClr val="accent1"/>
+          </a:fillRef>
+          <a:effectRef idx="0">
+            <a:schemeClr val="accent1"/>
+          </a:effectRef>
+          <a:fontRef idx="minor">
+            <a:schemeClr val="lt1"/>
+          </a:fontRef>
+        </p:style>
+        <p:txBody>
+          <a:bodyPr rtlCol="0" anchor="ctr"/>
+          <a:lstStyle/>
+          <a:p>
+            <a:pPr algn="ctr"/>
+            <a:r>
+              <a:rPr kumimoji="1" lang="ko-Kore-KR" altLang="en-US" sz="1300" dirty="0">
+                <a:solidFill>
+                  <a:schemeClr val="tx1"/>
+                </a:solidFill>
+              </a:rPr>
+              <a:t>취소</a:t>
+            </a:r>
+          </a:p>
+        </p:txBody>
+      </p:sp>
+      <p:sp>
+        <p:nvSpPr>
+          <p:cNvPr id="33" name="모서리가 둥근 직사각형 32">
+            <a:extLst>
+              <a:ext uri="{FF2B5EF4-FFF2-40B4-BE49-F238E27FC236}">
+                <a16:creationId xmlns:a16="http://schemas.microsoft.com/office/drawing/2014/main" id="{894467C4-4FBB-1590-64A6-CA103471BF1C}"/>
+              </a:ext>
+            </a:extLst>
+          </p:cNvPr>
+          <p:cNvSpPr/>
+          <p:nvPr/>
+        </p:nvSpPr>
+        <p:spPr>
+          <a:xfrm>
+            <a:off x="9237896" y="4640725"/>
+            <a:ext cx="862987" cy="242882"/>
+          </a:xfrm>
+          <a:prstGeom prst="roundRect">
+            <a:avLst/>
+          </a:prstGeom>
+          <a:solidFill>
+            <a:schemeClr val="accent6">
+              <a:lumMod val="20000"/>
+              <a:lumOff val="80000"/>
+            </a:schemeClr>
+          </a:solidFill>
+          <a:ln>
+            <a:noFill/>
+          </a:ln>
+        </p:spPr>
+        <p:style>
+          <a:lnRef idx="2">
+            <a:schemeClr val="accent1">
+              <a:shade val="50000"/>
+            </a:schemeClr>
+          </a:lnRef>
+          <a:fillRef idx="1">
+            <a:schemeClr val="accent1"/>
+          </a:fillRef>
+          <a:effectRef idx="0">
+            <a:schemeClr val="accent1"/>
+          </a:effectRef>
+          <a:fontRef idx="minor">
+            <a:schemeClr val="lt1"/>
+          </a:fontRef>
+        </p:style>
+        <p:txBody>
+          <a:bodyPr rtlCol="0" anchor="ctr"/>
+          <a:lstStyle/>
+          <a:p>
+            <a:pPr algn="ctr"/>
+            <a:r>
+              <a:rPr kumimoji="1" lang="ko-Kore-KR" altLang="en-US" sz="1300" dirty="0">
+                <a:solidFill>
+                  <a:schemeClr val="tx1"/>
+                </a:solidFill>
+              </a:rPr>
+              <a:t>환불</a:t>
+            </a:r>
+          </a:p>
+        </p:txBody>
+      </p:sp>
+    </p:spTree>
+    <p:extLst>
+      <p:ext uri="{BB962C8B-B14F-4D97-AF65-F5344CB8AC3E}">
+        <p14:creationId xmlns:p14="http://schemas.microsoft.com/office/powerpoint/2010/main" val="755707852"/>
       </p:ext>
     </p:extLst>
   </p:cSld>

--- a/Use case Description.pptx
+++ b/Use case Description.pptx
@@ -4664,7 +4664,13 @@
           <p:cNvGraphicFramePr>
             <a:graphicFrameLocks noGrp="1"/>
           </p:cNvGraphicFramePr>
-          <p:nvPr/>
+          <p:nvPr>
+            <p:extLst>
+              <p:ext uri="{D42A27DB-BD31-4B8C-83A1-F6EECF244321}">
+                <p14:modId xmlns:p14="http://schemas.microsoft.com/office/powerpoint/2010/main" val="4132284648"/>
+              </p:ext>
+            </p:extLst>
+          </p:nvPr>
         </p:nvGraphicFramePr>
         <p:xfrm>
           <a:off x="881064" y="871537"/>
@@ -4965,6 +4971,10 @@
                       <a:r>
                         <a:rPr lang="ko-KR" altLang="en-US" dirty="0"/>
                         <a:t>상품 등록이 완료된 상태를 보여준다</a:t>
+                      </a:r>
+                      <a:r>
+                        <a:rPr lang="en-US" altLang="ko-KR" dirty="0"/>
+                        <a:t>.</a:t>
                       </a:r>
                       <a:endParaRPr lang="ko-Kore-KR" altLang="en-US" dirty="0"/>
                     </a:p>
@@ -8355,7 +8365,7 @@
           <p:nvPr>
             <p:extLst>
               <p:ext uri="{D42A27DB-BD31-4B8C-83A1-F6EECF244321}">
-                <p14:modId xmlns:p14="http://schemas.microsoft.com/office/powerpoint/2010/main" val="2065564190"/>
+                <p14:modId xmlns:p14="http://schemas.microsoft.com/office/powerpoint/2010/main" val="1113003827"/>
               </p:ext>
             </p:extLst>
           </p:nvPr>
@@ -8486,6 +8496,10 @@
                         <a:rPr lang="ko-KR" altLang="en-US" sz="1800" dirty="0" err="1"/>
                         <a:t>회원가입한다</a:t>
                       </a:r>
+                      <a:r>
+                        <a:rPr lang="en-US" altLang="ko-KR" sz="1800" dirty="0"/>
+                        <a:t>.</a:t>
+                      </a:r>
                       <a:endParaRPr lang="ko-Kore-KR" altLang="en-US" sz="1800" dirty="0"/>
                     </a:p>
                   </a:txBody>
@@ -8515,6 +8529,10 @@
                       <a:r>
                         <a:rPr lang="ko-KR" altLang="en-US" dirty="0"/>
                         <a:t>로그인 페이지로 이동한다</a:t>
+                      </a:r>
+                      <a:r>
+                        <a:rPr lang="en-US" altLang="ko-KR" dirty="0"/>
+                        <a:t>.</a:t>
                       </a:r>
                       <a:endParaRPr lang="ko-Kore-KR" altLang="en-US" dirty="0"/>
                     </a:p>
@@ -9285,7 +9303,7 @@
           <p:nvPr>
             <p:extLst>
               <p:ext uri="{D42A27DB-BD31-4B8C-83A1-F6EECF244321}">
-                <p14:modId xmlns:p14="http://schemas.microsoft.com/office/powerpoint/2010/main" val="1425987418"/>
+                <p14:modId xmlns:p14="http://schemas.microsoft.com/office/powerpoint/2010/main" val="3064611817"/>
               </p:ext>
             </p:extLst>
           </p:nvPr>
@@ -9420,6 +9438,18 @@
                         </a:rPr>
                         <a:t>회원이 로그인한 상태에서 개인 정보 페이지에서 회원 탈퇴 버튼을 누른다</a:t>
                       </a:r>
+                      <a:r>
+                        <a:rPr lang="en-US" altLang="ko-Kore-KR" sz="1800" kern="1200" dirty="0">
+                          <a:solidFill>
+                            <a:schemeClr val="tx1"/>
+                          </a:solidFill>
+                          <a:effectLst/>
+                          <a:latin typeface="+mn-lt"/>
+                          <a:ea typeface="+mn-ea"/>
+                          <a:cs typeface="+mn-cs"/>
+                        </a:rPr>
+                        <a:t>.</a:t>
+                      </a:r>
                       <a:endParaRPr lang="ko-Kore-KR" altLang="en-US" dirty="0"/>
                     </a:p>
                   </a:txBody>
@@ -9449,6 +9479,10 @@
                       <a:r>
                         <a:rPr lang="ko-KR" altLang="en-US" dirty="0"/>
                         <a:t>회원탈퇴 후 홈페이지로 이동한다</a:t>
+                      </a:r>
+                      <a:r>
+                        <a:rPr lang="en-US" altLang="ko-KR" dirty="0"/>
+                        <a:t>.</a:t>
                       </a:r>
                       <a:endParaRPr lang="ko-Kore-KR" altLang="en-US" dirty="0"/>
                     </a:p>
@@ -10187,7 +10221,7 @@
           <p:nvPr>
             <p:extLst>
               <p:ext uri="{D42A27DB-BD31-4B8C-83A1-F6EECF244321}">
-                <p14:modId xmlns:p14="http://schemas.microsoft.com/office/powerpoint/2010/main" val="3903814104"/>
+                <p14:modId xmlns:p14="http://schemas.microsoft.com/office/powerpoint/2010/main" val="2049818127"/>
               </p:ext>
             </p:extLst>
           </p:nvPr>
@@ -10330,6 +10364,10 @@
                         <a:rPr lang="ko-KR" altLang="en-US" sz="1800" dirty="0"/>
                         <a:t>로 로그인 한다</a:t>
                       </a:r>
+                      <a:r>
+                        <a:rPr lang="en-US" altLang="ko-KR" sz="1800" dirty="0"/>
+                        <a:t>.</a:t>
+                      </a:r>
                       <a:endParaRPr lang="ko-Kore-KR" altLang="en-US" sz="1800" dirty="0"/>
                     </a:p>
                   </a:txBody>
@@ -10359,6 +10397,10 @@
                       <a:r>
                         <a:rPr lang="ko-KR" altLang="en-US" dirty="0"/>
                         <a:t>홈페이지로 이동한다</a:t>
+                      </a:r>
+                      <a:r>
+                        <a:rPr lang="en-US" altLang="ko-KR" dirty="0"/>
+                        <a:t>.</a:t>
                       </a:r>
                       <a:endParaRPr lang="ko-Kore-KR" altLang="en-US" dirty="0"/>
                     </a:p>
@@ -10883,7 +10925,7 @@
           <p:nvPr>
             <p:extLst>
               <p:ext uri="{D42A27DB-BD31-4B8C-83A1-F6EECF244321}">
-                <p14:modId xmlns:p14="http://schemas.microsoft.com/office/powerpoint/2010/main" val="2008768833"/>
+                <p14:modId xmlns:p14="http://schemas.microsoft.com/office/powerpoint/2010/main" val="546317960"/>
               </p:ext>
             </p:extLst>
           </p:nvPr>
@@ -11014,6 +11056,11 @@
                         <a:rPr lang="ko-Kore-KR" altLang="en-US" sz="1800" dirty="0"/>
                         <a:t>로그아웃 버튼을 누른다</a:t>
                       </a:r>
+                      <a:r>
+                        <a:rPr lang="en-US" altLang="ko-Kore-KR" sz="1800" dirty="0"/>
+                        <a:t>.</a:t>
+                      </a:r>
+                      <a:endParaRPr lang="ko-Kore-KR" altLang="en-US" sz="1800" dirty="0"/>
                     </a:p>
                   </a:txBody>
                   <a:tcPr anchor="ctr">
@@ -11046,6 +11093,10 @@
                       <a:r>
                         <a:rPr lang="ko-KR" altLang="en-US" dirty="0" err="1"/>
                         <a:t>종료시킨다</a:t>
+                      </a:r>
+                      <a:r>
+                        <a:rPr lang="en-US" altLang="ko-KR" dirty="0"/>
+                        <a:t>.</a:t>
                       </a:r>
                       <a:endParaRPr lang="ko-Kore-KR" altLang="en-US" dirty="0"/>
                     </a:p>
@@ -11231,7 +11282,7 @@
           <p:nvPr>
             <p:extLst>
               <p:ext uri="{D42A27DB-BD31-4B8C-83A1-F6EECF244321}">
-                <p14:modId xmlns:p14="http://schemas.microsoft.com/office/powerpoint/2010/main" val="1853437986"/>
+                <p14:modId xmlns:p14="http://schemas.microsoft.com/office/powerpoint/2010/main" val="721718967"/>
               </p:ext>
             </p:extLst>
           </p:nvPr>
@@ -11396,6 +11447,10 @@
                         <a:rPr lang="ko-KR" altLang="en-US" dirty="0"/>
                         <a:t>회원이 구매한 내역을 출력한다</a:t>
                       </a:r>
+                      <a:r>
+                        <a:rPr lang="en-US" altLang="ko-KR" dirty="0"/>
+                        <a:t>.</a:t>
+                      </a:r>
                       <a:endParaRPr lang="ko-Kore-KR" altLang="en-US" dirty="0"/>
                     </a:p>
                   </a:txBody>
@@ -12039,8 +12094,8 @@
           </a:p>
         </p:txBody>
       </p:sp>
-      <mc:AlternateContent xmlns:mc="http://schemas.openxmlformats.org/markup-compatibility/2006">
-        <mc:Choice xmlns:p14="http://schemas.microsoft.com/office/powerpoint/2010/main" Requires="p14">
+      <mc:AlternateContent xmlns:mc="http://schemas.openxmlformats.org/markup-compatibility/2006" xmlns:p14="http://schemas.microsoft.com/office/powerpoint/2010/main">
+        <mc:Choice Requires="p14">
           <p:contentPart p14:bwMode="auto" r:id="rId2">
             <p14:nvContentPartPr>
               <p14:cNvPr id="30" name="잉크 29">
@@ -12059,7 +12114,7 @@
             </p14:xfrm>
           </p:contentPart>
         </mc:Choice>
-        <mc:Fallback>
+        <mc:Fallback xmlns="">
           <p:pic>
             <p:nvPicPr>
               <p:cNvPr id="30" name="잉크 29">
@@ -12090,8 +12145,8 @@
           </p:pic>
         </mc:Fallback>
       </mc:AlternateContent>
-      <mc:AlternateContent xmlns:mc="http://schemas.openxmlformats.org/markup-compatibility/2006">
-        <mc:Choice xmlns:p14="http://schemas.microsoft.com/office/powerpoint/2010/main" Requires="p14">
+      <mc:AlternateContent xmlns:mc="http://schemas.openxmlformats.org/markup-compatibility/2006" xmlns:p14="http://schemas.microsoft.com/office/powerpoint/2010/main">
+        <mc:Choice Requires="p14">
           <p:contentPart p14:bwMode="auto" r:id="rId4">
             <p14:nvContentPartPr>
               <p14:cNvPr id="31" name="잉크 30">
@@ -12110,7 +12165,7 @@
             </p14:xfrm>
           </p:contentPart>
         </mc:Choice>
-        <mc:Fallback>
+        <mc:Fallback xmlns="">
           <p:pic>
             <p:nvPicPr>
               <p:cNvPr id="31" name="잉크 30">
@@ -12141,8 +12196,8 @@
           </p:pic>
         </mc:Fallback>
       </mc:AlternateContent>
-      <mc:AlternateContent xmlns:mc="http://schemas.openxmlformats.org/markup-compatibility/2006">
-        <mc:Choice xmlns:p14="http://schemas.microsoft.com/office/powerpoint/2010/main" Requires="p14">
+      <mc:AlternateContent xmlns:mc="http://schemas.openxmlformats.org/markup-compatibility/2006" xmlns:p14="http://schemas.microsoft.com/office/powerpoint/2010/main">
+        <mc:Choice Requires="p14">
           <p:contentPart p14:bwMode="auto" r:id="rId5">
             <p14:nvContentPartPr>
               <p14:cNvPr id="34" name="잉크 33">
@@ -12161,7 +12216,7 @@
             </p14:xfrm>
           </p:contentPart>
         </mc:Choice>
-        <mc:Fallback>
+        <mc:Fallback xmlns="">
           <p:pic>
             <p:nvPicPr>
               <p:cNvPr id="34" name="잉크 33">
@@ -12488,7 +12543,7 @@
           <p:nvPr>
             <p:extLst>
               <p:ext uri="{D42A27DB-BD31-4B8C-83A1-F6EECF244321}">
-                <p14:modId xmlns:p14="http://schemas.microsoft.com/office/powerpoint/2010/main" val="2435998115"/>
+                <p14:modId xmlns:p14="http://schemas.microsoft.com/office/powerpoint/2010/main" val="732420371"/>
               </p:ext>
             </p:extLst>
           </p:nvPr>
@@ -12615,6 +12670,18 @@
                         </a:rPr>
                         <a:t> 구매만족도를 정하고  평가를 한다</a:t>
                       </a:r>
+                      <a:r>
+                        <a:rPr lang="en-US" altLang="ko-KR" sz="1800" kern="1200" dirty="0">
+                          <a:solidFill>
+                            <a:schemeClr val="tx1"/>
+                          </a:solidFill>
+                          <a:effectLst/>
+                          <a:latin typeface="+mn-lt"/>
+                          <a:ea typeface="+mn-ea"/>
+                          <a:cs typeface="+mn-cs"/>
+                        </a:rPr>
+                        <a:t>.</a:t>
+                      </a:r>
                       <a:endParaRPr lang="ko-Kore-KR" altLang="en-US" dirty="0"/>
                     </a:p>
                   </a:txBody>
@@ -12644,6 +12711,10 @@
                       <a:r>
                         <a:rPr lang="ko-KR" altLang="en-US" dirty="0"/>
                         <a:t>적용된 내역을 출력한다</a:t>
+                      </a:r>
+                      <a:r>
+                        <a:rPr lang="en-US" altLang="ko-KR" dirty="0"/>
+                        <a:t>.</a:t>
                       </a:r>
                       <a:endParaRPr lang="ko-Kore-KR" altLang="en-US" dirty="0"/>
                     </a:p>
@@ -13849,7 +13920,7 @@
           <p:nvPr>
             <p:extLst>
               <p:ext uri="{D42A27DB-BD31-4B8C-83A1-F6EECF244321}">
-                <p14:modId xmlns:p14="http://schemas.microsoft.com/office/powerpoint/2010/main" val="1100424574"/>
+                <p14:modId xmlns:p14="http://schemas.microsoft.com/office/powerpoint/2010/main" val="515020565"/>
               </p:ext>
             </p:extLst>
           </p:nvPr>
@@ -13992,15 +14063,18 @@
                         </a:rPr>
                         <a:t>표시를 누른다</a:t>
                       </a:r>
-                      <a:endParaRPr lang="en-US" altLang="ko-KR" sz="1800" kern="1200" dirty="0">
-                        <a:solidFill>
-                          <a:schemeClr val="tx1"/>
-                        </a:solidFill>
-                        <a:effectLst/>
-                        <a:latin typeface="+mn-lt"/>
-                        <a:ea typeface="+mn-ea"/>
-                        <a:cs typeface="+mn-cs"/>
-                      </a:endParaRPr>
+                      <a:r>
+                        <a:rPr lang="en-US" altLang="ko-KR" sz="1800" kern="1200" dirty="0">
+                          <a:solidFill>
+                            <a:schemeClr val="tx1"/>
+                          </a:solidFill>
+                          <a:effectLst/>
+                          <a:latin typeface="+mn-lt"/>
+                          <a:ea typeface="+mn-ea"/>
+                          <a:cs typeface="+mn-cs"/>
+                        </a:rPr>
+                        <a:t>.</a:t>
+                      </a:r>
                     </a:p>
                   </a:txBody>
                   <a:tcPr anchor="ctr">
@@ -14029,6 +14103,10 @@
                       <a:r>
                         <a:rPr lang="ko-KR" altLang="en-US" dirty="0"/>
                         <a:t>환불 수거 신청을 택배 시스템에 보낸다</a:t>
+                      </a:r>
+                      <a:r>
+                        <a:rPr lang="en-US" altLang="ko-KR" dirty="0"/>
+                        <a:t>.</a:t>
                       </a:r>
                       <a:endParaRPr lang="ko-Kore-KR" altLang="en-US" dirty="0"/>
                     </a:p>
@@ -15168,7 +15246,13 @@
           <p:cNvGraphicFramePr>
             <a:graphicFrameLocks noGrp="1"/>
           </p:cNvGraphicFramePr>
-          <p:nvPr/>
+          <p:nvPr>
+            <p:extLst>
+              <p:ext uri="{D42A27DB-BD31-4B8C-83A1-F6EECF244321}">
+                <p14:modId xmlns:p14="http://schemas.microsoft.com/office/powerpoint/2010/main" val="3554389733"/>
+              </p:ext>
+            </p:extLst>
+          </p:nvPr>
         </p:nvGraphicFramePr>
         <p:xfrm>
           <a:off x="522718" y="982748"/>
@@ -15330,6 +15414,10 @@
                         <a:rPr lang="ko-KR" altLang="en-US" dirty="0"/>
                         <a:t>사용자의 모든 판매 중인 상품 리스트를 보여준다</a:t>
                       </a:r>
+                      <a:r>
+                        <a:rPr lang="en-US" altLang="ko-KR" dirty="0"/>
+                        <a:t>.</a:t>
+                      </a:r>
                       <a:endParaRPr lang="ko-Kore-KR" altLang="en-US" dirty="0"/>
                     </a:p>
                   </a:txBody>
@@ -15367,6 +15455,10 @@
                         <a:rPr lang="ko-KR" altLang="en-US" dirty="0"/>
                         <a:t>사용자는 상품 리스트에서 하나를 선택한다</a:t>
                       </a:r>
+                      <a:r>
+                        <a:rPr lang="en-US" altLang="ko-KR" dirty="0"/>
+                        <a:t>.</a:t>
+                      </a:r>
                       <a:endParaRPr lang="ko-Kore-KR" altLang="en-US" dirty="0"/>
                     </a:p>
                   </a:txBody>
@@ -15420,6 +15512,10 @@
                       <a:r>
                         <a:rPr lang="ko-KR" altLang="en-US" dirty="0"/>
                         <a:t>수량 등의 정보를 보여준다</a:t>
+                      </a:r>
+                      <a:r>
+                        <a:rPr lang="en-US" altLang="ko-KR" dirty="0"/>
+                        <a:t>.</a:t>
                       </a:r>
                       <a:endParaRPr lang="ko-Kore-KR" altLang="en-US" dirty="0"/>
                     </a:p>
@@ -15460,6 +15556,11 @@
                         <a:rPr lang="ko-Kore-KR" altLang="en-US" dirty="0"/>
                         <a:t>번 이후에 사용자는 각 칸의 정보들을 수정할 수 있다</a:t>
                       </a:r>
+                      <a:r>
+                        <a:rPr lang="en-US" altLang="ko-Kore-KR" dirty="0"/>
+                        <a:t>.</a:t>
+                      </a:r>
+                      <a:endParaRPr lang="ko-Kore-KR" altLang="en-US" dirty="0"/>
                     </a:p>
                   </a:txBody>
                   <a:tcPr anchor="ctr"/>
@@ -17169,7 +17270,13 @@
           <p:cNvGraphicFramePr>
             <a:graphicFrameLocks noGrp="1"/>
           </p:cNvGraphicFramePr>
-          <p:nvPr/>
+          <p:nvPr>
+            <p:extLst>
+              <p:ext uri="{D42A27DB-BD31-4B8C-83A1-F6EECF244321}">
+                <p14:modId xmlns:p14="http://schemas.microsoft.com/office/powerpoint/2010/main" val="2287910317"/>
+              </p:ext>
+            </p:extLst>
+          </p:nvPr>
         </p:nvGraphicFramePr>
         <p:xfrm>
           <a:off x="881063" y="871537"/>
@@ -17331,6 +17438,10 @@
                         <a:rPr lang="ko-KR" altLang="en-US" dirty="0"/>
                         <a:t>사용자의 모든 판매 완료된 상품 리스트를 보여준다</a:t>
                       </a:r>
+                      <a:r>
+                        <a:rPr lang="en-US" altLang="ko-KR" dirty="0"/>
+                        <a:t>.</a:t>
+                      </a:r>
                       <a:endParaRPr lang="ko-Kore-KR" altLang="en-US" dirty="0"/>
                     </a:p>
                   </a:txBody>
@@ -17368,6 +17479,10 @@
                         <a:rPr lang="ko-KR" altLang="en-US" dirty="0"/>
                         <a:t>사용자는 상품 리스트에서 하나를 선택한다</a:t>
                       </a:r>
+                      <a:r>
+                        <a:rPr lang="en-US" altLang="ko-KR" dirty="0"/>
+                        <a:t>.</a:t>
+                      </a:r>
                       <a:endParaRPr lang="ko-Kore-KR" altLang="en-US" dirty="0"/>
                     </a:p>
                   </a:txBody>
@@ -17421,6 +17536,10 @@
                       <a:r>
                         <a:rPr lang="ko-KR" altLang="en-US" dirty="0"/>
                         <a:t>수량 등의 정보를 보여준다</a:t>
+                      </a:r>
+                      <a:r>
+                        <a:rPr lang="en-US" altLang="ko-KR" dirty="0"/>
+                        <a:t>.</a:t>
                       </a:r>
                       <a:endParaRPr lang="ko-Kore-KR" altLang="en-US" dirty="0"/>
                     </a:p>
@@ -19067,7 +19186,13 @@
           <p:cNvGraphicFramePr>
             <a:graphicFrameLocks noGrp="1"/>
           </p:cNvGraphicFramePr>
-          <p:nvPr/>
+          <p:nvPr>
+            <p:extLst>
+              <p:ext uri="{D42A27DB-BD31-4B8C-83A1-F6EECF244321}">
+                <p14:modId xmlns:p14="http://schemas.microsoft.com/office/powerpoint/2010/main" val="1666965847"/>
+              </p:ext>
+            </p:extLst>
+          </p:nvPr>
         </p:nvGraphicFramePr>
         <p:xfrm>
           <a:off x="559787" y="1032174"/>
@@ -19187,6 +19312,18 @@
                         </a:rPr>
                         <a:t> 판매 종료일이 된 상품의 상태를 판매 완료로 바꿀 것을 요청한다</a:t>
                       </a:r>
+                      <a:r>
+                        <a:rPr lang="en-US" altLang="ko-KR" sz="1800" kern="1200" dirty="0">
+                          <a:solidFill>
+                            <a:schemeClr val="tx1"/>
+                          </a:solidFill>
+                          <a:effectLst/>
+                          <a:latin typeface="+mn-lt"/>
+                          <a:ea typeface="+mn-ea"/>
+                          <a:cs typeface="+mn-cs"/>
+                        </a:rPr>
+                        <a:t>.</a:t>
+                      </a:r>
                       <a:endParaRPr lang="ko-Kore-KR" altLang="en-US" dirty="0"/>
                     </a:p>
                   </a:txBody>
@@ -19216,6 +19353,10 @@
                       <a:r>
                         <a:rPr lang="ko-KR" altLang="en-US" dirty="0"/>
                         <a:t>행당 상품의 상태를 판매완료로 바꾼다</a:t>
+                      </a:r>
+                      <a:r>
+                        <a:rPr lang="en-US" altLang="ko-KR" dirty="0"/>
+                        <a:t>.</a:t>
                       </a:r>
                       <a:endParaRPr lang="ko-Kore-KR" altLang="en-US" dirty="0"/>
                     </a:p>
@@ -19321,7 +19462,13 @@
           <p:cNvGraphicFramePr>
             <a:graphicFrameLocks noGrp="1"/>
           </p:cNvGraphicFramePr>
-          <p:nvPr/>
+          <p:nvPr>
+            <p:extLst>
+              <p:ext uri="{D42A27DB-BD31-4B8C-83A1-F6EECF244321}">
+                <p14:modId xmlns:p14="http://schemas.microsoft.com/office/powerpoint/2010/main" val="1869188754"/>
+              </p:ext>
+            </p:extLst>
+          </p:nvPr>
         </p:nvGraphicFramePr>
         <p:xfrm>
           <a:off x="881063" y="871537"/>
@@ -19482,6 +19629,10 @@
                       <a:r>
                         <a:rPr lang="ko-KR" altLang="en-US" dirty="0"/>
                         <a:t>판매한 상품에 대한 총액 및 평균 구매만족도를 출력한다</a:t>
+                      </a:r>
+                      <a:r>
+                        <a:rPr lang="en-US" altLang="ko-KR" dirty="0"/>
+                        <a:t>.</a:t>
                       </a:r>
                       <a:endParaRPr lang="ko-Kore-KR" altLang="en-US" dirty="0"/>
                     </a:p>
@@ -20673,7 +20824,13 @@
           <p:cNvGraphicFramePr>
             <a:graphicFrameLocks noGrp="1"/>
           </p:cNvGraphicFramePr>
-          <p:nvPr/>
+          <p:nvPr>
+            <p:extLst>
+              <p:ext uri="{D42A27DB-BD31-4B8C-83A1-F6EECF244321}">
+                <p14:modId xmlns:p14="http://schemas.microsoft.com/office/powerpoint/2010/main" val="2468052708"/>
+              </p:ext>
+            </p:extLst>
+          </p:nvPr>
         </p:nvGraphicFramePr>
         <p:xfrm>
           <a:off x="584501" y="789158"/>
@@ -20834,6 +20991,10 @@
                       <a:r>
                         <a:rPr lang="ko-KR" altLang="en-US" dirty="0"/>
                         <a:t>구매한 상품에 대한 총액 및 평균 구매만족도를 출력한다</a:t>
+                      </a:r>
+                      <a:r>
+                        <a:rPr lang="en-US" altLang="ko-KR" dirty="0"/>
+                        <a:t>.</a:t>
                       </a:r>
                       <a:endParaRPr lang="ko-Kore-KR" altLang="en-US" dirty="0"/>
                     </a:p>
@@ -22009,7 +22170,13 @@
           <p:cNvGraphicFramePr>
             <a:graphicFrameLocks noGrp="1"/>
           </p:cNvGraphicFramePr>
-          <p:nvPr/>
+          <p:nvPr>
+            <p:extLst>
+              <p:ext uri="{D42A27DB-BD31-4B8C-83A1-F6EECF244321}">
+                <p14:modId xmlns:p14="http://schemas.microsoft.com/office/powerpoint/2010/main" val="209279477"/>
+              </p:ext>
+            </p:extLst>
+          </p:nvPr>
         </p:nvGraphicFramePr>
         <p:xfrm>
           <a:off x="584501" y="1003341"/>
@@ -22153,6 +22320,18 @@
                         </a:rPr>
                         <a:t>개월이 지난 구매내역 자동 삭제 이벤트가 구매내역 삭제를 요청한다</a:t>
                       </a:r>
+                      <a:r>
+                        <a:rPr lang="en-US" altLang="ko-KR" sz="1800" kern="1200" dirty="0">
+                          <a:solidFill>
+                            <a:schemeClr val="tx1"/>
+                          </a:solidFill>
+                          <a:effectLst/>
+                          <a:latin typeface="+mn-lt"/>
+                          <a:ea typeface="+mn-ea"/>
+                          <a:cs typeface="+mn-cs"/>
+                        </a:rPr>
+                        <a:t>.</a:t>
+                      </a:r>
                       <a:endParaRPr lang="ko-Kore-KR" altLang="en-US" dirty="0"/>
                     </a:p>
                   </a:txBody>
@@ -22182,6 +22361,10 @@
                       <a:r>
                         <a:rPr lang="ko-KR" altLang="en-US" dirty="0"/>
                         <a:t>해당 구매내역이 사용자의 기록에서 삭제된다</a:t>
+                      </a:r>
+                      <a:r>
+                        <a:rPr lang="en-US" altLang="ko-KR" dirty="0"/>
+                        <a:t>.</a:t>
                       </a:r>
                       <a:endParaRPr lang="ko-Kore-KR" altLang="en-US" dirty="0"/>
                     </a:p>
@@ -23140,7 +23323,13 @@
           <p:cNvGraphicFramePr>
             <a:graphicFrameLocks noGrp="1"/>
           </p:cNvGraphicFramePr>
-          <p:nvPr/>
+          <p:nvPr>
+            <p:extLst>
+              <p:ext uri="{D42A27DB-BD31-4B8C-83A1-F6EECF244321}">
+                <p14:modId xmlns:p14="http://schemas.microsoft.com/office/powerpoint/2010/main" val="3023680130"/>
+              </p:ext>
+            </p:extLst>
+          </p:nvPr>
         </p:nvGraphicFramePr>
         <p:xfrm>
           <a:off x="881063" y="871537"/>
@@ -23260,6 +23449,18 @@
                         </a:rPr>
                         <a:t> 매월 말일이 되면 구매 통계 정보 공지 이벤트가 공지를 보낼 것을 요청한다</a:t>
                       </a:r>
+                      <a:r>
+                        <a:rPr lang="en-US" altLang="ko-KR" sz="1800" kern="1200" dirty="0">
+                          <a:solidFill>
+                            <a:schemeClr val="tx1"/>
+                          </a:solidFill>
+                          <a:effectLst/>
+                          <a:latin typeface="+mn-lt"/>
+                          <a:ea typeface="+mn-ea"/>
+                          <a:cs typeface="+mn-cs"/>
+                        </a:rPr>
+                        <a:t>.</a:t>
+                      </a:r>
                       <a:endParaRPr lang="ko-Kore-KR" altLang="en-US" dirty="0"/>
                     </a:p>
                   </a:txBody>
@@ -23290,7 +23491,10 @@
                         <a:rPr lang="ko-KR" altLang="en-US" dirty="0"/>
                         <a:t>이메일 시스템에 공지 내용 송신을 요청한다</a:t>
                       </a:r>
-                      <a:endParaRPr lang="en-US" altLang="ko-KR" dirty="0"/>
+                      <a:r>
+                        <a:rPr lang="en-US" altLang="ko-KR" dirty="0"/>
+                        <a:t>.</a:t>
+                      </a:r>
                     </a:p>
                   </a:txBody>
                   <a:tcPr anchor="ctr">
@@ -23343,6 +23547,10 @@
                       <a:r>
                         <a:rPr lang="ko-KR" altLang="en-US" dirty="0"/>
                         <a:t>이메일 시스템이 공지내용을 사용자 이메일에 보낸다</a:t>
+                      </a:r>
+                      <a:r>
+                        <a:rPr lang="en-US" altLang="ko-KR" dirty="0"/>
+                        <a:t>.</a:t>
                       </a:r>
                       <a:endParaRPr lang="ko-Kore-KR" altLang="en-US" dirty="0"/>
                     </a:p>

--- a/Use case Description.pptx
+++ b/Use case Description.pptx
@@ -24021,8 +24021,8 @@
         </p:nvSpPr>
         <p:spPr>
           <a:xfrm>
-            <a:off x="8303741" y="1940011"/>
-            <a:ext cx="1003047" cy="369332"/>
+            <a:off x="7267643" y="1386952"/>
+            <a:ext cx="1003047" cy="230832"/>
           </a:xfrm>
           <a:prstGeom prst="rect">
             <a:avLst/>
@@ -24037,11 +24037,19 @@
           <a:p>
             <a:r>
               <a:rPr kumimoji="1" lang="ko-Kore-KR" altLang="en-US" sz="900" dirty="0"/>
-              <a:t>상품리스트</a:t>
+              <a:t>상품</a:t>
             </a:r>
             <a:r>
               <a:rPr kumimoji="1" lang="ko-KR" altLang="en-US" sz="900" dirty="0"/>
-              <a:t> 검색</a:t>
+              <a:t> </a:t>
+            </a:r>
+            <a:r>
+              <a:rPr kumimoji="1" lang="ko-Kore-KR" altLang="en-US" sz="900" dirty="0"/>
+              <a:t>리스</a:t>
+            </a:r>
+            <a:r>
+              <a:rPr kumimoji="1" lang="ko-KR" altLang="en-US" sz="900" dirty="0" err="1"/>
+              <a:t>트</a:t>
             </a:r>
             <a:endParaRPr kumimoji="1" lang="ko-Kore-KR" altLang="en-US" sz="900" dirty="0"/>
           </a:p>

--- a/Use case Description.pptx
+++ b/Use case Description.pptx
@@ -532,7 +532,7 @@
           <a:p>
             <a:fld id="{7EDDA4F1-B720-9C4D-A217-48F1C0F06947}" type="datetimeFigureOut">
               <a:rPr kumimoji="1" lang="ko-Kore-KR" altLang="en-US" smtClean="0"/>
-              <a:t>2022. 5. 11.</a:t>
+              <a:t>2022. 5. 14.</a:t>
             </a:fld>
             <a:endParaRPr kumimoji="1" lang="ko-Kore-KR" altLang="en-US"/>
           </a:p>
@@ -1117,7 +1117,7 @@
           <a:p>
             <a:fld id="{6E115D2A-B720-DA4C-BD7C-758C4A1989AB}" type="datetimeFigureOut">
               <a:rPr kumimoji="1" lang="ko-Kore-KR" altLang="en-US" smtClean="0"/>
-              <a:t>2022. 5. 11.</a:t>
+              <a:t>2022. 5. 14.</a:t>
             </a:fld>
             <a:endParaRPr kumimoji="1" lang="ko-Kore-KR" altLang="en-US"/>
           </a:p>
@@ -1317,7 +1317,7 @@
           <a:p>
             <a:fld id="{6E115D2A-B720-DA4C-BD7C-758C4A1989AB}" type="datetimeFigureOut">
               <a:rPr kumimoji="1" lang="ko-Kore-KR" altLang="en-US" smtClean="0"/>
-              <a:t>2022. 5. 11.</a:t>
+              <a:t>2022. 5. 14.</a:t>
             </a:fld>
             <a:endParaRPr kumimoji="1" lang="ko-Kore-KR" altLang="en-US"/>
           </a:p>
@@ -1527,7 +1527,7 @@
           <a:p>
             <a:fld id="{6E115D2A-B720-DA4C-BD7C-758C4A1989AB}" type="datetimeFigureOut">
               <a:rPr kumimoji="1" lang="ko-Kore-KR" altLang="en-US" smtClean="0"/>
-              <a:t>2022. 5. 11.</a:t>
+              <a:t>2022. 5. 14.</a:t>
             </a:fld>
             <a:endParaRPr kumimoji="1" lang="ko-Kore-KR" altLang="en-US"/>
           </a:p>
@@ -1727,7 +1727,7 @@
           <a:p>
             <a:fld id="{6E115D2A-B720-DA4C-BD7C-758C4A1989AB}" type="datetimeFigureOut">
               <a:rPr kumimoji="1" lang="ko-Kore-KR" altLang="en-US" smtClean="0"/>
-              <a:t>2022. 5. 11.</a:t>
+              <a:t>2022. 5. 14.</a:t>
             </a:fld>
             <a:endParaRPr kumimoji="1" lang="ko-Kore-KR" altLang="en-US"/>
           </a:p>
@@ -2003,7 +2003,7 @@
           <a:p>
             <a:fld id="{6E115D2A-B720-DA4C-BD7C-758C4A1989AB}" type="datetimeFigureOut">
               <a:rPr kumimoji="1" lang="ko-Kore-KR" altLang="en-US" smtClean="0"/>
-              <a:t>2022. 5. 11.</a:t>
+              <a:t>2022. 5. 14.</a:t>
             </a:fld>
             <a:endParaRPr kumimoji="1" lang="ko-Kore-KR" altLang="en-US"/>
           </a:p>
@@ -2271,7 +2271,7 @@
           <a:p>
             <a:fld id="{6E115D2A-B720-DA4C-BD7C-758C4A1989AB}" type="datetimeFigureOut">
               <a:rPr kumimoji="1" lang="ko-Kore-KR" altLang="en-US" smtClean="0"/>
-              <a:t>2022. 5. 11.</a:t>
+              <a:t>2022. 5. 14.</a:t>
             </a:fld>
             <a:endParaRPr kumimoji="1" lang="ko-Kore-KR" altLang="en-US"/>
           </a:p>
@@ -2686,7 +2686,7 @@
           <a:p>
             <a:fld id="{6E115D2A-B720-DA4C-BD7C-758C4A1989AB}" type="datetimeFigureOut">
               <a:rPr kumimoji="1" lang="ko-Kore-KR" altLang="en-US" smtClean="0"/>
-              <a:t>2022. 5. 11.</a:t>
+              <a:t>2022. 5. 14.</a:t>
             </a:fld>
             <a:endParaRPr kumimoji="1" lang="ko-Kore-KR" altLang="en-US"/>
           </a:p>
@@ -2828,7 +2828,7 @@
           <a:p>
             <a:fld id="{6E115D2A-B720-DA4C-BD7C-758C4A1989AB}" type="datetimeFigureOut">
               <a:rPr kumimoji="1" lang="ko-Kore-KR" altLang="en-US" smtClean="0"/>
-              <a:t>2022. 5. 11.</a:t>
+              <a:t>2022. 5. 14.</a:t>
             </a:fld>
             <a:endParaRPr kumimoji="1" lang="ko-Kore-KR" altLang="en-US"/>
           </a:p>
@@ -2941,7 +2941,7 @@
           <a:p>
             <a:fld id="{6E115D2A-B720-DA4C-BD7C-758C4A1989AB}" type="datetimeFigureOut">
               <a:rPr kumimoji="1" lang="ko-Kore-KR" altLang="en-US" smtClean="0"/>
-              <a:t>2022. 5. 11.</a:t>
+              <a:t>2022. 5. 14.</a:t>
             </a:fld>
             <a:endParaRPr kumimoji="1" lang="ko-Kore-KR" altLang="en-US"/>
           </a:p>
@@ -3254,7 +3254,7 @@
           <a:p>
             <a:fld id="{6E115D2A-B720-DA4C-BD7C-758C4A1989AB}" type="datetimeFigureOut">
               <a:rPr kumimoji="1" lang="ko-Kore-KR" altLang="en-US" smtClean="0"/>
-              <a:t>2022. 5. 11.</a:t>
+              <a:t>2022. 5. 14.</a:t>
             </a:fld>
             <a:endParaRPr kumimoji="1" lang="ko-Kore-KR" altLang="en-US"/>
           </a:p>
@@ -3543,7 +3543,7 @@
           <a:p>
             <a:fld id="{6E115D2A-B720-DA4C-BD7C-758C4A1989AB}" type="datetimeFigureOut">
               <a:rPr kumimoji="1" lang="ko-Kore-KR" altLang="en-US" smtClean="0"/>
-              <a:t>2022. 5. 11.</a:t>
+              <a:t>2022. 5. 14.</a:t>
             </a:fld>
             <a:endParaRPr kumimoji="1" lang="ko-Kore-KR" altLang="en-US"/>
           </a:p>
@@ -3786,7 +3786,7 @@
           <a:p>
             <a:fld id="{6E115D2A-B720-DA4C-BD7C-758C4A1989AB}" type="datetimeFigureOut">
               <a:rPr kumimoji="1" lang="ko-Kore-KR" altLang="en-US" smtClean="0"/>
-              <a:t>2022. 5. 11.</a:t>
+              <a:t>2022. 5. 14.</a:t>
             </a:fld>
             <a:endParaRPr kumimoji="1" lang="ko-Kore-KR" altLang="en-US"/>
           </a:p>
@@ -9587,8 +9587,8 @@
           </a:p>
         </p:txBody>
       </p:sp>
-      <mc:AlternateContent xmlns:mc="http://schemas.openxmlformats.org/markup-compatibility/2006">
-        <mc:Choice xmlns:p14="http://schemas.microsoft.com/office/powerpoint/2010/main" Requires="p14">
+      <mc:AlternateContent xmlns:mc="http://schemas.openxmlformats.org/markup-compatibility/2006" xmlns:p14="http://schemas.microsoft.com/office/powerpoint/2010/main">
+        <mc:Choice Requires="p14">
           <p:contentPart p14:bwMode="auto" r:id="rId2">
             <p14:nvContentPartPr>
               <p14:cNvPr id="21" name="잉크 20">
@@ -9607,7 +9607,7 @@
             </p14:xfrm>
           </p:contentPart>
         </mc:Choice>
-        <mc:Fallback>
+        <mc:Fallback xmlns="">
           <p:pic>
             <p:nvPicPr>
               <p:cNvPr id="21" name="잉크 20">
@@ -9638,8 +9638,8 @@
           </p:pic>
         </mc:Fallback>
       </mc:AlternateContent>
-      <mc:AlternateContent xmlns:mc="http://schemas.openxmlformats.org/markup-compatibility/2006">
-        <mc:Choice xmlns:p14="http://schemas.microsoft.com/office/powerpoint/2010/main" Requires="p14">
+      <mc:AlternateContent xmlns:mc="http://schemas.openxmlformats.org/markup-compatibility/2006" xmlns:p14="http://schemas.microsoft.com/office/powerpoint/2010/main">
+        <mc:Choice Requires="p14">
           <p:contentPart p14:bwMode="auto" r:id="rId4">
             <p14:nvContentPartPr>
               <p14:cNvPr id="22" name="잉크 21">
@@ -9658,7 +9658,7 @@
             </p14:xfrm>
           </p:contentPart>
         </mc:Choice>
-        <mc:Fallback>
+        <mc:Fallback xmlns="">
           <p:pic>
             <p:nvPicPr>
               <p:cNvPr id="22" name="잉크 21">
@@ -9689,8 +9689,8 @@
           </p:pic>
         </mc:Fallback>
       </mc:AlternateContent>
-      <mc:AlternateContent xmlns:mc="http://schemas.openxmlformats.org/markup-compatibility/2006">
-        <mc:Choice xmlns:p14="http://schemas.microsoft.com/office/powerpoint/2010/main" Requires="p14">
+      <mc:AlternateContent xmlns:mc="http://schemas.openxmlformats.org/markup-compatibility/2006" xmlns:p14="http://schemas.microsoft.com/office/powerpoint/2010/main">
+        <mc:Choice Requires="p14">
           <p:contentPart p14:bwMode="auto" r:id="rId5">
             <p14:nvContentPartPr>
               <p14:cNvPr id="23" name="잉크 22">
@@ -9709,7 +9709,7 @@
             </p14:xfrm>
           </p:contentPart>
         </mc:Choice>
-        <mc:Fallback>
+        <mc:Fallback xmlns="">
           <p:pic>
             <p:nvPicPr>
               <p:cNvPr id="23" name="잉크 22">
@@ -12577,8 +12577,8 @@
           </a:p>
         </p:txBody>
       </p:sp>
-      <mc:AlternateContent xmlns:mc="http://schemas.openxmlformats.org/markup-compatibility/2006">
-        <mc:Choice xmlns:p14="http://schemas.microsoft.com/office/powerpoint/2010/main" Requires="p14">
+      <mc:AlternateContent xmlns:mc="http://schemas.openxmlformats.org/markup-compatibility/2006" xmlns:p14="http://schemas.microsoft.com/office/powerpoint/2010/main">
+        <mc:Choice Requires="p14">
           <p:contentPart p14:bwMode="auto" r:id="rId2">
             <p14:nvContentPartPr>
               <p14:cNvPr id="62" name="잉크 61">
@@ -12597,7 +12597,7 @@
             </p14:xfrm>
           </p:contentPart>
         </mc:Choice>
-        <mc:Fallback>
+        <mc:Fallback xmlns="">
           <p:pic>
             <p:nvPicPr>
               <p:cNvPr id="62" name="잉크 61">
@@ -12628,8 +12628,8 @@
           </p:pic>
         </mc:Fallback>
       </mc:AlternateContent>
-      <mc:AlternateContent xmlns:mc="http://schemas.openxmlformats.org/markup-compatibility/2006">
-        <mc:Choice xmlns:p14="http://schemas.microsoft.com/office/powerpoint/2010/main" Requires="p14">
+      <mc:AlternateContent xmlns:mc="http://schemas.openxmlformats.org/markup-compatibility/2006" xmlns:p14="http://schemas.microsoft.com/office/powerpoint/2010/main">
+        <mc:Choice Requires="p14">
           <p:contentPart p14:bwMode="auto" r:id="rId4">
             <p14:nvContentPartPr>
               <p14:cNvPr id="63" name="잉크 62">
@@ -12648,7 +12648,7 @@
             </p14:xfrm>
           </p:contentPart>
         </mc:Choice>
-        <mc:Fallback>
+        <mc:Fallback xmlns="">
           <p:pic>
             <p:nvPicPr>
               <p:cNvPr id="63" name="잉크 62">
@@ -12679,8 +12679,8 @@
           </p:pic>
         </mc:Fallback>
       </mc:AlternateContent>
-      <mc:AlternateContent xmlns:mc="http://schemas.openxmlformats.org/markup-compatibility/2006">
-        <mc:Choice xmlns:p14="http://schemas.microsoft.com/office/powerpoint/2010/main" Requires="p14">
+      <mc:AlternateContent xmlns:mc="http://schemas.openxmlformats.org/markup-compatibility/2006" xmlns:p14="http://schemas.microsoft.com/office/powerpoint/2010/main">
+        <mc:Choice Requires="p14">
           <p:contentPart p14:bwMode="auto" r:id="rId5">
             <p14:nvContentPartPr>
               <p14:cNvPr id="64" name="잉크 63">
@@ -12699,7 +12699,7 @@
             </p14:xfrm>
           </p:contentPart>
         </mc:Choice>
-        <mc:Fallback>
+        <mc:Fallback xmlns="">
           <p:pic>
             <p:nvPicPr>
               <p:cNvPr id="64" name="잉크 63">
@@ -13963,7 +13963,7 @@
             </a:r>
             <a:r>
               <a:rPr kumimoji="1" lang="ko-KR" altLang="en-US" sz="2500" dirty="0"/>
-              <a:t>상품리스트 검색</a:t>
+              <a:t>상품 정보 검색</a:t>
             </a:r>
             <a:endParaRPr kumimoji="1" lang="ko-Kore-KR" altLang="en-US" sz="2500" dirty="0"/>
           </a:p>
@@ -14131,14 +14131,14 @@
           <p:nvPr>
             <p:extLst>
               <p:ext uri="{D42A27DB-BD31-4B8C-83A1-F6EECF244321}">
-                <p14:modId xmlns:p14="http://schemas.microsoft.com/office/powerpoint/2010/main" val="3811049759"/>
+                <p14:modId xmlns:p14="http://schemas.microsoft.com/office/powerpoint/2010/main" val="68770086"/>
               </p:ext>
             </p:extLst>
           </p:nvPr>
         </p:nvGraphicFramePr>
         <p:xfrm>
           <a:off x="881063" y="845025"/>
-          <a:ext cx="5367110" cy="4282146"/>
+          <a:ext cx="5367110" cy="2900019"/>
         </p:xfrm>
         <a:graphic>
           <a:graphicData uri="http://schemas.openxmlformats.org/drawingml/2006/table">
@@ -14318,7 +14318,7 @@
                       </a:r>
                       <a:r>
                         <a:rPr lang="ko-KR" altLang="en-US" sz="1600" dirty="0"/>
-                        <a:t> 결제 시스템에 결제를 요청한다</a:t>
+                        <a:t> 즉시 구매가 완료된다</a:t>
                       </a:r>
                       <a:r>
                         <a:rPr lang="en-US" altLang="ko-KR" sz="1600" dirty="0"/>
@@ -14340,94 +14340,6 @@
                 <a:extLst>
                   <a:ext uri="{0D108BD9-81ED-4DB2-BD59-A6C34878D82A}">
                     <a16:rowId xmlns:a16="http://schemas.microsoft.com/office/drawing/2014/main" val="276396624"/>
-                  </a:ext>
-                </a:extLst>
-              </a:tr>
-              <a:tr h="1382127">
-                <a:tc>
-                  <a:txBody>
-                    <a:bodyPr/>
-                    <a:lstStyle/>
-                    <a:p>
-                      <a:pPr marL="0" marR="0" lvl="0" indent="0" algn="l" defTabSz="914400" rtl="0" eaLnBrk="1" fontAlgn="auto" latinLnBrk="0" hangingPunct="1">
-                        <a:lnSpc>
-                          <a:spcPct val="100000"/>
-                        </a:lnSpc>
-                        <a:spcBef>
-                          <a:spcPts val="0"/>
-                        </a:spcBef>
-                        <a:spcAft>
-                          <a:spcPts val="0"/>
-                        </a:spcAft>
-                        <a:buClrTx/>
-                        <a:buSzTx/>
-                        <a:buFontTx/>
-                        <a:buNone/>
-                        <a:tabLst/>
-                        <a:defRPr/>
-                      </a:pPr>
-                      <a:r>
-                        <a:rPr lang="en-US" altLang="ko-KR" sz="1600" dirty="0"/>
-                        <a:t>3.</a:t>
-                      </a:r>
-                      <a:r>
-                        <a:rPr lang="ko-KR" altLang="en-US" sz="1600" dirty="0"/>
-                        <a:t> 결제 시스템이 결제를 처리한다</a:t>
-                      </a:r>
-                      <a:r>
-                        <a:rPr lang="en-US" altLang="ko-KR" sz="1600" dirty="0"/>
-                        <a:t>.</a:t>
-                      </a:r>
-                      <a:endParaRPr lang="ko-Kore-KR" altLang="en-US" sz="1600" dirty="0"/>
-                    </a:p>
-                  </a:txBody>
-                  <a:tcPr anchor="ctr">
-                    <a:lnR w="12700" cap="flat" cmpd="sng" algn="ctr">
-                      <a:noFill/>
-                      <a:prstDash val="solid"/>
-                      <a:round/>
-                      <a:headEnd type="none" w="med" len="med"/>
-                      <a:tailEnd type="none" w="med" len="med"/>
-                    </a:lnR>
-                  </a:tcPr>
-                </a:tc>
-                <a:tc>
-                  <a:txBody>
-                    <a:bodyPr/>
-                    <a:lstStyle/>
-                    <a:p>
-                      <a:r>
-                        <a:rPr lang="en-US" altLang="ko-Kore-KR" sz="1600" dirty="0"/>
-                        <a:t>4</a:t>
-                      </a:r>
-                      <a:r>
-                        <a:rPr lang="en-US" altLang="ko-KR" sz="1600" dirty="0"/>
-                        <a:t>.</a:t>
-                      </a:r>
-                      <a:r>
-                        <a:rPr lang="ko-KR" altLang="en-US" sz="1600" dirty="0"/>
-                        <a:t> 구매자에게 결제완료 화면을 출력한다</a:t>
-                      </a:r>
-                      <a:r>
-                        <a:rPr lang="en-US" altLang="ko-KR" sz="1600" dirty="0"/>
-                        <a:t>.</a:t>
-                      </a:r>
-                      <a:endParaRPr lang="ko-Kore-KR" altLang="en-US" sz="1600" dirty="0"/>
-                    </a:p>
-                  </a:txBody>
-                  <a:tcPr anchor="ctr">
-                    <a:lnL w="12700" cap="flat" cmpd="sng" algn="ctr">
-                      <a:noFill/>
-                      <a:prstDash val="solid"/>
-                      <a:round/>
-                      <a:headEnd type="none" w="med" len="med"/>
-                      <a:tailEnd type="none" w="med" len="med"/>
-                    </a:lnL>
-                  </a:tcPr>
-                </a:tc>
-                <a:extLst>
-                  <a:ext uri="{0D108BD9-81ED-4DB2-BD59-A6C34878D82A}">
-                    <a16:rowId xmlns:a16="http://schemas.microsoft.com/office/drawing/2014/main" val="3565079572"/>
                   </a:ext>
                 </a:extLst>
               </a:tr>

--- a/Use case Description.pptx
+++ b/Use case Description.pptx
@@ -532,7 +532,7 @@
           <a:p>
             <a:fld id="{7EDDA4F1-B720-9C4D-A217-48F1C0F06947}" type="datetimeFigureOut">
               <a:rPr kumimoji="1" lang="ko-Kore-KR" altLang="en-US" smtClean="0"/>
-              <a:t>2022. 5. 14.</a:t>
+              <a:t>06/03/2022</a:t>
             </a:fld>
             <a:endParaRPr kumimoji="1" lang="ko-Kore-KR" altLang="en-US"/>
           </a:p>
@@ -1117,7 +1117,7 @@
           <a:p>
             <a:fld id="{6E115D2A-B720-DA4C-BD7C-758C4A1989AB}" type="datetimeFigureOut">
               <a:rPr kumimoji="1" lang="ko-Kore-KR" altLang="en-US" smtClean="0"/>
-              <a:t>2022. 5. 14.</a:t>
+              <a:t>06/03/2022</a:t>
             </a:fld>
             <a:endParaRPr kumimoji="1" lang="ko-Kore-KR" altLang="en-US"/>
           </a:p>
@@ -1317,7 +1317,7 @@
           <a:p>
             <a:fld id="{6E115D2A-B720-DA4C-BD7C-758C4A1989AB}" type="datetimeFigureOut">
               <a:rPr kumimoji="1" lang="ko-Kore-KR" altLang="en-US" smtClean="0"/>
-              <a:t>2022. 5. 14.</a:t>
+              <a:t>06/03/2022</a:t>
             </a:fld>
             <a:endParaRPr kumimoji="1" lang="ko-Kore-KR" altLang="en-US"/>
           </a:p>
@@ -1527,7 +1527,7 @@
           <a:p>
             <a:fld id="{6E115D2A-B720-DA4C-BD7C-758C4A1989AB}" type="datetimeFigureOut">
               <a:rPr kumimoji="1" lang="ko-Kore-KR" altLang="en-US" smtClean="0"/>
-              <a:t>2022. 5. 14.</a:t>
+              <a:t>06/03/2022</a:t>
             </a:fld>
             <a:endParaRPr kumimoji="1" lang="ko-Kore-KR" altLang="en-US"/>
           </a:p>
@@ -1727,7 +1727,7 @@
           <a:p>
             <a:fld id="{6E115D2A-B720-DA4C-BD7C-758C4A1989AB}" type="datetimeFigureOut">
               <a:rPr kumimoji="1" lang="ko-Kore-KR" altLang="en-US" smtClean="0"/>
-              <a:t>2022. 5. 14.</a:t>
+              <a:t>06/03/2022</a:t>
             </a:fld>
             <a:endParaRPr kumimoji="1" lang="ko-Kore-KR" altLang="en-US"/>
           </a:p>
@@ -2003,7 +2003,7 @@
           <a:p>
             <a:fld id="{6E115D2A-B720-DA4C-BD7C-758C4A1989AB}" type="datetimeFigureOut">
               <a:rPr kumimoji="1" lang="ko-Kore-KR" altLang="en-US" smtClean="0"/>
-              <a:t>2022. 5. 14.</a:t>
+              <a:t>06/03/2022</a:t>
             </a:fld>
             <a:endParaRPr kumimoji="1" lang="ko-Kore-KR" altLang="en-US"/>
           </a:p>
@@ -2271,7 +2271,7 @@
           <a:p>
             <a:fld id="{6E115D2A-B720-DA4C-BD7C-758C4A1989AB}" type="datetimeFigureOut">
               <a:rPr kumimoji="1" lang="ko-Kore-KR" altLang="en-US" smtClean="0"/>
-              <a:t>2022. 5. 14.</a:t>
+              <a:t>06/03/2022</a:t>
             </a:fld>
             <a:endParaRPr kumimoji="1" lang="ko-Kore-KR" altLang="en-US"/>
           </a:p>
@@ -2686,7 +2686,7 @@
           <a:p>
             <a:fld id="{6E115D2A-B720-DA4C-BD7C-758C4A1989AB}" type="datetimeFigureOut">
               <a:rPr kumimoji="1" lang="ko-Kore-KR" altLang="en-US" smtClean="0"/>
-              <a:t>2022. 5. 14.</a:t>
+              <a:t>06/03/2022</a:t>
             </a:fld>
             <a:endParaRPr kumimoji="1" lang="ko-Kore-KR" altLang="en-US"/>
           </a:p>
@@ -2828,7 +2828,7 @@
           <a:p>
             <a:fld id="{6E115D2A-B720-DA4C-BD7C-758C4A1989AB}" type="datetimeFigureOut">
               <a:rPr kumimoji="1" lang="ko-Kore-KR" altLang="en-US" smtClean="0"/>
-              <a:t>2022. 5. 14.</a:t>
+              <a:t>06/03/2022</a:t>
             </a:fld>
             <a:endParaRPr kumimoji="1" lang="ko-Kore-KR" altLang="en-US"/>
           </a:p>
@@ -2941,7 +2941,7 @@
           <a:p>
             <a:fld id="{6E115D2A-B720-DA4C-BD7C-758C4A1989AB}" type="datetimeFigureOut">
               <a:rPr kumimoji="1" lang="ko-Kore-KR" altLang="en-US" smtClean="0"/>
-              <a:t>2022. 5. 14.</a:t>
+              <a:t>06/03/2022</a:t>
             </a:fld>
             <a:endParaRPr kumimoji="1" lang="ko-Kore-KR" altLang="en-US"/>
           </a:p>
@@ -3254,7 +3254,7 @@
           <a:p>
             <a:fld id="{6E115D2A-B720-DA4C-BD7C-758C4A1989AB}" type="datetimeFigureOut">
               <a:rPr kumimoji="1" lang="ko-Kore-KR" altLang="en-US" smtClean="0"/>
-              <a:t>2022. 5. 14.</a:t>
+              <a:t>06/03/2022</a:t>
             </a:fld>
             <a:endParaRPr kumimoji="1" lang="ko-Kore-KR" altLang="en-US"/>
           </a:p>
@@ -3543,7 +3543,7 @@
           <a:p>
             <a:fld id="{6E115D2A-B720-DA4C-BD7C-758C4A1989AB}" type="datetimeFigureOut">
               <a:rPr kumimoji="1" lang="ko-Kore-KR" altLang="en-US" smtClean="0"/>
-              <a:t>2022. 5. 14.</a:t>
+              <a:t>06/03/2022</a:t>
             </a:fld>
             <a:endParaRPr kumimoji="1" lang="ko-Kore-KR" altLang="en-US"/>
           </a:p>
@@ -3786,7 +3786,7 @@
           <a:p>
             <a:fld id="{6E115D2A-B720-DA4C-BD7C-758C4A1989AB}" type="datetimeFigureOut">
               <a:rPr kumimoji="1" lang="ko-Kore-KR" altLang="en-US" smtClean="0"/>
-              <a:t>2022. 5. 14.</a:t>
+              <a:t>06/03/2022</a:t>
             </a:fld>
             <a:endParaRPr kumimoji="1" lang="ko-Kore-KR" altLang="en-US"/>
           </a:p>
@@ -9087,7 +9087,7 @@
         <p:spPr>
           <a:xfrm>
             <a:off x="584500" y="442932"/>
-            <a:ext cx="5144293" cy="553998"/>
+            <a:ext cx="5230856" cy="553998"/>
           </a:xfrm>
           <a:prstGeom prst="rect">
             <a:avLst/>
@@ -9102,7 +9102,7 @@
           <a:p>
             <a:r>
               <a:rPr kumimoji="1" lang="en-US" altLang="ko-Kore-KR" sz="3000" dirty="0"/>
-              <a:t>Use case Description :</a:t>
+              <a:t>Use case Description : </a:t>
             </a:r>
             <a:r>
               <a:rPr kumimoji="1" lang="ko-Kore-KR" altLang="en-US" sz="3000" dirty="0"/>
